--- a/factors.pptx
+++ b/factors.pptx
@@ -106,7 +106,7 @@
   </p:defaultTextStyle>
   <p:extLst>
     <p:ext uri="{EFAFB233-063F-42B5-8137-9DF3F51BA10A}">
-      <p15:sldGuideLst xmlns:p15="http://schemas.microsoft.com/office/powerpoint/2012/main"/>
+      <p15:sldGuideLst xmlns:p15="http://schemas.microsoft.com/office/powerpoint/2012/main" xmlns=""/>
     </p:ext>
   </p:extLst>
 </p:presentation>
@@ -1348,8 +1348,16 @@
         <a:lstStyle/>
         <a:p>
           <a:r>
+            <a:rPr lang="en-US" dirty="0" err="1" smtClean="0"/>
+            <a:t>QoQ</a:t>
+          </a:r>
+          <a:r>
+            <a:rPr lang="en-US" dirty="0" smtClean="0"/>
+            <a:t> </a:t>
+          </a:r>
+          <a:r>
             <a:rPr lang="en-US" dirty="0"/>
-            <a:t>Expected GDP Growth</a:t>
+            <a:t>GDP Growth</a:t>
           </a:r>
         </a:p>
       </dgm:t>
@@ -1604,6 +1612,13 @@
         </dgm:presLayoutVars>
       </dgm:prSet>
       <dgm:spPr/>
+      <dgm:t>
+        <a:bodyPr/>
+        <a:lstStyle/>
+        <a:p>
+          <a:endParaRPr lang="en-US"/>
+        </a:p>
+      </dgm:t>
     </dgm:pt>
     <dgm:pt modelId="{45FC5C96-3820-4EDB-A39B-DA49F664CAB4}" type="pres">
       <dgm:prSet presAssocID="{11AD3FAC-CE2C-4BF5-98D5-F96D1E1069F3}" presName="hierRoot1" presStyleCnt="0">
@@ -1624,10 +1639,24 @@
         </dgm:presLayoutVars>
       </dgm:prSet>
       <dgm:spPr/>
+      <dgm:t>
+        <a:bodyPr/>
+        <a:lstStyle/>
+        <a:p>
+          <a:endParaRPr lang="en-US"/>
+        </a:p>
+      </dgm:t>
     </dgm:pt>
     <dgm:pt modelId="{7F64D181-DB63-4247-9CA9-6DA9848590BA}" type="pres">
       <dgm:prSet presAssocID="{11AD3FAC-CE2C-4BF5-98D5-F96D1E1069F3}" presName="rootConnector1" presStyleLbl="node1" presStyleIdx="0" presStyleCnt="0"/>
       <dgm:spPr/>
+      <dgm:t>
+        <a:bodyPr/>
+        <a:lstStyle/>
+        <a:p>
+          <a:endParaRPr lang="en-US"/>
+        </a:p>
+      </dgm:t>
     </dgm:pt>
     <dgm:pt modelId="{5D70E1C4-21EB-4F1D-A422-E76B8AB2433F}" type="pres">
       <dgm:prSet presAssocID="{11AD3FAC-CE2C-4BF5-98D5-F96D1E1069F3}" presName="hierChild2" presStyleCnt="0"/>
@@ -1636,6 +1665,13 @@
     <dgm:pt modelId="{C7A0E339-BFBB-45CC-9DFE-88B68E9EA7A1}" type="pres">
       <dgm:prSet presAssocID="{D3DE520E-BA57-4D2B-9AB0-F0E8C5EC673A}" presName="Name37" presStyleLbl="parChTrans1D2" presStyleIdx="0" presStyleCnt="1"/>
       <dgm:spPr/>
+      <dgm:t>
+        <a:bodyPr/>
+        <a:lstStyle/>
+        <a:p>
+          <a:endParaRPr lang="en-US"/>
+        </a:p>
+      </dgm:t>
     </dgm:pt>
     <dgm:pt modelId="{6ADC3425-90B0-4EC6-B7C7-444EF76F3F21}" type="pres">
       <dgm:prSet presAssocID="{6F49CECE-5543-4B62-B83F-169C4977D00E}" presName="hierRoot2" presStyleCnt="0">
@@ -1656,10 +1692,24 @@
         </dgm:presLayoutVars>
       </dgm:prSet>
       <dgm:spPr/>
+      <dgm:t>
+        <a:bodyPr/>
+        <a:lstStyle/>
+        <a:p>
+          <a:endParaRPr lang="en-US"/>
+        </a:p>
+      </dgm:t>
     </dgm:pt>
     <dgm:pt modelId="{FCB81601-52E9-4994-943C-D44AA55B15FE}" type="pres">
       <dgm:prSet presAssocID="{6F49CECE-5543-4B62-B83F-169C4977D00E}" presName="rootConnector" presStyleLbl="node2" presStyleIdx="0" presStyleCnt="1"/>
       <dgm:spPr/>
+      <dgm:t>
+        <a:bodyPr/>
+        <a:lstStyle/>
+        <a:p>
+          <a:endParaRPr lang="en-US"/>
+        </a:p>
+      </dgm:t>
     </dgm:pt>
     <dgm:pt modelId="{4604E187-F85D-478C-80E0-9ECA59C8D962}" type="pres">
       <dgm:prSet presAssocID="{6F49CECE-5543-4B62-B83F-169C4977D00E}" presName="hierChild4" presStyleCnt="0"/>
@@ -1668,6 +1718,13 @@
     <dgm:pt modelId="{A8BE3D33-202F-4B78-BACF-C4CB91985458}" type="pres">
       <dgm:prSet presAssocID="{CCA2B529-B580-4CAA-85C2-8BE46A70C260}" presName="Name37" presStyleLbl="parChTrans1D3" presStyleIdx="0" presStyleCnt="4"/>
       <dgm:spPr/>
+      <dgm:t>
+        <a:bodyPr/>
+        <a:lstStyle/>
+        <a:p>
+          <a:endParaRPr lang="en-US"/>
+        </a:p>
+      </dgm:t>
     </dgm:pt>
     <dgm:pt modelId="{4C4D929F-5D13-41AE-B75B-085D747A90EB}" type="pres">
       <dgm:prSet presAssocID="{C5A0C7CB-0031-4159-BB53-FA8343CB9558}" presName="hierRoot2" presStyleCnt="0">
@@ -1688,10 +1745,24 @@
         </dgm:presLayoutVars>
       </dgm:prSet>
       <dgm:spPr/>
+      <dgm:t>
+        <a:bodyPr/>
+        <a:lstStyle/>
+        <a:p>
+          <a:endParaRPr lang="en-US"/>
+        </a:p>
+      </dgm:t>
     </dgm:pt>
     <dgm:pt modelId="{5C7F4BF0-E6A3-4F37-B2A7-B5EA6F899DB3}" type="pres">
       <dgm:prSet presAssocID="{C5A0C7CB-0031-4159-BB53-FA8343CB9558}" presName="rootConnector" presStyleLbl="node3" presStyleIdx="0" presStyleCnt="4"/>
       <dgm:spPr/>
+      <dgm:t>
+        <a:bodyPr/>
+        <a:lstStyle/>
+        <a:p>
+          <a:endParaRPr lang="en-US"/>
+        </a:p>
+      </dgm:t>
     </dgm:pt>
     <dgm:pt modelId="{3479C8E6-F94D-48FD-BA05-EBBAFBFF651A}" type="pres">
       <dgm:prSet presAssocID="{C5A0C7CB-0031-4159-BB53-FA8343CB9558}" presName="hierChild4" presStyleCnt="0"/>
@@ -1700,6 +1771,13 @@
     <dgm:pt modelId="{12C09BAD-4169-4A5B-A324-4C3841F7A0F6}" type="pres">
       <dgm:prSet presAssocID="{1C58E7D9-DF76-4E55-ADEE-EF79CE6B1872}" presName="Name37" presStyleLbl="parChTrans1D4" presStyleIdx="0" presStyleCnt="13"/>
       <dgm:spPr/>
+      <dgm:t>
+        <a:bodyPr/>
+        <a:lstStyle/>
+        <a:p>
+          <a:endParaRPr lang="en-US"/>
+        </a:p>
+      </dgm:t>
     </dgm:pt>
     <dgm:pt modelId="{0CFFE965-A37E-49FD-8213-204B301501DE}" type="pres">
       <dgm:prSet presAssocID="{3A48E1CA-AC4A-45C6-81B0-46F7E75476EE}" presName="hierRoot2" presStyleCnt="0">
@@ -1720,10 +1798,24 @@
         </dgm:presLayoutVars>
       </dgm:prSet>
       <dgm:spPr/>
+      <dgm:t>
+        <a:bodyPr/>
+        <a:lstStyle/>
+        <a:p>
+          <a:endParaRPr lang="en-US"/>
+        </a:p>
+      </dgm:t>
     </dgm:pt>
     <dgm:pt modelId="{581E77F2-6530-4657-B911-9D5FCFEFE76E}" type="pres">
       <dgm:prSet presAssocID="{3A48E1CA-AC4A-45C6-81B0-46F7E75476EE}" presName="rootConnector" presStyleLbl="node4" presStyleIdx="0" presStyleCnt="13"/>
       <dgm:spPr/>
+      <dgm:t>
+        <a:bodyPr/>
+        <a:lstStyle/>
+        <a:p>
+          <a:endParaRPr lang="en-US"/>
+        </a:p>
+      </dgm:t>
     </dgm:pt>
     <dgm:pt modelId="{039BDAB1-EA0E-485A-9CCB-B100530A9852}" type="pres">
       <dgm:prSet presAssocID="{3A48E1CA-AC4A-45C6-81B0-46F7E75476EE}" presName="hierChild4" presStyleCnt="0"/>
@@ -1736,6 +1828,13 @@
     <dgm:pt modelId="{6CF77085-0E58-4071-A531-5CE91F8DA348}" type="pres">
       <dgm:prSet presAssocID="{5FE32230-A646-4579-AA11-A29DF7BEB819}" presName="Name37" presStyleLbl="parChTrans1D4" presStyleIdx="1" presStyleCnt="13"/>
       <dgm:spPr/>
+      <dgm:t>
+        <a:bodyPr/>
+        <a:lstStyle/>
+        <a:p>
+          <a:endParaRPr lang="en-US"/>
+        </a:p>
+      </dgm:t>
     </dgm:pt>
     <dgm:pt modelId="{3AFE36BC-E5D2-4DC4-9057-C41D8BE1D2EE}" type="pres">
       <dgm:prSet presAssocID="{26A2C07E-9DD6-430B-9316-E4F456AF3D58}" presName="hierRoot2" presStyleCnt="0">
@@ -1756,10 +1855,24 @@
         </dgm:presLayoutVars>
       </dgm:prSet>
       <dgm:spPr/>
+      <dgm:t>
+        <a:bodyPr/>
+        <a:lstStyle/>
+        <a:p>
+          <a:endParaRPr lang="en-US"/>
+        </a:p>
+      </dgm:t>
     </dgm:pt>
     <dgm:pt modelId="{C3400AA3-CE18-4619-AAFF-ABBA4687A208}" type="pres">
       <dgm:prSet presAssocID="{26A2C07E-9DD6-430B-9316-E4F456AF3D58}" presName="rootConnector" presStyleLbl="node4" presStyleIdx="1" presStyleCnt="13"/>
       <dgm:spPr/>
+      <dgm:t>
+        <a:bodyPr/>
+        <a:lstStyle/>
+        <a:p>
+          <a:endParaRPr lang="en-US"/>
+        </a:p>
+      </dgm:t>
     </dgm:pt>
     <dgm:pt modelId="{911092F3-2351-4678-B32A-9FA821E5E3BF}" type="pres">
       <dgm:prSet presAssocID="{26A2C07E-9DD6-430B-9316-E4F456AF3D58}" presName="hierChild4" presStyleCnt="0"/>
@@ -1776,6 +1889,13 @@
     <dgm:pt modelId="{3ADED271-00FF-4B63-A289-DD03469DE526}" type="pres">
       <dgm:prSet presAssocID="{05C0BBE8-0665-4D30-A416-9C56A063806A}" presName="Name37" presStyleLbl="parChTrans1D3" presStyleIdx="1" presStyleCnt="4"/>
       <dgm:spPr/>
+      <dgm:t>
+        <a:bodyPr/>
+        <a:lstStyle/>
+        <a:p>
+          <a:endParaRPr lang="en-US"/>
+        </a:p>
+      </dgm:t>
     </dgm:pt>
     <dgm:pt modelId="{E13D3675-6E18-413E-A9A8-8D4FE128560F}" type="pres">
       <dgm:prSet presAssocID="{2A4E46BE-C195-430B-A3CE-261648F9B604}" presName="hierRoot2" presStyleCnt="0">
@@ -1796,10 +1916,24 @@
         </dgm:presLayoutVars>
       </dgm:prSet>
       <dgm:spPr/>
+      <dgm:t>
+        <a:bodyPr/>
+        <a:lstStyle/>
+        <a:p>
+          <a:endParaRPr lang="en-US"/>
+        </a:p>
+      </dgm:t>
     </dgm:pt>
     <dgm:pt modelId="{56FC41C9-994A-4EF6-91C4-1F041955A636}" type="pres">
       <dgm:prSet presAssocID="{2A4E46BE-C195-430B-A3CE-261648F9B604}" presName="rootConnector" presStyleLbl="node3" presStyleIdx="1" presStyleCnt="4"/>
       <dgm:spPr/>
+      <dgm:t>
+        <a:bodyPr/>
+        <a:lstStyle/>
+        <a:p>
+          <a:endParaRPr lang="en-US"/>
+        </a:p>
+      </dgm:t>
     </dgm:pt>
     <dgm:pt modelId="{A4DEE2B2-809B-4A22-B0E3-91C324A7D237}" type="pres">
       <dgm:prSet presAssocID="{2A4E46BE-C195-430B-A3CE-261648F9B604}" presName="hierChild4" presStyleCnt="0"/>
@@ -1808,6 +1942,13 @@
     <dgm:pt modelId="{CF3C7871-4303-48A3-BB4A-7A86D6B4721D}" type="pres">
       <dgm:prSet presAssocID="{A8E88150-2DB6-46FA-A852-43051AFC02CB}" presName="Name37" presStyleLbl="parChTrans1D4" presStyleIdx="2" presStyleCnt="13"/>
       <dgm:spPr/>
+      <dgm:t>
+        <a:bodyPr/>
+        <a:lstStyle/>
+        <a:p>
+          <a:endParaRPr lang="en-US"/>
+        </a:p>
+      </dgm:t>
     </dgm:pt>
     <dgm:pt modelId="{86E69363-49AF-4656-94E0-9142FB8A9778}" type="pres">
       <dgm:prSet presAssocID="{5DBC26DE-3F6D-4591-B844-2BDA42210872}" presName="hierRoot2" presStyleCnt="0">
@@ -1828,10 +1969,24 @@
         </dgm:presLayoutVars>
       </dgm:prSet>
       <dgm:spPr/>
+      <dgm:t>
+        <a:bodyPr/>
+        <a:lstStyle/>
+        <a:p>
+          <a:endParaRPr lang="en-US"/>
+        </a:p>
+      </dgm:t>
     </dgm:pt>
     <dgm:pt modelId="{AEA55E03-C54A-4EA4-9BDB-2776081E2FA7}" type="pres">
       <dgm:prSet presAssocID="{5DBC26DE-3F6D-4591-B844-2BDA42210872}" presName="rootConnector" presStyleLbl="node4" presStyleIdx="2" presStyleCnt="13"/>
       <dgm:spPr/>
+      <dgm:t>
+        <a:bodyPr/>
+        <a:lstStyle/>
+        <a:p>
+          <a:endParaRPr lang="en-US"/>
+        </a:p>
+      </dgm:t>
     </dgm:pt>
     <dgm:pt modelId="{81C06704-D56E-4057-AC93-D02403E5D45F}" type="pres">
       <dgm:prSet presAssocID="{5DBC26DE-3F6D-4591-B844-2BDA42210872}" presName="hierChild4" presStyleCnt="0"/>
@@ -1844,6 +1999,13 @@
     <dgm:pt modelId="{3DEBF5CE-5AAD-47A7-BA08-04DF2AC62CDD}" type="pres">
       <dgm:prSet presAssocID="{918282B8-17D7-4E07-986D-BDC37D84C030}" presName="Name37" presStyleLbl="parChTrans1D4" presStyleIdx="3" presStyleCnt="13"/>
       <dgm:spPr/>
+      <dgm:t>
+        <a:bodyPr/>
+        <a:lstStyle/>
+        <a:p>
+          <a:endParaRPr lang="en-US"/>
+        </a:p>
+      </dgm:t>
     </dgm:pt>
     <dgm:pt modelId="{8AE3AA51-D770-4D6B-A618-5E7F3E7BFCA0}" type="pres">
       <dgm:prSet presAssocID="{3D0AB795-C8F5-410B-8C70-7E70771A456A}" presName="hierRoot2" presStyleCnt="0">
@@ -1864,10 +2026,24 @@
         </dgm:presLayoutVars>
       </dgm:prSet>
       <dgm:spPr/>
+      <dgm:t>
+        <a:bodyPr/>
+        <a:lstStyle/>
+        <a:p>
+          <a:endParaRPr lang="en-US"/>
+        </a:p>
+      </dgm:t>
     </dgm:pt>
     <dgm:pt modelId="{EEE5D1A4-30A3-479F-8F91-9D27C0765055}" type="pres">
       <dgm:prSet presAssocID="{3D0AB795-C8F5-410B-8C70-7E70771A456A}" presName="rootConnector" presStyleLbl="node4" presStyleIdx="3" presStyleCnt="13"/>
       <dgm:spPr/>
+      <dgm:t>
+        <a:bodyPr/>
+        <a:lstStyle/>
+        <a:p>
+          <a:endParaRPr lang="en-US"/>
+        </a:p>
+      </dgm:t>
     </dgm:pt>
     <dgm:pt modelId="{2830EAA0-37E2-48B5-9F71-378C3D6EB2D9}" type="pres">
       <dgm:prSet presAssocID="{3D0AB795-C8F5-410B-8C70-7E70771A456A}" presName="hierChild4" presStyleCnt="0"/>
@@ -1880,6 +2056,13 @@
     <dgm:pt modelId="{AEE27075-2A19-4E8B-B9FC-003EACF0E2C9}" type="pres">
       <dgm:prSet presAssocID="{09180BF8-9BB0-4837-87C9-A31B615AF06B}" presName="Name37" presStyleLbl="parChTrans1D4" presStyleIdx="4" presStyleCnt="13"/>
       <dgm:spPr/>
+      <dgm:t>
+        <a:bodyPr/>
+        <a:lstStyle/>
+        <a:p>
+          <a:endParaRPr lang="en-US"/>
+        </a:p>
+      </dgm:t>
     </dgm:pt>
     <dgm:pt modelId="{D8096E8D-CE6C-472D-9C3A-1FE7755CA72B}" type="pres">
       <dgm:prSet presAssocID="{8B766CED-AF48-4A51-AFEA-B506C25FF9CE}" presName="hierRoot2" presStyleCnt="0">
@@ -1900,10 +2083,24 @@
         </dgm:presLayoutVars>
       </dgm:prSet>
       <dgm:spPr/>
+      <dgm:t>
+        <a:bodyPr/>
+        <a:lstStyle/>
+        <a:p>
+          <a:endParaRPr lang="en-US"/>
+        </a:p>
+      </dgm:t>
     </dgm:pt>
     <dgm:pt modelId="{E1E4BAA3-2C9C-4F78-9729-B712AC892362}" type="pres">
       <dgm:prSet presAssocID="{8B766CED-AF48-4A51-AFEA-B506C25FF9CE}" presName="rootConnector" presStyleLbl="node4" presStyleIdx="4" presStyleCnt="13"/>
       <dgm:spPr/>
+      <dgm:t>
+        <a:bodyPr/>
+        <a:lstStyle/>
+        <a:p>
+          <a:endParaRPr lang="en-US"/>
+        </a:p>
+      </dgm:t>
     </dgm:pt>
     <dgm:pt modelId="{ACD5D241-3067-4F0D-955C-3C731EEA71D9}" type="pres">
       <dgm:prSet presAssocID="{8B766CED-AF48-4A51-AFEA-B506C25FF9CE}" presName="hierChild4" presStyleCnt="0"/>
@@ -1916,6 +2113,13 @@
     <dgm:pt modelId="{71C08850-6C20-40D7-86A2-D9FD0A3CCF87}" type="pres">
       <dgm:prSet presAssocID="{63B6199B-540A-42F9-8A18-8DFF59807143}" presName="Name37" presStyleLbl="parChTrans1D4" presStyleIdx="5" presStyleCnt="13"/>
       <dgm:spPr/>
+      <dgm:t>
+        <a:bodyPr/>
+        <a:lstStyle/>
+        <a:p>
+          <a:endParaRPr lang="en-US"/>
+        </a:p>
+      </dgm:t>
     </dgm:pt>
     <dgm:pt modelId="{32F8E0D1-70BA-4BAD-BB34-B68502503B63}" type="pres">
       <dgm:prSet presAssocID="{A57537C8-D3B4-4574-A41F-A2E2552D7B2A}" presName="hierRoot2" presStyleCnt="0">
@@ -1936,10 +2140,24 @@
         </dgm:presLayoutVars>
       </dgm:prSet>
       <dgm:spPr/>
+      <dgm:t>
+        <a:bodyPr/>
+        <a:lstStyle/>
+        <a:p>
+          <a:endParaRPr lang="en-US"/>
+        </a:p>
+      </dgm:t>
     </dgm:pt>
     <dgm:pt modelId="{82F11D74-D82B-4C81-BA30-AF919B5FCD5E}" type="pres">
       <dgm:prSet presAssocID="{A57537C8-D3B4-4574-A41F-A2E2552D7B2A}" presName="rootConnector" presStyleLbl="node4" presStyleIdx="5" presStyleCnt="13"/>
       <dgm:spPr/>
+      <dgm:t>
+        <a:bodyPr/>
+        <a:lstStyle/>
+        <a:p>
+          <a:endParaRPr lang="en-US"/>
+        </a:p>
+      </dgm:t>
     </dgm:pt>
     <dgm:pt modelId="{1484AB92-89A6-4C28-86E0-AEAC74D83864}" type="pres">
       <dgm:prSet presAssocID="{A57537C8-D3B4-4574-A41F-A2E2552D7B2A}" presName="hierChild4" presStyleCnt="0"/>
@@ -1956,6 +2174,13 @@
     <dgm:pt modelId="{06C39927-640E-4F06-9A9C-9EDA030074EE}" type="pres">
       <dgm:prSet presAssocID="{0F43290D-0DEA-41F8-906D-B28EE356A089}" presName="Name37" presStyleLbl="parChTrans1D3" presStyleIdx="2" presStyleCnt="4"/>
       <dgm:spPr/>
+      <dgm:t>
+        <a:bodyPr/>
+        <a:lstStyle/>
+        <a:p>
+          <a:endParaRPr lang="en-US"/>
+        </a:p>
+      </dgm:t>
     </dgm:pt>
     <dgm:pt modelId="{8A44FE49-ACCB-4799-BA7F-095F28D4DD3C}" type="pres">
       <dgm:prSet presAssocID="{CBF0074A-0FC7-4077-BCF9-CEB59150AFC8}" presName="hierRoot2" presStyleCnt="0">
@@ -1976,10 +2201,24 @@
         </dgm:presLayoutVars>
       </dgm:prSet>
       <dgm:spPr/>
+      <dgm:t>
+        <a:bodyPr/>
+        <a:lstStyle/>
+        <a:p>
+          <a:endParaRPr lang="en-US"/>
+        </a:p>
+      </dgm:t>
     </dgm:pt>
     <dgm:pt modelId="{21889749-E84D-45E7-B2D5-FFE07A040AC9}" type="pres">
       <dgm:prSet presAssocID="{CBF0074A-0FC7-4077-BCF9-CEB59150AFC8}" presName="rootConnector" presStyleLbl="node3" presStyleIdx="2" presStyleCnt="4"/>
       <dgm:spPr/>
+      <dgm:t>
+        <a:bodyPr/>
+        <a:lstStyle/>
+        <a:p>
+          <a:endParaRPr lang="en-US"/>
+        </a:p>
+      </dgm:t>
     </dgm:pt>
     <dgm:pt modelId="{62E8F37F-05D6-4A12-86EE-82F86FD13AEE}" type="pres">
       <dgm:prSet presAssocID="{CBF0074A-0FC7-4077-BCF9-CEB59150AFC8}" presName="hierChild4" presStyleCnt="0"/>
@@ -1988,6 +2227,13 @@
     <dgm:pt modelId="{F2A0CB5F-BBE7-4880-9B72-74572386B4E4}" type="pres">
       <dgm:prSet presAssocID="{01B93828-B211-4FCF-92FE-46C1C9C80484}" presName="Name37" presStyleLbl="parChTrans1D4" presStyleIdx="6" presStyleCnt="13"/>
       <dgm:spPr/>
+      <dgm:t>
+        <a:bodyPr/>
+        <a:lstStyle/>
+        <a:p>
+          <a:endParaRPr lang="en-US"/>
+        </a:p>
+      </dgm:t>
     </dgm:pt>
     <dgm:pt modelId="{E5BE672B-1C01-44E8-9372-9E496F99BF39}" type="pres">
       <dgm:prSet presAssocID="{7F46ACF6-CFF7-483E-8437-D6501DD735C9}" presName="hierRoot2" presStyleCnt="0">
@@ -2008,10 +2254,24 @@
         </dgm:presLayoutVars>
       </dgm:prSet>
       <dgm:spPr/>
+      <dgm:t>
+        <a:bodyPr/>
+        <a:lstStyle/>
+        <a:p>
+          <a:endParaRPr lang="en-US"/>
+        </a:p>
+      </dgm:t>
     </dgm:pt>
     <dgm:pt modelId="{FD456E50-5289-4FBB-BB08-49EC87D76EBD}" type="pres">
       <dgm:prSet presAssocID="{7F46ACF6-CFF7-483E-8437-D6501DD735C9}" presName="rootConnector" presStyleLbl="node4" presStyleIdx="6" presStyleCnt="13"/>
       <dgm:spPr/>
+      <dgm:t>
+        <a:bodyPr/>
+        <a:lstStyle/>
+        <a:p>
+          <a:endParaRPr lang="en-US"/>
+        </a:p>
+      </dgm:t>
     </dgm:pt>
     <dgm:pt modelId="{7ACC8D40-57CC-4818-8F00-A0014A9C7EA5}" type="pres">
       <dgm:prSet presAssocID="{7F46ACF6-CFF7-483E-8437-D6501DD735C9}" presName="hierChild4" presStyleCnt="0"/>
@@ -2024,6 +2284,13 @@
     <dgm:pt modelId="{4FC84424-77B3-4BAD-A376-197D931F1926}" type="pres">
       <dgm:prSet presAssocID="{5452ED12-D44F-4B0C-85CC-760D8ED00141}" presName="Name37" presStyleLbl="parChTrans1D4" presStyleIdx="7" presStyleCnt="13"/>
       <dgm:spPr/>
+      <dgm:t>
+        <a:bodyPr/>
+        <a:lstStyle/>
+        <a:p>
+          <a:endParaRPr lang="en-US"/>
+        </a:p>
+      </dgm:t>
     </dgm:pt>
     <dgm:pt modelId="{6888FF10-8BFE-4480-AFEA-EBBDDE3C7658}" type="pres">
       <dgm:prSet presAssocID="{F20C8FF4-9862-4DF9-806F-B90D55ADE098}" presName="hierRoot2" presStyleCnt="0">
@@ -2044,10 +2311,24 @@
         </dgm:presLayoutVars>
       </dgm:prSet>
       <dgm:spPr/>
+      <dgm:t>
+        <a:bodyPr/>
+        <a:lstStyle/>
+        <a:p>
+          <a:endParaRPr lang="en-US"/>
+        </a:p>
+      </dgm:t>
     </dgm:pt>
     <dgm:pt modelId="{62B8E97A-45F3-49CB-8798-FCFDBA6EB4CE}" type="pres">
       <dgm:prSet presAssocID="{F20C8FF4-9862-4DF9-806F-B90D55ADE098}" presName="rootConnector" presStyleLbl="node4" presStyleIdx="7" presStyleCnt="13"/>
       <dgm:spPr/>
+      <dgm:t>
+        <a:bodyPr/>
+        <a:lstStyle/>
+        <a:p>
+          <a:endParaRPr lang="en-US"/>
+        </a:p>
+      </dgm:t>
     </dgm:pt>
     <dgm:pt modelId="{D50725E9-9A3A-4A06-8E90-C3B34AEEB6B8}" type="pres">
       <dgm:prSet presAssocID="{F20C8FF4-9862-4DF9-806F-B90D55ADE098}" presName="hierChild4" presStyleCnt="0"/>
@@ -2060,6 +2341,13 @@
     <dgm:pt modelId="{15A61DF0-AC49-4E69-9546-90778A86DEB3}" type="pres">
       <dgm:prSet presAssocID="{76085044-8EBB-4871-88EA-33CBECC08835}" presName="Name37" presStyleLbl="parChTrans1D4" presStyleIdx="8" presStyleCnt="13"/>
       <dgm:spPr/>
+      <dgm:t>
+        <a:bodyPr/>
+        <a:lstStyle/>
+        <a:p>
+          <a:endParaRPr lang="en-US"/>
+        </a:p>
+      </dgm:t>
     </dgm:pt>
     <dgm:pt modelId="{442BFDE0-2E14-4E63-AB60-120E9C7FF3DF}" type="pres">
       <dgm:prSet presAssocID="{3FA2808F-BB87-4A68-8BE2-20841C7DF183}" presName="hierRoot2" presStyleCnt="0">
@@ -2080,10 +2368,24 @@
         </dgm:presLayoutVars>
       </dgm:prSet>
       <dgm:spPr/>
+      <dgm:t>
+        <a:bodyPr/>
+        <a:lstStyle/>
+        <a:p>
+          <a:endParaRPr lang="en-US"/>
+        </a:p>
+      </dgm:t>
     </dgm:pt>
     <dgm:pt modelId="{853316CE-83C9-44FB-9CD1-461AD4922901}" type="pres">
       <dgm:prSet presAssocID="{3FA2808F-BB87-4A68-8BE2-20841C7DF183}" presName="rootConnector" presStyleLbl="node4" presStyleIdx="8" presStyleCnt="13"/>
       <dgm:spPr/>
+      <dgm:t>
+        <a:bodyPr/>
+        <a:lstStyle/>
+        <a:p>
+          <a:endParaRPr lang="en-US"/>
+        </a:p>
+      </dgm:t>
     </dgm:pt>
     <dgm:pt modelId="{E18BF7FA-F3AD-4C93-BF71-33F5B4E98C17}" type="pres">
       <dgm:prSet presAssocID="{3FA2808F-BB87-4A68-8BE2-20841C7DF183}" presName="hierChild4" presStyleCnt="0"/>
@@ -2096,6 +2398,13 @@
     <dgm:pt modelId="{FA1C85F5-EB77-4684-8A8B-A31BFC407067}" type="pres">
       <dgm:prSet presAssocID="{745DD6E8-C64C-4AE8-A101-F8AD12DE56B3}" presName="Name37" presStyleLbl="parChTrans1D4" presStyleIdx="9" presStyleCnt="13"/>
       <dgm:spPr/>
+      <dgm:t>
+        <a:bodyPr/>
+        <a:lstStyle/>
+        <a:p>
+          <a:endParaRPr lang="en-US"/>
+        </a:p>
+      </dgm:t>
     </dgm:pt>
     <dgm:pt modelId="{627DF487-CE70-4706-A281-8DE22DE7F37A}" type="pres">
       <dgm:prSet presAssocID="{822D2ADF-B5A2-4854-B448-654CBB195991}" presName="hierRoot2" presStyleCnt="0">
@@ -2116,10 +2425,24 @@
         </dgm:presLayoutVars>
       </dgm:prSet>
       <dgm:spPr/>
+      <dgm:t>
+        <a:bodyPr/>
+        <a:lstStyle/>
+        <a:p>
+          <a:endParaRPr lang="en-US"/>
+        </a:p>
+      </dgm:t>
     </dgm:pt>
     <dgm:pt modelId="{4B05AF45-3B20-4BCF-B0B2-1C0BE009630D}" type="pres">
       <dgm:prSet presAssocID="{822D2ADF-B5A2-4854-B448-654CBB195991}" presName="rootConnector" presStyleLbl="node4" presStyleIdx="9" presStyleCnt="13"/>
       <dgm:spPr/>
+      <dgm:t>
+        <a:bodyPr/>
+        <a:lstStyle/>
+        <a:p>
+          <a:endParaRPr lang="en-US"/>
+        </a:p>
+      </dgm:t>
     </dgm:pt>
     <dgm:pt modelId="{8856E088-F302-4C3E-9752-F76B50804209}" type="pres">
       <dgm:prSet presAssocID="{822D2ADF-B5A2-4854-B448-654CBB195991}" presName="hierChild4" presStyleCnt="0"/>
@@ -2136,6 +2459,13 @@
     <dgm:pt modelId="{DA555904-4FC1-46A1-8E83-ED69E59E57D1}" type="pres">
       <dgm:prSet presAssocID="{B8853233-BCEB-4C33-B359-D179A1F03C11}" presName="Name37" presStyleLbl="parChTrans1D3" presStyleIdx="3" presStyleCnt="4"/>
       <dgm:spPr/>
+      <dgm:t>
+        <a:bodyPr/>
+        <a:lstStyle/>
+        <a:p>
+          <a:endParaRPr lang="en-US"/>
+        </a:p>
+      </dgm:t>
     </dgm:pt>
     <dgm:pt modelId="{C11BF068-DD04-4674-9A7F-17CD1BA4133C}" type="pres">
       <dgm:prSet presAssocID="{F7CD38E5-D80E-47CE-9C8A-C1EC4A123AAB}" presName="hierRoot2" presStyleCnt="0">
@@ -2156,10 +2486,24 @@
         </dgm:presLayoutVars>
       </dgm:prSet>
       <dgm:spPr/>
+      <dgm:t>
+        <a:bodyPr/>
+        <a:lstStyle/>
+        <a:p>
+          <a:endParaRPr lang="en-US"/>
+        </a:p>
+      </dgm:t>
     </dgm:pt>
     <dgm:pt modelId="{2094552F-0A68-4D34-89D1-99F4C9D81559}" type="pres">
       <dgm:prSet presAssocID="{F7CD38E5-D80E-47CE-9C8A-C1EC4A123AAB}" presName="rootConnector" presStyleLbl="node3" presStyleIdx="3" presStyleCnt="4"/>
       <dgm:spPr/>
+      <dgm:t>
+        <a:bodyPr/>
+        <a:lstStyle/>
+        <a:p>
+          <a:endParaRPr lang="en-US"/>
+        </a:p>
+      </dgm:t>
     </dgm:pt>
     <dgm:pt modelId="{2EE3ECC5-032E-4EC3-BDEC-BC203B324050}" type="pres">
       <dgm:prSet presAssocID="{F7CD38E5-D80E-47CE-9C8A-C1EC4A123AAB}" presName="hierChild4" presStyleCnt="0"/>
@@ -2168,6 +2512,13 @@
     <dgm:pt modelId="{71C01193-494F-4E8F-8F6B-2A092BF6A52A}" type="pres">
       <dgm:prSet presAssocID="{A02E4216-9295-4A98-B25D-724EEEACEB86}" presName="Name37" presStyleLbl="parChTrans1D4" presStyleIdx="10" presStyleCnt="13"/>
       <dgm:spPr/>
+      <dgm:t>
+        <a:bodyPr/>
+        <a:lstStyle/>
+        <a:p>
+          <a:endParaRPr lang="en-US"/>
+        </a:p>
+      </dgm:t>
     </dgm:pt>
     <dgm:pt modelId="{C567F2E4-2306-414C-8F10-104D3789768E}" type="pres">
       <dgm:prSet presAssocID="{6B14FCA3-6FEA-43EB-9C82-2B07D04536C7}" presName="hierRoot2" presStyleCnt="0">
@@ -2188,10 +2539,24 @@
         </dgm:presLayoutVars>
       </dgm:prSet>
       <dgm:spPr/>
+      <dgm:t>
+        <a:bodyPr/>
+        <a:lstStyle/>
+        <a:p>
+          <a:endParaRPr lang="en-US"/>
+        </a:p>
+      </dgm:t>
     </dgm:pt>
     <dgm:pt modelId="{0C07F64B-E45F-43F5-B234-4C17D121787E}" type="pres">
       <dgm:prSet presAssocID="{6B14FCA3-6FEA-43EB-9C82-2B07D04536C7}" presName="rootConnector" presStyleLbl="node4" presStyleIdx="10" presStyleCnt="13"/>
       <dgm:spPr/>
+      <dgm:t>
+        <a:bodyPr/>
+        <a:lstStyle/>
+        <a:p>
+          <a:endParaRPr lang="en-US"/>
+        </a:p>
+      </dgm:t>
     </dgm:pt>
     <dgm:pt modelId="{FE662F79-C4D3-4E15-92B5-E11B98F6F7EF}" type="pres">
       <dgm:prSet presAssocID="{6B14FCA3-6FEA-43EB-9C82-2B07D04536C7}" presName="hierChild4" presStyleCnt="0"/>
@@ -2204,6 +2569,13 @@
     <dgm:pt modelId="{5D5F107F-E70D-4FA0-826E-585751096CDC}" type="pres">
       <dgm:prSet presAssocID="{E3EA836E-DABB-4A96-B743-CFF4C64EB46F}" presName="Name37" presStyleLbl="parChTrans1D4" presStyleIdx="11" presStyleCnt="13"/>
       <dgm:spPr/>
+      <dgm:t>
+        <a:bodyPr/>
+        <a:lstStyle/>
+        <a:p>
+          <a:endParaRPr lang="en-US"/>
+        </a:p>
+      </dgm:t>
     </dgm:pt>
     <dgm:pt modelId="{5329E8EA-F74C-4CAB-A6AA-1B898308B3A8}" type="pres">
       <dgm:prSet presAssocID="{3045F83C-2937-4C11-A432-105F2D7F79C8}" presName="hierRoot2" presStyleCnt="0">
@@ -2224,10 +2596,24 @@
         </dgm:presLayoutVars>
       </dgm:prSet>
       <dgm:spPr/>
+      <dgm:t>
+        <a:bodyPr/>
+        <a:lstStyle/>
+        <a:p>
+          <a:endParaRPr lang="en-US"/>
+        </a:p>
+      </dgm:t>
     </dgm:pt>
     <dgm:pt modelId="{CFF27639-2EAA-4E02-8133-52CB55E04712}" type="pres">
       <dgm:prSet presAssocID="{3045F83C-2937-4C11-A432-105F2D7F79C8}" presName="rootConnector" presStyleLbl="node4" presStyleIdx="11" presStyleCnt="13"/>
       <dgm:spPr/>
+      <dgm:t>
+        <a:bodyPr/>
+        <a:lstStyle/>
+        <a:p>
+          <a:endParaRPr lang="en-US"/>
+        </a:p>
+      </dgm:t>
     </dgm:pt>
     <dgm:pt modelId="{15ACB54C-2748-46F9-95CF-E655985BFACB}" type="pres">
       <dgm:prSet presAssocID="{3045F83C-2937-4C11-A432-105F2D7F79C8}" presName="hierChild4" presStyleCnt="0"/>
@@ -2240,6 +2626,13 @@
     <dgm:pt modelId="{B2E63F28-B523-474D-ADDF-A821FF109D32}" type="pres">
       <dgm:prSet presAssocID="{4EFF8862-D631-4078-B9C3-36D58C0CAF17}" presName="Name37" presStyleLbl="parChTrans1D4" presStyleIdx="12" presStyleCnt="13"/>
       <dgm:spPr/>
+      <dgm:t>
+        <a:bodyPr/>
+        <a:lstStyle/>
+        <a:p>
+          <a:endParaRPr lang="en-US"/>
+        </a:p>
+      </dgm:t>
     </dgm:pt>
     <dgm:pt modelId="{D2C744F3-EB1E-4086-A394-3B3EDCDF9CD9}" type="pres">
       <dgm:prSet presAssocID="{8623E6FC-6F85-40A4-AAE8-EFCDEDF47CC5}" presName="hierRoot2" presStyleCnt="0">
@@ -2260,10 +2653,24 @@
         </dgm:presLayoutVars>
       </dgm:prSet>
       <dgm:spPr/>
+      <dgm:t>
+        <a:bodyPr/>
+        <a:lstStyle/>
+        <a:p>
+          <a:endParaRPr lang="en-US"/>
+        </a:p>
+      </dgm:t>
     </dgm:pt>
     <dgm:pt modelId="{C1A60573-4E66-4FDF-A280-B2DC513766E5}" type="pres">
       <dgm:prSet presAssocID="{8623E6FC-6F85-40A4-AAE8-EFCDEDF47CC5}" presName="rootConnector" presStyleLbl="node4" presStyleIdx="12" presStyleCnt="13"/>
       <dgm:spPr/>
+      <dgm:t>
+        <a:bodyPr/>
+        <a:lstStyle/>
+        <a:p>
+          <a:endParaRPr lang="en-US"/>
+        </a:p>
+      </dgm:t>
     </dgm:pt>
     <dgm:pt modelId="{0F053D99-DF21-42A0-9C10-E845D7419C35}" type="pres">
       <dgm:prSet presAssocID="{8623E6FC-6F85-40A4-AAE8-EFCDEDF47CC5}" presName="hierChild4" presStyleCnt="0"/>
@@ -2287,82 +2694,82 @@
     </dgm:pt>
   </dgm:ptLst>
   <dgm:cxnLst>
+    <dgm:cxn modelId="{AD53CAAF-753A-4F5A-9EF0-3CEB2BD42146}" srcId="{F7CD38E5-D80E-47CE-9C8A-C1EC4A123AAB}" destId="{3045F83C-2937-4C11-A432-105F2D7F79C8}" srcOrd="1" destOrd="0" parTransId="{E3EA836E-DABB-4A96-B743-CFF4C64EB46F}" sibTransId="{0ED44051-871D-48EB-9C9E-EC7E25292212}"/>
+    <dgm:cxn modelId="{26DD5065-0A36-420C-919E-231D8D1E6175}" type="presOf" srcId="{A57537C8-D3B4-4574-A41F-A2E2552D7B2A}" destId="{82F11D74-D82B-4C81-BA30-AF919B5FCD5E}" srcOrd="1" destOrd="0" presId="urn:microsoft.com/office/officeart/2005/8/layout/orgChart1"/>
+    <dgm:cxn modelId="{05F6498F-D87D-4A37-B908-6728A55D9F77}" srcId="{2A4E46BE-C195-430B-A3CE-261648F9B604}" destId="{5DBC26DE-3F6D-4591-B844-2BDA42210872}" srcOrd="0" destOrd="0" parTransId="{A8E88150-2DB6-46FA-A852-43051AFC02CB}" sibTransId="{ED199A56-5762-4E80-9140-A90427CA9F55}"/>
+    <dgm:cxn modelId="{FB74DAB5-027A-426A-A719-1ECBC218EA50}" type="presOf" srcId="{CBF0074A-0FC7-4077-BCF9-CEB59150AFC8}" destId="{D3292D10-A68A-4ED9-A3C7-E3AF8D05334B}" srcOrd="0" destOrd="0" presId="urn:microsoft.com/office/officeart/2005/8/layout/orgChart1"/>
+    <dgm:cxn modelId="{DCFF2D92-3260-4DD7-9D61-434C360646B3}" type="presOf" srcId="{11AD3FAC-CE2C-4BF5-98D5-F96D1E1069F3}" destId="{7F64D181-DB63-4247-9CA9-6DA9848590BA}" srcOrd="1" destOrd="0" presId="urn:microsoft.com/office/officeart/2005/8/layout/orgChart1"/>
+    <dgm:cxn modelId="{1550ABAC-A90B-4F2D-9F30-B281E4A7F1A8}" type="presOf" srcId="{C5A0C7CB-0031-4159-BB53-FA8343CB9558}" destId="{3FC867EC-DC01-4D6E-9B84-7B383587A504}" srcOrd="0" destOrd="0" presId="urn:microsoft.com/office/officeart/2005/8/layout/orgChart1"/>
+    <dgm:cxn modelId="{05663533-315F-447C-88BC-E5D7B97BE693}" srcId="{8791AAB4-64F1-46F3-99B1-B8F31CAACE40}" destId="{11AD3FAC-CE2C-4BF5-98D5-F96D1E1069F3}" srcOrd="0" destOrd="0" parTransId="{D1F7BBE1-4FFD-4F72-93E0-12B584CC6902}" sibTransId="{0CEDEF7A-7F52-4C01-96FE-53D17502480A}"/>
+    <dgm:cxn modelId="{57A8AAD7-4211-412A-BBDF-6D603F78B197}" type="presOf" srcId="{8B766CED-AF48-4A51-AFEA-B506C25FF9CE}" destId="{E1E4BAA3-2C9C-4F78-9729-B712AC892362}" srcOrd="1" destOrd="0" presId="urn:microsoft.com/office/officeart/2005/8/layout/orgChart1"/>
+    <dgm:cxn modelId="{32962C06-0B23-416A-98DD-A6F196B66601}" type="presOf" srcId="{6F49CECE-5543-4B62-B83F-169C4977D00E}" destId="{186C055C-21B4-48A8-BC26-65AAD2880EBF}" srcOrd="0" destOrd="0" presId="urn:microsoft.com/office/officeart/2005/8/layout/orgChart1"/>
+    <dgm:cxn modelId="{4FAD2A76-771E-4A6F-8072-E25C52A02D4B}" type="presOf" srcId="{3A48E1CA-AC4A-45C6-81B0-46F7E75476EE}" destId="{FA45CC20-69B4-4564-A9F3-FECEBCB041D1}" srcOrd="0" destOrd="0" presId="urn:microsoft.com/office/officeart/2005/8/layout/orgChart1"/>
+    <dgm:cxn modelId="{77A5D652-EEE2-4A52-9044-EE597ACB2DEF}" srcId="{F7CD38E5-D80E-47CE-9C8A-C1EC4A123AAB}" destId="{6B14FCA3-6FEA-43EB-9C82-2B07D04536C7}" srcOrd="0" destOrd="0" parTransId="{A02E4216-9295-4A98-B25D-724EEEACEB86}" sibTransId="{165FECF0-A90A-46CC-9536-1B21943DDB74}"/>
+    <dgm:cxn modelId="{F69B97D8-4E4A-4063-930F-101A74B2AB15}" srcId="{CBF0074A-0FC7-4077-BCF9-CEB59150AFC8}" destId="{F20C8FF4-9862-4DF9-806F-B90D55ADE098}" srcOrd="1" destOrd="0" parTransId="{5452ED12-D44F-4B0C-85CC-760D8ED00141}" sibTransId="{FCDD3D0C-4B3B-47BD-B2D6-3CDDE0A033C2}"/>
+    <dgm:cxn modelId="{980CADC8-9163-49C6-AD1D-9029C1170EDA}" type="presOf" srcId="{A8E88150-2DB6-46FA-A852-43051AFC02CB}" destId="{CF3C7871-4303-48A3-BB4A-7A86D6B4721D}" srcOrd="0" destOrd="0" presId="urn:microsoft.com/office/officeart/2005/8/layout/orgChart1"/>
+    <dgm:cxn modelId="{292496E3-F01C-4600-8952-6DB99B5FFB2A}" type="presOf" srcId="{1C58E7D9-DF76-4E55-ADEE-EF79CE6B1872}" destId="{12C09BAD-4169-4A5B-A324-4C3841F7A0F6}" srcOrd="0" destOrd="0" presId="urn:microsoft.com/office/officeart/2005/8/layout/orgChart1"/>
+    <dgm:cxn modelId="{CB552FE5-CAD9-42A3-AEC6-FE53E2A7245A}" type="presOf" srcId="{CCA2B529-B580-4CAA-85C2-8BE46A70C260}" destId="{A8BE3D33-202F-4B78-BACF-C4CB91985458}" srcOrd="0" destOrd="0" presId="urn:microsoft.com/office/officeart/2005/8/layout/orgChart1"/>
+    <dgm:cxn modelId="{F2B9ABAA-628B-4BCB-A63B-94B2C67B1CF3}" type="presOf" srcId="{6B14FCA3-6FEA-43EB-9C82-2B07D04536C7}" destId="{13A484D3-7D69-43DA-A929-94F88FBBE4FD}" srcOrd="0" destOrd="0" presId="urn:microsoft.com/office/officeart/2005/8/layout/orgChart1"/>
+    <dgm:cxn modelId="{ABC993EF-9ABB-4F70-A356-A543F742C117}" type="presOf" srcId="{6F49CECE-5543-4B62-B83F-169C4977D00E}" destId="{FCB81601-52E9-4994-943C-D44AA55B15FE}" srcOrd="1" destOrd="0" presId="urn:microsoft.com/office/officeart/2005/8/layout/orgChart1"/>
+    <dgm:cxn modelId="{C925D86B-6013-45BD-BD52-D6091DA5F634}" srcId="{CBF0074A-0FC7-4077-BCF9-CEB59150AFC8}" destId="{822D2ADF-B5A2-4854-B448-654CBB195991}" srcOrd="3" destOrd="0" parTransId="{745DD6E8-C64C-4AE8-A101-F8AD12DE56B3}" sibTransId="{A593D349-C685-40B7-8FAE-CFC4A735BEB6}"/>
+    <dgm:cxn modelId="{E3164A34-2478-40CE-AEFD-FFF234E18E72}" type="presOf" srcId="{3FA2808F-BB87-4A68-8BE2-20841C7DF183}" destId="{853316CE-83C9-44FB-9CD1-461AD4922901}" srcOrd="1" destOrd="0" presId="urn:microsoft.com/office/officeart/2005/8/layout/orgChart1"/>
+    <dgm:cxn modelId="{92CCBFA7-B549-4CFE-9E0F-C4FA624A8296}" type="presOf" srcId="{5DBC26DE-3F6D-4591-B844-2BDA42210872}" destId="{1A858DA5-A289-4A22-B794-D6D770901C98}" srcOrd="0" destOrd="0" presId="urn:microsoft.com/office/officeart/2005/8/layout/orgChart1"/>
+    <dgm:cxn modelId="{13476C7E-F1B1-419F-9880-BDC90D7A11F0}" type="presOf" srcId="{822D2ADF-B5A2-4854-B448-654CBB195991}" destId="{D441324F-5840-4545-95C8-58993D682F03}" srcOrd="0" destOrd="0" presId="urn:microsoft.com/office/officeart/2005/8/layout/orgChart1"/>
+    <dgm:cxn modelId="{55A6D12B-3F05-4035-9825-244FEB4355EF}" type="presOf" srcId="{822D2ADF-B5A2-4854-B448-654CBB195991}" destId="{4B05AF45-3B20-4BCF-B0B2-1C0BE009630D}" srcOrd="1" destOrd="0" presId="urn:microsoft.com/office/officeart/2005/8/layout/orgChart1"/>
+    <dgm:cxn modelId="{5D8CD25B-D5CF-4D86-953E-A5848580B418}" type="presOf" srcId="{4EFF8862-D631-4078-B9C3-36D58C0CAF17}" destId="{B2E63F28-B523-474D-ADDF-A821FF109D32}" srcOrd="0" destOrd="0" presId="urn:microsoft.com/office/officeart/2005/8/layout/orgChart1"/>
+    <dgm:cxn modelId="{9A737EA9-4E59-4981-940D-98D667F6CFF9}" srcId="{2A4E46BE-C195-430B-A3CE-261648F9B604}" destId="{3D0AB795-C8F5-410B-8C70-7E70771A456A}" srcOrd="1" destOrd="0" parTransId="{918282B8-17D7-4E07-986D-BDC37D84C030}" sibTransId="{8023D927-C469-453C-99C5-88FDBD416086}"/>
+    <dgm:cxn modelId="{3E122938-06A5-487B-9569-BAD66CC43255}" type="presOf" srcId="{8B766CED-AF48-4A51-AFEA-B506C25FF9CE}" destId="{AE0F1FAB-E4F7-460E-B74D-9734E7275AB6}" srcOrd="0" destOrd="0" presId="urn:microsoft.com/office/officeart/2005/8/layout/orgChart1"/>
+    <dgm:cxn modelId="{C974B6A8-2CF0-4019-AC7B-A98C72140E2A}" type="presOf" srcId="{26A2C07E-9DD6-430B-9316-E4F456AF3D58}" destId="{E29314CE-9117-4D7E-8A9F-C2C3B4D6D154}" srcOrd="0" destOrd="0" presId="urn:microsoft.com/office/officeart/2005/8/layout/orgChart1"/>
+    <dgm:cxn modelId="{BE0F8C5F-2B6B-4B9D-A9BD-FF6B7670213E}" type="presOf" srcId="{5FE32230-A646-4579-AA11-A29DF7BEB819}" destId="{6CF77085-0E58-4071-A531-5CE91F8DA348}" srcOrd="0" destOrd="0" presId="urn:microsoft.com/office/officeart/2005/8/layout/orgChart1"/>
+    <dgm:cxn modelId="{0FD66CBD-871B-4A98-84B3-C7BA69B1CEB5}" type="presOf" srcId="{3D0AB795-C8F5-410B-8C70-7E70771A456A}" destId="{43564767-2DAF-4E04-9A8E-DD1E3F8D8AE9}" srcOrd="0" destOrd="0" presId="urn:microsoft.com/office/officeart/2005/8/layout/orgChart1"/>
+    <dgm:cxn modelId="{DED079FB-DC28-49F4-A964-91ABD9070649}" type="presOf" srcId="{11AD3FAC-CE2C-4BF5-98D5-F96D1E1069F3}" destId="{DA920640-8B72-4913-BA55-9259E051A12B}" srcOrd="0" destOrd="0" presId="urn:microsoft.com/office/officeart/2005/8/layout/orgChart1"/>
+    <dgm:cxn modelId="{69762C4F-5141-48A5-9191-A8D4DDB944CE}" type="presOf" srcId="{8623E6FC-6F85-40A4-AAE8-EFCDEDF47CC5}" destId="{C1A60573-4E66-4FDF-A280-B2DC513766E5}" srcOrd="1" destOrd="0" presId="urn:microsoft.com/office/officeart/2005/8/layout/orgChart1"/>
+    <dgm:cxn modelId="{A073F615-FDAE-4758-B829-8824EE34187F}" type="presOf" srcId="{F20C8FF4-9862-4DF9-806F-B90D55ADE098}" destId="{62B8E97A-45F3-49CB-8798-FCFDBA6EB4CE}" srcOrd="1" destOrd="0" presId="urn:microsoft.com/office/officeart/2005/8/layout/orgChart1"/>
+    <dgm:cxn modelId="{C372C1FB-5AAB-4B53-953C-A7A9C8355BD8}" type="presOf" srcId="{6B14FCA3-6FEA-43EB-9C82-2B07D04536C7}" destId="{0C07F64B-E45F-43F5-B234-4C17D121787E}" srcOrd="1" destOrd="0" presId="urn:microsoft.com/office/officeart/2005/8/layout/orgChart1"/>
+    <dgm:cxn modelId="{57E6A149-1CC4-4803-B1AA-9A3B6E9A5D73}" srcId="{C5A0C7CB-0031-4159-BB53-FA8343CB9558}" destId="{26A2C07E-9DD6-430B-9316-E4F456AF3D58}" srcOrd="1" destOrd="0" parTransId="{5FE32230-A646-4579-AA11-A29DF7BEB819}" sibTransId="{1D8B5989-933B-422D-8C65-7C4FC436C2F4}"/>
+    <dgm:cxn modelId="{5AA7E5AA-74F8-4F44-8560-2649C3221A5D}" type="presOf" srcId="{F7CD38E5-D80E-47CE-9C8A-C1EC4A123AAB}" destId="{2094552F-0A68-4D34-89D1-99F4C9D81559}" srcOrd="1" destOrd="0" presId="urn:microsoft.com/office/officeart/2005/8/layout/orgChart1"/>
+    <dgm:cxn modelId="{C251BA37-CA07-400E-AC32-A400651E25D5}" srcId="{11AD3FAC-CE2C-4BF5-98D5-F96D1E1069F3}" destId="{6F49CECE-5543-4B62-B83F-169C4977D00E}" srcOrd="0" destOrd="0" parTransId="{D3DE520E-BA57-4D2B-9AB0-F0E8C5EC673A}" sibTransId="{9BA39159-FD0C-44C4-95DF-4106D920A657}"/>
+    <dgm:cxn modelId="{27CF9016-DB8C-44B5-A21D-7AB07E32C74D}" srcId="{F7CD38E5-D80E-47CE-9C8A-C1EC4A123AAB}" destId="{8623E6FC-6F85-40A4-AAE8-EFCDEDF47CC5}" srcOrd="2" destOrd="0" parTransId="{4EFF8862-D631-4078-B9C3-36D58C0CAF17}" sibTransId="{4D61C86C-F5F3-462F-971D-6C5CAB3AA03F}"/>
+    <dgm:cxn modelId="{2F1B636B-1811-4463-BDAC-AC19D5AA4C05}" type="presOf" srcId="{F7CD38E5-D80E-47CE-9C8A-C1EC4A123AAB}" destId="{16A858B9-E481-47A4-A994-B887C37078F5}" srcOrd="0" destOrd="0" presId="urn:microsoft.com/office/officeart/2005/8/layout/orgChart1"/>
+    <dgm:cxn modelId="{E9B713E3-860A-4A89-8611-6BBBA6AA1FFD}" type="presOf" srcId="{09180BF8-9BB0-4837-87C9-A31B615AF06B}" destId="{AEE27075-2A19-4E8B-B9FC-003EACF0E2C9}" srcOrd="0" destOrd="0" presId="urn:microsoft.com/office/officeart/2005/8/layout/orgChart1"/>
+    <dgm:cxn modelId="{0CDBC4DD-A290-4592-BE36-285508EF8DBF}" type="presOf" srcId="{E3EA836E-DABB-4A96-B743-CFF4C64EB46F}" destId="{5D5F107F-E70D-4FA0-826E-585751096CDC}" srcOrd="0" destOrd="0" presId="urn:microsoft.com/office/officeart/2005/8/layout/orgChart1"/>
+    <dgm:cxn modelId="{FF9F216D-386F-479D-8E9D-6F17128B4DEB}" type="presOf" srcId="{A57537C8-D3B4-4574-A41F-A2E2552D7B2A}" destId="{52565F71-66FC-45DF-AB63-8158775C40A3}" srcOrd="0" destOrd="0" presId="urn:microsoft.com/office/officeart/2005/8/layout/orgChart1"/>
     <dgm:cxn modelId="{1FECF204-D318-462B-B01B-158E23A2574D}" type="presOf" srcId="{76085044-8EBB-4871-88EA-33CBECC08835}" destId="{15A61DF0-AC49-4E69-9546-90778A86DEB3}" srcOrd="0" destOrd="0" presId="urn:microsoft.com/office/officeart/2005/8/layout/orgChart1"/>
-    <dgm:cxn modelId="{32962C06-0B23-416A-98DD-A6F196B66601}" type="presOf" srcId="{6F49CECE-5543-4B62-B83F-169C4977D00E}" destId="{186C055C-21B4-48A8-BC26-65AAD2880EBF}" srcOrd="0" destOrd="0" presId="urn:microsoft.com/office/officeart/2005/8/layout/orgChart1"/>
-    <dgm:cxn modelId="{A073F615-FDAE-4758-B829-8824EE34187F}" type="presOf" srcId="{F20C8FF4-9862-4DF9-806F-B90D55ADE098}" destId="{62B8E97A-45F3-49CB-8798-FCFDBA6EB4CE}" srcOrd="1" destOrd="0" presId="urn:microsoft.com/office/officeart/2005/8/layout/orgChart1"/>
-    <dgm:cxn modelId="{27CF9016-DB8C-44B5-A21D-7AB07E32C74D}" srcId="{F7CD38E5-D80E-47CE-9C8A-C1EC4A123AAB}" destId="{8623E6FC-6F85-40A4-AAE8-EFCDEDF47CC5}" srcOrd="2" destOrd="0" parTransId="{4EFF8862-D631-4078-B9C3-36D58C0CAF17}" sibTransId="{4D61C86C-F5F3-462F-971D-6C5CAB3AA03F}"/>
-    <dgm:cxn modelId="{F8558E22-48F0-47B3-B9F4-12CD37C48256}" srcId="{6F49CECE-5543-4B62-B83F-169C4977D00E}" destId="{2A4E46BE-C195-430B-A3CE-261648F9B604}" srcOrd="1" destOrd="0" parTransId="{05C0BBE8-0665-4D30-A416-9C56A063806A}" sibTransId="{5C6612EC-DF1F-482D-906C-70DECA90A4D7}"/>
+    <dgm:cxn modelId="{428FB282-4052-4B54-A859-EEA72BF15C8F}" type="presOf" srcId="{01B93828-B211-4FCF-92FE-46C1C9C80484}" destId="{F2A0CB5F-BBE7-4880-9B72-74572386B4E4}" srcOrd="0" destOrd="0" presId="urn:microsoft.com/office/officeart/2005/8/layout/orgChart1"/>
+    <dgm:cxn modelId="{524FC1AB-3F14-447D-BE6B-AF8F7F53821C}" type="presOf" srcId="{5452ED12-D44F-4B0C-85CC-760D8ED00141}" destId="{4FC84424-77B3-4BAD-A376-197D931F1926}" srcOrd="0" destOrd="0" presId="urn:microsoft.com/office/officeart/2005/8/layout/orgChart1"/>
+    <dgm:cxn modelId="{01B11A7F-DE74-40B5-96A2-73C2774F2571}" type="presOf" srcId="{7F46ACF6-CFF7-483E-8437-D6501DD735C9}" destId="{FD456E50-5289-4FBB-BB08-49EC87D76EBD}" srcOrd="1" destOrd="0" presId="urn:microsoft.com/office/officeart/2005/8/layout/orgChart1"/>
+    <dgm:cxn modelId="{0A423659-E204-4C22-AD42-0AA1EA80AE9B}" type="presOf" srcId="{3D0AB795-C8F5-410B-8C70-7E70771A456A}" destId="{EEE5D1A4-30A3-479F-8F91-9D27C0765055}" srcOrd="1" destOrd="0" presId="urn:microsoft.com/office/officeart/2005/8/layout/orgChart1"/>
+    <dgm:cxn modelId="{858AEB35-5A6C-40CC-A054-70347A78CE01}" type="presOf" srcId="{3045F83C-2937-4C11-A432-105F2D7F79C8}" destId="{CFF27639-2EAA-4E02-8133-52CB55E04712}" srcOrd="1" destOrd="0" presId="urn:microsoft.com/office/officeart/2005/8/layout/orgChart1"/>
+    <dgm:cxn modelId="{73E66143-C829-4E06-94B8-8829ADE92A26}" type="presOf" srcId="{3A48E1CA-AC4A-45C6-81B0-46F7E75476EE}" destId="{581E77F2-6530-4657-B911-9D5FCFEFE76E}" srcOrd="1" destOrd="0" presId="urn:microsoft.com/office/officeart/2005/8/layout/orgChart1"/>
+    <dgm:cxn modelId="{BCC25F63-BA85-4368-98FB-8020D6B004F7}" srcId="{2A4E46BE-C195-430B-A3CE-261648F9B604}" destId="{A57537C8-D3B4-4574-A41F-A2E2552D7B2A}" srcOrd="3" destOrd="0" parTransId="{63B6199B-540A-42F9-8A18-8DFF59807143}" sibTransId="{6E1B521E-AF56-4B0B-A727-58D07F147BA5}"/>
+    <dgm:cxn modelId="{53CFCADF-3CAB-4F4D-ADD8-D41D59F19AF8}" type="presOf" srcId="{7F46ACF6-CFF7-483E-8437-D6501DD735C9}" destId="{FF3BFF33-8FD3-4579-94E9-E5FEBB720C18}" srcOrd="0" destOrd="0" presId="urn:microsoft.com/office/officeart/2005/8/layout/orgChart1"/>
     <dgm:cxn modelId="{52297624-0AAF-4F2D-A253-ABD46031C9A6}" srcId="{6F49CECE-5543-4B62-B83F-169C4977D00E}" destId="{CBF0074A-0FC7-4077-BCF9-CEB59150AFC8}" srcOrd="2" destOrd="0" parTransId="{0F43290D-0DEA-41F8-906D-B28EE356A089}" sibTransId="{9BCB906E-1533-4B08-9A8D-23B6032E30B6}"/>
-    <dgm:cxn modelId="{55A6D12B-3F05-4035-9825-244FEB4355EF}" type="presOf" srcId="{822D2ADF-B5A2-4854-B448-654CBB195991}" destId="{4B05AF45-3B20-4BCF-B0B2-1C0BE009630D}" srcOrd="1" destOrd="0" presId="urn:microsoft.com/office/officeart/2005/8/layout/orgChart1"/>
-    <dgm:cxn modelId="{DCF65B2D-9E7E-4283-BE9E-C337ACF78AF7}" srcId="{2A4E46BE-C195-430B-A3CE-261648F9B604}" destId="{8B766CED-AF48-4A51-AFEA-B506C25FF9CE}" srcOrd="2" destOrd="0" parTransId="{09180BF8-9BB0-4837-87C9-A31B615AF06B}" sibTransId="{0F911C62-476D-4F11-8D1E-2347F40CFAB8}"/>
-    <dgm:cxn modelId="{05663533-315F-447C-88BC-E5D7B97BE693}" srcId="{8791AAB4-64F1-46F3-99B1-B8F31CAACE40}" destId="{11AD3FAC-CE2C-4BF5-98D5-F96D1E1069F3}" srcOrd="0" destOrd="0" parTransId="{D1F7BBE1-4FFD-4F72-93E0-12B584CC6902}" sibTransId="{0CEDEF7A-7F52-4C01-96FE-53D17502480A}"/>
-    <dgm:cxn modelId="{E3164A34-2478-40CE-AEFD-FFF234E18E72}" type="presOf" srcId="{3FA2808F-BB87-4A68-8BE2-20841C7DF183}" destId="{853316CE-83C9-44FB-9CD1-461AD4922901}" srcOrd="1" destOrd="0" presId="urn:microsoft.com/office/officeart/2005/8/layout/orgChart1"/>
-    <dgm:cxn modelId="{2ECA5E35-BBD7-4126-93CF-F6D86EA39AC8}" type="presOf" srcId="{8623E6FC-6F85-40A4-AAE8-EFCDEDF47CC5}" destId="{7ED97DFD-2695-4177-9E52-49490FD3D0C7}" srcOrd="0" destOrd="0" presId="urn:microsoft.com/office/officeart/2005/8/layout/orgChart1"/>
-    <dgm:cxn modelId="{858AEB35-5A6C-40CC-A054-70347A78CE01}" type="presOf" srcId="{3045F83C-2937-4C11-A432-105F2D7F79C8}" destId="{CFF27639-2EAA-4E02-8133-52CB55E04712}" srcOrd="1" destOrd="0" presId="urn:microsoft.com/office/officeart/2005/8/layout/orgChart1"/>
-    <dgm:cxn modelId="{C251BA37-CA07-400E-AC32-A400651E25D5}" srcId="{11AD3FAC-CE2C-4BF5-98D5-F96D1E1069F3}" destId="{6F49CECE-5543-4B62-B83F-169C4977D00E}" srcOrd="0" destOrd="0" parTransId="{D3DE520E-BA57-4D2B-9AB0-F0E8C5EC673A}" sibTransId="{9BA39159-FD0C-44C4-95DF-4106D920A657}"/>
-    <dgm:cxn modelId="{3E122938-06A5-487B-9569-BAD66CC43255}" type="presOf" srcId="{8B766CED-AF48-4A51-AFEA-B506C25FF9CE}" destId="{AE0F1FAB-E4F7-460E-B74D-9734E7275AB6}" srcOrd="0" destOrd="0" presId="urn:microsoft.com/office/officeart/2005/8/layout/orgChart1"/>
+    <dgm:cxn modelId="{DA4333CF-35D0-4567-861D-26A3E76A0E16}" type="presOf" srcId="{26A2C07E-9DD6-430B-9316-E4F456AF3D58}" destId="{C3400AA3-CE18-4619-AAFF-ABBA4687A208}" srcOrd="1" destOrd="0" presId="urn:microsoft.com/office/officeart/2005/8/layout/orgChart1"/>
+    <dgm:cxn modelId="{1359D5D9-25D5-4A11-BA71-FD60F80BBE91}" type="presOf" srcId="{2A4E46BE-C195-430B-A3CE-261648F9B604}" destId="{56FC41C9-994A-4EF6-91C4-1F041955A636}" srcOrd="1" destOrd="0" presId="urn:microsoft.com/office/officeart/2005/8/layout/orgChart1"/>
     <dgm:cxn modelId="{2C8CBF3B-9342-4D81-BC1E-2FCDC62EEC6D}" srcId="{C5A0C7CB-0031-4159-BB53-FA8343CB9558}" destId="{3A48E1CA-AC4A-45C6-81B0-46F7E75476EE}" srcOrd="0" destOrd="0" parTransId="{1C58E7D9-DF76-4E55-ADEE-EF79CE6B1872}" sibTransId="{2F091561-7854-4F36-8B58-45089F2FEF25}"/>
-    <dgm:cxn modelId="{5D8CD25B-D5CF-4D86-953E-A5848580B418}" type="presOf" srcId="{4EFF8862-D631-4078-B9C3-36D58C0CAF17}" destId="{B2E63F28-B523-474D-ADDF-A821FF109D32}" srcOrd="0" destOrd="0" presId="urn:microsoft.com/office/officeart/2005/8/layout/orgChart1"/>
-    <dgm:cxn modelId="{BE0F8C5F-2B6B-4B9D-A9BD-FF6B7670213E}" type="presOf" srcId="{5FE32230-A646-4579-AA11-A29DF7BEB819}" destId="{6CF77085-0E58-4071-A531-5CE91F8DA348}" srcOrd="0" destOrd="0" presId="urn:microsoft.com/office/officeart/2005/8/layout/orgChart1"/>
-    <dgm:cxn modelId="{BCC25F63-BA85-4368-98FB-8020D6B004F7}" srcId="{2A4E46BE-C195-430B-A3CE-261648F9B604}" destId="{A57537C8-D3B4-4574-A41F-A2E2552D7B2A}" srcOrd="3" destOrd="0" parTransId="{63B6199B-540A-42F9-8A18-8DFF59807143}" sibTransId="{6E1B521E-AF56-4B0B-A727-58D07F147BA5}"/>
-    <dgm:cxn modelId="{73E66143-C829-4E06-94B8-8829ADE92A26}" type="presOf" srcId="{3A48E1CA-AC4A-45C6-81B0-46F7E75476EE}" destId="{581E77F2-6530-4657-B911-9D5FCFEFE76E}" srcOrd="1" destOrd="0" presId="urn:microsoft.com/office/officeart/2005/8/layout/orgChart1"/>
-    <dgm:cxn modelId="{26DD5065-0A36-420C-919E-231D8D1E6175}" type="presOf" srcId="{A57537C8-D3B4-4574-A41F-A2E2552D7B2A}" destId="{82F11D74-D82B-4C81-BA30-AF919B5FCD5E}" srcOrd="1" destOrd="0" presId="urn:microsoft.com/office/officeart/2005/8/layout/orgChart1"/>
-    <dgm:cxn modelId="{57E6A149-1CC4-4803-B1AA-9A3B6E9A5D73}" srcId="{C5A0C7CB-0031-4159-BB53-FA8343CB9558}" destId="{26A2C07E-9DD6-430B-9316-E4F456AF3D58}" srcOrd="1" destOrd="0" parTransId="{5FE32230-A646-4579-AA11-A29DF7BEB819}" sibTransId="{1D8B5989-933B-422D-8C65-7C4FC436C2F4}"/>
-    <dgm:cxn modelId="{2F1B636B-1811-4463-BDAC-AC19D5AA4C05}" type="presOf" srcId="{F7CD38E5-D80E-47CE-9C8A-C1EC4A123AAB}" destId="{16A858B9-E481-47A4-A994-B887C37078F5}" srcOrd="0" destOrd="0" presId="urn:microsoft.com/office/officeart/2005/8/layout/orgChart1"/>
-    <dgm:cxn modelId="{C925D86B-6013-45BD-BD52-D6091DA5F634}" srcId="{CBF0074A-0FC7-4077-BCF9-CEB59150AFC8}" destId="{822D2ADF-B5A2-4854-B448-654CBB195991}" srcOrd="3" destOrd="0" parTransId="{745DD6E8-C64C-4AE8-A101-F8AD12DE56B3}" sibTransId="{A593D349-C685-40B7-8FAE-CFC4A735BEB6}"/>
-    <dgm:cxn modelId="{FF9F216D-386F-479D-8E9D-6F17128B4DEB}" type="presOf" srcId="{A57537C8-D3B4-4574-A41F-A2E2552D7B2A}" destId="{52565F71-66FC-45DF-AB63-8158775C40A3}" srcOrd="0" destOrd="0" presId="urn:microsoft.com/office/officeart/2005/8/layout/orgChart1"/>
-    <dgm:cxn modelId="{9C5F334D-6D84-43DC-A89C-3CE978584E70}" type="presOf" srcId="{A02E4216-9295-4A98-B25D-724EEEACEB86}" destId="{71C01193-494F-4E8F-8F6B-2A092BF6A52A}" srcOrd="0" destOrd="0" presId="urn:microsoft.com/office/officeart/2005/8/layout/orgChart1"/>
-    <dgm:cxn modelId="{69D7E34D-881E-4F95-AF8A-239B3E87145B}" type="presOf" srcId="{0F43290D-0DEA-41F8-906D-B28EE356A089}" destId="{06C39927-640E-4F06-9A9C-9EDA030074EE}" srcOrd="0" destOrd="0" presId="urn:microsoft.com/office/officeart/2005/8/layout/orgChart1"/>
-    <dgm:cxn modelId="{69762C4F-5141-48A5-9191-A8D4DDB944CE}" type="presOf" srcId="{8623E6FC-6F85-40A4-AAE8-EFCDEDF47CC5}" destId="{C1A60573-4E66-4FDF-A280-B2DC513766E5}" srcOrd="1" destOrd="0" presId="urn:microsoft.com/office/officeart/2005/8/layout/orgChart1"/>
-    <dgm:cxn modelId="{B6DA744F-CD68-493E-A466-EA8F78B142F5}" srcId="{6F49CECE-5543-4B62-B83F-169C4977D00E}" destId="{F7CD38E5-D80E-47CE-9C8A-C1EC4A123AAB}" srcOrd="3" destOrd="0" parTransId="{B8853233-BCEB-4C33-B359-D179A1F03C11}" sibTransId="{88A6F3EA-455A-410C-97F5-7906583BECEE}"/>
-    <dgm:cxn modelId="{77A5D652-EEE2-4A52-9044-EE597ACB2DEF}" srcId="{F7CD38E5-D80E-47CE-9C8A-C1EC4A123AAB}" destId="{6B14FCA3-6FEA-43EB-9C82-2B07D04536C7}" srcOrd="0" destOrd="0" parTransId="{A02E4216-9295-4A98-B25D-724EEEACEB86}" sibTransId="{165FECF0-A90A-46CC-9536-1B21943DDB74}"/>
-    <dgm:cxn modelId="{9EB8E855-04EF-4ECF-904F-8624A148C0C9}" type="presOf" srcId="{918282B8-17D7-4E07-986D-BDC37D84C030}" destId="{3DEBF5CE-5AAD-47A7-BA08-04DF2AC62CDD}" srcOrd="0" destOrd="0" presId="urn:microsoft.com/office/officeart/2005/8/layout/orgChart1"/>
-    <dgm:cxn modelId="{4FAD2A76-771E-4A6F-8072-E25C52A02D4B}" type="presOf" srcId="{3A48E1CA-AC4A-45C6-81B0-46F7E75476EE}" destId="{FA45CC20-69B4-4564-A9F3-FECEBCB041D1}" srcOrd="0" destOrd="0" presId="urn:microsoft.com/office/officeart/2005/8/layout/orgChart1"/>
-    <dgm:cxn modelId="{073A4957-F418-4978-B3CE-3D5584983791}" type="presOf" srcId="{3FA2808F-BB87-4A68-8BE2-20841C7DF183}" destId="{BEB8562A-B0BC-4237-ADB8-FF4D03EEE094}" srcOrd="0" destOrd="0" presId="urn:microsoft.com/office/officeart/2005/8/layout/orgChart1"/>
-    <dgm:cxn modelId="{0A423659-E204-4C22-AD42-0AA1EA80AE9B}" type="presOf" srcId="{3D0AB795-C8F5-410B-8C70-7E70771A456A}" destId="{EEE5D1A4-30A3-479F-8F91-9D27C0765055}" srcOrd="1" destOrd="0" presId="urn:microsoft.com/office/officeart/2005/8/layout/orgChart1"/>
-    <dgm:cxn modelId="{13476C7E-F1B1-419F-9880-BDC90D7A11F0}" type="presOf" srcId="{822D2ADF-B5A2-4854-B448-654CBB195991}" destId="{D441324F-5840-4545-95C8-58993D682F03}" srcOrd="0" destOrd="0" presId="urn:microsoft.com/office/officeart/2005/8/layout/orgChart1"/>
-    <dgm:cxn modelId="{01B11A7F-DE74-40B5-96A2-73C2774F2571}" type="presOf" srcId="{7F46ACF6-CFF7-483E-8437-D6501DD735C9}" destId="{FD456E50-5289-4FBB-BB08-49EC87D76EBD}" srcOrd="1" destOrd="0" presId="urn:microsoft.com/office/officeart/2005/8/layout/orgChart1"/>
-    <dgm:cxn modelId="{B673BA81-67C8-44BE-BCF4-0889A47A9CE9}" type="presOf" srcId="{C5A0C7CB-0031-4159-BB53-FA8343CB9558}" destId="{5C7F4BF0-E6A3-4F37-B2A7-B5EA6F899DB3}" srcOrd="1" destOrd="0" presId="urn:microsoft.com/office/officeart/2005/8/layout/orgChart1"/>
-    <dgm:cxn modelId="{428FB282-4052-4B54-A859-EEA72BF15C8F}" type="presOf" srcId="{01B93828-B211-4FCF-92FE-46C1C9C80484}" destId="{F2A0CB5F-BBE7-4880-9B72-74572386B4E4}" srcOrd="0" destOrd="0" presId="urn:microsoft.com/office/officeart/2005/8/layout/orgChart1"/>
-    <dgm:cxn modelId="{E34FCD88-2796-424C-8120-6BA61620DA9D}" type="presOf" srcId="{5DBC26DE-3F6D-4591-B844-2BDA42210872}" destId="{AEA55E03-C54A-4EA4-9BDB-2776081E2FA7}" srcOrd="1" destOrd="0" presId="urn:microsoft.com/office/officeart/2005/8/layout/orgChart1"/>
-    <dgm:cxn modelId="{05F6498F-D87D-4A37-B908-6728A55D9F77}" srcId="{2A4E46BE-C195-430B-A3CE-261648F9B604}" destId="{5DBC26DE-3F6D-4591-B844-2BDA42210872}" srcOrd="0" destOrd="0" parTransId="{A8E88150-2DB6-46FA-A852-43051AFC02CB}" sibTransId="{ED199A56-5762-4E80-9140-A90427CA9F55}"/>
-    <dgm:cxn modelId="{DCFF2D92-3260-4DD7-9D61-434C360646B3}" type="presOf" srcId="{11AD3FAC-CE2C-4BF5-98D5-F96D1E1069F3}" destId="{7F64D181-DB63-4247-9CA9-6DA9848590BA}" srcOrd="1" destOrd="0" presId="urn:microsoft.com/office/officeart/2005/8/layout/orgChart1"/>
     <dgm:cxn modelId="{A7E6D198-F333-4D0A-BC25-27F80AF81CC2}" type="presOf" srcId="{8791AAB4-64F1-46F3-99B1-B8F31CAACE40}" destId="{D89C1994-7969-4A61-8D72-015E632E69B6}" srcOrd="0" destOrd="0" presId="urn:microsoft.com/office/officeart/2005/8/layout/orgChart1"/>
     <dgm:cxn modelId="{97F23B9C-E7FF-4DEF-906B-B3EA7BA48685}" srcId="{CBF0074A-0FC7-4077-BCF9-CEB59150AFC8}" destId="{3FA2808F-BB87-4A68-8BE2-20841C7DF183}" srcOrd="2" destOrd="0" parTransId="{76085044-8EBB-4871-88EA-33CBECC08835}" sibTransId="{B16DB9A8-ABE8-4E12-90EB-661CE96FC166}"/>
     <dgm:cxn modelId="{DD21849E-B534-46F5-BB52-12379AEDD5DF}" type="presOf" srcId="{05C0BBE8-0665-4D30-A416-9C56A063806A}" destId="{3ADED271-00FF-4B63-A289-DD03469DE526}" srcOrd="0" destOrd="0" presId="urn:microsoft.com/office/officeart/2005/8/layout/orgChart1"/>
-    <dgm:cxn modelId="{92CCBFA7-B549-4CFE-9E0F-C4FA624A8296}" type="presOf" srcId="{5DBC26DE-3F6D-4591-B844-2BDA42210872}" destId="{1A858DA5-A289-4A22-B794-D6D770901C98}" srcOrd="0" destOrd="0" presId="urn:microsoft.com/office/officeart/2005/8/layout/orgChart1"/>
-    <dgm:cxn modelId="{C974B6A8-2CF0-4019-AC7B-A98C72140E2A}" type="presOf" srcId="{26A2C07E-9DD6-430B-9316-E4F456AF3D58}" destId="{E29314CE-9117-4D7E-8A9F-C2C3B4D6D154}" srcOrd="0" destOrd="0" presId="urn:microsoft.com/office/officeart/2005/8/layout/orgChart1"/>
-    <dgm:cxn modelId="{9A737EA9-4E59-4981-940D-98D667F6CFF9}" srcId="{2A4E46BE-C195-430B-A3CE-261648F9B604}" destId="{3D0AB795-C8F5-410B-8C70-7E70771A456A}" srcOrd="1" destOrd="0" parTransId="{918282B8-17D7-4E07-986D-BDC37D84C030}" sibTransId="{8023D927-C469-453C-99C5-88FDBD416086}"/>
-    <dgm:cxn modelId="{F2B9ABAA-628B-4BCB-A63B-94B2C67B1CF3}" type="presOf" srcId="{6B14FCA3-6FEA-43EB-9C82-2B07D04536C7}" destId="{13A484D3-7D69-43DA-A929-94F88FBBE4FD}" srcOrd="0" destOrd="0" presId="urn:microsoft.com/office/officeart/2005/8/layout/orgChart1"/>
-    <dgm:cxn modelId="{5AA7E5AA-74F8-4F44-8560-2649C3221A5D}" type="presOf" srcId="{F7CD38E5-D80E-47CE-9C8A-C1EC4A123AAB}" destId="{2094552F-0A68-4D34-89D1-99F4C9D81559}" srcOrd="1" destOrd="0" presId="urn:microsoft.com/office/officeart/2005/8/layout/orgChart1"/>
-    <dgm:cxn modelId="{524FC1AB-3F14-447D-BE6B-AF8F7F53821C}" type="presOf" srcId="{5452ED12-D44F-4B0C-85CC-760D8ED00141}" destId="{4FC84424-77B3-4BAD-A376-197D931F1926}" srcOrd="0" destOrd="0" presId="urn:microsoft.com/office/officeart/2005/8/layout/orgChart1"/>
-    <dgm:cxn modelId="{1550ABAC-A90B-4F2D-9F30-B281E4A7F1A8}" type="presOf" srcId="{C5A0C7CB-0031-4159-BB53-FA8343CB9558}" destId="{3FC867EC-DC01-4D6E-9B84-7B383587A504}" srcOrd="0" destOrd="0" presId="urn:microsoft.com/office/officeart/2005/8/layout/orgChart1"/>
-    <dgm:cxn modelId="{AD53CAAF-753A-4F5A-9EF0-3CEB2BD42146}" srcId="{F7CD38E5-D80E-47CE-9C8A-C1EC4A123AAB}" destId="{3045F83C-2937-4C11-A432-105F2D7F79C8}" srcOrd="1" destOrd="0" parTransId="{E3EA836E-DABB-4A96-B743-CFF4C64EB46F}" sibTransId="{0ED44051-871D-48EB-9C9E-EC7E25292212}"/>
-    <dgm:cxn modelId="{FB74DAB5-027A-426A-A719-1ECBC218EA50}" type="presOf" srcId="{CBF0074A-0FC7-4077-BCF9-CEB59150AFC8}" destId="{D3292D10-A68A-4ED9-A3C7-E3AF8D05334B}" srcOrd="0" destOrd="0" presId="urn:microsoft.com/office/officeart/2005/8/layout/orgChart1"/>
+    <dgm:cxn modelId="{E34FCD88-2796-424C-8120-6BA61620DA9D}" type="presOf" srcId="{5DBC26DE-3F6D-4591-B844-2BDA42210872}" destId="{AEA55E03-C54A-4EA4-9BDB-2776081E2FA7}" srcOrd="1" destOrd="0" presId="urn:microsoft.com/office/officeart/2005/8/layout/orgChart1"/>
+    <dgm:cxn modelId="{9EB8E855-04EF-4ECF-904F-8624A148C0C9}" type="presOf" srcId="{918282B8-17D7-4E07-986D-BDC37D84C030}" destId="{3DEBF5CE-5AAD-47A7-BA08-04DF2AC62CDD}" srcOrd="0" destOrd="0" presId="urn:microsoft.com/office/officeart/2005/8/layout/orgChart1"/>
+    <dgm:cxn modelId="{09DF03DF-765C-43D5-8483-0676017F28AD}" type="presOf" srcId="{D3DE520E-BA57-4D2B-9AB0-F0E8C5EC673A}" destId="{C7A0E339-BFBB-45CC-9DFE-88B68E9EA7A1}" srcOrd="0" destOrd="0" presId="urn:microsoft.com/office/officeart/2005/8/layout/orgChart1"/>
+    <dgm:cxn modelId="{28D6E7BF-4CED-4C3F-8180-ECB7B3E9457C}" srcId="{6F49CECE-5543-4B62-B83F-169C4977D00E}" destId="{C5A0C7CB-0031-4159-BB53-FA8343CB9558}" srcOrd="0" destOrd="0" parTransId="{CCA2B529-B580-4CAA-85C2-8BE46A70C260}" sibTransId="{72277EE4-4B08-40B8-82D4-82C90447F9FF}"/>
+    <dgm:cxn modelId="{9A46CFD3-D637-4D0A-9EB5-DB72F43946C5}" type="presOf" srcId="{B8853233-BCEB-4C33-B359-D179A1F03C11}" destId="{DA555904-4FC1-46A1-8E83-ED69E59E57D1}" srcOrd="0" destOrd="0" presId="urn:microsoft.com/office/officeart/2005/8/layout/orgChart1"/>
+    <dgm:cxn modelId="{B673BA81-67C8-44BE-BCF4-0889A47A9CE9}" type="presOf" srcId="{C5A0C7CB-0031-4159-BB53-FA8343CB9558}" destId="{5C7F4BF0-E6A3-4F37-B2A7-B5EA6F899DB3}" srcOrd="1" destOrd="0" presId="urn:microsoft.com/office/officeart/2005/8/layout/orgChart1"/>
+    <dgm:cxn modelId="{4A0AC1D1-77A4-4D82-99E3-CBBB22155CA0}" srcId="{CBF0074A-0FC7-4077-BCF9-CEB59150AFC8}" destId="{7F46ACF6-CFF7-483E-8437-D6501DD735C9}" srcOrd="0" destOrd="0" parTransId="{01B93828-B211-4FCF-92FE-46C1C9C80484}" sibTransId="{EC5CA40D-E826-4ED4-98C0-9C1F6690156E}"/>
+    <dgm:cxn modelId="{7BD70AEC-7B22-4583-905E-94335C5C2C1F}" type="presOf" srcId="{F20C8FF4-9862-4DF9-806F-B90D55ADE098}" destId="{A2C33C9F-E20E-4D1E-BBFD-28AA5D38E75F}" srcOrd="0" destOrd="0" presId="urn:microsoft.com/office/officeart/2005/8/layout/orgChart1"/>
+    <dgm:cxn modelId="{69D7E34D-881E-4F95-AF8A-239B3E87145B}" type="presOf" srcId="{0F43290D-0DEA-41F8-906D-B28EE356A089}" destId="{06C39927-640E-4F06-9A9C-9EDA030074EE}" srcOrd="0" destOrd="0" presId="urn:microsoft.com/office/officeart/2005/8/layout/orgChart1"/>
+    <dgm:cxn modelId="{F8558E22-48F0-47B3-B9F4-12CD37C48256}" srcId="{6F49CECE-5543-4B62-B83F-169C4977D00E}" destId="{2A4E46BE-C195-430B-A3CE-261648F9B604}" srcOrd="1" destOrd="0" parTransId="{05C0BBE8-0665-4D30-A416-9C56A063806A}" sibTransId="{5C6612EC-DF1F-482D-906C-70DECA90A4D7}"/>
+    <dgm:cxn modelId="{D7F462F8-F9E8-406E-AC08-3D6931147982}" type="presOf" srcId="{63B6199B-540A-42F9-8A18-8DFF59807143}" destId="{71C08850-6C20-40D7-86A2-D9FD0A3CCF87}" srcOrd="0" destOrd="0" presId="urn:microsoft.com/office/officeart/2005/8/layout/orgChart1"/>
+    <dgm:cxn modelId="{DCF65B2D-9E7E-4283-BE9E-C337ACF78AF7}" srcId="{2A4E46BE-C195-430B-A3CE-261648F9B604}" destId="{8B766CED-AF48-4A51-AFEA-B506C25FF9CE}" srcOrd="2" destOrd="0" parTransId="{09180BF8-9BB0-4837-87C9-A31B615AF06B}" sibTransId="{0F911C62-476D-4F11-8D1E-2347F40CFAB8}"/>
+    <dgm:cxn modelId="{0AF776DB-61EA-438F-8C09-F78A5E18621A}" type="presOf" srcId="{745DD6E8-C64C-4AE8-A101-F8AD12DE56B3}" destId="{FA1C85F5-EB77-4684-8A8B-A31BFC407067}" srcOrd="0" destOrd="0" presId="urn:microsoft.com/office/officeart/2005/8/layout/orgChart1"/>
+    <dgm:cxn modelId="{AF195CEA-3015-4DFD-84AC-BC30B43A9847}" type="presOf" srcId="{3045F83C-2937-4C11-A432-105F2D7F79C8}" destId="{A541300C-4EA0-4F2F-A86D-61A27E02B787}" srcOrd="0" destOrd="0" presId="urn:microsoft.com/office/officeart/2005/8/layout/orgChart1"/>
+    <dgm:cxn modelId="{2ECA5E35-BBD7-4126-93CF-F6D86EA39AC8}" type="presOf" srcId="{8623E6FC-6F85-40A4-AAE8-EFCDEDF47CC5}" destId="{7ED97DFD-2695-4177-9E52-49490FD3D0C7}" srcOrd="0" destOrd="0" presId="urn:microsoft.com/office/officeart/2005/8/layout/orgChart1"/>
+    <dgm:cxn modelId="{9C5F334D-6D84-43DC-A89C-3CE978584E70}" type="presOf" srcId="{A02E4216-9295-4A98-B25D-724EEEACEB86}" destId="{71C01193-494F-4E8F-8F6B-2A092BF6A52A}" srcOrd="0" destOrd="0" presId="urn:microsoft.com/office/officeart/2005/8/layout/orgChart1"/>
+    <dgm:cxn modelId="{073A4957-F418-4978-B3CE-3D5584983791}" type="presOf" srcId="{3FA2808F-BB87-4A68-8BE2-20841C7DF183}" destId="{BEB8562A-B0BC-4237-ADB8-FF4D03EEE094}" srcOrd="0" destOrd="0" presId="urn:microsoft.com/office/officeart/2005/8/layout/orgChart1"/>
+    <dgm:cxn modelId="{B6DA744F-CD68-493E-A466-EA8F78B142F5}" srcId="{6F49CECE-5543-4B62-B83F-169C4977D00E}" destId="{F7CD38E5-D80E-47CE-9C8A-C1EC4A123AAB}" srcOrd="3" destOrd="0" parTransId="{B8853233-BCEB-4C33-B359-D179A1F03C11}" sibTransId="{88A6F3EA-455A-410C-97F5-7906583BECEE}"/>
+    <dgm:cxn modelId="{622C60E1-699D-4F68-80FF-72BC764EA4EC}" type="presOf" srcId="{CBF0074A-0FC7-4077-BCF9-CEB59150AFC8}" destId="{21889749-E84D-45E7-B2D5-FFE07A040AC9}" srcOrd="1" destOrd="0" presId="urn:microsoft.com/office/officeart/2005/8/layout/orgChart1"/>
     <dgm:cxn modelId="{2E9B53B6-962F-4BEC-B40A-119BBF443B89}" type="presOf" srcId="{2A4E46BE-C195-430B-A3CE-261648F9B604}" destId="{26D8BFE9-A2A3-4C05-B39A-E34277ED0470}" srcOrd="0" destOrd="0" presId="urn:microsoft.com/office/officeart/2005/8/layout/orgChart1"/>
-    <dgm:cxn modelId="{0FD66CBD-871B-4A98-84B3-C7BA69B1CEB5}" type="presOf" srcId="{3D0AB795-C8F5-410B-8C70-7E70771A456A}" destId="{43564767-2DAF-4E04-9A8E-DD1E3F8D8AE9}" srcOrd="0" destOrd="0" presId="urn:microsoft.com/office/officeart/2005/8/layout/orgChart1"/>
-    <dgm:cxn modelId="{28D6E7BF-4CED-4C3F-8180-ECB7B3E9457C}" srcId="{6F49CECE-5543-4B62-B83F-169C4977D00E}" destId="{C5A0C7CB-0031-4159-BB53-FA8343CB9558}" srcOrd="0" destOrd="0" parTransId="{CCA2B529-B580-4CAA-85C2-8BE46A70C260}" sibTransId="{72277EE4-4B08-40B8-82D4-82C90447F9FF}"/>
-    <dgm:cxn modelId="{980CADC8-9163-49C6-AD1D-9029C1170EDA}" type="presOf" srcId="{A8E88150-2DB6-46FA-A852-43051AFC02CB}" destId="{CF3C7871-4303-48A3-BB4A-7A86D6B4721D}" srcOrd="0" destOrd="0" presId="urn:microsoft.com/office/officeart/2005/8/layout/orgChart1"/>
-    <dgm:cxn modelId="{DA4333CF-35D0-4567-861D-26A3E76A0E16}" type="presOf" srcId="{26A2C07E-9DD6-430B-9316-E4F456AF3D58}" destId="{C3400AA3-CE18-4619-AAFF-ABBA4687A208}" srcOrd="1" destOrd="0" presId="urn:microsoft.com/office/officeart/2005/8/layout/orgChart1"/>
-    <dgm:cxn modelId="{4A0AC1D1-77A4-4D82-99E3-CBBB22155CA0}" srcId="{CBF0074A-0FC7-4077-BCF9-CEB59150AFC8}" destId="{7F46ACF6-CFF7-483E-8437-D6501DD735C9}" srcOrd="0" destOrd="0" parTransId="{01B93828-B211-4FCF-92FE-46C1C9C80484}" sibTransId="{EC5CA40D-E826-4ED4-98C0-9C1F6690156E}"/>
-    <dgm:cxn modelId="{9A46CFD3-D637-4D0A-9EB5-DB72F43946C5}" type="presOf" srcId="{B8853233-BCEB-4C33-B359-D179A1F03C11}" destId="{DA555904-4FC1-46A1-8E83-ED69E59E57D1}" srcOrd="0" destOrd="0" presId="urn:microsoft.com/office/officeart/2005/8/layout/orgChart1"/>
-    <dgm:cxn modelId="{57A8AAD7-4211-412A-BBDF-6D603F78B197}" type="presOf" srcId="{8B766CED-AF48-4A51-AFEA-B506C25FF9CE}" destId="{E1E4BAA3-2C9C-4F78-9729-B712AC892362}" srcOrd="1" destOrd="0" presId="urn:microsoft.com/office/officeart/2005/8/layout/orgChart1"/>
-    <dgm:cxn modelId="{F69B97D8-4E4A-4063-930F-101A74B2AB15}" srcId="{CBF0074A-0FC7-4077-BCF9-CEB59150AFC8}" destId="{F20C8FF4-9862-4DF9-806F-B90D55ADE098}" srcOrd="1" destOrd="0" parTransId="{5452ED12-D44F-4B0C-85CC-760D8ED00141}" sibTransId="{FCDD3D0C-4B3B-47BD-B2D6-3CDDE0A033C2}"/>
-    <dgm:cxn modelId="{1359D5D9-25D5-4A11-BA71-FD60F80BBE91}" type="presOf" srcId="{2A4E46BE-C195-430B-A3CE-261648F9B604}" destId="{56FC41C9-994A-4EF6-91C4-1F041955A636}" srcOrd="1" destOrd="0" presId="urn:microsoft.com/office/officeart/2005/8/layout/orgChart1"/>
-    <dgm:cxn modelId="{0AF776DB-61EA-438F-8C09-F78A5E18621A}" type="presOf" srcId="{745DD6E8-C64C-4AE8-A101-F8AD12DE56B3}" destId="{FA1C85F5-EB77-4684-8A8B-A31BFC407067}" srcOrd="0" destOrd="0" presId="urn:microsoft.com/office/officeart/2005/8/layout/orgChart1"/>
-    <dgm:cxn modelId="{0CDBC4DD-A290-4592-BE36-285508EF8DBF}" type="presOf" srcId="{E3EA836E-DABB-4A96-B743-CFF4C64EB46F}" destId="{5D5F107F-E70D-4FA0-826E-585751096CDC}" srcOrd="0" destOrd="0" presId="urn:microsoft.com/office/officeart/2005/8/layout/orgChart1"/>
-    <dgm:cxn modelId="{09DF03DF-765C-43D5-8483-0676017F28AD}" type="presOf" srcId="{D3DE520E-BA57-4D2B-9AB0-F0E8C5EC673A}" destId="{C7A0E339-BFBB-45CC-9DFE-88B68E9EA7A1}" srcOrd="0" destOrd="0" presId="urn:microsoft.com/office/officeart/2005/8/layout/orgChart1"/>
-    <dgm:cxn modelId="{53CFCADF-3CAB-4F4D-ADD8-D41D59F19AF8}" type="presOf" srcId="{7F46ACF6-CFF7-483E-8437-D6501DD735C9}" destId="{FF3BFF33-8FD3-4579-94E9-E5FEBB720C18}" srcOrd="0" destOrd="0" presId="urn:microsoft.com/office/officeart/2005/8/layout/orgChart1"/>
-    <dgm:cxn modelId="{622C60E1-699D-4F68-80FF-72BC764EA4EC}" type="presOf" srcId="{CBF0074A-0FC7-4077-BCF9-CEB59150AFC8}" destId="{21889749-E84D-45E7-B2D5-FFE07A040AC9}" srcOrd="1" destOrd="0" presId="urn:microsoft.com/office/officeart/2005/8/layout/orgChart1"/>
-    <dgm:cxn modelId="{E9B713E3-860A-4A89-8611-6BBBA6AA1FFD}" type="presOf" srcId="{09180BF8-9BB0-4837-87C9-A31B615AF06B}" destId="{AEE27075-2A19-4E8B-B9FC-003EACF0E2C9}" srcOrd="0" destOrd="0" presId="urn:microsoft.com/office/officeart/2005/8/layout/orgChart1"/>
-    <dgm:cxn modelId="{292496E3-F01C-4600-8952-6DB99B5FFB2A}" type="presOf" srcId="{1C58E7D9-DF76-4E55-ADEE-EF79CE6B1872}" destId="{12C09BAD-4169-4A5B-A324-4C3841F7A0F6}" srcOrd="0" destOrd="0" presId="urn:microsoft.com/office/officeart/2005/8/layout/orgChart1"/>
-    <dgm:cxn modelId="{CB552FE5-CAD9-42A3-AEC6-FE53E2A7245A}" type="presOf" srcId="{CCA2B529-B580-4CAA-85C2-8BE46A70C260}" destId="{A8BE3D33-202F-4B78-BACF-C4CB91985458}" srcOrd="0" destOrd="0" presId="urn:microsoft.com/office/officeart/2005/8/layout/orgChart1"/>
-    <dgm:cxn modelId="{AF195CEA-3015-4DFD-84AC-BC30B43A9847}" type="presOf" srcId="{3045F83C-2937-4C11-A432-105F2D7F79C8}" destId="{A541300C-4EA0-4F2F-A86D-61A27E02B787}" srcOrd="0" destOrd="0" presId="urn:microsoft.com/office/officeart/2005/8/layout/orgChart1"/>
-    <dgm:cxn modelId="{7BD70AEC-7B22-4583-905E-94335C5C2C1F}" type="presOf" srcId="{F20C8FF4-9862-4DF9-806F-B90D55ADE098}" destId="{A2C33C9F-E20E-4D1E-BBFD-28AA5D38E75F}" srcOrd="0" destOrd="0" presId="urn:microsoft.com/office/officeart/2005/8/layout/orgChart1"/>
-    <dgm:cxn modelId="{ABC993EF-9ABB-4F70-A356-A543F742C117}" type="presOf" srcId="{6F49CECE-5543-4B62-B83F-169C4977D00E}" destId="{FCB81601-52E9-4994-943C-D44AA55B15FE}" srcOrd="1" destOrd="0" presId="urn:microsoft.com/office/officeart/2005/8/layout/orgChart1"/>
-    <dgm:cxn modelId="{D7F462F8-F9E8-406E-AC08-3D6931147982}" type="presOf" srcId="{63B6199B-540A-42F9-8A18-8DFF59807143}" destId="{71C08850-6C20-40D7-86A2-D9FD0A3CCF87}" srcOrd="0" destOrd="0" presId="urn:microsoft.com/office/officeart/2005/8/layout/orgChart1"/>
-    <dgm:cxn modelId="{DED079FB-DC28-49F4-A964-91ABD9070649}" type="presOf" srcId="{11AD3FAC-CE2C-4BF5-98D5-F96D1E1069F3}" destId="{DA920640-8B72-4913-BA55-9259E051A12B}" srcOrd="0" destOrd="0" presId="urn:microsoft.com/office/officeart/2005/8/layout/orgChart1"/>
-    <dgm:cxn modelId="{C372C1FB-5AAB-4B53-953C-A7A9C8355BD8}" type="presOf" srcId="{6B14FCA3-6FEA-43EB-9C82-2B07D04536C7}" destId="{0C07F64B-E45F-43F5-B234-4C17D121787E}" srcOrd="1" destOrd="0" presId="urn:microsoft.com/office/officeart/2005/8/layout/orgChart1"/>
     <dgm:cxn modelId="{0E5E72E4-E686-4705-933D-2F58E6B3FEE6}" type="presParOf" srcId="{D89C1994-7969-4A61-8D72-015E632E69B6}" destId="{45FC5C96-3820-4EDB-A39B-DA49F664CAB4}" srcOrd="0" destOrd="0" presId="urn:microsoft.com/office/officeart/2005/8/layout/orgChart1"/>
     <dgm:cxn modelId="{3FC6DCC7-A5B2-4615-A1F4-35D67103931B}" type="presParOf" srcId="{45FC5C96-3820-4EDB-A39B-DA49F664CAB4}" destId="{DDD2026D-543E-4DF5-82EC-C4132EBD5240}" srcOrd="0" destOrd="0" presId="urn:microsoft.com/office/officeart/2005/8/layout/orgChart1"/>
     <dgm:cxn modelId="{7E805811-AEBD-4F35-B041-16E05AF32444}" type="presParOf" srcId="{DDD2026D-543E-4DF5-82EC-C4132EBD5240}" destId="{DA920640-8B72-4913-BA55-9259E051A12B}" srcOrd="0" destOrd="0" presId="urn:microsoft.com/office/officeart/2005/8/layout/orgChart1"/>
@@ -3622,7 +4029,7 @@
         </a:bodyPr>
         <a:lstStyle/>
         <a:p>
-          <a:pPr marL="0" lvl="0" indent="0" algn="ctr" defTabSz="533400">
+          <a:pPr lvl="0" algn="ctr" defTabSz="533400">
             <a:lnSpc>
               <a:spcPct val="90000"/>
             </a:lnSpc>
@@ -3632,7 +4039,6 @@
             <a:spcAft>
               <a:spcPct val="35000"/>
             </a:spcAft>
-            <a:buNone/>
           </a:pPr>
           <a:r>
             <a:rPr lang="en-US" sz="1200" kern="1200"/>
@@ -3700,7 +4106,7 @@
         </a:bodyPr>
         <a:lstStyle/>
         <a:p>
-          <a:pPr marL="0" lvl="0" indent="0" algn="ctr" defTabSz="533400">
+          <a:pPr lvl="0" algn="ctr" defTabSz="533400">
             <a:lnSpc>
               <a:spcPct val="90000"/>
             </a:lnSpc>
@@ -3710,7 +4116,6 @@
             <a:spcAft>
               <a:spcPct val="35000"/>
             </a:spcAft>
-            <a:buNone/>
           </a:pPr>
           <a:r>
             <a:rPr lang="en-US" sz="1200" kern="1200"/>
@@ -3778,7 +4183,7 @@
         </a:bodyPr>
         <a:lstStyle/>
         <a:p>
-          <a:pPr marL="0" lvl="0" indent="0" algn="ctr" defTabSz="533400">
+          <a:pPr lvl="0" algn="ctr" defTabSz="533400">
             <a:lnSpc>
               <a:spcPct val="90000"/>
             </a:lnSpc>
@@ -3788,7 +4193,6 @@
             <a:spcAft>
               <a:spcPct val="35000"/>
             </a:spcAft>
-            <a:buNone/>
           </a:pPr>
           <a:r>
             <a:rPr lang="en-US" sz="1200" kern="1200" dirty="0"/>
@@ -3856,7 +4260,7 @@
         </a:bodyPr>
         <a:lstStyle/>
         <a:p>
-          <a:pPr marL="0" lvl="0" indent="0" algn="ctr" defTabSz="533400">
+          <a:pPr lvl="0" algn="ctr" defTabSz="533400">
             <a:lnSpc>
               <a:spcPct val="90000"/>
             </a:lnSpc>
@@ -3866,7 +4270,6 @@
             <a:spcAft>
               <a:spcPct val="35000"/>
             </a:spcAft>
-            <a:buNone/>
           </a:pPr>
           <a:r>
             <a:rPr lang="en-US" sz="1200" kern="1200"/>
@@ -3934,7 +4337,7 @@
         </a:bodyPr>
         <a:lstStyle/>
         <a:p>
-          <a:pPr marL="0" lvl="0" indent="0" algn="ctr" defTabSz="533400">
+          <a:pPr lvl="0" algn="ctr" defTabSz="533400">
             <a:lnSpc>
               <a:spcPct val="90000"/>
             </a:lnSpc>
@@ -3944,7 +4347,6 @@
             <a:spcAft>
               <a:spcPct val="35000"/>
             </a:spcAft>
-            <a:buNone/>
           </a:pPr>
           <a:r>
             <a:rPr lang="en-US" sz="1200" kern="1200"/>
@@ -4012,7 +4414,7 @@
         </a:bodyPr>
         <a:lstStyle/>
         <a:p>
-          <a:pPr marL="0" lvl="0" indent="0" algn="ctr" defTabSz="533400">
+          <a:pPr lvl="0" algn="ctr" defTabSz="533400">
             <a:lnSpc>
               <a:spcPct val="90000"/>
             </a:lnSpc>
@@ -4022,7 +4424,6 @@
             <a:spcAft>
               <a:spcPct val="35000"/>
             </a:spcAft>
-            <a:buNone/>
           </a:pPr>
           <a:r>
             <a:rPr lang="en-US" sz="1200" kern="1200"/>
@@ -4090,7 +4491,7 @@
         </a:bodyPr>
         <a:lstStyle/>
         <a:p>
-          <a:pPr marL="0" lvl="0" indent="0" algn="ctr" defTabSz="533400">
+          <a:pPr lvl="0" algn="ctr" defTabSz="533400">
             <a:lnSpc>
               <a:spcPct val="90000"/>
             </a:lnSpc>
@@ -4100,7 +4501,6 @@
             <a:spcAft>
               <a:spcPct val="35000"/>
             </a:spcAft>
-            <a:buNone/>
           </a:pPr>
           <a:r>
             <a:rPr lang="en-US" sz="1200" kern="1200"/>
@@ -4168,7 +4568,7 @@
         </a:bodyPr>
         <a:lstStyle/>
         <a:p>
-          <a:pPr marL="0" lvl="0" indent="0" algn="ctr" defTabSz="533400">
+          <a:pPr lvl="0" algn="ctr" defTabSz="533400">
             <a:lnSpc>
               <a:spcPct val="90000"/>
             </a:lnSpc>
@@ -4178,7 +4578,6 @@
             <a:spcAft>
               <a:spcPct val="35000"/>
             </a:spcAft>
-            <a:buNone/>
           </a:pPr>
           <a:r>
             <a:rPr lang="en-US" sz="1200" kern="1200"/>
@@ -4246,7 +4645,7 @@
         </a:bodyPr>
         <a:lstStyle/>
         <a:p>
-          <a:pPr marL="0" lvl="0" indent="0" algn="ctr" defTabSz="533400">
+          <a:pPr lvl="0" algn="ctr" defTabSz="533400">
             <a:lnSpc>
               <a:spcPct val="90000"/>
             </a:lnSpc>
@@ -4256,7 +4655,6 @@
             <a:spcAft>
               <a:spcPct val="35000"/>
             </a:spcAft>
-            <a:buNone/>
           </a:pPr>
           <a:r>
             <a:rPr lang="en-US" sz="1200" kern="1200"/>
@@ -4324,7 +4722,7 @@
         </a:bodyPr>
         <a:lstStyle/>
         <a:p>
-          <a:pPr marL="0" lvl="0" indent="0" algn="ctr" defTabSz="533400">
+          <a:pPr lvl="0" algn="ctr" defTabSz="533400">
             <a:lnSpc>
               <a:spcPct val="90000"/>
             </a:lnSpc>
@@ -4334,7 +4732,6 @@
             <a:spcAft>
               <a:spcPct val="35000"/>
             </a:spcAft>
-            <a:buNone/>
           </a:pPr>
           <a:r>
             <a:rPr lang="en-US" sz="1200" kern="1200"/>
@@ -4402,7 +4799,7 @@
         </a:bodyPr>
         <a:lstStyle/>
         <a:p>
-          <a:pPr marL="0" lvl="0" indent="0" algn="ctr" defTabSz="533400">
+          <a:pPr lvl="0" algn="ctr" defTabSz="533400">
             <a:lnSpc>
               <a:spcPct val="90000"/>
             </a:lnSpc>
@@ -4412,7 +4809,6 @@
             <a:spcAft>
               <a:spcPct val="35000"/>
             </a:spcAft>
-            <a:buNone/>
           </a:pPr>
           <a:r>
             <a:rPr lang="en-US" sz="1200" kern="1200"/>
@@ -4480,7 +4876,7 @@
         </a:bodyPr>
         <a:lstStyle/>
         <a:p>
-          <a:pPr marL="0" lvl="0" indent="0" algn="ctr" defTabSz="533400">
+          <a:pPr lvl="0" algn="ctr" defTabSz="533400">
             <a:lnSpc>
               <a:spcPct val="90000"/>
             </a:lnSpc>
@@ -4490,7 +4886,6 @@
             <a:spcAft>
               <a:spcPct val="35000"/>
             </a:spcAft>
-            <a:buNone/>
           </a:pPr>
           <a:r>
             <a:rPr lang="en-US" sz="1200" kern="1200"/>
@@ -4558,7 +4953,7 @@
         </a:bodyPr>
         <a:lstStyle/>
         <a:p>
-          <a:pPr marL="0" lvl="0" indent="0" algn="ctr" defTabSz="533400">
+          <a:pPr lvl="0" algn="ctr" defTabSz="533400">
             <a:lnSpc>
               <a:spcPct val="90000"/>
             </a:lnSpc>
@@ -4568,11 +4963,18 @@
             <a:spcAft>
               <a:spcPct val="35000"/>
             </a:spcAft>
-            <a:buNone/>
           </a:pPr>
           <a:r>
+            <a:rPr lang="en-US" sz="1200" kern="1200" dirty="0" err="1" smtClean="0"/>
+            <a:t>QoQ</a:t>
+          </a:r>
+          <a:r>
+            <a:rPr lang="en-US" sz="1200" kern="1200" dirty="0" smtClean="0"/>
+            <a:t> </a:t>
+          </a:r>
+          <a:r>
             <a:rPr lang="en-US" sz="1200" kern="1200" dirty="0"/>
-            <a:t>Expected GDP Growth</a:t>
+            <a:t>GDP Growth</a:t>
           </a:r>
         </a:p>
       </dsp:txBody>
@@ -4636,7 +5038,7 @@
         </a:bodyPr>
         <a:lstStyle/>
         <a:p>
-          <a:pPr marL="0" lvl="0" indent="0" algn="ctr" defTabSz="533400">
+          <a:pPr lvl="0" algn="ctr" defTabSz="533400">
             <a:lnSpc>
               <a:spcPct val="90000"/>
             </a:lnSpc>
@@ -4646,7 +5048,6 @@
             <a:spcAft>
               <a:spcPct val="35000"/>
             </a:spcAft>
-            <a:buNone/>
           </a:pPr>
           <a:r>
             <a:rPr lang="en-US" sz="1200" kern="1200"/>
@@ -4714,7 +5115,7 @@
         </a:bodyPr>
         <a:lstStyle/>
         <a:p>
-          <a:pPr marL="0" lvl="0" indent="0" algn="ctr" defTabSz="533400">
+          <a:pPr lvl="0" algn="ctr" defTabSz="533400">
             <a:lnSpc>
               <a:spcPct val="90000"/>
             </a:lnSpc>
@@ -4724,7 +5125,6 @@
             <a:spcAft>
               <a:spcPct val="35000"/>
             </a:spcAft>
-            <a:buNone/>
           </a:pPr>
           <a:r>
             <a:rPr lang="en-US" sz="1200" kern="1200"/>
@@ -4792,7 +5192,7 @@
         </a:bodyPr>
         <a:lstStyle/>
         <a:p>
-          <a:pPr marL="0" lvl="0" indent="0" algn="ctr" defTabSz="533400">
+          <a:pPr lvl="0" algn="ctr" defTabSz="533400">
             <a:lnSpc>
               <a:spcPct val="90000"/>
             </a:lnSpc>
@@ -4802,7 +5202,6 @@
             <a:spcAft>
               <a:spcPct val="35000"/>
             </a:spcAft>
-            <a:buNone/>
           </a:pPr>
           <a:r>
             <a:rPr lang="en-US" sz="1200" kern="1200"/>
@@ -4870,7 +5269,7 @@
         </a:bodyPr>
         <a:lstStyle/>
         <a:p>
-          <a:pPr marL="0" lvl="0" indent="0" algn="ctr" defTabSz="533400">
+          <a:pPr lvl="0" algn="ctr" defTabSz="533400">
             <a:lnSpc>
               <a:spcPct val="90000"/>
             </a:lnSpc>
@@ -4880,7 +5279,6 @@
             <a:spcAft>
               <a:spcPct val="35000"/>
             </a:spcAft>
-            <a:buNone/>
           </a:pPr>
           <a:r>
             <a:rPr lang="en-US" sz="1200" kern="1200"/>
@@ -4948,7 +5346,7 @@
         </a:bodyPr>
         <a:lstStyle/>
         <a:p>
-          <a:pPr marL="0" lvl="0" indent="0" algn="ctr" defTabSz="533400">
+          <a:pPr lvl="0" algn="ctr" defTabSz="533400">
             <a:lnSpc>
               <a:spcPct val="90000"/>
             </a:lnSpc>
@@ -4958,7 +5356,6 @@
             <a:spcAft>
               <a:spcPct val="35000"/>
             </a:spcAft>
-            <a:buNone/>
           </a:pPr>
           <a:r>
             <a:rPr lang="en-US" sz="1200" kern="1200"/>
@@ -5026,7 +5423,7 @@
         </a:bodyPr>
         <a:lstStyle/>
         <a:p>
-          <a:pPr marL="0" lvl="0" indent="0" algn="ctr" defTabSz="533400">
+          <a:pPr lvl="0" algn="ctr" defTabSz="533400">
             <a:lnSpc>
               <a:spcPct val="90000"/>
             </a:lnSpc>
@@ -5036,7 +5433,6 @@
             <a:spcAft>
               <a:spcPct val="35000"/>
             </a:spcAft>
-            <a:buNone/>
           </a:pPr>
           <a:r>
             <a:rPr lang="en-US" sz="1200" kern="1200"/>
@@ -7364,7 +7760,7 @@
           <a:p>
             <a:fld id="{AC0CE3CB-4D8B-4774-9D8B-EEB29A0BAFB7}" type="datetimeFigureOut">
               <a:rPr lang="en-US" smtClean="0"/>
-              <a:t>2/25/2020</a:t>
+              <a:t>3/23/2020</a:t>
             </a:fld>
             <a:endParaRPr lang="en-US"/>
           </a:p>
@@ -7534,7 +7930,7 @@
           <a:p>
             <a:fld id="{AC0CE3CB-4D8B-4774-9D8B-EEB29A0BAFB7}" type="datetimeFigureOut">
               <a:rPr lang="en-US" smtClean="0"/>
-              <a:t>2/25/2020</a:t>
+              <a:t>3/23/2020</a:t>
             </a:fld>
             <a:endParaRPr lang="en-US"/>
           </a:p>
@@ -7714,7 +8110,7 @@
           <a:p>
             <a:fld id="{AC0CE3CB-4D8B-4774-9D8B-EEB29A0BAFB7}" type="datetimeFigureOut">
               <a:rPr lang="en-US" smtClean="0"/>
-              <a:t>2/25/2020</a:t>
+              <a:t>3/23/2020</a:t>
             </a:fld>
             <a:endParaRPr lang="en-US"/>
           </a:p>
@@ -7884,7 +8280,7 @@
           <a:p>
             <a:fld id="{AC0CE3CB-4D8B-4774-9D8B-EEB29A0BAFB7}" type="datetimeFigureOut">
               <a:rPr lang="en-US" smtClean="0"/>
-              <a:t>2/25/2020</a:t>
+              <a:t>3/23/2020</a:t>
             </a:fld>
             <a:endParaRPr lang="en-US"/>
           </a:p>
@@ -8128,7 +8524,7 @@
           <a:p>
             <a:fld id="{AC0CE3CB-4D8B-4774-9D8B-EEB29A0BAFB7}" type="datetimeFigureOut">
               <a:rPr lang="en-US" smtClean="0"/>
-              <a:t>2/25/2020</a:t>
+              <a:t>3/23/2020</a:t>
             </a:fld>
             <a:endParaRPr lang="en-US"/>
           </a:p>
@@ -8360,7 +8756,7 @@
           <a:p>
             <a:fld id="{AC0CE3CB-4D8B-4774-9D8B-EEB29A0BAFB7}" type="datetimeFigureOut">
               <a:rPr lang="en-US" smtClean="0"/>
-              <a:t>2/25/2020</a:t>
+              <a:t>3/23/2020</a:t>
             </a:fld>
             <a:endParaRPr lang="en-US"/>
           </a:p>
@@ -8727,7 +9123,7 @@
           <a:p>
             <a:fld id="{AC0CE3CB-4D8B-4774-9D8B-EEB29A0BAFB7}" type="datetimeFigureOut">
               <a:rPr lang="en-US" smtClean="0"/>
-              <a:t>2/25/2020</a:t>
+              <a:t>3/23/2020</a:t>
             </a:fld>
             <a:endParaRPr lang="en-US"/>
           </a:p>
@@ -8845,7 +9241,7 @@
           <a:p>
             <a:fld id="{AC0CE3CB-4D8B-4774-9D8B-EEB29A0BAFB7}" type="datetimeFigureOut">
               <a:rPr lang="en-US" smtClean="0"/>
-              <a:t>2/25/2020</a:t>
+              <a:t>3/23/2020</a:t>
             </a:fld>
             <a:endParaRPr lang="en-US"/>
           </a:p>
@@ -8940,7 +9336,7 @@
           <a:p>
             <a:fld id="{AC0CE3CB-4D8B-4774-9D8B-EEB29A0BAFB7}" type="datetimeFigureOut">
               <a:rPr lang="en-US" smtClean="0"/>
-              <a:t>2/25/2020</a:t>
+              <a:t>3/23/2020</a:t>
             </a:fld>
             <a:endParaRPr lang="en-US"/>
           </a:p>
@@ -9217,7 +9613,7 @@
           <a:p>
             <a:fld id="{AC0CE3CB-4D8B-4774-9D8B-EEB29A0BAFB7}" type="datetimeFigureOut">
               <a:rPr lang="en-US" smtClean="0"/>
-              <a:t>2/25/2020</a:t>
+              <a:t>3/23/2020</a:t>
             </a:fld>
             <a:endParaRPr lang="en-US"/>
           </a:p>
@@ -9474,7 +9870,7 @@
           <a:p>
             <a:fld id="{AC0CE3CB-4D8B-4774-9D8B-EEB29A0BAFB7}" type="datetimeFigureOut">
               <a:rPr lang="en-US" smtClean="0"/>
-              <a:t>2/25/2020</a:t>
+              <a:t>3/23/2020</a:t>
             </a:fld>
             <a:endParaRPr lang="en-US"/>
           </a:p>
@@ -9687,7 +10083,7 @@
           <a:p>
             <a:fld id="{AC0CE3CB-4D8B-4774-9D8B-EEB29A0BAFB7}" type="datetimeFigureOut">
               <a:rPr lang="en-US" smtClean="0"/>
-              <a:t>2/25/2020</a:t>
+              <a:t>3/23/2020</a:t>
             </a:fld>
             <a:endParaRPr lang="en-US"/>
           </a:p>
@@ -10097,7 +10493,7 @@
           <p:cNvPr id="7" name="Diagram 6">
             <a:extLst>
               <a:ext uri="{FF2B5EF4-FFF2-40B4-BE49-F238E27FC236}">
-                <a16:creationId xmlns:a16="http://schemas.microsoft.com/office/drawing/2014/main" id="{C13B09F0-C816-467D-ABDE-89599B29D4E9}"/>
+                <a16:creationId xmlns:a16="http://schemas.microsoft.com/office/drawing/2014/main" xmlns="" id="{C13B09F0-C816-467D-ABDE-89599B29D4E9}"/>
               </a:ext>
             </a:extLst>
           </p:cNvPr>
@@ -10105,7 +10501,7 @@
           <p:nvPr>
             <p:extLst>
               <p:ext uri="{D42A27DB-BD31-4B8C-83A1-F6EECF244321}">
-                <p14:modId xmlns:p14="http://schemas.microsoft.com/office/powerpoint/2010/main" val="394939918"/>
+                <p14:modId xmlns:p14="http://schemas.microsoft.com/office/powerpoint/2010/main" val="316973942"/>
               </p:ext>
             </p:extLst>
           </p:nvPr>
@@ -10176,7 +10572,7 @@
     </a:clrScheme>
     <a:fontScheme name="Office Theme">
       <a:majorFont>
-        <a:latin typeface="Calibri Light" panose="020F0302020204030204"/>
+        <a:latin typeface="Calibri Light"/>
         <a:ea typeface=""/>
         <a:cs typeface=""/>
         <a:font script="Jpan" typeface="游ゴシック Light"/>
@@ -10211,7 +10607,7 @@
         <a:font script="Geor" typeface="Sylfaen"/>
       </a:majorFont>
       <a:minorFont>
-        <a:latin typeface="Calibri" panose="020F0502020204030204"/>
+        <a:latin typeface="Calibri"/>
         <a:ea typeface=""/>
         <a:cs typeface=""/>
         <a:font script="Jpan" typeface="游ゴシック"/>
@@ -10388,7 +10784,7 @@
   <a:extraClrSchemeLst/>
   <a:extLst>
     <a:ext uri="{05A4C25C-085E-4340-85A3-A5531E510DB2}">
-      <thm15:themeFamily xmlns:thm15="http://schemas.microsoft.com/office/thememl/2012/main" name="Office Theme" id="{62F939B6-93AF-4DB8-9C6B-D6C7DFDC589F}" vid="{4A3C46E8-61CC-4603-A589-7422A47A8E4A}"/>
+      <thm15:themeFamily xmlns:thm15="http://schemas.microsoft.com/office/thememl/2012/main" xmlns="" name="Office Theme" id="{62F939B6-93AF-4DB8-9C6B-D6C7DFDC589F}" vid="{4A3C46E8-61CC-4603-A589-7422A47A8E4A}"/>
     </a:ext>
   </a:extLst>
 </a:theme>

--- a/factors.pptx
+++ b/factors.pptx
@@ -106,7 +106,7 @@
   </p:defaultTextStyle>
   <p:extLst>
     <p:ext uri="{EFAFB233-063F-42B5-8137-9DF3F51BA10A}">
-      <p15:sldGuideLst xmlns:p15="http://schemas.microsoft.com/office/powerpoint/2012/main" xmlns=""/>
+      <p15:sldGuideLst xmlns="" xmlns:p15="http://schemas.microsoft.com/office/powerpoint/2012/main"/>
     </p:ext>
   </p:extLst>
 </p:presentation>
@@ -1304,42 +1304,6 @@
         </a:p>
       </dgm:t>
     </dgm:pt>
-    <dgm:pt modelId="{7F46ACF6-CFF7-483E-8437-D6501DD735C9}">
-      <dgm:prSet/>
-      <dgm:spPr/>
-      <dgm:t>
-        <a:bodyPr/>
-        <a:lstStyle/>
-        <a:p>
-          <a:r>
-            <a:rPr lang="en-US"/>
-            <a:t>PMI</a:t>
-          </a:r>
-        </a:p>
-      </dgm:t>
-    </dgm:pt>
-    <dgm:pt modelId="{01B93828-B211-4FCF-92FE-46C1C9C80484}" type="parTrans" cxnId="{4A0AC1D1-77A4-4D82-99E3-CBBB22155CA0}">
-      <dgm:prSet/>
-      <dgm:spPr/>
-      <dgm:t>
-        <a:bodyPr/>
-        <a:lstStyle/>
-        <a:p>
-          <a:endParaRPr lang="en-US"/>
-        </a:p>
-      </dgm:t>
-    </dgm:pt>
-    <dgm:pt modelId="{EC5CA40D-E826-4ED4-98C0-9C1F6690156E}" type="sibTrans" cxnId="{4A0AC1D1-77A4-4D82-99E3-CBBB22155CA0}">
-      <dgm:prSet/>
-      <dgm:spPr/>
-      <dgm:t>
-        <a:bodyPr/>
-        <a:lstStyle/>
-        <a:p>
-          <a:endParaRPr lang="en-US"/>
-        </a:p>
-      </dgm:t>
-    </dgm:pt>
     <dgm:pt modelId="{F20C8FF4-9862-4DF9-806F-B90D55ADE098}">
       <dgm:prSet/>
       <dgm:spPr/>
@@ -1464,8 +1428,16 @@
         <a:lstStyle/>
         <a:p>
           <a:r>
-            <a:rPr lang="en-US"/>
-            <a:t>Market sentiment and alternative score</a:t>
+            <a:rPr lang="en-US" dirty="0"/>
+            <a:t>Market </a:t>
+          </a:r>
+          <a:r>
+            <a:rPr lang="en-US" dirty="0" smtClean="0"/>
+            <a:t>sentimental </a:t>
+          </a:r>
+          <a:r>
+            <a:rPr lang="en-US" dirty="0"/>
+            <a:t>and alternative score</a:t>
           </a:r>
         </a:p>
       </dgm:t>
@@ -1554,42 +1526,6 @@
       </dgm:t>
     </dgm:pt>
     <dgm:pt modelId="{0ED44051-871D-48EB-9C9E-EC7E25292212}" type="sibTrans" cxnId="{AD53CAAF-753A-4F5A-9EF0-3CEB2BD42146}">
-      <dgm:prSet/>
-      <dgm:spPr/>
-      <dgm:t>
-        <a:bodyPr/>
-        <a:lstStyle/>
-        <a:p>
-          <a:endParaRPr lang="en-US"/>
-        </a:p>
-      </dgm:t>
-    </dgm:pt>
-    <dgm:pt modelId="{8623E6FC-6F85-40A4-AAE8-EFCDEDF47CC5}">
-      <dgm:prSet/>
-      <dgm:spPr/>
-      <dgm:t>
-        <a:bodyPr/>
-        <a:lstStyle/>
-        <a:p>
-          <a:r>
-            <a:rPr lang="en-US"/>
-            <a:t>Fund flow</a:t>
-          </a:r>
-        </a:p>
-      </dgm:t>
-    </dgm:pt>
-    <dgm:pt modelId="{4EFF8862-D631-4078-B9C3-36D58C0CAF17}" type="parTrans" cxnId="{27CF9016-DB8C-44B5-A21D-7AB07E32C74D}">
-      <dgm:prSet/>
-      <dgm:spPr/>
-      <dgm:t>
-        <a:bodyPr/>
-        <a:lstStyle/>
-        <a:p>
-          <a:endParaRPr lang="en-US"/>
-        </a:p>
-      </dgm:t>
-    </dgm:pt>
-    <dgm:pt modelId="{4D61C86C-F5F3-462F-971D-6C5CAB3AA03F}" type="sibTrans" cxnId="{27CF9016-DB8C-44B5-A21D-7AB07E32C74D}">
       <dgm:prSet/>
       <dgm:spPr/>
       <dgm:t>
@@ -1769,7 +1705,7 @@
       <dgm:spPr/>
     </dgm:pt>
     <dgm:pt modelId="{12C09BAD-4169-4A5B-A324-4C3841F7A0F6}" type="pres">
-      <dgm:prSet presAssocID="{1C58E7D9-DF76-4E55-ADEE-EF79CE6B1872}" presName="Name37" presStyleLbl="parChTrans1D4" presStyleIdx="0" presStyleCnt="13"/>
+      <dgm:prSet presAssocID="{1C58E7D9-DF76-4E55-ADEE-EF79CE6B1872}" presName="Name37" presStyleLbl="parChTrans1D4" presStyleIdx="0" presStyleCnt="11"/>
       <dgm:spPr/>
       <dgm:t>
         <a:bodyPr/>
@@ -1792,7 +1728,7 @@
       <dgm:spPr/>
     </dgm:pt>
     <dgm:pt modelId="{FA45CC20-69B4-4564-A9F3-FECEBCB041D1}" type="pres">
-      <dgm:prSet presAssocID="{3A48E1CA-AC4A-45C6-81B0-46F7E75476EE}" presName="rootText" presStyleLbl="node4" presStyleIdx="0" presStyleCnt="13">
+      <dgm:prSet presAssocID="{3A48E1CA-AC4A-45C6-81B0-46F7E75476EE}" presName="rootText" presStyleLbl="node4" presStyleIdx="0" presStyleCnt="11">
         <dgm:presLayoutVars>
           <dgm:chPref val="3"/>
         </dgm:presLayoutVars>
@@ -1807,7 +1743,7 @@
       </dgm:t>
     </dgm:pt>
     <dgm:pt modelId="{581E77F2-6530-4657-B911-9D5FCFEFE76E}" type="pres">
-      <dgm:prSet presAssocID="{3A48E1CA-AC4A-45C6-81B0-46F7E75476EE}" presName="rootConnector" presStyleLbl="node4" presStyleIdx="0" presStyleCnt="13"/>
+      <dgm:prSet presAssocID="{3A48E1CA-AC4A-45C6-81B0-46F7E75476EE}" presName="rootConnector" presStyleLbl="node4" presStyleIdx="0" presStyleCnt="11"/>
       <dgm:spPr/>
       <dgm:t>
         <a:bodyPr/>
@@ -1826,7 +1762,7 @@
       <dgm:spPr/>
     </dgm:pt>
     <dgm:pt modelId="{6CF77085-0E58-4071-A531-5CE91F8DA348}" type="pres">
-      <dgm:prSet presAssocID="{5FE32230-A646-4579-AA11-A29DF7BEB819}" presName="Name37" presStyleLbl="parChTrans1D4" presStyleIdx="1" presStyleCnt="13"/>
+      <dgm:prSet presAssocID="{5FE32230-A646-4579-AA11-A29DF7BEB819}" presName="Name37" presStyleLbl="parChTrans1D4" presStyleIdx="1" presStyleCnt="11"/>
       <dgm:spPr/>
       <dgm:t>
         <a:bodyPr/>
@@ -1849,7 +1785,7 @@
       <dgm:spPr/>
     </dgm:pt>
     <dgm:pt modelId="{E29314CE-9117-4D7E-8A9F-C2C3B4D6D154}" type="pres">
-      <dgm:prSet presAssocID="{26A2C07E-9DD6-430B-9316-E4F456AF3D58}" presName="rootText" presStyleLbl="node4" presStyleIdx="1" presStyleCnt="13">
+      <dgm:prSet presAssocID="{26A2C07E-9DD6-430B-9316-E4F456AF3D58}" presName="rootText" presStyleLbl="node4" presStyleIdx="1" presStyleCnt="11">
         <dgm:presLayoutVars>
           <dgm:chPref val="3"/>
         </dgm:presLayoutVars>
@@ -1864,7 +1800,7 @@
       </dgm:t>
     </dgm:pt>
     <dgm:pt modelId="{C3400AA3-CE18-4619-AAFF-ABBA4687A208}" type="pres">
-      <dgm:prSet presAssocID="{26A2C07E-9DD6-430B-9316-E4F456AF3D58}" presName="rootConnector" presStyleLbl="node4" presStyleIdx="1" presStyleCnt="13"/>
+      <dgm:prSet presAssocID="{26A2C07E-9DD6-430B-9316-E4F456AF3D58}" presName="rootConnector" presStyleLbl="node4" presStyleIdx="1" presStyleCnt="11"/>
       <dgm:spPr/>
       <dgm:t>
         <a:bodyPr/>
@@ -1940,7 +1876,7 @@
       <dgm:spPr/>
     </dgm:pt>
     <dgm:pt modelId="{CF3C7871-4303-48A3-BB4A-7A86D6B4721D}" type="pres">
-      <dgm:prSet presAssocID="{A8E88150-2DB6-46FA-A852-43051AFC02CB}" presName="Name37" presStyleLbl="parChTrans1D4" presStyleIdx="2" presStyleCnt="13"/>
+      <dgm:prSet presAssocID="{A8E88150-2DB6-46FA-A852-43051AFC02CB}" presName="Name37" presStyleLbl="parChTrans1D4" presStyleIdx="2" presStyleCnt="11"/>
       <dgm:spPr/>
       <dgm:t>
         <a:bodyPr/>
@@ -1963,7 +1899,7 @@
       <dgm:spPr/>
     </dgm:pt>
     <dgm:pt modelId="{1A858DA5-A289-4A22-B794-D6D770901C98}" type="pres">
-      <dgm:prSet presAssocID="{5DBC26DE-3F6D-4591-B844-2BDA42210872}" presName="rootText" presStyleLbl="node4" presStyleIdx="2" presStyleCnt="13">
+      <dgm:prSet presAssocID="{5DBC26DE-3F6D-4591-B844-2BDA42210872}" presName="rootText" presStyleLbl="node4" presStyleIdx="2" presStyleCnt="11">
         <dgm:presLayoutVars>
           <dgm:chPref val="3"/>
         </dgm:presLayoutVars>
@@ -1978,7 +1914,7 @@
       </dgm:t>
     </dgm:pt>
     <dgm:pt modelId="{AEA55E03-C54A-4EA4-9BDB-2776081E2FA7}" type="pres">
-      <dgm:prSet presAssocID="{5DBC26DE-3F6D-4591-B844-2BDA42210872}" presName="rootConnector" presStyleLbl="node4" presStyleIdx="2" presStyleCnt="13"/>
+      <dgm:prSet presAssocID="{5DBC26DE-3F6D-4591-B844-2BDA42210872}" presName="rootConnector" presStyleLbl="node4" presStyleIdx="2" presStyleCnt="11"/>
       <dgm:spPr/>
       <dgm:t>
         <a:bodyPr/>
@@ -1997,7 +1933,7 @@
       <dgm:spPr/>
     </dgm:pt>
     <dgm:pt modelId="{3DEBF5CE-5AAD-47A7-BA08-04DF2AC62CDD}" type="pres">
-      <dgm:prSet presAssocID="{918282B8-17D7-4E07-986D-BDC37D84C030}" presName="Name37" presStyleLbl="parChTrans1D4" presStyleIdx="3" presStyleCnt="13"/>
+      <dgm:prSet presAssocID="{918282B8-17D7-4E07-986D-BDC37D84C030}" presName="Name37" presStyleLbl="parChTrans1D4" presStyleIdx="3" presStyleCnt="11"/>
       <dgm:spPr/>
       <dgm:t>
         <a:bodyPr/>
@@ -2020,7 +1956,7 @@
       <dgm:spPr/>
     </dgm:pt>
     <dgm:pt modelId="{43564767-2DAF-4E04-9A8E-DD1E3F8D8AE9}" type="pres">
-      <dgm:prSet presAssocID="{3D0AB795-C8F5-410B-8C70-7E70771A456A}" presName="rootText" presStyleLbl="node4" presStyleIdx="3" presStyleCnt="13">
+      <dgm:prSet presAssocID="{3D0AB795-C8F5-410B-8C70-7E70771A456A}" presName="rootText" presStyleLbl="node4" presStyleIdx="3" presStyleCnt="11">
         <dgm:presLayoutVars>
           <dgm:chPref val="3"/>
         </dgm:presLayoutVars>
@@ -2035,7 +1971,7 @@
       </dgm:t>
     </dgm:pt>
     <dgm:pt modelId="{EEE5D1A4-30A3-479F-8F91-9D27C0765055}" type="pres">
-      <dgm:prSet presAssocID="{3D0AB795-C8F5-410B-8C70-7E70771A456A}" presName="rootConnector" presStyleLbl="node4" presStyleIdx="3" presStyleCnt="13"/>
+      <dgm:prSet presAssocID="{3D0AB795-C8F5-410B-8C70-7E70771A456A}" presName="rootConnector" presStyleLbl="node4" presStyleIdx="3" presStyleCnt="11"/>
       <dgm:spPr/>
       <dgm:t>
         <a:bodyPr/>
@@ -2054,7 +1990,7 @@
       <dgm:spPr/>
     </dgm:pt>
     <dgm:pt modelId="{AEE27075-2A19-4E8B-B9FC-003EACF0E2C9}" type="pres">
-      <dgm:prSet presAssocID="{09180BF8-9BB0-4837-87C9-A31B615AF06B}" presName="Name37" presStyleLbl="parChTrans1D4" presStyleIdx="4" presStyleCnt="13"/>
+      <dgm:prSet presAssocID="{09180BF8-9BB0-4837-87C9-A31B615AF06B}" presName="Name37" presStyleLbl="parChTrans1D4" presStyleIdx="4" presStyleCnt="11"/>
       <dgm:spPr/>
       <dgm:t>
         <a:bodyPr/>
@@ -2077,7 +2013,7 @@
       <dgm:spPr/>
     </dgm:pt>
     <dgm:pt modelId="{AE0F1FAB-E4F7-460E-B74D-9734E7275AB6}" type="pres">
-      <dgm:prSet presAssocID="{8B766CED-AF48-4A51-AFEA-B506C25FF9CE}" presName="rootText" presStyleLbl="node4" presStyleIdx="4" presStyleCnt="13">
+      <dgm:prSet presAssocID="{8B766CED-AF48-4A51-AFEA-B506C25FF9CE}" presName="rootText" presStyleLbl="node4" presStyleIdx="4" presStyleCnt="11">
         <dgm:presLayoutVars>
           <dgm:chPref val="3"/>
         </dgm:presLayoutVars>
@@ -2092,7 +2028,7 @@
       </dgm:t>
     </dgm:pt>
     <dgm:pt modelId="{E1E4BAA3-2C9C-4F78-9729-B712AC892362}" type="pres">
-      <dgm:prSet presAssocID="{8B766CED-AF48-4A51-AFEA-B506C25FF9CE}" presName="rootConnector" presStyleLbl="node4" presStyleIdx="4" presStyleCnt="13"/>
+      <dgm:prSet presAssocID="{8B766CED-AF48-4A51-AFEA-B506C25FF9CE}" presName="rootConnector" presStyleLbl="node4" presStyleIdx="4" presStyleCnt="11"/>
       <dgm:spPr/>
       <dgm:t>
         <a:bodyPr/>
@@ -2111,7 +2047,7 @@
       <dgm:spPr/>
     </dgm:pt>
     <dgm:pt modelId="{71C08850-6C20-40D7-86A2-D9FD0A3CCF87}" type="pres">
-      <dgm:prSet presAssocID="{63B6199B-540A-42F9-8A18-8DFF59807143}" presName="Name37" presStyleLbl="parChTrans1D4" presStyleIdx="5" presStyleCnt="13"/>
+      <dgm:prSet presAssocID="{63B6199B-540A-42F9-8A18-8DFF59807143}" presName="Name37" presStyleLbl="parChTrans1D4" presStyleIdx="5" presStyleCnt="11"/>
       <dgm:spPr/>
       <dgm:t>
         <a:bodyPr/>
@@ -2134,7 +2070,7 @@
       <dgm:spPr/>
     </dgm:pt>
     <dgm:pt modelId="{52565F71-66FC-45DF-AB63-8158775C40A3}" type="pres">
-      <dgm:prSet presAssocID="{A57537C8-D3B4-4574-A41F-A2E2552D7B2A}" presName="rootText" presStyleLbl="node4" presStyleIdx="5" presStyleCnt="13">
+      <dgm:prSet presAssocID="{A57537C8-D3B4-4574-A41F-A2E2552D7B2A}" presName="rootText" presStyleLbl="node4" presStyleIdx="5" presStyleCnt="11">
         <dgm:presLayoutVars>
           <dgm:chPref val="3"/>
         </dgm:presLayoutVars>
@@ -2149,7 +2085,7 @@
       </dgm:t>
     </dgm:pt>
     <dgm:pt modelId="{82F11D74-D82B-4C81-BA30-AF919B5FCD5E}" type="pres">
-      <dgm:prSet presAssocID="{A57537C8-D3B4-4574-A41F-A2E2552D7B2A}" presName="rootConnector" presStyleLbl="node4" presStyleIdx="5" presStyleCnt="13"/>
+      <dgm:prSet presAssocID="{A57537C8-D3B4-4574-A41F-A2E2552D7B2A}" presName="rootConnector" presStyleLbl="node4" presStyleIdx="5" presStyleCnt="11"/>
       <dgm:spPr/>
       <dgm:t>
         <a:bodyPr/>
@@ -2224,65 +2160,8 @@
       <dgm:prSet presAssocID="{CBF0074A-0FC7-4077-BCF9-CEB59150AFC8}" presName="hierChild4" presStyleCnt="0"/>
       <dgm:spPr/>
     </dgm:pt>
-    <dgm:pt modelId="{F2A0CB5F-BBE7-4880-9B72-74572386B4E4}" type="pres">
-      <dgm:prSet presAssocID="{01B93828-B211-4FCF-92FE-46C1C9C80484}" presName="Name37" presStyleLbl="parChTrans1D4" presStyleIdx="6" presStyleCnt="13"/>
-      <dgm:spPr/>
-      <dgm:t>
-        <a:bodyPr/>
-        <a:lstStyle/>
-        <a:p>
-          <a:endParaRPr lang="en-US"/>
-        </a:p>
-      </dgm:t>
-    </dgm:pt>
-    <dgm:pt modelId="{E5BE672B-1C01-44E8-9372-9E496F99BF39}" type="pres">
-      <dgm:prSet presAssocID="{7F46ACF6-CFF7-483E-8437-D6501DD735C9}" presName="hierRoot2" presStyleCnt="0">
-        <dgm:presLayoutVars>
-          <dgm:hierBranch val="init"/>
-        </dgm:presLayoutVars>
-      </dgm:prSet>
-      <dgm:spPr/>
-    </dgm:pt>
-    <dgm:pt modelId="{EC2DD0CB-133C-4BB4-B3D1-1A473B8B3161}" type="pres">
-      <dgm:prSet presAssocID="{7F46ACF6-CFF7-483E-8437-D6501DD735C9}" presName="rootComposite" presStyleCnt="0"/>
-      <dgm:spPr/>
-    </dgm:pt>
-    <dgm:pt modelId="{FF3BFF33-8FD3-4579-94E9-E5FEBB720C18}" type="pres">
-      <dgm:prSet presAssocID="{7F46ACF6-CFF7-483E-8437-D6501DD735C9}" presName="rootText" presStyleLbl="node4" presStyleIdx="6" presStyleCnt="13">
-        <dgm:presLayoutVars>
-          <dgm:chPref val="3"/>
-        </dgm:presLayoutVars>
-      </dgm:prSet>
-      <dgm:spPr/>
-      <dgm:t>
-        <a:bodyPr/>
-        <a:lstStyle/>
-        <a:p>
-          <a:endParaRPr lang="en-US"/>
-        </a:p>
-      </dgm:t>
-    </dgm:pt>
-    <dgm:pt modelId="{FD456E50-5289-4FBB-BB08-49EC87D76EBD}" type="pres">
-      <dgm:prSet presAssocID="{7F46ACF6-CFF7-483E-8437-D6501DD735C9}" presName="rootConnector" presStyleLbl="node4" presStyleIdx="6" presStyleCnt="13"/>
-      <dgm:spPr/>
-      <dgm:t>
-        <a:bodyPr/>
-        <a:lstStyle/>
-        <a:p>
-          <a:endParaRPr lang="en-US"/>
-        </a:p>
-      </dgm:t>
-    </dgm:pt>
-    <dgm:pt modelId="{7ACC8D40-57CC-4818-8F00-A0014A9C7EA5}" type="pres">
-      <dgm:prSet presAssocID="{7F46ACF6-CFF7-483E-8437-D6501DD735C9}" presName="hierChild4" presStyleCnt="0"/>
-      <dgm:spPr/>
-    </dgm:pt>
-    <dgm:pt modelId="{0845DDA4-9063-4746-93ED-D1D1B1C81886}" type="pres">
-      <dgm:prSet presAssocID="{7F46ACF6-CFF7-483E-8437-D6501DD735C9}" presName="hierChild5" presStyleCnt="0"/>
-      <dgm:spPr/>
-    </dgm:pt>
     <dgm:pt modelId="{4FC84424-77B3-4BAD-A376-197D931F1926}" type="pres">
-      <dgm:prSet presAssocID="{5452ED12-D44F-4B0C-85CC-760D8ED00141}" presName="Name37" presStyleLbl="parChTrans1D4" presStyleIdx="7" presStyleCnt="13"/>
+      <dgm:prSet presAssocID="{5452ED12-D44F-4B0C-85CC-760D8ED00141}" presName="Name37" presStyleLbl="parChTrans1D4" presStyleIdx="6" presStyleCnt="11"/>
       <dgm:spPr/>
       <dgm:t>
         <a:bodyPr/>
@@ -2305,7 +2184,7 @@
       <dgm:spPr/>
     </dgm:pt>
     <dgm:pt modelId="{A2C33C9F-E20E-4D1E-BBFD-28AA5D38E75F}" type="pres">
-      <dgm:prSet presAssocID="{F20C8FF4-9862-4DF9-806F-B90D55ADE098}" presName="rootText" presStyleLbl="node4" presStyleIdx="7" presStyleCnt="13">
+      <dgm:prSet presAssocID="{F20C8FF4-9862-4DF9-806F-B90D55ADE098}" presName="rootText" presStyleLbl="node4" presStyleIdx="6" presStyleCnt="11">
         <dgm:presLayoutVars>
           <dgm:chPref val="3"/>
         </dgm:presLayoutVars>
@@ -2320,7 +2199,7 @@
       </dgm:t>
     </dgm:pt>
     <dgm:pt modelId="{62B8E97A-45F3-49CB-8798-FCFDBA6EB4CE}" type="pres">
-      <dgm:prSet presAssocID="{F20C8FF4-9862-4DF9-806F-B90D55ADE098}" presName="rootConnector" presStyleLbl="node4" presStyleIdx="7" presStyleCnt="13"/>
+      <dgm:prSet presAssocID="{F20C8FF4-9862-4DF9-806F-B90D55ADE098}" presName="rootConnector" presStyleLbl="node4" presStyleIdx="6" presStyleCnt="11"/>
       <dgm:spPr/>
       <dgm:t>
         <a:bodyPr/>
@@ -2339,7 +2218,7 @@
       <dgm:spPr/>
     </dgm:pt>
     <dgm:pt modelId="{15A61DF0-AC49-4E69-9546-90778A86DEB3}" type="pres">
-      <dgm:prSet presAssocID="{76085044-8EBB-4871-88EA-33CBECC08835}" presName="Name37" presStyleLbl="parChTrans1D4" presStyleIdx="8" presStyleCnt="13"/>
+      <dgm:prSet presAssocID="{76085044-8EBB-4871-88EA-33CBECC08835}" presName="Name37" presStyleLbl="parChTrans1D4" presStyleIdx="7" presStyleCnt="11"/>
       <dgm:spPr/>
       <dgm:t>
         <a:bodyPr/>
@@ -2362,7 +2241,7 @@
       <dgm:spPr/>
     </dgm:pt>
     <dgm:pt modelId="{BEB8562A-B0BC-4237-ADB8-FF4D03EEE094}" type="pres">
-      <dgm:prSet presAssocID="{3FA2808F-BB87-4A68-8BE2-20841C7DF183}" presName="rootText" presStyleLbl="node4" presStyleIdx="8" presStyleCnt="13">
+      <dgm:prSet presAssocID="{3FA2808F-BB87-4A68-8BE2-20841C7DF183}" presName="rootText" presStyleLbl="node4" presStyleIdx="7" presStyleCnt="11">
         <dgm:presLayoutVars>
           <dgm:chPref val="3"/>
         </dgm:presLayoutVars>
@@ -2377,7 +2256,7 @@
       </dgm:t>
     </dgm:pt>
     <dgm:pt modelId="{853316CE-83C9-44FB-9CD1-461AD4922901}" type="pres">
-      <dgm:prSet presAssocID="{3FA2808F-BB87-4A68-8BE2-20841C7DF183}" presName="rootConnector" presStyleLbl="node4" presStyleIdx="8" presStyleCnt="13"/>
+      <dgm:prSet presAssocID="{3FA2808F-BB87-4A68-8BE2-20841C7DF183}" presName="rootConnector" presStyleLbl="node4" presStyleIdx="7" presStyleCnt="11"/>
       <dgm:spPr/>
       <dgm:t>
         <a:bodyPr/>
@@ -2396,7 +2275,7 @@
       <dgm:spPr/>
     </dgm:pt>
     <dgm:pt modelId="{FA1C85F5-EB77-4684-8A8B-A31BFC407067}" type="pres">
-      <dgm:prSet presAssocID="{745DD6E8-C64C-4AE8-A101-F8AD12DE56B3}" presName="Name37" presStyleLbl="parChTrans1D4" presStyleIdx="9" presStyleCnt="13"/>
+      <dgm:prSet presAssocID="{745DD6E8-C64C-4AE8-A101-F8AD12DE56B3}" presName="Name37" presStyleLbl="parChTrans1D4" presStyleIdx="8" presStyleCnt="11"/>
       <dgm:spPr/>
       <dgm:t>
         <a:bodyPr/>
@@ -2419,7 +2298,7 @@
       <dgm:spPr/>
     </dgm:pt>
     <dgm:pt modelId="{D441324F-5840-4545-95C8-58993D682F03}" type="pres">
-      <dgm:prSet presAssocID="{822D2ADF-B5A2-4854-B448-654CBB195991}" presName="rootText" presStyleLbl="node4" presStyleIdx="9" presStyleCnt="13">
+      <dgm:prSet presAssocID="{822D2ADF-B5A2-4854-B448-654CBB195991}" presName="rootText" presStyleLbl="node4" presStyleIdx="8" presStyleCnt="11">
         <dgm:presLayoutVars>
           <dgm:chPref val="3"/>
         </dgm:presLayoutVars>
@@ -2434,7 +2313,7 @@
       </dgm:t>
     </dgm:pt>
     <dgm:pt modelId="{4B05AF45-3B20-4BCF-B0B2-1C0BE009630D}" type="pres">
-      <dgm:prSet presAssocID="{822D2ADF-B5A2-4854-B448-654CBB195991}" presName="rootConnector" presStyleLbl="node4" presStyleIdx="9" presStyleCnt="13"/>
+      <dgm:prSet presAssocID="{822D2ADF-B5A2-4854-B448-654CBB195991}" presName="rootConnector" presStyleLbl="node4" presStyleIdx="8" presStyleCnt="11"/>
       <dgm:spPr/>
       <dgm:t>
         <a:bodyPr/>
@@ -2510,7 +2389,7 @@
       <dgm:spPr/>
     </dgm:pt>
     <dgm:pt modelId="{71C01193-494F-4E8F-8F6B-2A092BF6A52A}" type="pres">
-      <dgm:prSet presAssocID="{A02E4216-9295-4A98-B25D-724EEEACEB86}" presName="Name37" presStyleLbl="parChTrans1D4" presStyleIdx="10" presStyleCnt="13"/>
+      <dgm:prSet presAssocID="{A02E4216-9295-4A98-B25D-724EEEACEB86}" presName="Name37" presStyleLbl="parChTrans1D4" presStyleIdx="9" presStyleCnt="11"/>
       <dgm:spPr/>
       <dgm:t>
         <a:bodyPr/>
@@ -2533,7 +2412,7 @@
       <dgm:spPr/>
     </dgm:pt>
     <dgm:pt modelId="{13A484D3-7D69-43DA-A929-94F88FBBE4FD}" type="pres">
-      <dgm:prSet presAssocID="{6B14FCA3-6FEA-43EB-9C82-2B07D04536C7}" presName="rootText" presStyleLbl="node4" presStyleIdx="10" presStyleCnt="13">
+      <dgm:prSet presAssocID="{6B14FCA3-6FEA-43EB-9C82-2B07D04536C7}" presName="rootText" presStyleLbl="node4" presStyleIdx="9" presStyleCnt="11">
         <dgm:presLayoutVars>
           <dgm:chPref val="3"/>
         </dgm:presLayoutVars>
@@ -2548,7 +2427,7 @@
       </dgm:t>
     </dgm:pt>
     <dgm:pt modelId="{0C07F64B-E45F-43F5-B234-4C17D121787E}" type="pres">
-      <dgm:prSet presAssocID="{6B14FCA3-6FEA-43EB-9C82-2B07D04536C7}" presName="rootConnector" presStyleLbl="node4" presStyleIdx="10" presStyleCnt="13"/>
+      <dgm:prSet presAssocID="{6B14FCA3-6FEA-43EB-9C82-2B07D04536C7}" presName="rootConnector" presStyleLbl="node4" presStyleIdx="9" presStyleCnt="11"/>
       <dgm:spPr/>
       <dgm:t>
         <a:bodyPr/>
@@ -2567,7 +2446,7 @@
       <dgm:spPr/>
     </dgm:pt>
     <dgm:pt modelId="{5D5F107F-E70D-4FA0-826E-585751096CDC}" type="pres">
-      <dgm:prSet presAssocID="{E3EA836E-DABB-4A96-B743-CFF4C64EB46F}" presName="Name37" presStyleLbl="parChTrans1D4" presStyleIdx="11" presStyleCnt="13"/>
+      <dgm:prSet presAssocID="{E3EA836E-DABB-4A96-B743-CFF4C64EB46F}" presName="Name37" presStyleLbl="parChTrans1D4" presStyleIdx="10" presStyleCnt="11"/>
       <dgm:spPr/>
       <dgm:t>
         <a:bodyPr/>
@@ -2590,7 +2469,7 @@
       <dgm:spPr/>
     </dgm:pt>
     <dgm:pt modelId="{A541300C-4EA0-4F2F-A86D-61A27E02B787}" type="pres">
-      <dgm:prSet presAssocID="{3045F83C-2937-4C11-A432-105F2D7F79C8}" presName="rootText" presStyleLbl="node4" presStyleIdx="11" presStyleCnt="13">
+      <dgm:prSet presAssocID="{3045F83C-2937-4C11-A432-105F2D7F79C8}" presName="rootText" presStyleLbl="node4" presStyleIdx="10" presStyleCnt="11">
         <dgm:presLayoutVars>
           <dgm:chPref val="3"/>
         </dgm:presLayoutVars>
@@ -2605,7 +2484,7 @@
       </dgm:t>
     </dgm:pt>
     <dgm:pt modelId="{CFF27639-2EAA-4E02-8133-52CB55E04712}" type="pres">
-      <dgm:prSet presAssocID="{3045F83C-2937-4C11-A432-105F2D7F79C8}" presName="rootConnector" presStyleLbl="node4" presStyleIdx="11" presStyleCnt="13"/>
+      <dgm:prSet presAssocID="{3045F83C-2937-4C11-A432-105F2D7F79C8}" presName="rootConnector" presStyleLbl="node4" presStyleIdx="10" presStyleCnt="11"/>
       <dgm:spPr/>
       <dgm:t>
         <a:bodyPr/>
@@ -2621,63 +2500,6 @@
     </dgm:pt>
     <dgm:pt modelId="{7EDBF25C-4307-428E-8778-7B10CE86AE58}" type="pres">
       <dgm:prSet presAssocID="{3045F83C-2937-4C11-A432-105F2D7F79C8}" presName="hierChild5" presStyleCnt="0"/>
-      <dgm:spPr/>
-    </dgm:pt>
-    <dgm:pt modelId="{B2E63F28-B523-474D-ADDF-A821FF109D32}" type="pres">
-      <dgm:prSet presAssocID="{4EFF8862-D631-4078-B9C3-36D58C0CAF17}" presName="Name37" presStyleLbl="parChTrans1D4" presStyleIdx="12" presStyleCnt="13"/>
-      <dgm:spPr/>
-      <dgm:t>
-        <a:bodyPr/>
-        <a:lstStyle/>
-        <a:p>
-          <a:endParaRPr lang="en-US"/>
-        </a:p>
-      </dgm:t>
-    </dgm:pt>
-    <dgm:pt modelId="{D2C744F3-EB1E-4086-A394-3B3EDCDF9CD9}" type="pres">
-      <dgm:prSet presAssocID="{8623E6FC-6F85-40A4-AAE8-EFCDEDF47CC5}" presName="hierRoot2" presStyleCnt="0">
-        <dgm:presLayoutVars>
-          <dgm:hierBranch val="init"/>
-        </dgm:presLayoutVars>
-      </dgm:prSet>
-      <dgm:spPr/>
-    </dgm:pt>
-    <dgm:pt modelId="{485AC56D-E0CA-44C9-9D69-E8C128CCF951}" type="pres">
-      <dgm:prSet presAssocID="{8623E6FC-6F85-40A4-AAE8-EFCDEDF47CC5}" presName="rootComposite" presStyleCnt="0"/>
-      <dgm:spPr/>
-    </dgm:pt>
-    <dgm:pt modelId="{7ED97DFD-2695-4177-9E52-49490FD3D0C7}" type="pres">
-      <dgm:prSet presAssocID="{8623E6FC-6F85-40A4-AAE8-EFCDEDF47CC5}" presName="rootText" presStyleLbl="node4" presStyleIdx="12" presStyleCnt="13">
-        <dgm:presLayoutVars>
-          <dgm:chPref val="3"/>
-        </dgm:presLayoutVars>
-      </dgm:prSet>
-      <dgm:spPr/>
-      <dgm:t>
-        <a:bodyPr/>
-        <a:lstStyle/>
-        <a:p>
-          <a:endParaRPr lang="en-US"/>
-        </a:p>
-      </dgm:t>
-    </dgm:pt>
-    <dgm:pt modelId="{C1A60573-4E66-4FDF-A280-B2DC513766E5}" type="pres">
-      <dgm:prSet presAssocID="{8623E6FC-6F85-40A4-AAE8-EFCDEDF47CC5}" presName="rootConnector" presStyleLbl="node4" presStyleIdx="12" presStyleCnt="13"/>
-      <dgm:spPr/>
-      <dgm:t>
-        <a:bodyPr/>
-        <a:lstStyle/>
-        <a:p>
-          <a:endParaRPr lang="en-US"/>
-        </a:p>
-      </dgm:t>
-    </dgm:pt>
-    <dgm:pt modelId="{0F053D99-DF21-42A0-9C10-E845D7419C35}" type="pres">
-      <dgm:prSet presAssocID="{8623E6FC-6F85-40A4-AAE8-EFCDEDF47CC5}" presName="hierChild4" presStyleCnt="0"/>
-      <dgm:spPr/>
-    </dgm:pt>
-    <dgm:pt modelId="{A9A38BEE-B6E3-4814-BF59-2B5E93418BE9}" type="pres">
-      <dgm:prSet presAssocID="{8623E6FC-6F85-40A4-AAE8-EFCDEDF47CC5}" presName="hierChild5" presStyleCnt="0"/>
       <dgm:spPr/>
     </dgm:pt>
     <dgm:pt modelId="{278C60CD-FD00-4CA7-9D49-CB1F6E333D23}" type="pres">
@@ -2705,50 +2527,44 @@
     <dgm:cxn modelId="{32962C06-0B23-416A-98DD-A6F196B66601}" type="presOf" srcId="{6F49CECE-5543-4B62-B83F-169C4977D00E}" destId="{186C055C-21B4-48A8-BC26-65AAD2880EBF}" srcOrd="0" destOrd="0" presId="urn:microsoft.com/office/officeart/2005/8/layout/orgChart1"/>
     <dgm:cxn modelId="{4FAD2A76-771E-4A6F-8072-E25C52A02D4B}" type="presOf" srcId="{3A48E1CA-AC4A-45C6-81B0-46F7E75476EE}" destId="{FA45CC20-69B4-4564-A9F3-FECEBCB041D1}" srcOrd="0" destOrd="0" presId="urn:microsoft.com/office/officeart/2005/8/layout/orgChart1"/>
     <dgm:cxn modelId="{77A5D652-EEE2-4A52-9044-EE597ACB2DEF}" srcId="{F7CD38E5-D80E-47CE-9C8A-C1EC4A123AAB}" destId="{6B14FCA3-6FEA-43EB-9C82-2B07D04536C7}" srcOrd="0" destOrd="0" parTransId="{A02E4216-9295-4A98-B25D-724EEEACEB86}" sibTransId="{165FECF0-A90A-46CC-9536-1B21943DDB74}"/>
-    <dgm:cxn modelId="{F69B97D8-4E4A-4063-930F-101A74B2AB15}" srcId="{CBF0074A-0FC7-4077-BCF9-CEB59150AFC8}" destId="{F20C8FF4-9862-4DF9-806F-B90D55ADE098}" srcOrd="1" destOrd="0" parTransId="{5452ED12-D44F-4B0C-85CC-760D8ED00141}" sibTransId="{FCDD3D0C-4B3B-47BD-B2D6-3CDDE0A033C2}"/>
+    <dgm:cxn modelId="{F69B97D8-4E4A-4063-930F-101A74B2AB15}" srcId="{CBF0074A-0FC7-4077-BCF9-CEB59150AFC8}" destId="{F20C8FF4-9862-4DF9-806F-B90D55ADE098}" srcOrd="0" destOrd="0" parTransId="{5452ED12-D44F-4B0C-85CC-760D8ED00141}" sibTransId="{FCDD3D0C-4B3B-47BD-B2D6-3CDDE0A033C2}"/>
     <dgm:cxn modelId="{980CADC8-9163-49C6-AD1D-9029C1170EDA}" type="presOf" srcId="{A8E88150-2DB6-46FA-A852-43051AFC02CB}" destId="{CF3C7871-4303-48A3-BB4A-7A86D6B4721D}" srcOrd="0" destOrd="0" presId="urn:microsoft.com/office/officeart/2005/8/layout/orgChart1"/>
     <dgm:cxn modelId="{292496E3-F01C-4600-8952-6DB99B5FFB2A}" type="presOf" srcId="{1C58E7D9-DF76-4E55-ADEE-EF79CE6B1872}" destId="{12C09BAD-4169-4A5B-A324-4C3841F7A0F6}" srcOrd="0" destOrd="0" presId="urn:microsoft.com/office/officeart/2005/8/layout/orgChart1"/>
     <dgm:cxn modelId="{CB552FE5-CAD9-42A3-AEC6-FE53E2A7245A}" type="presOf" srcId="{CCA2B529-B580-4CAA-85C2-8BE46A70C260}" destId="{A8BE3D33-202F-4B78-BACF-C4CB91985458}" srcOrd="0" destOrd="0" presId="urn:microsoft.com/office/officeart/2005/8/layout/orgChart1"/>
     <dgm:cxn modelId="{F2B9ABAA-628B-4BCB-A63B-94B2C67B1CF3}" type="presOf" srcId="{6B14FCA3-6FEA-43EB-9C82-2B07D04536C7}" destId="{13A484D3-7D69-43DA-A929-94F88FBBE4FD}" srcOrd="0" destOrd="0" presId="urn:microsoft.com/office/officeart/2005/8/layout/orgChart1"/>
     <dgm:cxn modelId="{ABC993EF-9ABB-4F70-A356-A543F742C117}" type="presOf" srcId="{6F49CECE-5543-4B62-B83F-169C4977D00E}" destId="{FCB81601-52E9-4994-943C-D44AA55B15FE}" srcOrd="1" destOrd="0" presId="urn:microsoft.com/office/officeart/2005/8/layout/orgChart1"/>
-    <dgm:cxn modelId="{C925D86B-6013-45BD-BD52-D6091DA5F634}" srcId="{CBF0074A-0FC7-4077-BCF9-CEB59150AFC8}" destId="{822D2ADF-B5A2-4854-B448-654CBB195991}" srcOrd="3" destOrd="0" parTransId="{745DD6E8-C64C-4AE8-A101-F8AD12DE56B3}" sibTransId="{A593D349-C685-40B7-8FAE-CFC4A735BEB6}"/>
+    <dgm:cxn modelId="{C925D86B-6013-45BD-BD52-D6091DA5F634}" srcId="{CBF0074A-0FC7-4077-BCF9-CEB59150AFC8}" destId="{822D2ADF-B5A2-4854-B448-654CBB195991}" srcOrd="2" destOrd="0" parTransId="{745DD6E8-C64C-4AE8-A101-F8AD12DE56B3}" sibTransId="{A593D349-C685-40B7-8FAE-CFC4A735BEB6}"/>
     <dgm:cxn modelId="{E3164A34-2478-40CE-AEFD-FFF234E18E72}" type="presOf" srcId="{3FA2808F-BB87-4A68-8BE2-20841C7DF183}" destId="{853316CE-83C9-44FB-9CD1-461AD4922901}" srcOrd="1" destOrd="0" presId="urn:microsoft.com/office/officeart/2005/8/layout/orgChart1"/>
     <dgm:cxn modelId="{92CCBFA7-B549-4CFE-9E0F-C4FA624A8296}" type="presOf" srcId="{5DBC26DE-3F6D-4591-B844-2BDA42210872}" destId="{1A858DA5-A289-4A22-B794-D6D770901C98}" srcOrd="0" destOrd="0" presId="urn:microsoft.com/office/officeart/2005/8/layout/orgChart1"/>
     <dgm:cxn modelId="{13476C7E-F1B1-419F-9880-BDC90D7A11F0}" type="presOf" srcId="{822D2ADF-B5A2-4854-B448-654CBB195991}" destId="{D441324F-5840-4545-95C8-58993D682F03}" srcOrd="0" destOrd="0" presId="urn:microsoft.com/office/officeart/2005/8/layout/orgChart1"/>
     <dgm:cxn modelId="{55A6D12B-3F05-4035-9825-244FEB4355EF}" type="presOf" srcId="{822D2ADF-B5A2-4854-B448-654CBB195991}" destId="{4B05AF45-3B20-4BCF-B0B2-1C0BE009630D}" srcOrd="1" destOrd="0" presId="urn:microsoft.com/office/officeart/2005/8/layout/orgChart1"/>
-    <dgm:cxn modelId="{5D8CD25B-D5CF-4D86-953E-A5848580B418}" type="presOf" srcId="{4EFF8862-D631-4078-B9C3-36D58C0CAF17}" destId="{B2E63F28-B523-474D-ADDF-A821FF109D32}" srcOrd="0" destOrd="0" presId="urn:microsoft.com/office/officeart/2005/8/layout/orgChart1"/>
     <dgm:cxn modelId="{9A737EA9-4E59-4981-940D-98D667F6CFF9}" srcId="{2A4E46BE-C195-430B-A3CE-261648F9B604}" destId="{3D0AB795-C8F5-410B-8C70-7E70771A456A}" srcOrd="1" destOrd="0" parTransId="{918282B8-17D7-4E07-986D-BDC37D84C030}" sibTransId="{8023D927-C469-453C-99C5-88FDBD416086}"/>
     <dgm:cxn modelId="{3E122938-06A5-487B-9569-BAD66CC43255}" type="presOf" srcId="{8B766CED-AF48-4A51-AFEA-B506C25FF9CE}" destId="{AE0F1FAB-E4F7-460E-B74D-9734E7275AB6}" srcOrd="0" destOrd="0" presId="urn:microsoft.com/office/officeart/2005/8/layout/orgChart1"/>
     <dgm:cxn modelId="{C974B6A8-2CF0-4019-AC7B-A98C72140E2A}" type="presOf" srcId="{26A2C07E-9DD6-430B-9316-E4F456AF3D58}" destId="{E29314CE-9117-4D7E-8A9F-C2C3B4D6D154}" srcOrd="0" destOrd="0" presId="urn:microsoft.com/office/officeart/2005/8/layout/orgChart1"/>
     <dgm:cxn modelId="{BE0F8C5F-2B6B-4B9D-A9BD-FF6B7670213E}" type="presOf" srcId="{5FE32230-A646-4579-AA11-A29DF7BEB819}" destId="{6CF77085-0E58-4071-A531-5CE91F8DA348}" srcOrd="0" destOrd="0" presId="urn:microsoft.com/office/officeart/2005/8/layout/orgChart1"/>
     <dgm:cxn modelId="{0FD66CBD-871B-4A98-84B3-C7BA69B1CEB5}" type="presOf" srcId="{3D0AB795-C8F5-410B-8C70-7E70771A456A}" destId="{43564767-2DAF-4E04-9A8E-DD1E3F8D8AE9}" srcOrd="0" destOrd="0" presId="urn:microsoft.com/office/officeart/2005/8/layout/orgChart1"/>
     <dgm:cxn modelId="{DED079FB-DC28-49F4-A964-91ABD9070649}" type="presOf" srcId="{11AD3FAC-CE2C-4BF5-98D5-F96D1E1069F3}" destId="{DA920640-8B72-4913-BA55-9259E051A12B}" srcOrd="0" destOrd="0" presId="urn:microsoft.com/office/officeart/2005/8/layout/orgChart1"/>
-    <dgm:cxn modelId="{69762C4F-5141-48A5-9191-A8D4DDB944CE}" type="presOf" srcId="{8623E6FC-6F85-40A4-AAE8-EFCDEDF47CC5}" destId="{C1A60573-4E66-4FDF-A280-B2DC513766E5}" srcOrd="1" destOrd="0" presId="urn:microsoft.com/office/officeart/2005/8/layout/orgChart1"/>
     <dgm:cxn modelId="{A073F615-FDAE-4758-B829-8824EE34187F}" type="presOf" srcId="{F20C8FF4-9862-4DF9-806F-B90D55ADE098}" destId="{62B8E97A-45F3-49CB-8798-FCFDBA6EB4CE}" srcOrd="1" destOrd="0" presId="urn:microsoft.com/office/officeart/2005/8/layout/orgChart1"/>
     <dgm:cxn modelId="{C372C1FB-5AAB-4B53-953C-A7A9C8355BD8}" type="presOf" srcId="{6B14FCA3-6FEA-43EB-9C82-2B07D04536C7}" destId="{0C07F64B-E45F-43F5-B234-4C17D121787E}" srcOrd="1" destOrd="0" presId="urn:microsoft.com/office/officeart/2005/8/layout/orgChart1"/>
     <dgm:cxn modelId="{57E6A149-1CC4-4803-B1AA-9A3B6E9A5D73}" srcId="{C5A0C7CB-0031-4159-BB53-FA8343CB9558}" destId="{26A2C07E-9DD6-430B-9316-E4F456AF3D58}" srcOrd="1" destOrd="0" parTransId="{5FE32230-A646-4579-AA11-A29DF7BEB819}" sibTransId="{1D8B5989-933B-422D-8C65-7C4FC436C2F4}"/>
     <dgm:cxn modelId="{5AA7E5AA-74F8-4F44-8560-2649C3221A5D}" type="presOf" srcId="{F7CD38E5-D80E-47CE-9C8A-C1EC4A123AAB}" destId="{2094552F-0A68-4D34-89D1-99F4C9D81559}" srcOrd="1" destOrd="0" presId="urn:microsoft.com/office/officeart/2005/8/layout/orgChart1"/>
     <dgm:cxn modelId="{C251BA37-CA07-400E-AC32-A400651E25D5}" srcId="{11AD3FAC-CE2C-4BF5-98D5-F96D1E1069F3}" destId="{6F49CECE-5543-4B62-B83F-169C4977D00E}" srcOrd="0" destOrd="0" parTransId="{D3DE520E-BA57-4D2B-9AB0-F0E8C5EC673A}" sibTransId="{9BA39159-FD0C-44C4-95DF-4106D920A657}"/>
-    <dgm:cxn modelId="{27CF9016-DB8C-44B5-A21D-7AB07E32C74D}" srcId="{F7CD38E5-D80E-47CE-9C8A-C1EC4A123AAB}" destId="{8623E6FC-6F85-40A4-AAE8-EFCDEDF47CC5}" srcOrd="2" destOrd="0" parTransId="{4EFF8862-D631-4078-B9C3-36D58C0CAF17}" sibTransId="{4D61C86C-F5F3-462F-971D-6C5CAB3AA03F}"/>
     <dgm:cxn modelId="{2F1B636B-1811-4463-BDAC-AC19D5AA4C05}" type="presOf" srcId="{F7CD38E5-D80E-47CE-9C8A-C1EC4A123AAB}" destId="{16A858B9-E481-47A4-A994-B887C37078F5}" srcOrd="0" destOrd="0" presId="urn:microsoft.com/office/officeart/2005/8/layout/orgChart1"/>
     <dgm:cxn modelId="{E9B713E3-860A-4A89-8611-6BBBA6AA1FFD}" type="presOf" srcId="{09180BF8-9BB0-4837-87C9-A31B615AF06B}" destId="{AEE27075-2A19-4E8B-B9FC-003EACF0E2C9}" srcOrd="0" destOrd="0" presId="urn:microsoft.com/office/officeart/2005/8/layout/orgChart1"/>
     <dgm:cxn modelId="{0CDBC4DD-A290-4592-BE36-285508EF8DBF}" type="presOf" srcId="{E3EA836E-DABB-4A96-B743-CFF4C64EB46F}" destId="{5D5F107F-E70D-4FA0-826E-585751096CDC}" srcOrd="0" destOrd="0" presId="urn:microsoft.com/office/officeart/2005/8/layout/orgChart1"/>
     <dgm:cxn modelId="{FF9F216D-386F-479D-8E9D-6F17128B4DEB}" type="presOf" srcId="{A57537C8-D3B4-4574-A41F-A2E2552D7B2A}" destId="{52565F71-66FC-45DF-AB63-8158775C40A3}" srcOrd="0" destOrd="0" presId="urn:microsoft.com/office/officeart/2005/8/layout/orgChart1"/>
     <dgm:cxn modelId="{1FECF204-D318-462B-B01B-158E23A2574D}" type="presOf" srcId="{76085044-8EBB-4871-88EA-33CBECC08835}" destId="{15A61DF0-AC49-4E69-9546-90778A86DEB3}" srcOrd="0" destOrd="0" presId="urn:microsoft.com/office/officeart/2005/8/layout/orgChart1"/>
-    <dgm:cxn modelId="{428FB282-4052-4B54-A859-EEA72BF15C8F}" type="presOf" srcId="{01B93828-B211-4FCF-92FE-46C1C9C80484}" destId="{F2A0CB5F-BBE7-4880-9B72-74572386B4E4}" srcOrd="0" destOrd="0" presId="urn:microsoft.com/office/officeart/2005/8/layout/orgChart1"/>
     <dgm:cxn modelId="{524FC1AB-3F14-447D-BE6B-AF8F7F53821C}" type="presOf" srcId="{5452ED12-D44F-4B0C-85CC-760D8ED00141}" destId="{4FC84424-77B3-4BAD-A376-197D931F1926}" srcOrd="0" destOrd="0" presId="urn:microsoft.com/office/officeart/2005/8/layout/orgChart1"/>
-    <dgm:cxn modelId="{01B11A7F-DE74-40B5-96A2-73C2774F2571}" type="presOf" srcId="{7F46ACF6-CFF7-483E-8437-D6501DD735C9}" destId="{FD456E50-5289-4FBB-BB08-49EC87D76EBD}" srcOrd="1" destOrd="0" presId="urn:microsoft.com/office/officeart/2005/8/layout/orgChart1"/>
     <dgm:cxn modelId="{0A423659-E204-4C22-AD42-0AA1EA80AE9B}" type="presOf" srcId="{3D0AB795-C8F5-410B-8C70-7E70771A456A}" destId="{EEE5D1A4-30A3-479F-8F91-9D27C0765055}" srcOrd="1" destOrd="0" presId="urn:microsoft.com/office/officeart/2005/8/layout/orgChart1"/>
     <dgm:cxn modelId="{858AEB35-5A6C-40CC-A054-70347A78CE01}" type="presOf" srcId="{3045F83C-2937-4C11-A432-105F2D7F79C8}" destId="{CFF27639-2EAA-4E02-8133-52CB55E04712}" srcOrd="1" destOrd="0" presId="urn:microsoft.com/office/officeart/2005/8/layout/orgChart1"/>
     <dgm:cxn modelId="{73E66143-C829-4E06-94B8-8829ADE92A26}" type="presOf" srcId="{3A48E1CA-AC4A-45C6-81B0-46F7E75476EE}" destId="{581E77F2-6530-4657-B911-9D5FCFEFE76E}" srcOrd="1" destOrd="0" presId="urn:microsoft.com/office/officeart/2005/8/layout/orgChart1"/>
     <dgm:cxn modelId="{BCC25F63-BA85-4368-98FB-8020D6B004F7}" srcId="{2A4E46BE-C195-430B-A3CE-261648F9B604}" destId="{A57537C8-D3B4-4574-A41F-A2E2552D7B2A}" srcOrd="3" destOrd="0" parTransId="{63B6199B-540A-42F9-8A18-8DFF59807143}" sibTransId="{6E1B521E-AF56-4B0B-A727-58D07F147BA5}"/>
-    <dgm:cxn modelId="{53CFCADF-3CAB-4F4D-ADD8-D41D59F19AF8}" type="presOf" srcId="{7F46ACF6-CFF7-483E-8437-D6501DD735C9}" destId="{FF3BFF33-8FD3-4579-94E9-E5FEBB720C18}" srcOrd="0" destOrd="0" presId="urn:microsoft.com/office/officeart/2005/8/layout/orgChart1"/>
     <dgm:cxn modelId="{52297624-0AAF-4F2D-A253-ABD46031C9A6}" srcId="{6F49CECE-5543-4B62-B83F-169C4977D00E}" destId="{CBF0074A-0FC7-4077-BCF9-CEB59150AFC8}" srcOrd="2" destOrd="0" parTransId="{0F43290D-0DEA-41F8-906D-B28EE356A089}" sibTransId="{9BCB906E-1533-4B08-9A8D-23B6032E30B6}"/>
     <dgm:cxn modelId="{DA4333CF-35D0-4567-861D-26A3E76A0E16}" type="presOf" srcId="{26A2C07E-9DD6-430B-9316-E4F456AF3D58}" destId="{C3400AA3-CE18-4619-AAFF-ABBA4687A208}" srcOrd="1" destOrd="0" presId="urn:microsoft.com/office/officeart/2005/8/layout/orgChart1"/>
     <dgm:cxn modelId="{1359D5D9-25D5-4A11-BA71-FD60F80BBE91}" type="presOf" srcId="{2A4E46BE-C195-430B-A3CE-261648F9B604}" destId="{56FC41C9-994A-4EF6-91C4-1F041955A636}" srcOrd="1" destOrd="0" presId="urn:microsoft.com/office/officeart/2005/8/layout/orgChart1"/>
     <dgm:cxn modelId="{2C8CBF3B-9342-4D81-BC1E-2FCDC62EEC6D}" srcId="{C5A0C7CB-0031-4159-BB53-FA8343CB9558}" destId="{3A48E1CA-AC4A-45C6-81B0-46F7E75476EE}" srcOrd="0" destOrd="0" parTransId="{1C58E7D9-DF76-4E55-ADEE-EF79CE6B1872}" sibTransId="{2F091561-7854-4F36-8B58-45089F2FEF25}"/>
     <dgm:cxn modelId="{A7E6D198-F333-4D0A-BC25-27F80AF81CC2}" type="presOf" srcId="{8791AAB4-64F1-46F3-99B1-B8F31CAACE40}" destId="{D89C1994-7969-4A61-8D72-015E632E69B6}" srcOrd="0" destOrd="0" presId="urn:microsoft.com/office/officeart/2005/8/layout/orgChart1"/>
-    <dgm:cxn modelId="{97F23B9C-E7FF-4DEF-906B-B3EA7BA48685}" srcId="{CBF0074A-0FC7-4077-BCF9-CEB59150AFC8}" destId="{3FA2808F-BB87-4A68-8BE2-20841C7DF183}" srcOrd="2" destOrd="0" parTransId="{76085044-8EBB-4871-88EA-33CBECC08835}" sibTransId="{B16DB9A8-ABE8-4E12-90EB-661CE96FC166}"/>
+    <dgm:cxn modelId="{97F23B9C-E7FF-4DEF-906B-B3EA7BA48685}" srcId="{CBF0074A-0FC7-4077-BCF9-CEB59150AFC8}" destId="{3FA2808F-BB87-4A68-8BE2-20841C7DF183}" srcOrd="1" destOrd="0" parTransId="{76085044-8EBB-4871-88EA-33CBECC08835}" sibTransId="{B16DB9A8-ABE8-4E12-90EB-661CE96FC166}"/>
     <dgm:cxn modelId="{DD21849E-B534-46F5-BB52-12379AEDD5DF}" type="presOf" srcId="{05C0BBE8-0665-4D30-A416-9C56A063806A}" destId="{3ADED271-00FF-4B63-A289-DD03469DE526}" srcOrd="0" destOrd="0" presId="urn:microsoft.com/office/officeart/2005/8/layout/orgChart1"/>
     <dgm:cxn modelId="{E34FCD88-2796-424C-8120-6BA61620DA9D}" type="presOf" srcId="{5DBC26DE-3F6D-4591-B844-2BDA42210872}" destId="{AEA55E03-C54A-4EA4-9BDB-2776081E2FA7}" srcOrd="1" destOrd="0" presId="urn:microsoft.com/office/officeart/2005/8/layout/orgChart1"/>
     <dgm:cxn modelId="{9EB8E855-04EF-4ECF-904F-8624A148C0C9}" type="presOf" srcId="{918282B8-17D7-4E07-986D-BDC37D84C030}" destId="{3DEBF5CE-5AAD-47A7-BA08-04DF2AC62CDD}" srcOrd="0" destOrd="0" presId="urn:microsoft.com/office/officeart/2005/8/layout/orgChart1"/>
@@ -2756,7 +2572,6 @@
     <dgm:cxn modelId="{28D6E7BF-4CED-4C3F-8180-ECB7B3E9457C}" srcId="{6F49CECE-5543-4B62-B83F-169C4977D00E}" destId="{C5A0C7CB-0031-4159-BB53-FA8343CB9558}" srcOrd="0" destOrd="0" parTransId="{CCA2B529-B580-4CAA-85C2-8BE46A70C260}" sibTransId="{72277EE4-4B08-40B8-82D4-82C90447F9FF}"/>
     <dgm:cxn modelId="{9A46CFD3-D637-4D0A-9EB5-DB72F43946C5}" type="presOf" srcId="{B8853233-BCEB-4C33-B359-D179A1F03C11}" destId="{DA555904-4FC1-46A1-8E83-ED69E59E57D1}" srcOrd="0" destOrd="0" presId="urn:microsoft.com/office/officeart/2005/8/layout/orgChart1"/>
     <dgm:cxn modelId="{B673BA81-67C8-44BE-BCF4-0889A47A9CE9}" type="presOf" srcId="{C5A0C7CB-0031-4159-BB53-FA8343CB9558}" destId="{5C7F4BF0-E6A3-4F37-B2A7-B5EA6F899DB3}" srcOrd="1" destOrd="0" presId="urn:microsoft.com/office/officeart/2005/8/layout/orgChart1"/>
-    <dgm:cxn modelId="{4A0AC1D1-77A4-4D82-99E3-CBBB22155CA0}" srcId="{CBF0074A-0FC7-4077-BCF9-CEB59150AFC8}" destId="{7F46ACF6-CFF7-483E-8437-D6501DD735C9}" srcOrd="0" destOrd="0" parTransId="{01B93828-B211-4FCF-92FE-46C1C9C80484}" sibTransId="{EC5CA40D-E826-4ED4-98C0-9C1F6690156E}"/>
     <dgm:cxn modelId="{7BD70AEC-7B22-4583-905E-94335C5C2C1F}" type="presOf" srcId="{F20C8FF4-9862-4DF9-806F-B90D55ADE098}" destId="{A2C33C9F-E20E-4D1E-BBFD-28AA5D38E75F}" srcOrd="0" destOrd="0" presId="urn:microsoft.com/office/officeart/2005/8/layout/orgChart1"/>
     <dgm:cxn modelId="{69D7E34D-881E-4F95-AF8A-239B3E87145B}" type="presOf" srcId="{0F43290D-0DEA-41F8-906D-B28EE356A089}" destId="{06C39927-640E-4F06-9A9C-9EDA030074EE}" srcOrd="0" destOrd="0" presId="urn:microsoft.com/office/officeart/2005/8/layout/orgChart1"/>
     <dgm:cxn modelId="{F8558E22-48F0-47B3-B9F4-12CD37C48256}" srcId="{6F49CECE-5543-4B62-B83F-169C4977D00E}" destId="{2A4E46BE-C195-430B-A3CE-261648F9B604}" srcOrd="1" destOrd="0" parTransId="{05C0BBE8-0665-4D30-A416-9C56A063806A}" sibTransId="{5C6612EC-DF1F-482D-906C-70DECA90A4D7}"/>
@@ -2764,7 +2579,6 @@
     <dgm:cxn modelId="{DCF65B2D-9E7E-4283-BE9E-C337ACF78AF7}" srcId="{2A4E46BE-C195-430B-A3CE-261648F9B604}" destId="{8B766CED-AF48-4A51-AFEA-B506C25FF9CE}" srcOrd="2" destOrd="0" parTransId="{09180BF8-9BB0-4837-87C9-A31B615AF06B}" sibTransId="{0F911C62-476D-4F11-8D1E-2347F40CFAB8}"/>
     <dgm:cxn modelId="{0AF776DB-61EA-438F-8C09-F78A5E18621A}" type="presOf" srcId="{745DD6E8-C64C-4AE8-A101-F8AD12DE56B3}" destId="{FA1C85F5-EB77-4684-8A8B-A31BFC407067}" srcOrd="0" destOrd="0" presId="urn:microsoft.com/office/officeart/2005/8/layout/orgChart1"/>
     <dgm:cxn modelId="{AF195CEA-3015-4DFD-84AC-BC30B43A9847}" type="presOf" srcId="{3045F83C-2937-4C11-A432-105F2D7F79C8}" destId="{A541300C-4EA0-4F2F-A86D-61A27E02B787}" srcOrd="0" destOrd="0" presId="urn:microsoft.com/office/officeart/2005/8/layout/orgChart1"/>
-    <dgm:cxn modelId="{2ECA5E35-BBD7-4126-93CF-F6D86EA39AC8}" type="presOf" srcId="{8623E6FC-6F85-40A4-AAE8-EFCDEDF47CC5}" destId="{7ED97DFD-2695-4177-9E52-49490FD3D0C7}" srcOrd="0" destOrd="0" presId="urn:microsoft.com/office/officeart/2005/8/layout/orgChart1"/>
     <dgm:cxn modelId="{9C5F334D-6D84-43DC-A89C-3CE978584E70}" type="presOf" srcId="{A02E4216-9295-4A98-B25D-724EEEACEB86}" destId="{71C01193-494F-4E8F-8F6B-2A092BF6A52A}" srcOrd="0" destOrd="0" presId="urn:microsoft.com/office/officeart/2005/8/layout/orgChart1"/>
     <dgm:cxn modelId="{073A4957-F418-4978-B3CE-3D5584983791}" type="presOf" srcId="{3FA2808F-BB87-4A68-8BE2-20841C7DF183}" destId="{BEB8562A-B0BC-4237-ADB8-FF4D03EEE094}" srcOrd="0" destOrd="0" presId="urn:microsoft.com/office/officeart/2005/8/layout/orgChart1"/>
     <dgm:cxn modelId="{B6DA744F-CD68-493E-A466-EA8F78B142F5}" srcId="{6F49CECE-5543-4B62-B83F-169C4977D00E}" destId="{F7CD38E5-D80E-47CE-9C8A-C1EC4A123AAB}" srcOrd="3" destOrd="0" parTransId="{B8853233-BCEB-4C33-B359-D179A1F03C11}" sibTransId="{88A6F3EA-455A-410C-97F5-7906583BECEE}"/>
@@ -2843,29 +2657,22 @@
     <dgm:cxn modelId="{26D8721C-F239-49DC-ADBE-61F0CC6C60E0}" type="presParOf" srcId="{B6C9187E-5427-4D3A-9D26-51738810365F}" destId="{D3292D10-A68A-4ED9-A3C7-E3AF8D05334B}" srcOrd="0" destOrd="0" presId="urn:microsoft.com/office/officeart/2005/8/layout/orgChart1"/>
     <dgm:cxn modelId="{94BEF215-97C3-4E40-BB5E-6C758BF18EB6}" type="presParOf" srcId="{B6C9187E-5427-4D3A-9D26-51738810365F}" destId="{21889749-E84D-45E7-B2D5-FFE07A040AC9}" srcOrd="1" destOrd="0" presId="urn:microsoft.com/office/officeart/2005/8/layout/orgChart1"/>
     <dgm:cxn modelId="{1439B06D-2738-46A8-A6CA-D54545E903C3}" type="presParOf" srcId="{8A44FE49-ACCB-4799-BA7F-095F28D4DD3C}" destId="{62E8F37F-05D6-4A12-86EE-82F86FD13AEE}" srcOrd="1" destOrd="0" presId="urn:microsoft.com/office/officeart/2005/8/layout/orgChart1"/>
-    <dgm:cxn modelId="{D430F9B4-04F6-4E97-8B06-E0D963CA73B2}" type="presParOf" srcId="{62E8F37F-05D6-4A12-86EE-82F86FD13AEE}" destId="{F2A0CB5F-BBE7-4880-9B72-74572386B4E4}" srcOrd="0" destOrd="0" presId="urn:microsoft.com/office/officeart/2005/8/layout/orgChart1"/>
-    <dgm:cxn modelId="{7862CC37-812C-472C-8DDD-D248F842F9F1}" type="presParOf" srcId="{62E8F37F-05D6-4A12-86EE-82F86FD13AEE}" destId="{E5BE672B-1C01-44E8-9372-9E496F99BF39}" srcOrd="1" destOrd="0" presId="urn:microsoft.com/office/officeart/2005/8/layout/orgChart1"/>
-    <dgm:cxn modelId="{34A84838-A908-4CED-8792-7A93CEB99AA2}" type="presParOf" srcId="{E5BE672B-1C01-44E8-9372-9E496F99BF39}" destId="{EC2DD0CB-133C-4BB4-B3D1-1A473B8B3161}" srcOrd="0" destOrd="0" presId="urn:microsoft.com/office/officeart/2005/8/layout/orgChart1"/>
-    <dgm:cxn modelId="{9B0D0909-7A58-4BA7-8A8D-2D0E33ED8A7C}" type="presParOf" srcId="{EC2DD0CB-133C-4BB4-B3D1-1A473B8B3161}" destId="{FF3BFF33-8FD3-4579-94E9-E5FEBB720C18}" srcOrd="0" destOrd="0" presId="urn:microsoft.com/office/officeart/2005/8/layout/orgChart1"/>
-    <dgm:cxn modelId="{87630910-68F5-4BD5-A54F-E7C1785139A8}" type="presParOf" srcId="{EC2DD0CB-133C-4BB4-B3D1-1A473B8B3161}" destId="{FD456E50-5289-4FBB-BB08-49EC87D76EBD}" srcOrd="1" destOrd="0" presId="urn:microsoft.com/office/officeart/2005/8/layout/orgChart1"/>
-    <dgm:cxn modelId="{53EABA16-3A49-4D09-BD1B-A866B6A59BBB}" type="presParOf" srcId="{E5BE672B-1C01-44E8-9372-9E496F99BF39}" destId="{7ACC8D40-57CC-4818-8F00-A0014A9C7EA5}" srcOrd="1" destOrd="0" presId="urn:microsoft.com/office/officeart/2005/8/layout/orgChart1"/>
-    <dgm:cxn modelId="{B0464BB2-CB28-49DA-A757-D640DFA760D6}" type="presParOf" srcId="{E5BE672B-1C01-44E8-9372-9E496F99BF39}" destId="{0845DDA4-9063-4746-93ED-D1D1B1C81886}" srcOrd="2" destOrd="0" presId="urn:microsoft.com/office/officeart/2005/8/layout/orgChart1"/>
-    <dgm:cxn modelId="{44DF4AFA-EE88-48D5-A578-E0F330C7513F}" type="presParOf" srcId="{62E8F37F-05D6-4A12-86EE-82F86FD13AEE}" destId="{4FC84424-77B3-4BAD-A376-197D931F1926}" srcOrd="2" destOrd="0" presId="urn:microsoft.com/office/officeart/2005/8/layout/orgChart1"/>
-    <dgm:cxn modelId="{27CA4369-B229-4E31-91CD-37EFD63414F8}" type="presParOf" srcId="{62E8F37F-05D6-4A12-86EE-82F86FD13AEE}" destId="{6888FF10-8BFE-4480-AFEA-EBBDDE3C7658}" srcOrd="3" destOrd="0" presId="urn:microsoft.com/office/officeart/2005/8/layout/orgChart1"/>
+    <dgm:cxn modelId="{44DF4AFA-EE88-48D5-A578-E0F330C7513F}" type="presParOf" srcId="{62E8F37F-05D6-4A12-86EE-82F86FD13AEE}" destId="{4FC84424-77B3-4BAD-A376-197D931F1926}" srcOrd="0" destOrd="0" presId="urn:microsoft.com/office/officeart/2005/8/layout/orgChart1"/>
+    <dgm:cxn modelId="{27CA4369-B229-4E31-91CD-37EFD63414F8}" type="presParOf" srcId="{62E8F37F-05D6-4A12-86EE-82F86FD13AEE}" destId="{6888FF10-8BFE-4480-AFEA-EBBDDE3C7658}" srcOrd="1" destOrd="0" presId="urn:microsoft.com/office/officeart/2005/8/layout/orgChart1"/>
     <dgm:cxn modelId="{A4510A81-F13E-4148-98DF-EA9C9B80EAEF}" type="presParOf" srcId="{6888FF10-8BFE-4480-AFEA-EBBDDE3C7658}" destId="{8C02771C-0BC4-4A48-9CFD-C48A6942D511}" srcOrd="0" destOrd="0" presId="urn:microsoft.com/office/officeart/2005/8/layout/orgChart1"/>
     <dgm:cxn modelId="{0D4E9332-5D93-4102-9678-29B90805DEB8}" type="presParOf" srcId="{8C02771C-0BC4-4A48-9CFD-C48A6942D511}" destId="{A2C33C9F-E20E-4D1E-BBFD-28AA5D38E75F}" srcOrd="0" destOrd="0" presId="urn:microsoft.com/office/officeart/2005/8/layout/orgChart1"/>
     <dgm:cxn modelId="{6B47070B-2A73-49E3-979A-45F96DBDE0D3}" type="presParOf" srcId="{8C02771C-0BC4-4A48-9CFD-C48A6942D511}" destId="{62B8E97A-45F3-49CB-8798-FCFDBA6EB4CE}" srcOrd="1" destOrd="0" presId="urn:microsoft.com/office/officeart/2005/8/layout/orgChart1"/>
     <dgm:cxn modelId="{64C9D153-F99E-49E5-9D4F-F5D63FF178F9}" type="presParOf" srcId="{6888FF10-8BFE-4480-AFEA-EBBDDE3C7658}" destId="{D50725E9-9A3A-4A06-8E90-C3B34AEEB6B8}" srcOrd="1" destOrd="0" presId="urn:microsoft.com/office/officeart/2005/8/layout/orgChart1"/>
     <dgm:cxn modelId="{324DB109-76E1-444E-A2E0-8F696568D252}" type="presParOf" srcId="{6888FF10-8BFE-4480-AFEA-EBBDDE3C7658}" destId="{E81D918F-EBD6-4509-B7C2-D0AD7E0D832A}" srcOrd="2" destOrd="0" presId="urn:microsoft.com/office/officeart/2005/8/layout/orgChart1"/>
-    <dgm:cxn modelId="{1F6A5BEC-DA82-43B9-B4D5-639916DE082D}" type="presParOf" srcId="{62E8F37F-05D6-4A12-86EE-82F86FD13AEE}" destId="{15A61DF0-AC49-4E69-9546-90778A86DEB3}" srcOrd="4" destOrd="0" presId="urn:microsoft.com/office/officeart/2005/8/layout/orgChart1"/>
-    <dgm:cxn modelId="{5DCFEED7-2131-43CD-AD05-48A5638D9173}" type="presParOf" srcId="{62E8F37F-05D6-4A12-86EE-82F86FD13AEE}" destId="{442BFDE0-2E14-4E63-AB60-120E9C7FF3DF}" srcOrd="5" destOrd="0" presId="urn:microsoft.com/office/officeart/2005/8/layout/orgChart1"/>
+    <dgm:cxn modelId="{1F6A5BEC-DA82-43B9-B4D5-639916DE082D}" type="presParOf" srcId="{62E8F37F-05D6-4A12-86EE-82F86FD13AEE}" destId="{15A61DF0-AC49-4E69-9546-90778A86DEB3}" srcOrd="2" destOrd="0" presId="urn:microsoft.com/office/officeart/2005/8/layout/orgChart1"/>
+    <dgm:cxn modelId="{5DCFEED7-2131-43CD-AD05-48A5638D9173}" type="presParOf" srcId="{62E8F37F-05D6-4A12-86EE-82F86FD13AEE}" destId="{442BFDE0-2E14-4E63-AB60-120E9C7FF3DF}" srcOrd="3" destOrd="0" presId="urn:microsoft.com/office/officeart/2005/8/layout/orgChart1"/>
     <dgm:cxn modelId="{F2CD6174-7374-4E3F-8FE3-5D9ECA77E471}" type="presParOf" srcId="{442BFDE0-2E14-4E63-AB60-120E9C7FF3DF}" destId="{798211C7-BF75-46BF-B6B6-80ED60181BF1}" srcOrd="0" destOrd="0" presId="urn:microsoft.com/office/officeart/2005/8/layout/orgChart1"/>
     <dgm:cxn modelId="{049342BC-C7F1-40A6-8AFF-B86C85F62899}" type="presParOf" srcId="{798211C7-BF75-46BF-B6B6-80ED60181BF1}" destId="{BEB8562A-B0BC-4237-ADB8-FF4D03EEE094}" srcOrd="0" destOrd="0" presId="urn:microsoft.com/office/officeart/2005/8/layout/orgChart1"/>
     <dgm:cxn modelId="{DC9342BD-8547-4423-975A-23C78B6658D0}" type="presParOf" srcId="{798211C7-BF75-46BF-B6B6-80ED60181BF1}" destId="{853316CE-83C9-44FB-9CD1-461AD4922901}" srcOrd="1" destOrd="0" presId="urn:microsoft.com/office/officeart/2005/8/layout/orgChart1"/>
     <dgm:cxn modelId="{D4CC8EA9-1FA9-4767-8694-D9C4E64D6E11}" type="presParOf" srcId="{442BFDE0-2E14-4E63-AB60-120E9C7FF3DF}" destId="{E18BF7FA-F3AD-4C93-BF71-33F5B4E98C17}" srcOrd="1" destOrd="0" presId="urn:microsoft.com/office/officeart/2005/8/layout/orgChart1"/>
     <dgm:cxn modelId="{F79BB050-D6EA-4F9E-9FB5-4C07FCF5BE8B}" type="presParOf" srcId="{442BFDE0-2E14-4E63-AB60-120E9C7FF3DF}" destId="{214F8899-1BCD-47E5-A07A-44C98BA8AB96}" srcOrd="2" destOrd="0" presId="urn:microsoft.com/office/officeart/2005/8/layout/orgChart1"/>
-    <dgm:cxn modelId="{CEBD56F2-84FF-4A4B-B5A4-93B38B7967C1}" type="presParOf" srcId="{62E8F37F-05D6-4A12-86EE-82F86FD13AEE}" destId="{FA1C85F5-EB77-4684-8A8B-A31BFC407067}" srcOrd="6" destOrd="0" presId="urn:microsoft.com/office/officeart/2005/8/layout/orgChart1"/>
-    <dgm:cxn modelId="{2854A8B0-1C02-4015-B26D-50A95CAD9FBD}" type="presParOf" srcId="{62E8F37F-05D6-4A12-86EE-82F86FD13AEE}" destId="{627DF487-CE70-4706-A281-8DE22DE7F37A}" srcOrd="7" destOrd="0" presId="urn:microsoft.com/office/officeart/2005/8/layout/orgChart1"/>
+    <dgm:cxn modelId="{CEBD56F2-84FF-4A4B-B5A4-93B38B7967C1}" type="presParOf" srcId="{62E8F37F-05D6-4A12-86EE-82F86FD13AEE}" destId="{FA1C85F5-EB77-4684-8A8B-A31BFC407067}" srcOrd="4" destOrd="0" presId="urn:microsoft.com/office/officeart/2005/8/layout/orgChart1"/>
+    <dgm:cxn modelId="{2854A8B0-1C02-4015-B26D-50A95CAD9FBD}" type="presParOf" srcId="{62E8F37F-05D6-4A12-86EE-82F86FD13AEE}" destId="{627DF487-CE70-4706-A281-8DE22DE7F37A}" srcOrd="5" destOrd="0" presId="urn:microsoft.com/office/officeart/2005/8/layout/orgChart1"/>
     <dgm:cxn modelId="{056AADDA-171D-4CA9-BE01-E3F10D68EE87}" type="presParOf" srcId="{627DF487-CE70-4706-A281-8DE22DE7F37A}" destId="{952A88E3-1A81-432B-84B5-0BC968351FAA}" srcOrd="0" destOrd="0" presId="urn:microsoft.com/office/officeart/2005/8/layout/orgChart1"/>
     <dgm:cxn modelId="{562C0622-1BB7-4618-B874-EEC48246DDD7}" type="presParOf" srcId="{952A88E3-1A81-432B-84B5-0BC968351FAA}" destId="{D441324F-5840-4545-95C8-58993D682F03}" srcOrd="0" destOrd="0" presId="urn:microsoft.com/office/officeart/2005/8/layout/orgChart1"/>
     <dgm:cxn modelId="{AD122A56-650D-4654-908A-7F9CA2E1A000}" type="presParOf" srcId="{952A88E3-1A81-432B-84B5-0BC968351FAA}" destId="{4B05AF45-3B20-4BCF-B0B2-1C0BE009630D}" srcOrd="1" destOrd="0" presId="urn:microsoft.com/office/officeart/2005/8/layout/orgChart1"/>
@@ -2892,13 +2699,6 @@
     <dgm:cxn modelId="{7C4898A7-8994-4FBA-B6FB-B4BC8D4B8382}" type="presParOf" srcId="{F17457A2-8BA6-436A-B365-AD336AC1D72A}" destId="{CFF27639-2EAA-4E02-8133-52CB55E04712}" srcOrd="1" destOrd="0" presId="urn:microsoft.com/office/officeart/2005/8/layout/orgChart1"/>
     <dgm:cxn modelId="{11A653E9-3C8C-4C55-A02D-B184CE7C2137}" type="presParOf" srcId="{5329E8EA-F74C-4CAB-A6AA-1B898308B3A8}" destId="{15ACB54C-2748-46F9-95CF-E655985BFACB}" srcOrd="1" destOrd="0" presId="urn:microsoft.com/office/officeart/2005/8/layout/orgChart1"/>
     <dgm:cxn modelId="{8A183B00-0737-452E-8D1D-92F029F2BECB}" type="presParOf" srcId="{5329E8EA-F74C-4CAB-A6AA-1B898308B3A8}" destId="{7EDBF25C-4307-428E-8778-7B10CE86AE58}" srcOrd="2" destOrd="0" presId="urn:microsoft.com/office/officeart/2005/8/layout/orgChart1"/>
-    <dgm:cxn modelId="{C7BD5895-1F86-4418-AB72-A1E62EA81127}" type="presParOf" srcId="{2EE3ECC5-032E-4EC3-BDEC-BC203B324050}" destId="{B2E63F28-B523-474D-ADDF-A821FF109D32}" srcOrd="4" destOrd="0" presId="urn:microsoft.com/office/officeart/2005/8/layout/orgChart1"/>
-    <dgm:cxn modelId="{4EE2BB5E-5D6F-4B48-A238-C827EA2CF669}" type="presParOf" srcId="{2EE3ECC5-032E-4EC3-BDEC-BC203B324050}" destId="{D2C744F3-EB1E-4086-A394-3B3EDCDF9CD9}" srcOrd="5" destOrd="0" presId="urn:microsoft.com/office/officeart/2005/8/layout/orgChart1"/>
-    <dgm:cxn modelId="{837E7B55-DAFF-4FF0-B092-A0A9DAB9B74C}" type="presParOf" srcId="{D2C744F3-EB1E-4086-A394-3B3EDCDF9CD9}" destId="{485AC56D-E0CA-44C9-9D69-E8C128CCF951}" srcOrd="0" destOrd="0" presId="urn:microsoft.com/office/officeart/2005/8/layout/orgChart1"/>
-    <dgm:cxn modelId="{6DED3750-5C23-4C5F-80BA-C7EDB37F39AF}" type="presParOf" srcId="{485AC56D-E0CA-44C9-9D69-E8C128CCF951}" destId="{7ED97DFD-2695-4177-9E52-49490FD3D0C7}" srcOrd="0" destOrd="0" presId="urn:microsoft.com/office/officeart/2005/8/layout/orgChart1"/>
-    <dgm:cxn modelId="{9F6586D4-7A8C-4CCC-B719-17FE6D979887}" type="presParOf" srcId="{485AC56D-E0CA-44C9-9D69-E8C128CCF951}" destId="{C1A60573-4E66-4FDF-A280-B2DC513766E5}" srcOrd="1" destOrd="0" presId="urn:microsoft.com/office/officeart/2005/8/layout/orgChart1"/>
-    <dgm:cxn modelId="{266E8E50-D00F-4101-8708-CF0D262BB4BB}" type="presParOf" srcId="{D2C744F3-EB1E-4086-A394-3B3EDCDF9CD9}" destId="{0F053D99-DF21-42A0-9C10-E845D7419C35}" srcOrd="1" destOrd="0" presId="urn:microsoft.com/office/officeart/2005/8/layout/orgChart1"/>
-    <dgm:cxn modelId="{5CAC91A2-8178-4B8A-BA63-F8C8C220FAF1}" type="presParOf" srcId="{D2C744F3-EB1E-4086-A394-3B3EDCDF9CD9}" destId="{A9A38BEE-B6E3-4814-BF59-2B5E93418BE9}" srcOrd="2" destOrd="0" presId="urn:microsoft.com/office/officeart/2005/8/layout/orgChart1"/>
     <dgm:cxn modelId="{D45FE72D-F6E1-4FDC-BA30-8EB902242254}" type="presParOf" srcId="{C11BF068-DD04-4674-9A7F-17CD1BA4133C}" destId="{278C60CD-FD00-4CA7-9D49-CB1F6E333D23}" srcOrd="2" destOrd="0" presId="urn:microsoft.com/office/officeart/2005/8/layout/orgChart1"/>
     <dgm:cxn modelId="{95C87760-73B5-4742-ADF5-4F03710D713D}" type="presParOf" srcId="{6ADC3425-90B0-4EC6-B7C7-444EF76F3F21}" destId="{112D33FD-4EF8-4F76-99AE-43AA9337356C}" srcOrd="2" destOrd="0" presId="urn:microsoft.com/office/officeart/2005/8/layout/orgChart1"/>
     <dgm:cxn modelId="{CAC6D940-31F2-443A-B4AF-06B9312BFD91}" type="presParOf" srcId="{45FC5C96-3820-4EDB-A39B-DA49F664CAB4}" destId="{F34F51E5-9A98-4CF1-A078-8BA3D575C345}" srcOrd="2" destOrd="0" presId="urn:microsoft.com/office/officeart/2005/8/layout/orgChart1"/>
@@ -2921,64 +2721,6 @@
       <dsp:cNvGrpSpPr/>
     </dsp:nvGrpSpPr>
     <dsp:grpSpPr/>
-    <dsp:sp modelId="{B2E63F28-B523-474D-ADDF-A821FF109D32}">
-      <dsp:nvSpPr>
-        <dsp:cNvPr id="0" name=""/>
-        <dsp:cNvSpPr/>
-      </dsp:nvSpPr>
-      <dsp:spPr>
-        <a:xfrm>
-          <a:off x="6429486" y="2766640"/>
-          <a:ext cx="215986" cy="2707034"/>
-        </a:xfrm>
-        <a:custGeom>
-          <a:avLst/>
-          <a:gdLst/>
-          <a:ahLst/>
-          <a:cxnLst/>
-          <a:rect l="0" t="0" r="0" b="0"/>
-          <a:pathLst>
-            <a:path>
-              <a:moveTo>
-                <a:pt x="0" y="0"/>
-              </a:moveTo>
-              <a:lnTo>
-                <a:pt x="0" y="2707034"/>
-              </a:lnTo>
-              <a:lnTo>
-                <a:pt x="215986" y="2707034"/>
-              </a:lnTo>
-            </a:path>
-          </a:pathLst>
-        </a:custGeom>
-        <a:noFill/>
-        <a:ln w="12700" cap="flat" cmpd="sng" algn="ctr">
-          <a:solidFill>
-            <a:schemeClr val="accent6">
-              <a:hueOff val="0"/>
-              <a:satOff val="0"/>
-              <a:lumOff val="0"/>
-              <a:alphaOff val="0"/>
-            </a:schemeClr>
-          </a:solidFill>
-          <a:prstDash val="solid"/>
-          <a:miter lim="800000"/>
-        </a:ln>
-        <a:effectLst/>
-      </dsp:spPr>
-      <dsp:style>
-        <a:lnRef idx="2">
-          <a:scrgbClr r="0" g="0" b="0"/>
-        </a:lnRef>
-        <a:fillRef idx="0">
-          <a:scrgbClr r="0" g="0" b="0"/>
-        </a:fillRef>
-        <a:effectRef idx="0">
-          <a:scrgbClr r="0" g="0" b="0"/>
-        </a:effectRef>
-        <a:fontRef idx="minor"/>
-      </dsp:style>
-    </dsp:sp>
     <dsp:sp modelId="{5D5F107F-E70D-4FA0-826E-585751096CDC}">
       <dsp:nvSpPr>
         <dsp:cNvPr id="0" name=""/>
@@ -3164,64 +2906,6 @@
       <dsp:spPr>
         <a:xfrm>
           <a:off x="4687192" y="2766640"/>
-          <a:ext cx="215986" cy="3729372"/>
-        </a:xfrm>
-        <a:custGeom>
-          <a:avLst/>
-          <a:gdLst/>
-          <a:ahLst/>
-          <a:cxnLst/>
-          <a:rect l="0" t="0" r="0" b="0"/>
-          <a:pathLst>
-            <a:path>
-              <a:moveTo>
-                <a:pt x="0" y="0"/>
-              </a:moveTo>
-              <a:lnTo>
-                <a:pt x="0" y="3729372"/>
-              </a:lnTo>
-              <a:lnTo>
-                <a:pt x="215986" y="3729372"/>
-              </a:lnTo>
-            </a:path>
-          </a:pathLst>
-        </a:custGeom>
-        <a:noFill/>
-        <a:ln w="12700" cap="flat" cmpd="sng" algn="ctr">
-          <a:solidFill>
-            <a:schemeClr val="accent6">
-              <a:hueOff val="0"/>
-              <a:satOff val="0"/>
-              <a:lumOff val="0"/>
-              <a:alphaOff val="0"/>
-            </a:schemeClr>
-          </a:solidFill>
-          <a:prstDash val="solid"/>
-          <a:miter lim="800000"/>
-        </a:ln>
-        <a:effectLst/>
-      </dsp:spPr>
-      <dsp:style>
-        <a:lnRef idx="2">
-          <a:scrgbClr r="0" g="0" b="0"/>
-        </a:lnRef>
-        <a:fillRef idx="0">
-          <a:scrgbClr r="0" g="0" b="0"/>
-        </a:fillRef>
-        <a:effectRef idx="0">
-          <a:scrgbClr r="0" g="0" b="0"/>
-        </a:effectRef>
-        <a:fontRef idx="minor"/>
-      </dsp:style>
-    </dsp:sp>
-    <dsp:sp modelId="{15A61DF0-AC49-4E69-9546-90778A86DEB3}">
-      <dsp:nvSpPr>
-        <dsp:cNvPr id="0" name=""/>
-        <dsp:cNvSpPr/>
-      </dsp:nvSpPr>
-      <dsp:spPr>
-        <a:xfrm>
-          <a:off x="4687192" y="2766640"/>
           <a:ext cx="215986" cy="2707034"/>
         </a:xfrm>
         <a:custGeom>
@@ -3272,7 +2956,7 @@
         <a:fontRef idx="minor"/>
       </dsp:style>
     </dsp:sp>
-    <dsp:sp modelId="{4FC84424-77B3-4BAD-A376-197D931F1926}">
+    <dsp:sp modelId="{15A61DF0-AC49-4E69-9546-90778A86DEB3}">
       <dsp:nvSpPr>
         <dsp:cNvPr id="0" name=""/>
         <dsp:cNvSpPr/>
@@ -3330,7 +3014,7 @@
         <a:fontRef idx="minor"/>
       </dsp:style>
     </dsp:sp>
-    <dsp:sp modelId="{F2A0CB5F-BBE7-4880-9B72-74572386B4E4}">
+    <dsp:sp modelId="{4FC84424-77B3-4BAD-A376-197D931F1926}">
       <dsp:nvSpPr>
         <dsp:cNvPr id="0" name=""/>
         <dsp:cNvSpPr/>
@@ -4821,7 +4505,7 @@
         <a:ext cx="1439912" cy="719956"/>
       </dsp:txXfrm>
     </dsp:sp>
-    <dsp:sp modelId="{FF3BFF33-8FD3-4579-94E9-E5FEBB720C18}">
+    <dsp:sp modelId="{A2C33C9F-E20E-4D1E-BBFD-28AA5D38E75F}">
       <dsp:nvSpPr>
         <dsp:cNvPr id="0" name=""/>
         <dsp:cNvSpPr/>
@@ -4888,8 +4572,16 @@
             </a:spcAft>
           </a:pPr>
           <a:r>
-            <a:rPr lang="en-US" sz="1200" kern="1200"/>
-            <a:t>PMI</a:t>
+            <a:rPr lang="en-US" sz="1200" kern="1200" dirty="0" err="1" smtClean="0"/>
+            <a:t>QoQ</a:t>
+          </a:r>
+          <a:r>
+            <a:rPr lang="en-US" sz="1200" kern="1200" dirty="0" smtClean="0"/>
+            <a:t> </a:t>
+          </a:r>
+          <a:r>
+            <a:rPr lang="en-US" sz="1200" kern="1200" dirty="0"/>
+            <a:t>GDP Growth</a:t>
           </a:r>
         </a:p>
       </dsp:txBody>
@@ -4898,7 +4590,7 @@
         <a:ext cx="1439912" cy="719956"/>
       </dsp:txXfrm>
     </dsp:sp>
-    <dsp:sp modelId="{A2C33C9F-E20E-4D1E-BBFD-28AA5D38E75F}">
+    <dsp:sp modelId="{BEB8562A-B0BC-4237-ADB8-FF4D03EEE094}">
       <dsp:nvSpPr>
         <dsp:cNvPr id="0" name=""/>
         <dsp:cNvSpPr/>
@@ -4965,16 +4657,8 @@
             </a:spcAft>
           </a:pPr>
           <a:r>
-            <a:rPr lang="en-US" sz="1200" kern="1200" dirty="0" err="1" smtClean="0"/>
-            <a:t>QoQ</a:t>
-          </a:r>
-          <a:r>
-            <a:rPr lang="en-US" sz="1200" kern="1200" dirty="0" smtClean="0"/>
-            <a:t> </a:t>
-          </a:r>
-          <a:r>
-            <a:rPr lang="en-US" sz="1200" kern="1200" dirty="0"/>
-            <a:t>GDP Growth</a:t>
+            <a:rPr lang="en-US" sz="1200" kern="1200"/>
+            <a:t>Debt/GDP</a:t>
           </a:r>
         </a:p>
       </dsp:txBody>
@@ -4983,7 +4667,7 @@
         <a:ext cx="1439912" cy="719956"/>
       </dsp:txXfrm>
     </dsp:sp>
-    <dsp:sp modelId="{BEB8562A-B0BC-4237-ADB8-FF4D03EEE094}">
+    <dsp:sp modelId="{D441324F-5840-4545-95C8-58993D682F03}">
       <dsp:nvSpPr>
         <dsp:cNvPr id="0" name=""/>
         <dsp:cNvSpPr/>
@@ -5051,89 +4735,12 @@
           </a:pPr>
           <a:r>
             <a:rPr lang="en-US" sz="1200" kern="1200"/>
-            <a:t>Debt/GDP</a:t>
+            <a:t>REER</a:t>
           </a:r>
         </a:p>
       </dsp:txBody>
       <dsp:txXfrm>
         <a:off x="4903179" y="5113697"/>
-        <a:ext cx="1439912" cy="719956"/>
-      </dsp:txXfrm>
-    </dsp:sp>
-    <dsp:sp modelId="{D441324F-5840-4545-95C8-58993D682F03}">
-      <dsp:nvSpPr>
-        <dsp:cNvPr id="0" name=""/>
-        <dsp:cNvSpPr/>
-      </dsp:nvSpPr>
-      <dsp:spPr>
-        <a:xfrm>
-          <a:off x="4903179" y="6136035"/>
-          <a:ext cx="1439912" cy="719956"/>
-        </a:xfrm>
-        <a:prstGeom prst="rect">
-          <a:avLst/>
-        </a:prstGeom>
-        <a:solidFill>
-          <a:schemeClr val="accent6">
-            <a:hueOff val="0"/>
-            <a:satOff val="0"/>
-            <a:lumOff val="0"/>
-            <a:alphaOff val="0"/>
-          </a:schemeClr>
-        </a:solidFill>
-        <a:ln w="12700" cap="flat" cmpd="sng" algn="ctr">
-          <a:solidFill>
-            <a:schemeClr val="lt1">
-              <a:hueOff val="0"/>
-              <a:satOff val="0"/>
-              <a:lumOff val="0"/>
-              <a:alphaOff val="0"/>
-            </a:schemeClr>
-          </a:solidFill>
-          <a:prstDash val="solid"/>
-          <a:miter lim="800000"/>
-        </a:ln>
-        <a:effectLst/>
-      </dsp:spPr>
-      <dsp:style>
-        <a:lnRef idx="2">
-          <a:scrgbClr r="0" g="0" b="0"/>
-        </a:lnRef>
-        <a:fillRef idx="1">
-          <a:scrgbClr r="0" g="0" b="0"/>
-        </a:fillRef>
-        <a:effectRef idx="0">
-          <a:scrgbClr r="0" g="0" b="0"/>
-        </a:effectRef>
-        <a:fontRef idx="minor">
-          <a:schemeClr val="lt1"/>
-        </a:fontRef>
-      </dsp:style>
-      <dsp:txBody>
-        <a:bodyPr spcFirstLastPara="0" vert="horz" wrap="square" lIns="7620" tIns="7620" rIns="7620" bIns="7620" numCol="1" spcCol="1270" anchor="ctr" anchorCtr="0">
-          <a:noAutofit/>
-        </a:bodyPr>
-        <a:lstStyle/>
-        <a:p>
-          <a:pPr lvl="0" algn="ctr" defTabSz="533400">
-            <a:lnSpc>
-              <a:spcPct val="90000"/>
-            </a:lnSpc>
-            <a:spcBef>
-              <a:spcPct val="0"/>
-            </a:spcBef>
-            <a:spcAft>
-              <a:spcPct val="35000"/>
-            </a:spcAft>
-          </a:pPr>
-          <a:r>
-            <a:rPr lang="en-US" sz="1200" kern="1200"/>
-            <a:t>REER</a:t>
-          </a:r>
-        </a:p>
-      </dsp:txBody>
-      <dsp:txXfrm>
-        <a:off x="4903179" y="6136035"/>
         <a:ext cx="1439912" cy="719956"/>
       </dsp:txXfrm>
     </dsp:sp>
@@ -5204,8 +4811,16 @@
             </a:spcAft>
           </a:pPr>
           <a:r>
-            <a:rPr lang="en-US" sz="1200" kern="1200"/>
-            <a:t>Market sentiment and alternative score</a:t>
+            <a:rPr lang="en-US" sz="1200" kern="1200" dirty="0"/>
+            <a:t>Market </a:t>
+          </a:r>
+          <a:r>
+            <a:rPr lang="en-US" sz="1200" kern="1200" dirty="0" smtClean="0"/>
+            <a:t>sentimental </a:t>
+          </a:r>
+          <a:r>
+            <a:rPr lang="en-US" sz="1200" kern="1200" dirty="0"/>
+            <a:t>and alternative score</a:t>
           </a:r>
         </a:p>
       </dsp:txBody>
@@ -5365,83 +4980,6 @@
       </dsp:txBody>
       <dsp:txXfrm>
         <a:off x="6645473" y="4091360"/>
-        <a:ext cx="1439912" cy="719956"/>
-      </dsp:txXfrm>
-    </dsp:sp>
-    <dsp:sp modelId="{7ED97DFD-2695-4177-9E52-49490FD3D0C7}">
-      <dsp:nvSpPr>
-        <dsp:cNvPr id="0" name=""/>
-        <dsp:cNvSpPr/>
-      </dsp:nvSpPr>
-      <dsp:spPr>
-        <a:xfrm>
-          <a:off x="6645473" y="5113697"/>
-          <a:ext cx="1439912" cy="719956"/>
-        </a:xfrm>
-        <a:prstGeom prst="rect">
-          <a:avLst/>
-        </a:prstGeom>
-        <a:solidFill>
-          <a:schemeClr val="accent6">
-            <a:hueOff val="0"/>
-            <a:satOff val="0"/>
-            <a:lumOff val="0"/>
-            <a:alphaOff val="0"/>
-          </a:schemeClr>
-        </a:solidFill>
-        <a:ln w="12700" cap="flat" cmpd="sng" algn="ctr">
-          <a:solidFill>
-            <a:schemeClr val="lt1">
-              <a:hueOff val="0"/>
-              <a:satOff val="0"/>
-              <a:lumOff val="0"/>
-              <a:alphaOff val="0"/>
-            </a:schemeClr>
-          </a:solidFill>
-          <a:prstDash val="solid"/>
-          <a:miter lim="800000"/>
-        </a:ln>
-        <a:effectLst/>
-      </dsp:spPr>
-      <dsp:style>
-        <a:lnRef idx="2">
-          <a:scrgbClr r="0" g="0" b="0"/>
-        </a:lnRef>
-        <a:fillRef idx="1">
-          <a:scrgbClr r="0" g="0" b="0"/>
-        </a:fillRef>
-        <a:effectRef idx="0">
-          <a:scrgbClr r="0" g="0" b="0"/>
-        </a:effectRef>
-        <a:fontRef idx="minor">
-          <a:schemeClr val="lt1"/>
-        </a:fontRef>
-      </dsp:style>
-      <dsp:txBody>
-        <a:bodyPr spcFirstLastPara="0" vert="horz" wrap="square" lIns="7620" tIns="7620" rIns="7620" bIns="7620" numCol="1" spcCol="1270" anchor="ctr" anchorCtr="0">
-          <a:noAutofit/>
-        </a:bodyPr>
-        <a:lstStyle/>
-        <a:p>
-          <a:pPr lvl="0" algn="ctr" defTabSz="533400">
-            <a:lnSpc>
-              <a:spcPct val="90000"/>
-            </a:lnSpc>
-            <a:spcBef>
-              <a:spcPct val="0"/>
-            </a:spcBef>
-            <a:spcAft>
-              <a:spcPct val="35000"/>
-            </a:spcAft>
-          </a:pPr>
-          <a:r>
-            <a:rPr lang="en-US" sz="1200" kern="1200"/>
-            <a:t>Fund flow</a:t>
-          </a:r>
-        </a:p>
-      </dsp:txBody>
-      <dsp:txXfrm>
-        <a:off x="6645473" y="5113697"/>
         <a:ext cx="1439912" cy="719956"/>
       </dsp:txXfrm>
     </dsp:sp>
@@ -10493,7 +10031,7 @@
           <p:cNvPr id="7" name="Diagram 6">
             <a:extLst>
               <a:ext uri="{FF2B5EF4-FFF2-40B4-BE49-F238E27FC236}">
-                <a16:creationId xmlns:a16="http://schemas.microsoft.com/office/drawing/2014/main" xmlns="" id="{C13B09F0-C816-467D-ABDE-89599B29D4E9}"/>
+                <a16:creationId xmlns="" xmlns:a16="http://schemas.microsoft.com/office/drawing/2014/main" id="{C13B09F0-C816-467D-ABDE-89599B29D4E9}"/>
               </a:ext>
             </a:extLst>
           </p:cNvPr>
@@ -10501,7 +10039,7 @@
           <p:nvPr>
             <p:extLst>
               <p:ext uri="{D42A27DB-BD31-4B8C-83A1-F6EECF244321}">
-                <p14:modId xmlns:p14="http://schemas.microsoft.com/office/powerpoint/2010/main" val="316973942"/>
+                <p14:modId xmlns:p14="http://schemas.microsoft.com/office/powerpoint/2010/main" val="4008982540"/>
               </p:ext>
             </p:extLst>
           </p:nvPr>
@@ -10784,7 +10322,7 @@
   <a:extraClrSchemeLst/>
   <a:extLst>
     <a:ext uri="{05A4C25C-085E-4340-85A3-A5531E510DB2}">
-      <thm15:themeFamily xmlns:thm15="http://schemas.microsoft.com/office/thememl/2012/main" xmlns="" name="Office Theme" id="{62F939B6-93AF-4DB8-9C6B-D6C7DFDC589F}" vid="{4A3C46E8-61CC-4603-A589-7422A47A8E4A}"/>
+      <thm15:themeFamily xmlns="" xmlns:thm15="http://schemas.microsoft.com/office/thememl/2012/main" name="Office Theme" id="{62F939B6-93AF-4DB8-9C6B-D6C7DFDC589F}" vid="{4A3C46E8-61CC-4603-A589-7422A47A8E4A}"/>
     </a:ext>
   </a:extLst>
 </a:theme>

--- a/factors.pptx
+++ b/factors.pptx
@@ -106,7 +106,7 @@
   </p:defaultTextStyle>
   <p:extLst>
     <p:ext uri="{EFAFB233-063F-42B5-8137-9DF3F51BA10A}">
-      <p15:sldGuideLst xmlns="" xmlns:p15="http://schemas.microsoft.com/office/powerpoint/2012/main"/>
+      <p15:sldGuideLst xmlns:p15="http://schemas.microsoft.com/office/powerpoint/2012/main" xmlns=""/>
     </p:ext>
   </p:extLst>
 </p:presentation>
@@ -908,42 +908,6 @@
         </a:p>
       </dgm:t>
     </dgm:pt>
-    <dgm:pt modelId="{11AD3FAC-CE2C-4BF5-98D5-F96D1E1069F3}">
-      <dgm:prSet/>
-      <dgm:spPr/>
-      <dgm:t>
-        <a:bodyPr/>
-        <a:lstStyle/>
-        <a:p>
-          <a:r>
-            <a:rPr lang="en-US"/>
-            <a:t>Semi-annual rebalancing between developed and emerging markets</a:t>
-          </a:r>
-        </a:p>
-      </dgm:t>
-    </dgm:pt>
-    <dgm:pt modelId="{D1F7BBE1-4FFD-4F72-93E0-12B584CC6902}" type="parTrans" cxnId="{05663533-315F-447C-88BC-E5D7B97BE693}">
-      <dgm:prSet/>
-      <dgm:spPr/>
-      <dgm:t>
-        <a:bodyPr/>
-        <a:lstStyle/>
-        <a:p>
-          <a:endParaRPr lang="en-US"/>
-        </a:p>
-      </dgm:t>
-    </dgm:pt>
-    <dgm:pt modelId="{0CEDEF7A-7F52-4C01-96FE-53D17502480A}" type="sibTrans" cxnId="{05663533-315F-447C-88BC-E5D7B97BE693}">
-      <dgm:prSet/>
-      <dgm:spPr/>
-      <dgm:t>
-        <a:bodyPr/>
-        <a:lstStyle/>
-        <a:p>
-          <a:endParaRPr lang="en-US"/>
-        </a:p>
-      </dgm:t>
-    </dgm:pt>
     <dgm:pt modelId="{6F49CECE-5543-4B62-B83F-169C4977D00E}">
       <dgm:prSet/>
       <dgm:spPr/>
@@ -1556,20 +1520,20 @@
         </a:p>
       </dgm:t>
     </dgm:pt>
-    <dgm:pt modelId="{45FC5C96-3820-4EDB-A39B-DA49F664CAB4}" type="pres">
-      <dgm:prSet presAssocID="{11AD3FAC-CE2C-4BF5-98D5-F96D1E1069F3}" presName="hierRoot1" presStyleCnt="0">
+    <dgm:pt modelId="{E0FB9F7B-D07A-4183-8E19-E90532DF3239}" type="pres">
+      <dgm:prSet presAssocID="{6F49CECE-5543-4B62-B83F-169C4977D00E}" presName="hierRoot1" presStyleCnt="0">
         <dgm:presLayoutVars>
           <dgm:hierBranch val="init"/>
         </dgm:presLayoutVars>
       </dgm:prSet>
       <dgm:spPr/>
     </dgm:pt>
-    <dgm:pt modelId="{DDD2026D-543E-4DF5-82EC-C4132EBD5240}" type="pres">
-      <dgm:prSet presAssocID="{11AD3FAC-CE2C-4BF5-98D5-F96D1E1069F3}" presName="rootComposite1" presStyleCnt="0"/>
-      <dgm:spPr/>
-    </dgm:pt>
-    <dgm:pt modelId="{DA920640-8B72-4913-BA55-9259E051A12B}" type="pres">
-      <dgm:prSet presAssocID="{11AD3FAC-CE2C-4BF5-98D5-F96D1E1069F3}" presName="rootText1" presStyleLbl="node0" presStyleIdx="0" presStyleCnt="1">
+    <dgm:pt modelId="{C45317AE-21F8-4219-8EF7-1599C7C0F83D}" type="pres">
+      <dgm:prSet presAssocID="{6F49CECE-5543-4B62-B83F-169C4977D00E}" presName="rootComposite1" presStyleCnt="0"/>
+      <dgm:spPr/>
+    </dgm:pt>
+    <dgm:pt modelId="{532291A3-CE2C-4956-8F9A-F356C2FAD7C5}" type="pres">
+      <dgm:prSet presAssocID="{6F49CECE-5543-4B62-B83F-169C4977D00E}" presName="rootText1" presStyleLbl="node0" presStyleIdx="0" presStyleCnt="1">
         <dgm:presLayoutVars>
           <dgm:chPref val="3"/>
         </dgm:presLayoutVars>
@@ -1583,8 +1547,8 @@
         </a:p>
       </dgm:t>
     </dgm:pt>
-    <dgm:pt modelId="{7F64D181-DB63-4247-9CA9-6DA9848590BA}" type="pres">
-      <dgm:prSet presAssocID="{11AD3FAC-CE2C-4BF5-98D5-F96D1E1069F3}" presName="rootConnector1" presStyleLbl="node1" presStyleIdx="0" presStyleCnt="0"/>
+    <dgm:pt modelId="{EEE307F5-4BD0-4E87-998D-FB1B3D611070}" type="pres">
+      <dgm:prSet presAssocID="{6F49CECE-5543-4B62-B83F-169C4977D00E}" presName="rootConnector1" presStyleLbl="node1" presStyleIdx="0" presStyleCnt="0"/>
       <dgm:spPr/>
       <dgm:t>
         <a:bodyPr/>
@@ -1594,65 +1558,12 @@
         </a:p>
       </dgm:t>
     </dgm:pt>
-    <dgm:pt modelId="{5D70E1C4-21EB-4F1D-A422-E76B8AB2433F}" type="pres">
-      <dgm:prSet presAssocID="{11AD3FAC-CE2C-4BF5-98D5-F96D1E1069F3}" presName="hierChild2" presStyleCnt="0"/>
-      <dgm:spPr/>
-    </dgm:pt>
-    <dgm:pt modelId="{C7A0E339-BFBB-45CC-9DFE-88B68E9EA7A1}" type="pres">
-      <dgm:prSet presAssocID="{D3DE520E-BA57-4D2B-9AB0-F0E8C5EC673A}" presName="Name37" presStyleLbl="parChTrans1D2" presStyleIdx="0" presStyleCnt="1"/>
-      <dgm:spPr/>
-      <dgm:t>
-        <a:bodyPr/>
-        <a:lstStyle/>
-        <a:p>
-          <a:endParaRPr lang="en-US"/>
-        </a:p>
-      </dgm:t>
-    </dgm:pt>
-    <dgm:pt modelId="{6ADC3425-90B0-4EC6-B7C7-444EF76F3F21}" type="pres">
-      <dgm:prSet presAssocID="{6F49CECE-5543-4B62-B83F-169C4977D00E}" presName="hierRoot2" presStyleCnt="0">
-        <dgm:presLayoutVars>
-          <dgm:hierBranch val="init"/>
-        </dgm:presLayoutVars>
-      </dgm:prSet>
-      <dgm:spPr/>
-    </dgm:pt>
-    <dgm:pt modelId="{FC1CC560-11C6-498A-B1C0-A11F51288E85}" type="pres">
-      <dgm:prSet presAssocID="{6F49CECE-5543-4B62-B83F-169C4977D00E}" presName="rootComposite" presStyleCnt="0"/>
-      <dgm:spPr/>
-    </dgm:pt>
-    <dgm:pt modelId="{186C055C-21B4-48A8-BC26-65AAD2880EBF}" type="pres">
-      <dgm:prSet presAssocID="{6F49CECE-5543-4B62-B83F-169C4977D00E}" presName="rootText" presStyleLbl="node2" presStyleIdx="0" presStyleCnt="1">
-        <dgm:presLayoutVars>
-          <dgm:chPref val="3"/>
-        </dgm:presLayoutVars>
-      </dgm:prSet>
-      <dgm:spPr/>
-      <dgm:t>
-        <a:bodyPr/>
-        <a:lstStyle/>
-        <a:p>
-          <a:endParaRPr lang="en-US"/>
-        </a:p>
-      </dgm:t>
-    </dgm:pt>
-    <dgm:pt modelId="{FCB81601-52E9-4994-943C-D44AA55B15FE}" type="pres">
-      <dgm:prSet presAssocID="{6F49CECE-5543-4B62-B83F-169C4977D00E}" presName="rootConnector" presStyleLbl="node2" presStyleIdx="0" presStyleCnt="1"/>
-      <dgm:spPr/>
-      <dgm:t>
-        <a:bodyPr/>
-        <a:lstStyle/>
-        <a:p>
-          <a:endParaRPr lang="en-US"/>
-        </a:p>
-      </dgm:t>
-    </dgm:pt>
-    <dgm:pt modelId="{4604E187-F85D-478C-80E0-9ECA59C8D962}" type="pres">
-      <dgm:prSet presAssocID="{6F49CECE-5543-4B62-B83F-169C4977D00E}" presName="hierChild4" presStyleCnt="0"/>
+    <dgm:pt modelId="{6895D479-E0EB-4BD0-9A8F-ACD83BFAA4C5}" type="pres">
+      <dgm:prSet presAssocID="{6F49CECE-5543-4B62-B83F-169C4977D00E}" presName="hierChild2" presStyleCnt="0"/>
       <dgm:spPr/>
     </dgm:pt>
     <dgm:pt modelId="{A8BE3D33-202F-4B78-BACF-C4CB91985458}" type="pres">
-      <dgm:prSet presAssocID="{CCA2B529-B580-4CAA-85C2-8BE46A70C260}" presName="Name37" presStyleLbl="parChTrans1D3" presStyleIdx="0" presStyleCnt="4"/>
+      <dgm:prSet presAssocID="{CCA2B529-B580-4CAA-85C2-8BE46A70C260}" presName="Name37" presStyleLbl="parChTrans1D2" presStyleIdx="0" presStyleCnt="4"/>
       <dgm:spPr/>
       <dgm:t>
         <a:bodyPr/>
@@ -1675,7 +1586,7 @@
       <dgm:spPr/>
     </dgm:pt>
     <dgm:pt modelId="{3FC867EC-DC01-4D6E-9B84-7B383587A504}" type="pres">
-      <dgm:prSet presAssocID="{C5A0C7CB-0031-4159-BB53-FA8343CB9558}" presName="rootText" presStyleLbl="node3" presStyleIdx="0" presStyleCnt="4">
+      <dgm:prSet presAssocID="{C5A0C7CB-0031-4159-BB53-FA8343CB9558}" presName="rootText" presStyleLbl="node2" presStyleIdx="0" presStyleCnt="4">
         <dgm:presLayoutVars>
           <dgm:chPref val="3"/>
         </dgm:presLayoutVars>
@@ -1690,7 +1601,7 @@
       </dgm:t>
     </dgm:pt>
     <dgm:pt modelId="{5C7F4BF0-E6A3-4F37-B2A7-B5EA6F899DB3}" type="pres">
-      <dgm:prSet presAssocID="{C5A0C7CB-0031-4159-BB53-FA8343CB9558}" presName="rootConnector" presStyleLbl="node3" presStyleIdx="0" presStyleCnt="4"/>
+      <dgm:prSet presAssocID="{C5A0C7CB-0031-4159-BB53-FA8343CB9558}" presName="rootConnector" presStyleLbl="node2" presStyleIdx="0" presStyleCnt="4"/>
       <dgm:spPr/>
       <dgm:t>
         <a:bodyPr/>
@@ -1705,7 +1616,7 @@
       <dgm:spPr/>
     </dgm:pt>
     <dgm:pt modelId="{12C09BAD-4169-4A5B-A324-4C3841F7A0F6}" type="pres">
-      <dgm:prSet presAssocID="{1C58E7D9-DF76-4E55-ADEE-EF79CE6B1872}" presName="Name37" presStyleLbl="parChTrans1D4" presStyleIdx="0" presStyleCnt="11"/>
+      <dgm:prSet presAssocID="{1C58E7D9-DF76-4E55-ADEE-EF79CE6B1872}" presName="Name37" presStyleLbl="parChTrans1D3" presStyleIdx="0" presStyleCnt="11"/>
       <dgm:spPr/>
       <dgm:t>
         <a:bodyPr/>
@@ -1728,7 +1639,7 @@
       <dgm:spPr/>
     </dgm:pt>
     <dgm:pt modelId="{FA45CC20-69B4-4564-A9F3-FECEBCB041D1}" type="pres">
-      <dgm:prSet presAssocID="{3A48E1CA-AC4A-45C6-81B0-46F7E75476EE}" presName="rootText" presStyleLbl="node4" presStyleIdx="0" presStyleCnt="11">
+      <dgm:prSet presAssocID="{3A48E1CA-AC4A-45C6-81B0-46F7E75476EE}" presName="rootText" presStyleLbl="node3" presStyleIdx="0" presStyleCnt="11">
         <dgm:presLayoutVars>
           <dgm:chPref val="3"/>
         </dgm:presLayoutVars>
@@ -1743,7 +1654,7 @@
       </dgm:t>
     </dgm:pt>
     <dgm:pt modelId="{581E77F2-6530-4657-B911-9D5FCFEFE76E}" type="pres">
-      <dgm:prSet presAssocID="{3A48E1CA-AC4A-45C6-81B0-46F7E75476EE}" presName="rootConnector" presStyleLbl="node4" presStyleIdx="0" presStyleCnt="11"/>
+      <dgm:prSet presAssocID="{3A48E1CA-AC4A-45C6-81B0-46F7E75476EE}" presName="rootConnector" presStyleLbl="node3" presStyleIdx="0" presStyleCnt="11"/>
       <dgm:spPr/>
       <dgm:t>
         <a:bodyPr/>
@@ -1762,7 +1673,7 @@
       <dgm:spPr/>
     </dgm:pt>
     <dgm:pt modelId="{6CF77085-0E58-4071-A531-5CE91F8DA348}" type="pres">
-      <dgm:prSet presAssocID="{5FE32230-A646-4579-AA11-A29DF7BEB819}" presName="Name37" presStyleLbl="parChTrans1D4" presStyleIdx="1" presStyleCnt="11"/>
+      <dgm:prSet presAssocID="{5FE32230-A646-4579-AA11-A29DF7BEB819}" presName="Name37" presStyleLbl="parChTrans1D3" presStyleIdx="1" presStyleCnt="11"/>
       <dgm:spPr/>
       <dgm:t>
         <a:bodyPr/>
@@ -1785,7 +1696,7 @@
       <dgm:spPr/>
     </dgm:pt>
     <dgm:pt modelId="{E29314CE-9117-4D7E-8A9F-C2C3B4D6D154}" type="pres">
-      <dgm:prSet presAssocID="{26A2C07E-9DD6-430B-9316-E4F456AF3D58}" presName="rootText" presStyleLbl="node4" presStyleIdx="1" presStyleCnt="11">
+      <dgm:prSet presAssocID="{26A2C07E-9DD6-430B-9316-E4F456AF3D58}" presName="rootText" presStyleLbl="node3" presStyleIdx="1" presStyleCnt="11">
         <dgm:presLayoutVars>
           <dgm:chPref val="3"/>
         </dgm:presLayoutVars>
@@ -1800,7 +1711,7 @@
       </dgm:t>
     </dgm:pt>
     <dgm:pt modelId="{C3400AA3-CE18-4619-AAFF-ABBA4687A208}" type="pres">
-      <dgm:prSet presAssocID="{26A2C07E-9DD6-430B-9316-E4F456AF3D58}" presName="rootConnector" presStyleLbl="node4" presStyleIdx="1" presStyleCnt="11"/>
+      <dgm:prSet presAssocID="{26A2C07E-9DD6-430B-9316-E4F456AF3D58}" presName="rootConnector" presStyleLbl="node3" presStyleIdx="1" presStyleCnt="11"/>
       <dgm:spPr/>
       <dgm:t>
         <a:bodyPr/>
@@ -1823,7 +1734,7 @@
       <dgm:spPr/>
     </dgm:pt>
     <dgm:pt modelId="{3ADED271-00FF-4B63-A289-DD03469DE526}" type="pres">
-      <dgm:prSet presAssocID="{05C0BBE8-0665-4D30-A416-9C56A063806A}" presName="Name37" presStyleLbl="parChTrans1D3" presStyleIdx="1" presStyleCnt="4"/>
+      <dgm:prSet presAssocID="{05C0BBE8-0665-4D30-A416-9C56A063806A}" presName="Name37" presStyleLbl="parChTrans1D2" presStyleIdx="1" presStyleCnt="4"/>
       <dgm:spPr/>
       <dgm:t>
         <a:bodyPr/>
@@ -1846,7 +1757,7 @@
       <dgm:spPr/>
     </dgm:pt>
     <dgm:pt modelId="{26D8BFE9-A2A3-4C05-B39A-E34277ED0470}" type="pres">
-      <dgm:prSet presAssocID="{2A4E46BE-C195-430B-A3CE-261648F9B604}" presName="rootText" presStyleLbl="node3" presStyleIdx="1" presStyleCnt="4">
+      <dgm:prSet presAssocID="{2A4E46BE-C195-430B-A3CE-261648F9B604}" presName="rootText" presStyleLbl="node2" presStyleIdx="1" presStyleCnt="4">
         <dgm:presLayoutVars>
           <dgm:chPref val="3"/>
         </dgm:presLayoutVars>
@@ -1861,7 +1772,7 @@
       </dgm:t>
     </dgm:pt>
     <dgm:pt modelId="{56FC41C9-994A-4EF6-91C4-1F041955A636}" type="pres">
-      <dgm:prSet presAssocID="{2A4E46BE-C195-430B-A3CE-261648F9B604}" presName="rootConnector" presStyleLbl="node3" presStyleIdx="1" presStyleCnt="4"/>
+      <dgm:prSet presAssocID="{2A4E46BE-C195-430B-A3CE-261648F9B604}" presName="rootConnector" presStyleLbl="node2" presStyleIdx="1" presStyleCnt="4"/>
       <dgm:spPr/>
       <dgm:t>
         <a:bodyPr/>
@@ -1876,7 +1787,7 @@
       <dgm:spPr/>
     </dgm:pt>
     <dgm:pt modelId="{CF3C7871-4303-48A3-BB4A-7A86D6B4721D}" type="pres">
-      <dgm:prSet presAssocID="{A8E88150-2DB6-46FA-A852-43051AFC02CB}" presName="Name37" presStyleLbl="parChTrans1D4" presStyleIdx="2" presStyleCnt="11"/>
+      <dgm:prSet presAssocID="{A8E88150-2DB6-46FA-A852-43051AFC02CB}" presName="Name37" presStyleLbl="parChTrans1D3" presStyleIdx="2" presStyleCnt="11"/>
       <dgm:spPr/>
       <dgm:t>
         <a:bodyPr/>
@@ -1899,7 +1810,7 @@
       <dgm:spPr/>
     </dgm:pt>
     <dgm:pt modelId="{1A858DA5-A289-4A22-B794-D6D770901C98}" type="pres">
-      <dgm:prSet presAssocID="{5DBC26DE-3F6D-4591-B844-2BDA42210872}" presName="rootText" presStyleLbl="node4" presStyleIdx="2" presStyleCnt="11">
+      <dgm:prSet presAssocID="{5DBC26DE-3F6D-4591-B844-2BDA42210872}" presName="rootText" presStyleLbl="node3" presStyleIdx="2" presStyleCnt="11">
         <dgm:presLayoutVars>
           <dgm:chPref val="3"/>
         </dgm:presLayoutVars>
@@ -1914,7 +1825,7 @@
       </dgm:t>
     </dgm:pt>
     <dgm:pt modelId="{AEA55E03-C54A-4EA4-9BDB-2776081E2FA7}" type="pres">
-      <dgm:prSet presAssocID="{5DBC26DE-3F6D-4591-B844-2BDA42210872}" presName="rootConnector" presStyleLbl="node4" presStyleIdx="2" presStyleCnt="11"/>
+      <dgm:prSet presAssocID="{5DBC26DE-3F6D-4591-B844-2BDA42210872}" presName="rootConnector" presStyleLbl="node3" presStyleIdx="2" presStyleCnt="11"/>
       <dgm:spPr/>
       <dgm:t>
         <a:bodyPr/>
@@ -1933,7 +1844,7 @@
       <dgm:spPr/>
     </dgm:pt>
     <dgm:pt modelId="{3DEBF5CE-5AAD-47A7-BA08-04DF2AC62CDD}" type="pres">
-      <dgm:prSet presAssocID="{918282B8-17D7-4E07-986D-BDC37D84C030}" presName="Name37" presStyleLbl="parChTrans1D4" presStyleIdx="3" presStyleCnt="11"/>
+      <dgm:prSet presAssocID="{918282B8-17D7-4E07-986D-BDC37D84C030}" presName="Name37" presStyleLbl="parChTrans1D3" presStyleIdx="3" presStyleCnt="11"/>
       <dgm:spPr/>
       <dgm:t>
         <a:bodyPr/>
@@ -1956,7 +1867,7 @@
       <dgm:spPr/>
     </dgm:pt>
     <dgm:pt modelId="{43564767-2DAF-4E04-9A8E-DD1E3F8D8AE9}" type="pres">
-      <dgm:prSet presAssocID="{3D0AB795-C8F5-410B-8C70-7E70771A456A}" presName="rootText" presStyleLbl="node4" presStyleIdx="3" presStyleCnt="11">
+      <dgm:prSet presAssocID="{3D0AB795-C8F5-410B-8C70-7E70771A456A}" presName="rootText" presStyleLbl="node3" presStyleIdx="3" presStyleCnt="11">
         <dgm:presLayoutVars>
           <dgm:chPref val="3"/>
         </dgm:presLayoutVars>
@@ -1971,7 +1882,7 @@
       </dgm:t>
     </dgm:pt>
     <dgm:pt modelId="{EEE5D1A4-30A3-479F-8F91-9D27C0765055}" type="pres">
-      <dgm:prSet presAssocID="{3D0AB795-C8F5-410B-8C70-7E70771A456A}" presName="rootConnector" presStyleLbl="node4" presStyleIdx="3" presStyleCnt="11"/>
+      <dgm:prSet presAssocID="{3D0AB795-C8F5-410B-8C70-7E70771A456A}" presName="rootConnector" presStyleLbl="node3" presStyleIdx="3" presStyleCnt="11"/>
       <dgm:spPr/>
       <dgm:t>
         <a:bodyPr/>
@@ -1990,7 +1901,7 @@
       <dgm:spPr/>
     </dgm:pt>
     <dgm:pt modelId="{AEE27075-2A19-4E8B-B9FC-003EACF0E2C9}" type="pres">
-      <dgm:prSet presAssocID="{09180BF8-9BB0-4837-87C9-A31B615AF06B}" presName="Name37" presStyleLbl="parChTrans1D4" presStyleIdx="4" presStyleCnt="11"/>
+      <dgm:prSet presAssocID="{09180BF8-9BB0-4837-87C9-A31B615AF06B}" presName="Name37" presStyleLbl="parChTrans1D3" presStyleIdx="4" presStyleCnt="11"/>
       <dgm:spPr/>
       <dgm:t>
         <a:bodyPr/>
@@ -2013,7 +1924,7 @@
       <dgm:spPr/>
     </dgm:pt>
     <dgm:pt modelId="{AE0F1FAB-E4F7-460E-B74D-9734E7275AB6}" type="pres">
-      <dgm:prSet presAssocID="{8B766CED-AF48-4A51-AFEA-B506C25FF9CE}" presName="rootText" presStyleLbl="node4" presStyleIdx="4" presStyleCnt="11">
+      <dgm:prSet presAssocID="{8B766CED-AF48-4A51-AFEA-B506C25FF9CE}" presName="rootText" presStyleLbl="node3" presStyleIdx="4" presStyleCnt="11">
         <dgm:presLayoutVars>
           <dgm:chPref val="3"/>
         </dgm:presLayoutVars>
@@ -2028,7 +1939,7 @@
       </dgm:t>
     </dgm:pt>
     <dgm:pt modelId="{E1E4BAA3-2C9C-4F78-9729-B712AC892362}" type="pres">
-      <dgm:prSet presAssocID="{8B766CED-AF48-4A51-AFEA-B506C25FF9CE}" presName="rootConnector" presStyleLbl="node4" presStyleIdx="4" presStyleCnt="11"/>
+      <dgm:prSet presAssocID="{8B766CED-AF48-4A51-AFEA-B506C25FF9CE}" presName="rootConnector" presStyleLbl="node3" presStyleIdx="4" presStyleCnt="11"/>
       <dgm:spPr/>
       <dgm:t>
         <a:bodyPr/>
@@ -2047,7 +1958,7 @@
       <dgm:spPr/>
     </dgm:pt>
     <dgm:pt modelId="{71C08850-6C20-40D7-86A2-D9FD0A3CCF87}" type="pres">
-      <dgm:prSet presAssocID="{63B6199B-540A-42F9-8A18-8DFF59807143}" presName="Name37" presStyleLbl="parChTrans1D4" presStyleIdx="5" presStyleCnt="11"/>
+      <dgm:prSet presAssocID="{63B6199B-540A-42F9-8A18-8DFF59807143}" presName="Name37" presStyleLbl="parChTrans1D3" presStyleIdx="5" presStyleCnt="11"/>
       <dgm:spPr/>
       <dgm:t>
         <a:bodyPr/>
@@ -2070,7 +1981,7 @@
       <dgm:spPr/>
     </dgm:pt>
     <dgm:pt modelId="{52565F71-66FC-45DF-AB63-8158775C40A3}" type="pres">
-      <dgm:prSet presAssocID="{A57537C8-D3B4-4574-A41F-A2E2552D7B2A}" presName="rootText" presStyleLbl="node4" presStyleIdx="5" presStyleCnt="11">
+      <dgm:prSet presAssocID="{A57537C8-D3B4-4574-A41F-A2E2552D7B2A}" presName="rootText" presStyleLbl="node3" presStyleIdx="5" presStyleCnt="11">
         <dgm:presLayoutVars>
           <dgm:chPref val="3"/>
         </dgm:presLayoutVars>
@@ -2085,7 +1996,7 @@
       </dgm:t>
     </dgm:pt>
     <dgm:pt modelId="{82F11D74-D82B-4C81-BA30-AF919B5FCD5E}" type="pres">
-      <dgm:prSet presAssocID="{A57537C8-D3B4-4574-A41F-A2E2552D7B2A}" presName="rootConnector" presStyleLbl="node4" presStyleIdx="5" presStyleCnt="11"/>
+      <dgm:prSet presAssocID="{A57537C8-D3B4-4574-A41F-A2E2552D7B2A}" presName="rootConnector" presStyleLbl="node3" presStyleIdx="5" presStyleCnt="11"/>
       <dgm:spPr/>
       <dgm:t>
         <a:bodyPr/>
@@ -2108,7 +2019,7 @@
       <dgm:spPr/>
     </dgm:pt>
     <dgm:pt modelId="{06C39927-640E-4F06-9A9C-9EDA030074EE}" type="pres">
-      <dgm:prSet presAssocID="{0F43290D-0DEA-41F8-906D-B28EE356A089}" presName="Name37" presStyleLbl="parChTrans1D3" presStyleIdx="2" presStyleCnt="4"/>
+      <dgm:prSet presAssocID="{0F43290D-0DEA-41F8-906D-B28EE356A089}" presName="Name37" presStyleLbl="parChTrans1D2" presStyleIdx="2" presStyleCnt="4"/>
       <dgm:spPr/>
       <dgm:t>
         <a:bodyPr/>
@@ -2131,7 +2042,7 @@
       <dgm:spPr/>
     </dgm:pt>
     <dgm:pt modelId="{D3292D10-A68A-4ED9-A3C7-E3AF8D05334B}" type="pres">
-      <dgm:prSet presAssocID="{CBF0074A-0FC7-4077-BCF9-CEB59150AFC8}" presName="rootText" presStyleLbl="node3" presStyleIdx="2" presStyleCnt="4">
+      <dgm:prSet presAssocID="{CBF0074A-0FC7-4077-BCF9-CEB59150AFC8}" presName="rootText" presStyleLbl="node2" presStyleIdx="2" presStyleCnt="4">
         <dgm:presLayoutVars>
           <dgm:chPref val="3"/>
         </dgm:presLayoutVars>
@@ -2146,7 +2057,7 @@
       </dgm:t>
     </dgm:pt>
     <dgm:pt modelId="{21889749-E84D-45E7-B2D5-FFE07A040AC9}" type="pres">
-      <dgm:prSet presAssocID="{CBF0074A-0FC7-4077-BCF9-CEB59150AFC8}" presName="rootConnector" presStyleLbl="node3" presStyleIdx="2" presStyleCnt="4"/>
+      <dgm:prSet presAssocID="{CBF0074A-0FC7-4077-BCF9-CEB59150AFC8}" presName="rootConnector" presStyleLbl="node2" presStyleIdx="2" presStyleCnt="4"/>
       <dgm:spPr/>
       <dgm:t>
         <a:bodyPr/>
@@ -2161,7 +2072,7 @@
       <dgm:spPr/>
     </dgm:pt>
     <dgm:pt modelId="{4FC84424-77B3-4BAD-A376-197D931F1926}" type="pres">
-      <dgm:prSet presAssocID="{5452ED12-D44F-4B0C-85CC-760D8ED00141}" presName="Name37" presStyleLbl="parChTrans1D4" presStyleIdx="6" presStyleCnt="11"/>
+      <dgm:prSet presAssocID="{5452ED12-D44F-4B0C-85CC-760D8ED00141}" presName="Name37" presStyleLbl="parChTrans1D3" presStyleIdx="6" presStyleCnt="11"/>
       <dgm:spPr/>
       <dgm:t>
         <a:bodyPr/>
@@ -2184,7 +2095,7 @@
       <dgm:spPr/>
     </dgm:pt>
     <dgm:pt modelId="{A2C33C9F-E20E-4D1E-BBFD-28AA5D38E75F}" type="pres">
-      <dgm:prSet presAssocID="{F20C8FF4-9862-4DF9-806F-B90D55ADE098}" presName="rootText" presStyleLbl="node4" presStyleIdx="6" presStyleCnt="11">
+      <dgm:prSet presAssocID="{F20C8FF4-9862-4DF9-806F-B90D55ADE098}" presName="rootText" presStyleLbl="node3" presStyleIdx="6" presStyleCnt="11">
         <dgm:presLayoutVars>
           <dgm:chPref val="3"/>
         </dgm:presLayoutVars>
@@ -2199,7 +2110,7 @@
       </dgm:t>
     </dgm:pt>
     <dgm:pt modelId="{62B8E97A-45F3-49CB-8798-FCFDBA6EB4CE}" type="pres">
-      <dgm:prSet presAssocID="{F20C8FF4-9862-4DF9-806F-B90D55ADE098}" presName="rootConnector" presStyleLbl="node4" presStyleIdx="6" presStyleCnt="11"/>
+      <dgm:prSet presAssocID="{F20C8FF4-9862-4DF9-806F-B90D55ADE098}" presName="rootConnector" presStyleLbl="node3" presStyleIdx="6" presStyleCnt="11"/>
       <dgm:spPr/>
       <dgm:t>
         <a:bodyPr/>
@@ -2218,7 +2129,7 @@
       <dgm:spPr/>
     </dgm:pt>
     <dgm:pt modelId="{15A61DF0-AC49-4E69-9546-90778A86DEB3}" type="pres">
-      <dgm:prSet presAssocID="{76085044-8EBB-4871-88EA-33CBECC08835}" presName="Name37" presStyleLbl="parChTrans1D4" presStyleIdx="7" presStyleCnt="11"/>
+      <dgm:prSet presAssocID="{76085044-8EBB-4871-88EA-33CBECC08835}" presName="Name37" presStyleLbl="parChTrans1D3" presStyleIdx="7" presStyleCnt="11"/>
       <dgm:spPr/>
       <dgm:t>
         <a:bodyPr/>
@@ -2241,7 +2152,7 @@
       <dgm:spPr/>
     </dgm:pt>
     <dgm:pt modelId="{BEB8562A-B0BC-4237-ADB8-FF4D03EEE094}" type="pres">
-      <dgm:prSet presAssocID="{3FA2808F-BB87-4A68-8BE2-20841C7DF183}" presName="rootText" presStyleLbl="node4" presStyleIdx="7" presStyleCnt="11">
+      <dgm:prSet presAssocID="{3FA2808F-BB87-4A68-8BE2-20841C7DF183}" presName="rootText" presStyleLbl="node3" presStyleIdx="7" presStyleCnt="11">
         <dgm:presLayoutVars>
           <dgm:chPref val="3"/>
         </dgm:presLayoutVars>
@@ -2256,7 +2167,7 @@
       </dgm:t>
     </dgm:pt>
     <dgm:pt modelId="{853316CE-83C9-44FB-9CD1-461AD4922901}" type="pres">
-      <dgm:prSet presAssocID="{3FA2808F-BB87-4A68-8BE2-20841C7DF183}" presName="rootConnector" presStyleLbl="node4" presStyleIdx="7" presStyleCnt="11"/>
+      <dgm:prSet presAssocID="{3FA2808F-BB87-4A68-8BE2-20841C7DF183}" presName="rootConnector" presStyleLbl="node3" presStyleIdx="7" presStyleCnt="11"/>
       <dgm:spPr/>
       <dgm:t>
         <a:bodyPr/>
@@ -2275,7 +2186,7 @@
       <dgm:spPr/>
     </dgm:pt>
     <dgm:pt modelId="{FA1C85F5-EB77-4684-8A8B-A31BFC407067}" type="pres">
-      <dgm:prSet presAssocID="{745DD6E8-C64C-4AE8-A101-F8AD12DE56B3}" presName="Name37" presStyleLbl="parChTrans1D4" presStyleIdx="8" presStyleCnt="11"/>
+      <dgm:prSet presAssocID="{745DD6E8-C64C-4AE8-A101-F8AD12DE56B3}" presName="Name37" presStyleLbl="parChTrans1D3" presStyleIdx="8" presStyleCnt="11"/>
       <dgm:spPr/>
       <dgm:t>
         <a:bodyPr/>
@@ -2298,7 +2209,7 @@
       <dgm:spPr/>
     </dgm:pt>
     <dgm:pt modelId="{D441324F-5840-4545-95C8-58993D682F03}" type="pres">
-      <dgm:prSet presAssocID="{822D2ADF-B5A2-4854-B448-654CBB195991}" presName="rootText" presStyleLbl="node4" presStyleIdx="8" presStyleCnt="11">
+      <dgm:prSet presAssocID="{822D2ADF-B5A2-4854-B448-654CBB195991}" presName="rootText" presStyleLbl="node3" presStyleIdx="8" presStyleCnt="11">
         <dgm:presLayoutVars>
           <dgm:chPref val="3"/>
         </dgm:presLayoutVars>
@@ -2313,7 +2224,7 @@
       </dgm:t>
     </dgm:pt>
     <dgm:pt modelId="{4B05AF45-3B20-4BCF-B0B2-1C0BE009630D}" type="pres">
-      <dgm:prSet presAssocID="{822D2ADF-B5A2-4854-B448-654CBB195991}" presName="rootConnector" presStyleLbl="node4" presStyleIdx="8" presStyleCnt="11"/>
+      <dgm:prSet presAssocID="{822D2ADF-B5A2-4854-B448-654CBB195991}" presName="rootConnector" presStyleLbl="node3" presStyleIdx="8" presStyleCnt="11"/>
       <dgm:spPr/>
       <dgm:t>
         <a:bodyPr/>
@@ -2336,7 +2247,7 @@
       <dgm:spPr/>
     </dgm:pt>
     <dgm:pt modelId="{DA555904-4FC1-46A1-8E83-ED69E59E57D1}" type="pres">
-      <dgm:prSet presAssocID="{B8853233-BCEB-4C33-B359-D179A1F03C11}" presName="Name37" presStyleLbl="parChTrans1D3" presStyleIdx="3" presStyleCnt="4"/>
+      <dgm:prSet presAssocID="{B8853233-BCEB-4C33-B359-D179A1F03C11}" presName="Name37" presStyleLbl="parChTrans1D2" presStyleIdx="3" presStyleCnt="4"/>
       <dgm:spPr/>
       <dgm:t>
         <a:bodyPr/>
@@ -2359,7 +2270,7 @@
       <dgm:spPr/>
     </dgm:pt>
     <dgm:pt modelId="{16A858B9-E481-47A4-A994-B887C37078F5}" type="pres">
-      <dgm:prSet presAssocID="{F7CD38E5-D80E-47CE-9C8A-C1EC4A123AAB}" presName="rootText" presStyleLbl="node3" presStyleIdx="3" presStyleCnt="4">
+      <dgm:prSet presAssocID="{F7CD38E5-D80E-47CE-9C8A-C1EC4A123AAB}" presName="rootText" presStyleLbl="node2" presStyleIdx="3" presStyleCnt="4">
         <dgm:presLayoutVars>
           <dgm:chPref val="3"/>
         </dgm:presLayoutVars>
@@ -2374,7 +2285,7 @@
       </dgm:t>
     </dgm:pt>
     <dgm:pt modelId="{2094552F-0A68-4D34-89D1-99F4C9D81559}" type="pres">
-      <dgm:prSet presAssocID="{F7CD38E5-D80E-47CE-9C8A-C1EC4A123AAB}" presName="rootConnector" presStyleLbl="node3" presStyleIdx="3" presStyleCnt="4"/>
+      <dgm:prSet presAssocID="{F7CD38E5-D80E-47CE-9C8A-C1EC4A123AAB}" presName="rootConnector" presStyleLbl="node2" presStyleIdx="3" presStyleCnt="4"/>
       <dgm:spPr/>
       <dgm:t>
         <a:bodyPr/>
@@ -2389,7 +2300,7 @@
       <dgm:spPr/>
     </dgm:pt>
     <dgm:pt modelId="{71C01193-494F-4E8F-8F6B-2A092BF6A52A}" type="pres">
-      <dgm:prSet presAssocID="{A02E4216-9295-4A98-B25D-724EEEACEB86}" presName="Name37" presStyleLbl="parChTrans1D4" presStyleIdx="9" presStyleCnt="11"/>
+      <dgm:prSet presAssocID="{A02E4216-9295-4A98-B25D-724EEEACEB86}" presName="Name37" presStyleLbl="parChTrans1D3" presStyleIdx="9" presStyleCnt="11"/>
       <dgm:spPr/>
       <dgm:t>
         <a:bodyPr/>
@@ -2412,7 +2323,7 @@
       <dgm:spPr/>
     </dgm:pt>
     <dgm:pt modelId="{13A484D3-7D69-43DA-A929-94F88FBBE4FD}" type="pres">
-      <dgm:prSet presAssocID="{6B14FCA3-6FEA-43EB-9C82-2B07D04536C7}" presName="rootText" presStyleLbl="node4" presStyleIdx="9" presStyleCnt="11">
+      <dgm:prSet presAssocID="{6B14FCA3-6FEA-43EB-9C82-2B07D04536C7}" presName="rootText" presStyleLbl="node3" presStyleIdx="9" presStyleCnt="11">
         <dgm:presLayoutVars>
           <dgm:chPref val="3"/>
         </dgm:presLayoutVars>
@@ -2427,7 +2338,7 @@
       </dgm:t>
     </dgm:pt>
     <dgm:pt modelId="{0C07F64B-E45F-43F5-B234-4C17D121787E}" type="pres">
-      <dgm:prSet presAssocID="{6B14FCA3-6FEA-43EB-9C82-2B07D04536C7}" presName="rootConnector" presStyleLbl="node4" presStyleIdx="9" presStyleCnt="11"/>
+      <dgm:prSet presAssocID="{6B14FCA3-6FEA-43EB-9C82-2B07D04536C7}" presName="rootConnector" presStyleLbl="node3" presStyleIdx="9" presStyleCnt="11"/>
       <dgm:spPr/>
       <dgm:t>
         <a:bodyPr/>
@@ -2446,7 +2357,7 @@
       <dgm:spPr/>
     </dgm:pt>
     <dgm:pt modelId="{5D5F107F-E70D-4FA0-826E-585751096CDC}" type="pres">
-      <dgm:prSet presAssocID="{E3EA836E-DABB-4A96-B743-CFF4C64EB46F}" presName="Name37" presStyleLbl="parChTrans1D4" presStyleIdx="10" presStyleCnt="11"/>
+      <dgm:prSet presAssocID="{E3EA836E-DABB-4A96-B743-CFF4C64EB46F}" presName="Name37" presStyleLbl="parChTrans1D3" presStyleIdx="10" presStyleCnt="11"/>
       <dgm:spPr/>
       <dgm:t>
         <a:bodyPr/>
@@ -2469,7 +2380,7 @@
       <dgm:spPr/>
     </dgm:pt>
     <dgm:pt modelId="{A541300C-4EA0-4F2F-A86D-61A27E02B787}" type="pres">
-      <dgm:prSet presAssocID="{3045F83C-2937-4C11-A432-105F2D7F79C8}" presName="rootText" presStyleLbl="node4" presStyleIdx="10" presStyleCnt="11">
+      <dgm:prSet presAssocID="{3045F83C-2937-4C11-A432-105F2D7F79C8}" presName="rootText" presStyleLbl="node3" presStyleIdx="10" presStyleCnt="11">
         <dgm:presLayoutVars>
           <dgm:chPref val="3"/>
         </dgm:presLayoutVars>
@@ -2484,7 +2395,7 @@
       </dgm:t>
     </dgm:pt>
     <dgm:pt modelId="{CFF27639-2EAA-4E02-8133-52CB55E04712}" type="pres">
-      <dgm:prSet presAssocID="{3045F83C-2937-4C11-A432-105F2D7F79C8}" presName="rootConnector" presStyleLbl="node4" presStyleIdx="10" presStyleCnt="11"/>
+      <dgm:prSet presAssocID="{3045F83C-2937-4C11-A432-105F2D7F79C8}" presName="rootConnector" presStyleLbl="node3" presStyleIdx="10" presStyleCnt="11"/>
       <dgm:spPr/>
       <dgm:t>
         <a:bodyPr/>
@@ -2506,202 +2417,187 @@
       <dgm:prSet presAssocID="{F7CD38E5-D80E-47CE-9C8A-C1EC4A123AAB}" presName="hierChild5" presStyleCnt="0"/>
       <dgm:spPr/>
     </dgm:pt>
-    <dgm:pt modelId="{112D33FD-4EF8-4F76-99AE-43AA9337356C}" type="pres">
-      <dgm:prSet presAssocID="{6F49CECE-5543-4B62-B83F-169C4977D00E}" presName="hierChild5" presStyleCnt="0"/>
-      <dgm:spPr/>
-    </dgm:pt>
-    <dgm:pt modelId="{F34F51E5-9A98-4CF1-A078-8BA3D575C345}" type="pres">
-      <dgm:prSet presAssocID="{11AD3FAC-CE2C-4BF5-98D5-F96D1E1069F3}" presName="hierChild3" presStyleCnt="0"/>
+    <dgm:pt modelId="{837501E2-DD97-4F78-91EA-784C9006BBAF}" type="pres">
+      <dgm:prSet presAssocID="{6F49CECE-5543-4B62-B83F-169C4977D00E}" presName="hierChild3" presStyleCnt="0"/>
       <dgm:spPr/>
     </dgm:pt>
   </dgm:ptLst>
   <dgm:cxnLst>
     <dgm:cxn modelId="{AD53CAAF-753A-4F5A-9EF0-3CEB2BD42146}" srcId="{F7CD38E5-D80E-47CE-9C8A-C1EC4A123AAB}" destId="{3045F83C-2937-4C11-A432-105F2D7F79C8}" srcOrd="1" destOrd="0" parTransId="{E3EA836E-DABB-4A96-B743-CFF4C64EB46F}" sibTransId="{0ED44051-871D-48EB-9C9E-EC7E25292212}"/>
-    <dgm:cxn modelId="{26DD5065-0A36-420C-919E-231D8D1E6175}" type="presOf" srcId="{A57537C8-D3B4-4574-A41F-A2E2552D7B2A}" destId="{82F11D74-D82B-4C81-BA30-AF919B5FCD5E}" srcOrd="1" destOrd="0" presId="urn:microsoft.com/office/officeart/2005/8/layout/orgChart1"/>
+    <dgm:cxn modelId="{B8607C8B-2C8F-4B17-815B-CE3B438977B0}" type="presOf" srcId="{26A2C07E-9DD6-430B-9316-E4F456AF3D58}" destId="{E29314CE-9117-4D7E-8A9F-C2C3B4D6D154}" srcOrd="0" destOrd="0" presId="urn:microsoft.com/office/officeart/2005/8/layout/orgChart1"/>
+    <dgm:cxn modelId="{DD778908-2334-4466-B51E-0615647FC9E3}" type="presOf" srcId="{C5A0C7CB-0031-4159-BB53-FA8343CB9558}" destId="{3FC867EC-DC01-4D6E-9B84-7B383587A504}" srcOrd="0" destOrd="0" presId="urn:microsoft.com/office/officeart/2005/8/layout/orgChart1"/>
+    <dgm:cxn modelId="{8BB38601-DA12-4F24-B214-32CAA6172D32}" type="presOf" srcId="{8B766CED-AF48-4A51-AFEA-B506C25FF9CE}" destId="{AE0F1FAB-E4F7-460E-B74D-9734E7275AB6}" srcOrd="0" destOrd="0" presId="urn:microsoft.com/office/officeart/2005/8/layout/orgChart1"/>
+    <dgm:cxn modelId="{DCD7B9B8-6F3B-4AD6-8F1B-B862A7896252}" type="presOf" srcId="{C5A0C7CB-0031-4159-BB53-FA8343CB9558}" destId="{5C7F4BF0-E6A3-4F37-B2A7-B5EA6F899DB3}" srcOrd="1" destOrd="0" presId="urn:microsoft.com/office/officeart/2005/8/layout/orgChart1"/>
+    <dgm:cxn modelId="{458D8BC2-BF50-463D-84AB-AD2F83FE715D}" type="presOf" srcId="{F20C8FF4-9862-4DF9-806F-B90D55ADE098}" destId="{62B8E97A-45F3-49CB-8798-FCFDBA6EB4CE}" srcOrd="1" destOrd="0" presId="urn:microsoft.com/office/officeart/2005/8/layout/orgChart1"/>
     <dgm:cxn modelId="{05F6498F-D87D-4A37-B908-6728A55D9F77}" srcId="{2A4E46BE-C195-430B-A3CE-261648F9B604}" destId="{5DBC26DE-3F6D-4591-B844-2BDA42210872}" srcOrd="0" destOrd="0" parTransId="{A8E88150-2DB6-46FA-A852-43051AFC02CB}" sibTransId="{ED199A56-5762-4E80-9140-A90427CA9F55}"/>
-    <dgm:cxn modelId="{FB74DAB5-027A-426A-A719-1ECBC218EA50}" type="presOf" srcId="{CBF0074A-0FC7-4077-BCF9-CEB59150AFC8}" destId="{D3292D10-A68A-4ED9-A3C7-E3AF8D05334B}" srcOrd="0" destOrd="0" presId="urn:microsoft.com/office/officeart/2005/8/layout/orgChart1"/>
-    <dgm:cxn modelId="{DCFF2D92-3260-4DD7-9D61-434C360646B3}" type="presOf" srcId="{11AD3FAC-CE2C-4BF5-98D5-F96D1E1069F3}" destId="{7F64D181-DB63-4247-9CA9-6DA9848590BA}" srcOrd="1" destOrd="0" presId="urn:microsoft.com/office/officeart/2005/8/layout/orgChart1"/>
-    <dgm:cxn modelId="{1550ABAC-A90B-4F2D-9F30-B281E4A7F1A8}" type="presOf" srcId="{C5A0C7CB-0031-4159-BB53-FA8343CB9558}" destId="{3FC867EC-DC01-4D6E-9B84-7B383587A504}" srcOrd="0" destOrd="0" presId="urn:microsoft.com/office/officeart/2005/8/layout/orgChart1"/>
-    <dgm:cxn modelId="{05663533-315F-447C-88BC-E5D7B97BE693}" srcId="{8791AAB4-64F1-46F3-99B1-B8F31CAACE40}" destId="{11AD3FAC-CE2C-4BF5-98D5-F96D1E1069F3}" srcOrd="0" destOrd="0" parTransId="{D1F7BBE1-4FFD-4F72-93E0-12B584CC6902}" sibTransId="{0CEDEF7A-7F52-4C01-96FE-53D17502480A}"/>
-    <dgm:cxn modelId="{57A8AAD7-4211-412A-BBDF-6D603F78B197}" type="presOf" srcId="{8B766CED-AF48-4A51-AFEA-B506C25FF9CE}" destId="{E1E4BAA3-2C9C-4F78-9729-B712AC892362}" srcOrd="1" destOrd="0" presId="urn:microsoft.com/office/officeart/2005/8/layout/orgChart1"/>
-    <dgm:cxn modelId="{32962C06-0B23-416A-98DD-A6F196B66601}" type="presOf" srcId="{6F49CECE-5543-4B62-B83F-169C4977D00E}" destId="{186C055C-21B4-48A8-BC26-65AAD2880EBF}" srcOrd="0" destOrd="0" presId="urn:microsoft.com/office/officeart/2005/8/layout/orgChart1"/>
-    <dgm:cxn modelId="{4FAD2A76-771E-4A6F-8072-E25C52A02D4B}" type="presOf" srcId="{3A48E1CA-AC4A-45C6-81B0-46F7E75476EE}" destId="{FA45CC20-69B4-4564-A9F3-FECEBCB041D1}" srcOrd="0" destOrd="0" presId="urn:microsoft.com/office/officeart/2005/8/layout/orgChart1"/>
+    <dgm:cxn modelId="{9498112A-FE21-41CF-AF95-A5B92F865594}" type="presOf" srcId="{5452ED12-D44F-4B0C-85CC-760D8ED00141}" destId="{4FC84424-77B3-4BAD-A376-197D931F1926}" srcOrd="0" destOrd="0" presId="urn:microsoft.com/office/officeart/2005/8/layout/orgChart1"/>
+    <dgm:cxn modelId="{BB0BFFDC-2257-441C-ABA3-94C549F384C8}" type="presOf" srcId="{3FA2808F-BB87-4A68-8BE2-20841C7DF183}" destId="{853316CE-83C9-44FB-9CD1-461AD4922901}" srcOrd="1" destOrd="0" presId="urn:microsoft.com/office/officeart/2005/8/layout/orgChart1"/>
+    <dgm:cxn modelId="{AFC3CFF4-44E6-4038-92FF-9596DC816FAF}" type="presOf" srcId="{3D0AB795-C8F5-410B-8C70-7E70771A456A}" destId="{43564767-2DAF-4E04-9A8E-DD1E3F8D8AE9}" srcOrd="0" destOrd="0" presId="urn:microsoft.com/office/officeart/2005/8/layout/orgChart1"/>
+    <dgm:cxn modelId="{11B8AD8C-168D-4B82-A67E-746AA9EBE8C3}" type="presOf" srcId="{6B14FCA3-6FEA-43EB-9C82-2B07D04536C7}" destId="{0C07F64B-E45F-43F5-B234-4C17D121787E}" srcOrd="1" destOrd="0" presId="urn:microsoft.com/office/officeart/2005/8/layout/orgChart1"/>
+    <dgm:cxn modelId="{47A49E32-9315-4CCE-9C91-1E7009C6F990}" type="presOf" srcId="{B8853233-BCEB-4C33-B359-D179A1F03C11}" destId="{DA555904-4FC1-46A1-8E83-ED69E59E57D1}" srcOrd="0" destOrd="0" presId="urn:microsoft.com/office/officeart/2005/8/layout/orgChart1"/>
+    <dgm:cxn modelId="{A0D14295-D312-4083-9AAC-3300BD951FC0}" type="presOf" srcId="{5FE32230-A646-4579-AA11-A29DF7BEB819}" destId="{6CF77085-0E58-4071-A531-5CE91F8DA348}" srcOrd="0" destOrd="0" presId="urn:microsoft.com/office/officeart/2005/8/layout/orgChart1"/>
+    <dgm:cxn modelId="{3FD67649-BD83-4204-85CE-8CD974CC5B26}" type="presOf" srcId="{05C0BBE8-0665-4D30-A416-9C56A063806A}" destId="{3ADED271-00FF-4B63-A289-DD03469DE526}" srcOrd="0" destOrd="0" presId="urn:microsoft.com/office/officeart/2005/8/layout/orgChart1"/>
     <dgm:cxn modelId="{77A5D652-EEE2-4A52-9044-EE597ACB2DEF}" srcId="{F7CD38E5-D80E-47CE-9C8A-C1EC4A123AAB}" destId="{6B14FCA3-6FEA-43EB-9C82-2B07D04536C7}" srcOrd="0" destOrd="0" parTransId="{A02E4216-9295-4A98-B25D-724EEEACEB86}" sibTransId="{165FECF0-A90A-46CC-9536-1B21943DDB74}"/>
     <dgm:cxn modelId="{F69B97D8-4E4A-4063-930F-101A74B2AB15}" srcId="{CBF0074A-0FC7-4077-BCF9-CEB59150AFC8}" destId="{F20C8FF4-9862-4DF9-806F-B90D55ADE098}" srcOrd="0" destOrd="0" parTransId="{5452ED12-D44F-4B0C-85CC-760D8ED00141}" sibTransId="{FCDD3D0C-4B3B-47BD-B2D6-3CDDE0A033C2}"/>
-    <dgm:cxn modelId="{980CADC8-9163-49C6-AD1D-9029C1170EDA}" type="presOf" srcId="{A8E88150-2DB6-46FA-A852-43051AFC02CB}" destId="{CF3C7871-4303-48A3-BB4A-7A86D6B4721D}" srcOrd="0" destOrd="0" presId="urn:microsoft.com/office/officeart/2005/8/layout/orgChart1"/>
-    <dgm:cxn modelId="{292496E3-F01C-4600-8952-6DB99B5FFB2A}" type="presOf" srcId="{1C58E7D9-DF76-4E55-ADEE-EF79CE6B1872}" destId="{12C09BAD-4169-4A5B-A324-4C3841F7A0F6}" srcOrd="0" destOrd="0" presId="urn:microsoft.com/office/officeart/2005/8/layout/orgChart1"/>
-    <dgm:cxn modelId="{CB552FE5-CAD9-42A3-AEC6-FE53E2A7245A}" type="presOf" srcId="{CCA2B529-B580-4CAA-85C2-8BE46A70C260}" destId="{A8BE3D33-202F-4B78-BACF-C4CB91985458}" srcOrd="0" destOrd="0" presId="urn:microsoft.com/office/officeart/2005/8/layout/orgChart1"/>
-    <dgm:cxn modelId="{F2B9ABAA-628B-4BCB-A63B-94B2C67B1CF3}" type="presOf" srcId="{6B14FCA3-6FEA-43EB-9C82-2B07D04536C7}" destId="{13A484D3-7D69-43DA-A929-94F88FBBE4FD}" srcOrd="0" destOrd="0" presId="urn:microsoft.com/office/officeart/2005/8/layout/orgChart1"/>
-    <dgm:cxn modelId="{ABC993EF-9ABB-4F70-A356-A543F742C117}" type="presOf" srcId="{6F49CECE-5543-4B62-B83F-169C4977D00E}" destId="{FCB81601-52E9-4994-943C-D44AA55B15FE}" srcOrd="1" destOrd="0" presId="urn:microsoft.com/office/officeart/2005/8/layout/orgChart1"/>
+    <dgm:cxn modelId="{BF043AE3-403A-48CC-8D03-F028495CD10D}" type="presOf" srcId="{1C58E7D9-DF76-4E55-ADEE-EF79CE6B1872}" destId="{12C09BAD-4169-4A5B-A324-4C3841F7A0F6}" srcOrd="0" destOrd="0" presId="urn:microsoft.com/office/officeart/2005/8/layout/orgChart1"/>
+    <dgm:cxn modelId="{8A354857-02A9-4823-A8C2-7ABF889A7EEB}" type="presOf" srcId="{76085044-8EBB-4871-88EA-33CBECC08835}" destId="{15A61DF0-AC49-4E69-9546-90778A86DEB3}" srcOrd="0" destOrd="0" presId="urn:microsoft.com/office/officeart/2005/8/layout/orgChart1"/>
+    <dgm:cxn modelId="{4BADE665-AD72-4810-841D-618C21562EA3}" type="presOf" srcId="{3FA2808F-BB87-4A68-8BE2-20841C7DF183}" destId="{BEB8562A-B0BC-4237-ADB8-FF4D03EEE094}" srcOrd="0" destOrd="0" presId="urn:microsoft.com/office/officeart/2005/8/layout/orgChart1"/>
     <dgm:cxn modelId="{C925D86B-6013-45BD-BD52-D6091DA5F634}" srcId="{CBF0074A-0FC7-4077-BCF9-CEB59150AFC8}" destId="{822D2ADF-B5A2-4854-B448-654CBB195991}" srcOrd="2" destOrd="0" parTransId="{745DD6E8-C64C-4AE8-A101-F8AD12DE56B3}" sibTransId="{A593D349-C685-40B7-8FAE-CFC4A735BEB6}"/>
-    <dgm:cxn modelId="{E3164A34-2478-40CE-AEFD-FFF234E18E72}" type="presOf" srcId="{3FA2808F-BB87-4A68-8BE2-20841C7DF183}" destId="{853316CE-83C9-44FB-9CD1-461AD4922901}" srcOrd="1" destOrd="0" presId="urn:microsoft.com/office/officeart/2005/8/layout/orgChart1"/>
-    <dgm:cxn modelId="{92CCBFA7-B549-4CFE-9E0F-C4FA624A8296}" type="presOf" srcId="{5DBC26DE-3F6D-4591-B844-2BDA42210872}" destId="{1A858DA5-A289-4A22-B794-D6D770901C98}" srcOrd="0" destOrd="0" presId="urn:microsoft.com/office/officeart/2005/8/layout/orgChart1"/>
-    <dgm:cxn modelId="{13476C7E-F1B1-419F-9880-BDC90D7A11F0}" type="presOf" srcId="{822D2ADF-B5A2-4854-B448-654CBB195991}" destId="{D441324F-5840-4545-95C8-58993D682F03}" srcOrd="0" destOrd="0" presId="urn:microsoft.com/office/officeart/2005/8/layout/orgChart1"/>
-    <dgm:cxn modelId="{55A6D12B-3F05-4035-9825-244FEB4355EF}" type="presOf" srcId="{822D2ADF-B5A2-4854-B448-654CBB195991}" destId="{4B05AF45-3B20-4BCF-B0B2-1C0BE009630D}" srcOrd="1" destOrd="0" presId="urn:microsoft.com/office/officeart/2005/8/layout/orgChart1"/>
+    <dgm:cxn modelId="{D62646EF-7202-4192-8A74-57E6801CE41A}" type="presOf" srcId="{3A48E1CA-AC4A-45C6-81B0-46F7E75476EE}" destId="{FA45CC20-69B4-4564-A9F3-FECEBCB041D1}" srcOrd="0" destOrd="0" presId="urn:microsoft.com/office/officeart/2005/8/layout/orgChart1"/>
+    <dgm:cxn modelId="{D1EB0A64-1E72-4406-9A1B-3B525AD5EDC4}" type="presOf" srcId="{8B766CED-AF48-4A51-AFEA-B506C25FF9CE}" destId="{E1E4BAA3-2C9C-4F78-9729-B712AC892362}" srcOrd="1" destOrd="0" presId="urn:microsoft.com/office/officeart/2005/8/layout/orgChart1"/>
+    <dgm:cxn modelId="{537465B7-E4D5-4CF1-8D2D-5C7F7A60F3AD}" type="presOf" srcId="{63B6199B-540A-42F9-8A18-8DFF59807143}" destId="{71C08850-6C20-40D7-86A2-D9FD0A3CCF87}" srcOrd="0" destOrd="0" presId="urn:microsoft.com/office/officeart/2005/8/layout/orgChart1"/>
+    <dgm:cxn modelId="{9EE26B51-9EDA-496D-84C1-50739EE689FA}" type="presOf" srcId="{A8E88150-2DB6-46FA-A852-43051AFC02CB}" destId="{CF3C7871-4303-48A3-BB4A-7A86D6B4721D}" srcOrd="0" destOrd="0" presId="urn:microsoft.com/office/officeart/2005/8/layout/orgChart1"/>
+    <dgm:cxn modelId="{A2D34912-ED82-4A2C-AC7A-262FB2BD9259}" type="presOf" srcId="{CCA2B529-B580-4CAA-85C2-8BE46A70C260}" destId="{A8BE3D33-202F-4B78-BACF-C4CB91985458}" srcOrd="0" destOrd="0" presId="urn:microsoft.com/office/officeart/2005/8/layout/orgChart1"/>
+    <dgm:cxn modelId="{735E9864-736C-456C-9BDF-10CB4B334E7B}" type="presOf" srcId="{0F43290D-0DEA-41F8-906D-B28EE356A089}" destId="{06C39927-640E-4F06-9A9C-9EDA030074EE}" srcOrd="0" destOrd="0" presId="urn:microsoft.com/office/officeart/2005/8/layout/orgChart1"/>
+    <dgm:cxn modelId="{AC649E9A-D94A-45CF-A6FD-33DDE2612F6B}" type="presOf" srcId="{3045F83C-2937-4C11-A432-105F2D7F79C8}" destId="{A541300C-4EA0-4F2F-A86D-61A27E02B787}" srcOrd="0" destOrd="0" presId="urn:microsoft.com/office/officeart/2005/8/layout/orgChart1"/>
+    <dgm:cxn modelId="{FE25F756-E956-4FA1-9424-E9522D42245B}" type="presOf" srcId="{822D2ADF-B5A2-4854-B448-654CBB195991}" destId="{4B05AF45-3B20-4BCF-B0B2-1C0BE009630D}" srcOrd="1" destOrd="0" presId="urn:microsoft.com/office/officeart/2005/8/layout/orgChart1"/>
     <dgm:cxn modelId="{9A737EA9-4E59-4981-940D-98D667F6CFF9}" srcId="{2A4E46BE-C195-430B-A3CE-261648F9B604}" destId="{3D0AB795-C8F5-410B-8C70-7E70771A456A}" srcOrd="1" destOrd="0" parTransId="{918282B8-17D7-4E07-986D-BDC37D84C030}" sibTransId="{8023D927-C469-453C-99C5-88FDBD416086}"/>
-    <dgm:cxn modelId="{3E122938-06A5-487B-9569-BAD66CC43255}" type="presOf" srcId="{8B766CED-AF48-4A51-AFEA-B506C25FF9CE}" destId="{AE0F1FAB-E4F7-460E-B74D-9734E7275AB6}" srcOrd="0" destOrd="0" presId="urn:microsoft.com/office/officeart/2005/8/layout/orgChart1"/>
-    <dgm:cxn modelId="{C974B6A8-2CF0-4019-AC7B-A98C72140E2A}" type="presOf" srcId="{26A2C07E-9DD6-430B-9316-E4F456AF3D58}" destId="{E29314CE-9117-4D7E-8A9F-C2C3B4D6D154}" srcOrd="0" destOrd="0" presId="urn:microsoft.com/office/officeart/2005/8/layout/orgChart1"/>
-    <dgm:cxn modelId="{BE0F8C5F-2B6B-4B9D-A9BD-FF6B7670213E}" type="presOf" srcId="{5FE32230-A646-4579-AA11-A29DF7BEB819}" destId="{6CF77085-0E58-4071-A531-5CE91F8DA348}" srcOrd="0" destOrd="0" presId="urn:microsoft.com/office/officeart/2005/8/layout/orgChart1"/>
-    <dgm:cxn modelId="{0FD66CBD-871B-4A98-84B3-C7BA69B1CEB5}" type="presOf" srcId="{3D0AB795-C8F5-410B-8C70-7E70771A456A}" destId="{43564767-2DAF-4E04-9A8E-DD1E3F8D8AE9}" srcOrd="0" destOrd="0" presId="urn:microsoft.com/office/officeart/2005/8/layout/orgChart1"/>
-    <dgm:cxn modelId="{DED079FB-DC28-49F4-A964-91ABD9070649}" type="presOf" srcId="{11AD3FAC-CE2C-4BF5-98D5-F96D1E1069F3}" destId="{DA920640-8B72-4913-BA55-9259E051A12B}" srcOrd="0" destOrd="0" presId="urn:microsoft.com/office/officeart/2005/8/layout/orgChart1"/>
-    <dgm:cxn modelId="{A073F615-FDAE-4758-B829-8824EE34187F}" type="presOf" srcId="{F20C8FF4-9862-4DF9-806F-B90D55ADE098}" destId="{62B8E97A-45F3-49CB-8798-FCFDBA6EB4CE}" srcOrd="1" destOrd="0" presId="urn:microsoft.com/office/officeart/2005/8/layout/orgChart1"/>
-    <dgm:cxn modelId="{C372C1FB-5AAB-4B53-953C-A7A9C8355BD8}" type="presOf" srcId="{6B14FCA3-6FEA-43EB-9C82-2B07D04536C7}" destId="{0C07F64B-E45F-43F5-B234-4C17D121787E}" srcOrd="1" destOrd="0" presId="urn:microsoft.com/office/officeart/2005/8/layout/orgChart1"/>
+    <dgm:cxn modelId="{C09BB664-07F1-49D8-ABCF-B5B4CE2D76BE}" type="presOf" srcId="{E3EA836E-DABB-4A96-B743-CFF4C64EB46F}" destId="{5D5F107F-E70D-4FA0-826E-585751096CDC}" srcOrd="0" destOrd="0" presId="urn:microsoft.com/office/officeart/2005/8/layout/orgChart1"/>
     <dgm:cxn modelId="{57E6A149-1CC4-4803-B1AA-9A3B6E9A5D73}" srcId="{C5A0C7CB-0031-4159-BB53-FA8343CB9558}" destId="{26A2C07E-9DD6-430B-9316-E4F456AF3D58}" srcOrd="1" destOrd="0" parTransId="{5FE32230-A646-4579-AA11-A29DF7BEB819}" sibTransId="{1D8B5989-933B-422D-8C65-7C4FC436C2F4}"/>
-    <dgm:cxn modelId="{5AA7E5AA-74F8-4F44-8560-2649C3221A5D}" type="presOf" srcId="{F7CD38E5-D80E-47CE-9C8A-C1EC4A123AAB}" destId="{2094552F-0A68-4D34-89D1-99F4C9D81559}" srcOrd="1" destOrd="0" presId="urn:microsoft.com/office/officeart/2005/8/layout/orgChart1"/>
-    <dgm:cxn modelId="{C251BA37-CA07-400E-AC32-A400651E25D5}" srcId="{11AD3FAC-CE2C-4BF5-98D5-F96D1E1069F3}" destId="{6F49CECE-5543-4B62-B83F-169C4977D00E}" srcOrd="0" destOrd="0" parTransId="{D3DE520E-BA57-4D2B-9AB0-F0E8C5EC673A}" sibTransId="{9BA39159-FD0C-44C4-95DF-4106D920A657}"/>
-    <dgm:cxn modelId="{2F1B636B-1811-4463-BDAC-AC19D5AA4C05}" type="presOf" srcId="{F7CD38E5-D80E-47CE-9C8A-C1EC4A123AAB}" destId="{16A858B9-E481-47A4-A994-B887C37078F5}" srcOrd="0" destOrd="0" presId="urn:microsoft.com/office/officeart/2005/8/layout/orgChart1"/>
-    <dgm:cxn modelId="{E9B713E3-860A-4A89-8611-6BBBA6AA1FFD}" type="presOf" srcId="{09180BF8-9BB0-4837-87C9-A31B615AF06B}" destId="{AEE27075-2A19-4E8B-B9FC-003EACF0E2C9}" srcOrd="0" destOrd="0" presId="urn:microsoft.com/office/officeart/2005/8/layout/orgChart1"/>
-    <dgm:cxn modelId="{0CDBC4DD-A290-4592-BE36-285508EF8DBF}" type="presOf" srcId="{E3EA836E-DABB-4A96-B743-CFF4C64EB46F}" destId="{5D5F107F-E70D-4FA0-826E-585751096CDC}" srcOrd="0" destOrd="0" presId="urn:microsoft.com/office/officeart/2005/8/layout/orgChart1"/>
-    <dgm:cxn modelId="{FF9F216D-386F-479D-8E9D-6F17128B4DEB}" type="presOf" srcId="{A57537C8-D3B4-4574-A41F-A2E2552D7B2A}" destId="{52565F71-66FC-45DF-AB63-8158775C40A3}" srcOrd="0" destOrd="0" presId="urn:microsoft.com/office/officeart/2005/8/layout/orgChart1"/>
-    <dgm:cxn modelId="{1FECF204-D318-462B-B01B-158E23A2574D}" type="presOf" srcId="{76085044-8EBB-4871-88EA-33CBECC08835}" destId="{15A61DF0-AC49-4E69-9546-90778A86DEB3}" srcOrd="0" destOrd="0" presId="urn:microsoft.com/office/officeart/2005/8/layout/orgChart1"/>
-    <dgm:cxn modelId="{524FC1AB-3F14-447D-BE6B-AF8F7F53821C}" type="presOf" srcId="{5452ED12-D44F-4B0C-85CC-760D8ED00141}" destId="{4FC84424-77B3-4BAD-A376-197D931F1926}" srcOrd="0" destOrd="0" presId="urn:microsoft.com/office/officeart/2005/8/layout/orgChart1"/>
-    <dgm:cxn modelId="{0A423659-E204-4C22-AD42-0AA1EA80AE9B}" type="presOf" srcId="{3D0AB795-C8F5-410B-8C70-7E70771A456A}" destId="{EEE5D1A4-30A3-479F-8F91-9D27C0765055}" srcOrd="1" destOrd="0" presId="urn:microsoft.com/office/officeart/2005/8/layout/orgChart1"/>
-    <dgm:cxn modelId="{858AEB35-5A6C-40CC-A054-70347A78CE01}" type="presOf" srcId="{3045F83C-2937-4C11-A432-105F2D7F79C8}" destId="{CFF27639-2EAA-4E02-8133-52CB55E04712}" srcOrd="1" destOrd="0" presId="urn:microsoft.com/office/officeart/2005/8/layout/orgChart1"/>
-    <dgm:cxn modelId="{73E66143-C829-4E06-94B8-8829ADE92A26}" type="presOf" srcId="{3A48E1CA-AC4A-45C6-81B0-46F7E75476EE}" destId="{581E77F2-6530-4657-B911-9D5FCFEFE76E}" srcOrd="1" destOrd="0" presId="urn:microsoft.com/office/officeart/2005/8/layout/orgChart1"/>
+    <dgm:cxn modelId="{71220C6A-14E0-4882-ACFE-DEDDB4C4D24F}" type="presOf" srcId="{CBF0074A-0FC7-4077-BCF9-CEB59150AFC8}" destId="{D3292D10-A68A-4ED9-A3C7-E3AF8D05334B}" srcOrd="0" destOrd="0" presId="urn:microsoft.com/office/officeart/2005/8/layout/orgChart1"/>
+    <dgm:cxn modelId="{C251BA37-CA07-400E-AC32-A400651E25D5}" srcId="{8791AAB4-64F1-46F3-99B1-B8F31CAACE40}" destId="{6F49CECE-5543-4B62-B83F-169C4977D00E}" srcOrd="0" destOrd="0" parTransId="{D3DE520E-BA57-4D2B-9AB0-F0E8C5EC673A}" sibTransId="{9BA39159-FD0C-44C4-95DF-4106D920A657}"/>
+    <dgm:cxn modelId="{AC4F1C05-F417-4DFD-B068-7BA65A38147D}" type="presOf" srcId="{3045F83C-2937-4C11-A432-105F2D7F79C8}" destId="{CFF27639-2EAA-4E02-8133-52CB55E04712}" srcOrd="1" destOrd="0" presId="urn:microsoft.com/office/officeart/2005/8/layout/orgChart1"/>
+    <dgm:cxn modelId="{82826919-7BA5-4BB4-BFF2-CEF966DD23F3}" type="presOf" srcId="{6F49CECE-5543-4B62-B83F-169C4977D00E}" destId="{EEE307F5-4BD0-4E87-998D-FB1B3D611070}" srcOrd="1" destOrd="0" presId="urn:microsoft.com/office/officeart/2005/8/layout/orgChart1"/>
+    <dgm:cxn modelId="{388F4A5F-E646-4484-8788-AB780E20C978}" type="presOf" srcId="{09180BF8-9BB0-4837-87C9-A31B615AF06B}" destId="{AEE27075-2A19-4E8B-B9FC-003EACF0E2C9}" srcOrd="0" destOrd="0" presId="urn:microsoft.com/office/officeart/2005/8/layout/orgChart1"/>
     <dgm:cxn modelId="{BCC25F63-BA85-4368-98FB-8020D6B004F7}" srcId="{2A4E46BE-C195-430B-A3CE-261648F9B604}" destId="{A57537C8-D3B4-4574-A41F-A2E2552D7B2A}" srcOrd="3" destOrd="0" parTransId="{63B6199B-540A-42F9-8A18-8DFF59807143}" sibTransId="{6E1B521E-AF56-4B0B-A727-58D07F147BA5}"/>
     <dgm:cxn modelId="{52297624-0AAF-4F2D-A253-ABD46031C9A6}" srcId="{6F49CECE-5543-4B62-B83F-169C4977D00E}" destId="{CBF0074A-0FC7-4077-BCF9-CEB59150AFC8}" srcOrd="2" destOrd="0" parTransId="{0F43290D-0DEA-41F8-906D-B28EE356A089}" sibTransId="{9BCB906E-1533-4B08-9A8D-23B6032E30B6}"/>
-    <dgm:cxn modelId="{DA4333CF-35D0-4567-861D-26A3E76A0E16}" type="presOf" srcId="{26A2C07E-9DD6-430B-9316-E4F456AF3D58}" destId="{C3400AA3-CE18-4619-AAFF-ABBA4687A208}" srcOrd="1" destOrd="0" presId="urn:microsoft.com/office/officeart/2005/8/layout/orgChart1"/>
-    <dgm:cxn modelId="{1359D5D9-25D5-4A11-BA71-FD60F80BBE91}" type="presOf" srcId="{2A4E46BE-C195-430B-A3CE-261648F9B604}" destId="{56FC41C9-994A-4EF6-91C4-1F041955A636}" srcOrd="1" destOrd="0" presId="urn:microsoft.com/office/officeart/2005/8/layout/orgChart1"/>
     <dgm:cxn modelId="{2C8CBF3B-9342-4D81-BC1E-2FCDC62EEC6D}" srcId="{C5A0C7CB-0031-4159-BB53-FA8343CB9558}" destId="{3A48E1CA-AC4A-45C6-81B0-46F7E75476EE}" srcOrd="0" destOrd="0" parTransId="{1C58E7D9-DF76-4E55-ADEE-EF79CE6B1872}" sibTransId="{2F091561-7854-4F36-8B58-45089F2FEF25}"/>
     <dgm:cxn modelId="{A7E6D198-F333-4D0A-BC25-27F80AF81CC2}" type="presOf" srcId="{8791AAB4-64F1-46F3-99B1-B8F31CAACE40}" destId="{D89C1994-7969-4A61-8D72-015E632E69B6}" srcOrd="0" destOrd="0" presId="urn:microsoft.com/office/officeart/2005/8/layout/orgChart1"/>
     <dgm:cxn modelId="{97F23B9C-E7FF-4DEF-906B-B3EA7BA48685}" srcId="{CBF0074A-0FC7-4077-BCF9-CEB59150AFC8}" destId="{3FA2808F-BB87-4A68-8BE2-20841C7DF183}" srcOrd="1" destOrd="0" parTransId="{76085044-8EBB-4871-88EA-33CBECC08835}" sibTransId="{B16DB9A8-ABE8-4E12-90EB-661CE96FC166}"/>
-    <dgm:cxn modelId="{DD21849E-B534-46F5-BB52-12379AEDD5DF}" type="presOf" srcId="{05C0BBE8-0665-4D30-A416-9C56A063806A}" destId="{3ADED271-00FF-4B63-A289-DD03469DE526}" srcOrd="0" destOrd="0" presId="urn:microsoft.com/office/officeart/2005/8/layout/orgChart1"/>
-    <dgm:cxn modelId="{E34FCD88-2796-424C-8120-6BA61620DA9D}" type="presOf" srcId="{5DBC26DE-3F6D-4591-B844-2BDA42210872}" destId="{AEA55E03-C54A-4EA4-9BDB-2776081E2FA7}" srcOrd="1" destOrd="0" presId="urn:microsoft.com/office/officeart/2005/8/layout/orgChart1"/>
-    <dgm:cxn modelId="{9EB8E855-04EF-4ECF-904F-8624A148C0C9}" type="presOf" srcId="{918282B8-17D7-4E07-986D-BDC37D84C030}" destId="{3DEBF5CE-5AAD-47A7-BA08-04DF2AC62CDD}" srcOrd="0" destOrd="0" presId="urn:microsoft.com/office/officeart/2005/8/layout/orgChart1"/>
-    <dgm:cxn modelId="{09DF03DF-765C-43D5-8483-0676017F28AD}" type="presOf" srcId="{D3DE520E-BA57-4D2B-9AB0-F0E8C5EC673A}" destId="{C7A0E339-BFBB-45CC-9DFE-88B68E9EA7A1}" srcOrd="0" destOrd="0" presId="urn:microsoft.com/office/officeart/2005/8/layout/orgChart1"/>
+    <dgm:cxn modelId="{84BA2A90-C624-4720-B2E8-82D2784C9A07}" type="presOf" srcId="{F20C8FF4-9862-4DF9-806F-B90D55ADE098}" destId="{A2C33C9F-E20E-4D1E-BBFD-28AA5D38E75F}" srcOrd="0" destOrd="0" presId="urn:microsoft.com/office/officeart/2005/8/layout/orgChart1"/>
+    <dgm:cxn modelId="{74DD596C-ADD2-4D76-93CF-A8A86D60E8EC}" type="presOf" srcId="{26A2C07E-9DD6-430B-9316-E4F456AF3D58}" destId="{C3400AA3-CE18-4619-AAFF-ABBA4687A208}" srcOrd="1" destOrd="0" presId="urn:microsoft.com/office/officeart/2005/8/layout/orgChart1"/>
+    <dgm:cxn modelId="{AD0CF50A-A8D8-4B59-A367-ABBD485712EA}" type="presOf" srcId="{5DBC26DE-3F6D-4591-B844-2BDA42210872}" destId="{1A858DA5-A289-4A22-B794-D6D770901C98}" srcOrd="0" destOrd="0" presId="urn:microsoft.com/office/officeart/2005/8/layout/orgChart1"/>
     <dgm:cxn modelId="{28D6E7BF-4CED-4C3F-8180-ECB7B3E9457C}" srcId="{6F49CECE-5543-4B62-B83F-169C4977D00E}" destId="{C5A0C7CB-0031-4159-BB53-FA8343CB9558}" srcOrd="0" destOrd="0" parTransId="{CCA2B529-B580-4CAA-85C2-8BE46A70C260}" sibTransId="{72277EE4-4B08-40B8-82D4-82C90447F9FF}"/>
-    <dgm:cxn modelId="{9A46CFD3-D637-4D0A-9EB5-DB72F43946C5}" type="presOf" srcId="{B8853233-BCEB-4C33-B359-D179A1F03C11}" destId="{DA555904-4FC1-46A1-8E83-ED69E59E57D1}" srcOrd="0" destOrd="0" presId="urn:microsoft.com/office/officeart/2005/8/layout/orgChart1"/>
-    <dgm:cxn modelId="{B673BA81-67C8-44BE-BCF4-0889A47A9CE9}" type="presOf" srcId="{C5A0C7CB-0031-4159-BB53-FA8343CB9558}" destId="{5C7F4BF0-E6A3-4F37-B2A7-B5EA6F899DB3}" srcOrd="1" destOrd="0" presId="urn:microsoft.com/office/officeart/2005/8/layout/orgChart1"/>
-    <dgm:cxn modelId="{7BD70AEC-7B22-4583-905E-94335C5C2C1F}" type="presOf" srcId="{F20C8FF4-9862-4DF9-806F-B90D55ADE098}" destId="{A2C33C9F-E20E-4D1E-BBFD-28AA5D38E75F}" srcOrd="0" destOrd="0" presId="urn:microsoft.com/office/officeart/2005/8/layout/orgChart1"/>
-    <dgm:cxn modelId="{69D7E34D-881E-4F95-AF8A-239B3E87145B}" type="presOf" srcId="{0F43290D-0DEA-41F8-906D-B28EE356A089}" destId="{06C39927-640E-4F06-9A9C-9EDA030074EE}" srcOrd="0" destOrd="0" presId="urn:microsoft.com/office/officeart/2005/8/layout/orgChart1"/>
+    <dgm:cxn modelId="{4238F73C-2C4C-4617-90AB-D5B24C67525B}" type="presOf" srcId="{A02E4216-9295-4A98-B25D-724EEEACEB86}" destId="{71C01193-494F-4E8F-8F6B-2A092BF6A52A}" srcOrd="0" destOrd="0" presId="urn:microsoft.com/office/officeart/2005/8/layout/orgChart1"/>
+    <dgm:cxn modelId="{2EC9B631-A4A9-4122-B1CA-BB87ED3C8820}" type="presOf" srcId="{822D2ADF-B5A2-4854-B448-654CBB195991}" destId="{D441324F-5840-4545-95C8-58993D682F03}" srcOrd="0" destOrd="0" presId="urn:microsoft.com/office/officeart/2005/8/layout/orgChart1"/>
+    <dgm:cxn modelId="{4F2624FE-451C-4A20-A2CB-08BEC85CED29}" type="presOf" srcId="{745DD6E8-C64C-4AE8-A101-F8AD12DE56B3}" destId="{FA1C85F5-EB77-4684-8A8B-A31BFC407067}" srcOrd="0" destOrd="0" presId="urn:microsoft.com/office/officeart/2005/8/layout/orgChart1"/>
     <dgm:cxn modelId="{F8558E22-48F0-47B3-B9F4-12CD37C48256}" srcId="{6F49CECE-5543-4B62-B83F-169C4977D00E}" destId="{2A4E46BE-C195-430B-A3CE-261648F9B604}" srcOrd="1" destOrd="0" parTransId="{05C0BBE8-0665-4D30-A416-9C56A063806A}" sibTransId="{5C6612EC-DF1F-482D-906C-70DECA90A4D7}"/>
-    <dgm:cxn modelId="{D7F462F8-F9E8-406E-AC08-3D6931147982}" type="presOf" srcId="{63B6199B-540A-42F9-8A18-8DFF59807143}" destId="{71C08850-6C20-40D7-86A2-D9FD0A3CCF87}" srcOrd="0" destOrd="0" presId="urn:microsoft.com/office/officeart/2005/8/layout/orgChart1"/>
+    <dgm:cxn modelId="{9F273678-558A-4991-87D3-6F01A624395C}" type="presOf" srcId="{CBF0074A-0FC7-4077-BCF9-CEB59150AFC8}" destId="{21889749-E84D-45E7-B2D5-FFE07A040AC9}" srcOrd="1" destOrd="0" presId="urn:microsoft.com/office/officeart/2005/8/layout/orgChart1"/>
     <dgm:cxn modelId="{DCF65B2D-9E7E-4283-BE9E-C337ACF78AF7}" srcId="{2A4E46BE-C195-430B-A3CE-261648F9B604}" destId="{8B766CED-AF48-4A51-AFEA-B506C25FF9CE}" srcOrd="2" destOrd="0" parTransId="{09180BF8-9BB0-4837-87C9-A31B615AF06B}" sibTransId="{0F911C62-476D-4F11-8D1E-2347F40CFAB8}"/>
-    <dgm:cxn modelId="{0AF776DB-61EA-438F-8C09-F78A5E18621A}" type="presOf" srcId="{745DD6E8-C64C-4AE8-A101-F8AD12DE56B3}" destId="{FA1C85F5-EB77-4684-8A8B-A31BFC407067}" srcOrd="0" destOrd="0" presId="urn:microsoft.com/office/officeart/2005/8/layout/orgChart1"/>
-    <dgm:cxn modelId="{AF195CEA-3015-4DFD-84AC-BC30B43A9847}" type="presOf" srcId="{3045F83C-2937-4C11-A432-105F2D7F79C8}" destId="{A541300C-4EA0-4F2F-A86D-61A27E02B787}" srcOrd="0" destOrd="0" presId="urn:microsoft.com/office/officeart/2005/8/layout/orgChart1"/>
-    <dgm:cxn modelId="{9C5F334D-6D84-43DC-A89C-3CE978584E70}" type="presOf" srcId="{A02E4216-9295-4A98-B25D-724EEEACEB86}" destId="{71C01193-494F-4E8F-8F6B-2A092BF6A52A}" srcOrd="0" destOrd="0" presId="urn:microsoft.com/office/officeart/2005/8/layout/orgChart1"/>
-    <dgm:cxn modelId="{073A4957-F418-4978-B3CE-3D5584983791}" type="presOf" srcId="{3FA2808F-BB87-4A68-8BE2-20841C7DF183}" destId="{BEB8562A-B0BC-4237-ADB8-FF4D03EEE094}" srcOrd="0" destOrd="0" presId="urn:microsoft.com/office/officeart/2005/8/layout/orgChart1"/>
+    <dgm:cxn modelId="{16746AC2-86E1-47AE-8B5A-F643939D44DE}" type="presOf" srcId="{F7CD38E5-D80E-47CE-9C8A-C1EC4A123AAB}" destId="{2094552F-0A68-4D34-89D1-99F4C9D81559}" srcOrd="1" destOrd="0" presId="urn:microsoft.com/office/officeart/2005/8/layout/orgChart1"/>
+    <dgm:cxn modelId="{4C9DA5FC-CB67-44BC-A5A8-25F354F800F6}" type="presOf" srcId="{6F49CECE-5543-4B62-B83F-169C4977D00E}" destId="{532291A3-CE2C-4956-8F9A-F356C2FAD7C5}" srcOrd="0" destOrd="0" presId="urn:microsoft.com/office/officeart/2005/8/layout/orgChart1"/>
+    <dgm:cxn modelId="{3457CB20-80D2-4D11-99CD-83CD97F934A2}" type="presOf" srcId="{6B14FCA3-6FEA-43EB-9C82-2B07D04536C7}" destId="{13A484D3-7D69-43DA-A929-94F88FBBE4FD}" srcOrd="0" destOrd="0" presId="urn:microsoft.com/office/officeart/2005/8/layout/orgChart1"/>
+    <dgm:cxn modelId="{FAD321DB-CF3C-42DB-B469-2F5DC55AEDA1}" type="presOf" srcId="{5DBC26DE-3F6D-4591-B844-2BDA42210872}" destId="{AEA55E03-C54A-4EA4-9BDB-2776081E2FA7}" srcOrd="1" destOrd="0" presId="urn:microsoft.com/office/officeart/2005/8/layout/orgChart1"/>
+    <dgm:cxn modelId="{F41BAFD3-5305-4504-854A-AD75E99619A9}" type="presOf" srcId="{2A4E46BE-C195-430B-A3CE-261648F9B604}" destId="{26D8BFE9-A2A3-4C05-B39A-E34277ED0470}" srcOrd="0" destOrd="0" presId="urn:microsoft.com/office/officeart/2005/8/layout/orgChart1"/>
+    <dgm:cxn modelId="{953B002E-DD2D-48EB-BD34-AFA7CA918F52}" type="presOf" srcId="{F7CD38E5-D80E-47CE-9C8A-C1EC4A123AAB}" destId="{16A858B9-E481-47A4-A994-B887C37078F5}" srcOrd="0" destOrd="0" presId="urn:microsoft.com/office/officeart/2005/8/layout/orgChart1"/>
+    <dgm:cxn modelId="{A81996F6-F8E3-4876-B9BA-23CE9FA4A24D}" type="presOf" srcId="{2A4E46BE-C195-430B-A3CE-261648F9B604}" destId="{56FC41C9-994A-4EF6-91C4-1F041955A636}" srcOrd="1" destOrd="0" presId="urn:microsoft.com/office/officeart/2005/8/layout/orgChart1"/>
+    <dgm:cxn modelId="{734C88E6-F6AB-47AE-A375-9F57F6947C44}" type="presOf" srcId="{3D0AB795-C8F5-410B-8C70-7E70771A456A}" destId="{EEE5D1A4-30A3-479F-8F91-9D27C0765055}" srcOrd="1" destOrd="0" presId="urn:microsoft.com/office/officeart/2005/8/layout/orgChart1"/>
+    <dgm:cxn modelId="{F6AA1986-128D-4FE4-B9B2-D5D8A53BAFF6}" type="presOf" srcId="{A57537C8-D3B4-4574-A41F-A2E2552D7B2A}" destId="{52565F71-66FC-45DF-AB63-8158775C40A3}" srcOrd="0" destOrd="0" presId="urn:microsoft.com/office/officeart/2005/8/layout/orgChart1"/>
     <dgm:cxn modelId="{B6DA744F-CD68-493E-A466-EA8F78B142F5}" srcId="{6F49CECE-5543-4B62-B83F-169C4977D00E}" destId="{F7CD38E5-D80E-47CE-9C8A-C1EC4A123AAB}" srcOrd="3" destOrd="0" parTransId="{B8853233-BCEB-4C33-B359-D179A1F03C11}" sibTransId="{88A6F3EA-455A-410C-97F5-7906583BECEE}"/>
-    <dgm:cxn modelId="{622C60E1-699D-4F68-80FF-72BC764EA4EC}" type="presOf" srcId="{CBF0074A-0FC7-4077-BCF9-CEB59150AFC8}" destId="{21889749-E84D-45E7-B2D5-FFE07A040AC9}" srcOrd="1" destOrd="0" presId="urn:microsoft.com/office/officeart/2005/8/layout/orgChart1"/>
-    <dgm:cxn modelId="{2E9B53B6-962F-4BEC-B40A-119BBF443B89}" type="presOf" srcId="{2A4E46BE-C195-430B-A3CE-261648F9B604}" destId="{26D8BFE9-A2A3-4C05-B39A-E34277ED0470}" srcOrd="0" destOrd="0" presId="urn:microsoft.com/office/officeart/2005/8/layout/orgChart1"/>
-    <dgm:cxn modelId="{0E5E72E4-E686-4705-933D-2F58E6B3FEE6}" type="presParOf" srcId="{D89C1994-7969-4A61-8D72-015E632E69B6}" destId="{45FC5C96-3820-4EDB-A39B-DA49F664CAB4}" srcOrd="0" destOrd="0" presId="urn:microsoft.com/office/officeart/2005/8/layout/orgChart1"/>
-    <dgm:cxn modelId="{3FC6DCC7-A5B2-4615-A1F4-35D67103931B}" type="presParOf" srcId="{45FC5C96-3820-4EDB-A39B-DA49F664CAB4}" destId="{DDD2026D-543E-4DF5-82EC-C4132EBD5240}" srcOrd="0" destOrd="0" presId="urn:microsoft.com/office/officeart/2005/8/layout/orgChart1"/>
-    <dgm:cxn modelId="{7E805811-AEBD-4F35-B041-16E05AF32444}" type="presParOf" srcId="{DDD2026D-543E-4DF5-82EC-C4132EBD5240}" destId="{DA920640-8B72-4913-BA55-9259E051A12B}" srcOrd="0" destOrd="0" presId="urn:microsoft.com/office/officeart/2005/8/layout/orgChart1"/>
-    <dgm:cxn modelId="{867ED9D0-6351-4C1D-8A3D-9B8F3EF5A903}" type="presParOf" srcId="{DDD2026D-543E-4DF5-82EC-C4132EBD5240}" destId="{7F64D181-DB63-4247-9CA9-6DA9848590BA}" srcOrd="1" destOrd="0" presId="urn:microsoft.com/office/officeart/2005/8/layout/orgChart1"/>
-    <dgm:cxn modelId="{AD408414-3E67-4E2E-9662-19C4EE45D2EF}" type="presParOf" srcId="{45FC5C96-3820-4EDB-A39B-DA49F664CAB4}" destId="{5D70E1C4-21EB-4F1D-A422-E76B8AB2433F}" srcOrd="1" destOrd="0" presId="urn:microsoft.com/office/officeart/2005/8/layout/orgChart1"/>
-    <dgm:cxn modelId="{8E9C4A0D-2D28-48D4-95B2-5238A49E6242}" type="presParOf" srcId="{5D70E1C4-21EB-4F1D-A422-E76B8AB2433F}" destId="{C7A0E339-BFBB-45CC-9DFE-88B68E9EA7A1}" srcOrd="0" destOrd="0" presId="urn:microsoft.com/office/officeart/2005/8/layout/orgChart1"/>
-    <dgm:cxn modelId="{BBECB11B-4AAF-4203-B3E0-1135A10896F4}" type="presParOf" srcId="{5D70E1C4-21EB-4F1D-A422-E76B8AB2433F}" destId="{6ADC3425-90B0-4EC6-B7C7-444EF76F3F21}" srcOrd="1" destOrd="0" presId="urn:microsoft.com/office/officeart/2005/8/layout/orgChart1"/>
-    <dgm:cxn modelId="{6E045DD2-F991-44F0-8558-11B18953755B}" type="presParOf" srcId="{6ADC3425-90B0-4EC6-B7C7-444EF76F3F21}" destId="{FC1CC560-11C6-498A-B1C0-A11F51288E85}" srcOrd="0" destOrd="0" presId="urn:microsoft.com/office/officeart/2005/8/layout/orgChart1"/>
-    <dgm:cxn modelId="{0AE28F52-4AE9-4CAA-B95F-8B4B9B8D64C1}" type="presParOf" srcId="{FC1CC560-11C6-498A-B1C0-A11F51288E85}" destId="{186C055C-21B4-48A8-BC26-65AAD2880EBF}" srcOrd="0" destOrd="0" presId="urn:microsoft.com/office/officeart/2005/8/layout/orgChart1"/>
-    <dgm:cxn modelId="{3C3B9691-6F27-49E3-8AED-E28BD54F2D4C}" type="presParOf" srcId="{FC1CC560-11C6-498A-B1C0-A11F51288E85}" destId="{FCB81601-52E9-4994-943C-D44AA55B15FE}" srcOrd="1" destOrd="0" presId="urn:microsoft.com/office/officeart/2005/8/layout/orgChart1"/>
-    <dgm:cxn modelId="{7EFEC0F8-6ED9-48CB-BEC1-03965C7F89B2}" type="presParOf" srcId="{6ADC3425-90B0-4EC6-B7C7-444EF76F3F21}" destId="{4604E187-F85D-478C-80E0-9ECA59C8D962}" srcOrd="1" destOrd="0" presId="urn:microsoft.com/office/officeart/2005/8/layout/orgChart1"/>
-    <dgm:cxn modelId="{5093A4FB-41FA-43EC-80CA-BA796CF47FE8}" type="presParOf" srcId="{4604E187-F85D-478C-80E0-9ECA59C8D962}" destId="{A8BE3D33-202F-4B78-BACF-C4CB91985458}" srcOrd="0" destOrd="0" presId="urn:microsoft.com/office/officeart/2005/8/layout/orgChart1"/>
-    <dgm:cxn modelId="{946F1894-8E63-4EAC-82D4-2BB643EA6C36}" type="presParOf" srcId="{4604E187-F85D-478C-80E0-9ECA59C8D962}" destId="{4C4D929F-5D13-41AE-B75B-085D747A90EB}" srcOrd="1" destOrd="0" presId="urn:microsoft.com/office/officeart/2005/8/layout/orgChart1"/>
-    <dgm:cxn modelId="{70542176-69CA-4F0E-AB7B-51F065C2A13B}" type="presParOf" srcId="{4C4D929F-5D13-41AE-B75B-085D747A90EB}" destId="{A919E05D-E479-4D57-8C82-BF074BE1CB02}" srcOrd="0" destOrd="0" presId="urn:microsoft.com/office/officeart/2005/8/layout/orgChart1"/>
-    <dgm:cxn modelId="{BEB86132-C913-42E3-95E4-6BF01F4FD1BD}" type="presParOf" srcId="{A919E05D-E479-4D57-8C82-BF074BE1CB02}" destId="{3FC867EC-DC01-4D6E-9B84-7B383587A504}" srcOrd="0" destOrd="0" presId="urn:microsoft.com/office/officeart/2005/8/layout/orgChart1"/>
-    <dgm:cxn modelId="{E6F20E60-B6D6-461E-B5D4-37F6DD7B11ED}" type="presParOf" srcId="{A919E05D-E479-4D57-8C82-BF074BE1CB02}" destId="{5C7F4BF0-E6A3-4F37-B2A7-B5EA6F899DB3}" srcOrd="1" destOrd="0" presId="urn:microsoft.com/office/officeart/2005/8/layout/orgChart1"/>
-    <dgm:cxn modelId="{7CBC1532-046F-475A-BB02-A87F7C9D81CB}" type="presParOf" srcId="{4C4D929F-5D13-41AE-B75B-085D747A90EB}" destId="{3479C8E6-F94D-48FD-BA05-EBBAFBFF651A}" srcOrd="1" destOrd="0" presId="urn:microsoft.com/office/officeart/2005/8/layout/orgChart1"/>
-    <dgm:cxn modelId="{6300D200-E7D6-4207-A24A-6FBE296DC9AC}" type="presParOf" srcId="{3479C8E6-F94D-48FD-BA05-EBBAFBFF651A}" destId="{12C09BAD-4169-4A5B-A324-4C3841F7A0F6}" srcOrd="0" destOrd="0" presId="urn:microsoft.com/office/officeart/2005/8/layout/orgChart1"/>
-    <dgm:cxn modelId="{89E42A06-CB03-45BF-8B83-C698751EDDEE}" type="presParOf" srcId="{3479C8E6-F94D-48FD-BA05-EBBAFBFF651A}" destId="{0CFFE965-A37E-49FD-8213-204B301501DE}" srcOrd="1" destOrd="0" presId="urn:microsoft.com/office/officeart/2005/8/layout/orgChart1"/>
-    <dgm:cxn modelId="{24290B5B-8D74-41A6-9F8D-8A844A72B092}" type="presParOf" srcId="{0CFFE965-A37E-49FD-8213-204B301501DE}" destId="{2B97B5C5-A91C-4F53-9136-C4AE5A7B03E8}" srcOrd="0" destOrd="0" presId="urn:microsoft.com/office/officeart/2005/8/layout/orgChart1"/>
-    <dgm:cxn modelId="{0BC19531-D18A-4BBB-B83D-1EDB13C0F226}" type="presParOf" srcId="{2B97B5C5-A91C-4F53-9136-C4AE5A7B03E8}" destId="{FA45CC20-69B4-4564-A9F3-FECEBCB041D1}" srcOrd="0" destOrd="0" presId="urn:microsoft.com/office/officeart/2005/8/layout/orgChart1"/>
-    <dgm:cxn modelId="{8D76C8D1-FAF0-4A15-9D65-7909AFBAF4B8}" type="presParOf" srcId="{2B97B5C5-A91C-4F53-9136-C4AE5A7B03E8}" destId="{581E77F2-6530-4657-B911-9D5FCFEFE76E}" srcOrd="1" destOrd="0" presId="urn:microsoft.com/office/officeart/2005/8/layout/orgChart1"/>
-    <dgm:cxn modelId="{FB96082F-B21D-49BB-AE95-9B27AA46AA06}" type="presParOf" srcId="{0CFFE965-A37E-49FD-8213-204B301501DE}" destId="{039BDAB1-EA0E-485A-9CCB-B100530A9852}" srcOrd="1" destOrd="0" presId="urn:microsoft.com/office/officeart/2005/8/layout/orgChart1"/>
-    <dgm:cxn modelId="{CC6C468A-70EE-418E-B336-5FCBB4B33825}" type="presParOf" srcId="{0CFFE965-A37E-49FD-8213-204B301501DE}" destId="{341F8022-7485-4A09-AF84-7D09BBC92CC6}" srcOrd="2" destOrd="0" presId="urn:microsoft.com/office/officeart/2005/8/layout/orgChart1"/>
-    <dgm:cxn modelId="{4B06F76A-B69C-42EE-BF2B-2129528652DD}" type="presParOf" srcId="{3479C8E6-F94D-48FD-BA05-EBBAFBFF651A}" destId="{6CF77085-0E58-4071-A531-5CE91F8DA348}" srcOrd="2" destOrd="0" presId="urn:microsoft.com/office/officeart/2005/8/layout/orgChart1"/>
-    <dgm:cxn modelId="{42ABB3DE-4090-4112-91C2-E88EDD74E5F9}" type="presParOf" srcId="{3479C8E6-F94D-48FD-BA05-EBBAFBFF651A}" destId="{3AFE36BC-E5D2-4DC4-9057-C41D8BE1D2EE}" srcOrd="3" destOrd="0" presId="urn:microsoft.com/office/officeart/2005/8/layout/orgChart1"/>
-    <dgm:cxn modelId="{F637C9F4-CC64-4F6F-9CE5-538D66E7FAF9}" type="presParOf" srcId="{3AFE36BC-E5D2-4DC4-9057-C41D8BE1D2EE}" destId="{A3C18658-A4D6-4658-AE61-03D56E0989EE}" srcOrd="0" destOrd="0" presId="urn:microsoft.com/office/officeart/2005/8/layout/orgChart1"/>
-    <dgm:cxn modelId="{E766969F-5FA8-44F1-9AFC-639D8E80FE06}" type="presParOf" srcId="{A3C18658-A4D6-4658-AE61-03D56E0989EE}" destId="{E29314CE-9117-4D7E-8A9F-C2C3B4D6D154}" srcOrd="0" destOrd="0" presId="urn:microsoft.com/office/officeart/2005/8/layout/orgChart1"/>
-    <dgm:cxn modelId="{E3CEE236-696F-4E71-B055-7F4591268498}" type="presParOf" srcId="{A3C18658-A4D6-4658-AE61-03D56E0989EE}" destId="{C3400AA3-CE18-4619-AAFF-ABBA4687A208}" srcOrd="1" destOrd="0" presId="urn:microsoft.com/office/officeart/2005/8/layout/orgChart1"/>
-    <dgm:cxn modelId="{BFDBD89E-C2FC-4884-9EB2-CDF49D42A51A}" type="presParOf" srcId="{3AFE36BC-E5D2-4DC4-9057-C41D8BE1D2EE}" destId="{911092F3-2351-4678-B32A-9FA821E5E3BF}" srcOrd="1" destOrd="0" presId="urn:microsoft.com/office/officeart/2005/8/layout/orgChart1"/>
-    <dgm:cxn modelId="{B13F929B-EC97-4889-B8D3-253516C7CB1D}" type="presParOf" srcId="{3AFE36BC-E5D2-4DC4-9057-C41D8BE1D2EE}" destId="{CCD27205-4357-4C14-854A-B57E2AAB5361}" srcOrd="2" destOrd="0" presId="urn:microsoft.com/office/officeart/2005/8/layout/orgChart1"/>
-    <dgm:cxn modelId="{38592938-9BDA-461D-B4F4-D33AF36F8D48}" type="presParOf" srcId="{4C4D929F-5D13-41AE-B75B-085D747A90EB}" destId="{31B9F6A1-A13E-4A6A-B192-FE1982538CDA}" srcOrd="2" destOrd="0" presId="urn:microsoft.com/office/officeart/2005/8/layout/orgChart1"/>
-    <dgm:cxn modelId="{F8F1A05E-B587-4F8F-AAF9-4F4B4637C591}" type="presParOf" srcId="{4604E187-F85D-478C-80E0-9ECA59C8D962}" destId="{3ADED271-00FF-4B63-A289-DD03469DE526}" srcOrd="2" destOrd="0" presId="urn:microsoft.com/office/officeart/2005/8/layout/orgChart1"/>
-    <dgm:cxn modelId="{67FDD2E5-B561-427C-A35E-86A0C07F2543}" type="presParOf" srcId="{4604E187-F85D-478C-80E0-9ECA59C8D962}" destId="{E13D3675-6E18-413E-A9A8-8D4FE128560F}" srcOrd="3" destOrd="0" presId="urn:microsoft.com/office/officeart/2005/8/layout/orgChart1"/>
-    <dgm:cxn modelId="{366C1261-C6CD-4509-9805-7635A61099B2}" type="presParOf" srcId="{E13D3675-6E18-413E-A9A8-8D4FE128560F}" destId="{B9425050-43F8-4CC3-A0A2-43006CD80138}" srcOrd="0" destOrd="0" presId="urn:microsoft.com/office/officeart/2005/8/layout/orgChart1"/>
-    <dgm:cxn modelId="{10FAE1A4-C188-4C61-AC32-CF8CC199CBD4}" type="presParOf" srcId="{B9425050-43F8-4CC3-A0A2-43006CD80138}" destId="{26D8BFE9-A2A3-4C05-B39A-E34277ED0470}" srcOrd="0" destOrd="0" presId="urn:microsoft.com/office/officeart/2005/8/layout/orgChart1"/>
-    <dgm:cxn modelId="{B9DDE4E5-B7A2-4786-AE42-74A278D6478B}" type="presParOf" srcId="{B9425050-43F8-4CC3-A0A2-43006CD80138}" destId="{56FC41C9-994A-4EF6-91C4-1F041955A636}" srcOrd="1" destOrd="0" presId="urn:microsoft.com/office/officeart/2005/8/layout/orgChart1"/>
-    <dgm:cxn modelId="{34C44DC5-FCD9-47A2-963F-D35323545123}" type="presParOf" srcId="{E13D3675-6E18-413E-A9A8-8D4FE128560F}" destId="{A4DEE2B2-809B-4A22-B0E3-91C324A7D237}" srcOrd="1" destOrd="0" presId="urn:microsoft.com/office/officeart/2005/8/layout/orgChart1"/>
-    <dgm:cxn modelId="{5B765790-E07E-4873-B8AF-7248B7FEF021}" type="presParOf" srcId="{A4DEE2B2-809B-4A22-B0E3-91C324A7D237}" destId="{CF3C7871-4303-48A3-BB4A-7A86D6B4721D}" srcOrd="0" destOrd="0" presId="urn:microsoft.com/office/officeart/2005/8/layout/orgChart1"/>
-    <dgm:cxn modelId="{9A5F73A6-2987-44D3-BDCE-8C93E7AFF96B}" type="presParOf" srcId="{A4DEE2B2-809B-4A22-B0E3-91C324A7D237}" destId="{86E69363-49AF-4656-94E0-9142FB8A9778}" srcOrd="1" destOrd="0" presId="urn:microsoft.com/office/officeart/2005/8/layout/orgChart1"/>
-    <dgm:cxn modelId="{0631449F-925D-4BF4-B388-2B0EDB469956}" type="presParOf" srcId="{86E69363-49AF-4656-94E0-9142FB8A9778}" destId="{F49B24C9-77F1-4DED-A9A6-7527FC680ACA}" srcOrd="0" destOrd="0" presId="urn:microsoft.com/office/officeart/2005/8/layout/orgChart1"/>
-    <dgm:cxn modelId="{32C4B667-4FBB-42B2-A91F-4C80C3D411A1}" type="presParOf" srcId="{F49B24C9-77F1-4DED-A9A6-7527FC680ACA}" destId="{1A858DA5-A289-4A22-B794-D6D770901C98}" srcOrd="0" destOrd="0" presId="urn:microsoft.com/office/officeart/2005/8/layout/orgChart1"/>
-    <dgm:cxn modelId="{CDAD75DF-F0EC-4D0F-9A5B-50557AEC14B4}" type="presParOf" srcId="{F49B24C9-77F1-4DED-A9A6-7527FC680ACA}" destId="{AEA55E03-C54A-4EA4-9BDB-2776081E2FA7}" srcOrd="1" destOrd="0" presId="urn:microsoft.com/office/officeart/2005/8/layout/orgChart1"/>
-    <dgm:cxn modelId="{70050EE3-9E9F-406B-A124-0DE99C1FAC40}" type="presParOf" srcId="{86E69363-49AF-4656-94E0-9142FB8A9778}" destId="{81C06704-D56E-4057-AC93-D02403E5D45F}" srcOrd="1" destOrd="0" presId="urn:microsoft.com/office/officeart/2005/8/layout/orgChart1"/>
-    <dgm:cxn modelId="{0752E5BA-861A-4C51-8390-87B9B1B4DB51}" type="presParOf" srcId="{86E69363-49AF-4656-94E0-9142FB8A9778}" destId="{E6FAABCC-3362-4945-AFF5-3E5A27E84D1B}" srcOrd="2" destOrd="0" presId="urn:microsoft.com/office/officeart/2005/8/layout/orgChart1"/>
-    <dgm:cxn modelId="{17C0C08D-B7DF-4777-AB0D-9E9A0B5CA920}" type="presParOf" srcId="{A4DEE2B2-809B-4A22-B0E3-91C324A7D237}" destId="{3DEBF5CE-5AAD-47A7-BA08-04DF2AC62CDD}" srcOrd="2" destOrd="0" presId="urn:microsoft.com/office/officeart/2005/8/layout/orgChart1"/>
-    <dgm:cxn modelId="{F315A5F4-AF1A-4A08-AA93-A731239F459A}" type="presParOf" srcId="{A4DEE2B2-809B-4A22-B0E3-91C324A7D237}" destId="{8AE3AA51-D770-4D6B-A618-5E7F3E7BFCA0}" srcOrd="3" destOrd="0" presId="urn:microsoft.com/office/officeart/2005/8/layout/orgChart1"/>
-    <dgm:cxn modelId="{D0524C1D-5610-4C9F-A1E3-AC4703E7DF22}" type="presParOf" srcId="{8AE3AA51-D770-4D6B-A618-5E7F3E7BFCA0}" destId="{07A7044B-7BB9-4709-93AA-2898E88F15F2}" srcOrd="0" destOrd="0" presId="urn:microsoft.com/office/officeart/2005/8/layout/orgChart1"/>
-    <dgm:cxn modelId="{BD1AC4D2-BBC4-4DCD-A35B-11A7D76D2E39}" type="presParOf" srcId="{07A7044B-7BB9-4709-93AA-2898E88F15F2}" destId="{43564767-2DAF-4E04-9A8E-DD1E3F8D8AE9}" srcOrd="0" destOrd="0" presId="urn:microsoft.com/office/officeart/2005/8/layout/orgChart1"/>
-    <dgm:cxn modelId="{95BF2F48-849F-4265-BB21-14163E3CEE0A}" type="presParOf" srcId="{07A7044B-7BB9-4709-93AA-2898E88F15F2}" destId="{EEE5D1A4-30A3-479F-8F91-9D27C0765055}" srcOrd="1" destOrd="0" presId="urn:microsoft.com/office/officeart/2005/8/layout/orgChart1"/>
-    <dgm:cxn modelId="{D970DC28-1BEF-4D86-8ADC-E8AEBD1FD5A4}" type="presParOf" srcId="{8AE3AA51-D770-4D6B-A618-5E7F3E7BFCA0}" destId="{2830EAA0-37E2-48B5-9F71-378C3D6EB2D9}" srcOrd="1" destOrd="0" presId="urn:microsoft.com/office/officeart/2005/8/layout/orgChart1"/>
-    <dgm:cxn modelId="{587A822A-F9A6-440C-B6D0-7BADC6EB2D20}" type="presParOf" srcId="{8AE3AA51-D770-4D6B-A618-5E7F3E7BFCA0}" destId="{15EC4DDF-429A-42D6-81E7-6B62F7B8244F}" srcOrd="2" destOrd="0" presId="urn:microsoft.com/office/officeart/2005/8/layout/orgChart1"/>
-    <dgm:cxn modelId="{54E8DA55-22A4-4138-924B-4B68521AAFAD}" type="presParOf" srcId="{A4DEE2B2-809B-4A22-B0E3-91C324A7D237}" destId="{AEE27075-2A19-4E8B-B9FC-003EACF0E2C9}" srcOrd="4" destOrd="0" presId="urn:microsoft.com/office/officeart/2005/8/layout/orgChart1"/>
-    <dgm:cxn modelId="{9AC563C6-03C3-4D77-9EFD-D26DE7D1A07A}" type="presParOf" srcId="{A4DEE2B2-809B-4A22-B0E3-91C324A7D237}" destId="{D8096E8D-CE6C-472D-9C3A-1FE7755CA72B}" srcOrd="5" destOrd="0" presId="urn:microsoft.com/office/officeart/2005/8/layout/orgChart1"/>
-    <dgm:cxn modelId="{C30CE055-05D0-4611-BC30-14F7DBAF596B}" type="presParOf" srcId="{D8096E8D-CE6C-472D-9C3A-1FE7755CA72B}" destId="{11D5EB2F-B0E9-46EF-9B2D-E399DF18B0DC}" srcOrd="0" destOrd="0" presId="urn:microsoft.com/office/officeart/2005/8/layout/orgChart1"/>
-    <dgm:cxn modelId="{81DF059C-D510-420C-BC90-BEA56B41FB5D}" type="presParOf" srcId="{11D5EB2F-B0E9-46EF-9B2D-E399DF18B0DC}" destId="{AE0F1FAB-E4F7-460E-B74D-9734E7275AB6}" srcOrd="0" destOrd="0" presId="urn:microsoft.com/office/officeart/2005/8/layout/orgChart1"/>
-    <dgm:cxn modelId="{7C40A1BA-EE92-4945-8333-2344691EA224}" type="presParOf" srcId="{11D5EB2F-B0E9-46EF-9B2D-E399DF18B0DC}" destId="{E1E4BAA3-2C9C-4F78-9729-B712AC892362}" srcOrd="1" destOrd="0" presId="urn:microsoft.com/office/officeart/2005/8/layout/orgChart1"/>
-    <dgm:cxn modelId="{15E69CD6-4961-49EB-B8FA-D842E548869E}" type="presParOf" srcId="{D8096E8D-CE6C-472D-9C3A-1FE7755CA72B}" destId="{ACD5D241-3067-4F0D-955C-3C731EEA71D9}" srcOrd="1" destOrd="0" presId="urn:microsoft.com/office/officeart/2005/8/layout/orgChart1"/>
-    <dgm:cxn modelId="{4853C0EA-8413-4FC1-A4ED-0D67CEF77EBE}" type="presParOf" srcId="{D8096E8D-CE6C-472D-9C3A-1FE7755CA72B}" destId="{1EA75AB3-98BF-4FC2-9237-0265724B3E38}" srcOrd="2" destOrd="0" presId="urn:microsoft.com/office/officeart/2005/8/layout/orgChart1"/>
-    <dgm:cxn modelId="{51F30CEC-6F68-44D0-BD3D-AC9774F8CFCE}" type="presParOf" srcId="{A4DEE2B2-809B-4A22-B0E3-91C324A7D237}" destId="{71C08850-6C20-40D7-86A2-D9FD0A3CCF87}" srcOrd="6" destOrd="0" presId="urn:microsoft.com/office/officeart/2005/8/layout/orgChart1"/>
-    <dgm:cxn modelId="{4CCAA925-2FB5-4316-B946-FB500B50C529}" type="presParOf" srcId="{A4DEE2B2-809B-4A22-B0E3-91C324A7D237}" destId="{32F8E0D1-70BA-4BAD-BB34-B68502503B63}" srcOrd="7" destOrd="0" presId="urn:microsoft.com/office/officeart/2005/8/layout/orgChart1"/>
-    <dgm:cxn modelId="{F8D4BDEC-DC61-4ADE-8A4B-6259E60BFBCF}" type="presParOf" srcId="{32F8E0D1-70BA-4BAD-BB34-B68502503B63}" destId="{672FCB2D-B48E-4ECD-BBAA-E8654308DE5F}" srcOrd="0" destOrd="0" presId="urn:microsoft.com/office/officeart/2005/8/layout/orgChart1"/>
-    <dgm:cxn modelId="{D6F742DE-663E-45C6-89FB-6BD789CBF60B}" type="presParOf" srcId="{672FCB2D-B48E-4ECD-BBAA-E8654308DE5F}" destId="{52565F71-66FC-45DF-AB63-8158775C40A3}" srcOrd="0" destOrd="0" presId="urn:microsoft.com/office/officeart/2005/8/layout/orgChart1"/>
-    <dgm:cxn modelId="{08538732-7AFA-4253-AE8E-8B55DFC461B5}" type="presParOf" srcId="{672FCB2D-B48E-4ECD-BBAA-E8654308DE5F}" destId="{82F11D74-D82B-4C81-BA30-AF919B5FCD5E}" srcOrd="1" destOrd="0" presId="urn:microsoft.com/office/officeart/2005/8/layout/orgChart1"/>
-    <dgm:cxn modelId="{8D8A9E0A-DACA-4B0F-853B-133AD5C38D7C}" type="presParOf" srcId="{32F8E0D1-70BA-4BAD-BB34-B68502503B63}" destId="{1484AB92-89A6-4C28-86E0-AEAC74D83864}" srcOrd="1" destOrd="0" presId="urn:microsoft.com/office/officeart/2005/8/layout/orgChart1"/>
-    <dgm:cxn modelId="{0FD58DA0-8B3C-456E-BD88-656D4B3F299F}" type="presParOf" srcId="{32F8E0D1-70BA-4BAD-BB34-B68502503B63}" destId="{8AB38205-0312-4CC5-B03B-76654113F688}" srcOrd="2" destOrd="0" presId="urn:microsoft.com/office/officeart/2005/8/layout/orgChart1"/>
-    <dgm:cxn modelId="{640D27E6-0122-4429-87C8-8B8E6594E97D}" type="presParOf" srcId="{E13D3675-6E18-413E-A9A8-8D4FE128560F}" destId="{1E2212AC-838E-45B6-9673-DBD1AD5FBA8D}" srcOrd="2" destOrd="0" presId="urn:microsoft.com/office/officeart/2005/8/layout/orgChart1"/>
-    <dgm:cxn modelId="{CA45CFA2-4C98-4F84-A7E2-7B0139DD81D3}" type="presParOf" srcId="{4604E187-F85D-478C-80E0-9ECA59C8D962}" destId="{06C39927-640E-4F06-9A9C-9EDA030074EE}" srcOrd="4" destOrd="0" presId="urn:microsoft.com/office/officeart/2005/8/layout/orgChart1"/>
-    <dgm:cxn modelId="{05B2A452-DA32-43CA-B9AA-163197014B76}" type="presParOf" srcId="{4604E187-F85D-478C-80E0-9ECA59C8D962}" destId="{8A44FE49-ACCB-4799-BA7F-095F28D4DD3C}" srcOrd="5" destOrd="0" presId="urn:microsoft.com/office/officeart/2005/8/layout/orgChart1"/>
-    <dgm:cxn modelId="{2524DD11-E074-4EFB-AFE0-FD522BCA64D8}" type="presParOf" srcId="{8A44FE49-ACCB-4799-BA7F-095F28D4DD3C}" destId="{B6C9187E-5427-4D3A-9D26-51738810365F}" srcOrd="0" destOrd="0" presId="urn:microsoft.com/office/officeart/2005/8/layout/orgChart1"/>
-    <dgm:cxn modelId="{26D8721C-F239-49DC-ADBE-61F0CC6C60E0}" type="presParOf" srcId="{B6C9187E-5427-4D3A-9D26-51738810365F}" destId="{D3292D10-A68A-4ED9-A3C7-E3AF8D05334B}" srcOrd="0" destOrd="0" presId="urn:microsoft.com/office/officeart/2005/8/layout/orgChart1"/>
-    <dgm:cxn modelId="{94BEF215-97C3-4E40-BB5E-6C758BF18EB6}" type="presParOf" srcId="{B6C9187E-5427-4D3A-9D26-51738810365F}" destId="{21889749-E84D-45E7-B2D5-FFE07A040AC9}" srcOrd="1" destOrd="0" presId="urn:microsoft.com/office/officeart/2005/8/layout/orgChart1"/>
-    <dgm:cxn modelId="{1439B06D-2738-46A8-A6CA-D54545E903C3}" type="presParOf" srcId="{8A44FE49-ACCB-4799-BA7F-095F28D4DD3C}" destId="{62E8F37F-05D6-4A12-86EE-82F86FD13AEE}" srcOrd="1" destOrd="0" presId="urn:microsoft.com/office/officeart/2005/8/layout/orgChart1"/>
-    <dgm:cxn modelId="{44DF4AFA-EE88-48D5-A578-E0F330C7513F}" type="presParOf" srcId="{62E8F37F-05D6-4A12-86EE-82F86FD13AEE}" destId="{4FC84424-77B3-4BAD-A376-197D931F1926}" srcOrd="0" destOrd="0" presId="urn:microsoft.com/office/officeart/2005/8/layout/orgChart1"/>
-    <dgm:cxn modelId="{27CA4369-B229-4E31-91CD-37EFD63414F8}" type="presParOf" srcId="{62E8F37F-05D6-4A12-86EE-82F86FD13AEE}" destId="{6888FF10-8BFE-4480-AFEA-EBBDDE3C7658}" srcOrd="1" destOrd="0" presId="urn:microsoft.com/office/officeart/2005/8/layout/orgChart1"/>
-    <dgm:cxn modelId="{A4510A81-F13E-4148-98DF-EA9C9B80EAEF}" type="presParOf" srcId="{6888FF10-8BFE-4480-AFEA-EBBDDE3C7658}" destId="{8C02771C-0BC4-4A48-9CFD-C48A6942D511}" srcOrd="0" destOrd="0" presId="urn:microsoft.com/office/officeart/2005/8/layout/orgChart1"/>
-    <dgm:cxn modelId="{0D4E9332-5D93-4102-9678-29B90805DEB8}" type="presParOf" srcId="{8C02771C-0BC4-4A48-9CFD-C48A6942D511}" destId="{A2C33C9F-E20E-4D1E-BBFD-28AA5D38E75F}" srcOrd="0" destOrd="0" presId="urn:microsoft.com/office/officeart/2005/8/layout/orgChart1"/>
-    <dgm:cxn modelId="{6B47070B-2A73-49E3-979A-45F96DBDE0D3}" type="presParOf" srcId="{8C02771C-0BC4-4A48-9CFD-C48A6942D511}" destId="{62B8E97A-45F3-49CB-8798-FCFDBA6EB4CE}" srcOrd="1" destOrd="0" presId="urn:microsoft.com/office/officeart/2005/8/layout/orgChart1"/>
-    <dgm:cxn modelId="{64C9D153-F99E-49E5-9D4F-F5D63FF178F9}" type="presParOf" srcId="{6888FF10-8BFE-4480-AFEA-EBBDDE3C7658}" destId="{D50725E9-9A3A-4A06-8E90-C3B34AEEB6B8}" srcOrd="1" destOrd="0" presId="urn:microsoft.com/office/officeart/2005/8/layout/orgChart1"/>
-    <dgm:cxn modelId="{324DB109-76E1-444E-A2E0-8F696568D252}" type="presParOf" srcId="{6888FF10-8BFE-4480-AFEA-EBBDDE3C7658}" destId="{E81D918F-EBD6-4509-B7C2-D0AD7E0D832A}" srcOrd="2" destOrd="0" presId="urn:microsoft.com/office/officeart/2005/8/layout/orgChart1"/>
-    <dgm:cxn modelId="{1F6A5BEC-DA82-43B9-B4D5-639916DE082D}" type="presParOf" srcId="{62E8F37F-05D6-4A12-86EE-82F86FD13AEE}" destId="{15A61DF0-AC49-4E69-9546-90778A86DEB3}" srcOrd="2" destOrd="0" presId="urn:microsoft.com/office/officeart/2005/8/layout/orgChart1"/>
-    <dgm:cxn modelId="{5DCFEED7-2131-43CD-AD05-48A5638D9173}" type="presParOf" srcId="{62E8F37F-05D6-4A12-86EE-82F86FD13AEE}" destId="{442BFDE0-2E14-4E63-AB60-120E9C7FF3DF}" srcOrd="3" destOrd="0" presId="urn:microsoft.com/office/officeart/2005/8/layout/orgChart1"/>
-    <dgm:cxn modelId="{F2CD6174-7374-4E3F-8FE3-5D9ECA77E471}" type="presParOf" srcId="{442BFDE0-2E14-4E63-AB60-120E9C7FF3DF}" destId="{798211C7-BF75-46BF-B6B6-80ED60181BF1}" srcOrd="0" destOrd="0" presId="urn:microsoft.com/office/officeart/2005/8/layout/orgChart1"/>
-    <dgm:cxn modelId="{049342BC-C7F1-40A6-8AFF-B86C85F62899}" type="presParOf" srcId="{798211C7-BF75-46BF-B6B6-80ED60181BF1}" destId="{BEB8562A-B0BC-4237-ADB8-FF4D03EEE094}" srcOrd="0" destOrd="0" presId="urn:microsoft.com/office/officeart/2005/8/layout/orgChart1"/>
-    <dgm:cxn modelId="{DC9342BD-8547-4423-975A-23C78B6658D0}" type="presParOf" srcId="{798211C7-BF75-46BF-B6B6-80ED60181BF1}" destId="{853316CE-83C9-44FB-9CD1-461AD4922901}" srcOrd="1" destOrd="0" presId="urn:microsoft.com/office/officeart/2005/8/layout/orgChart1"/>
-    <dgm:cxn modelId="{D4CC8EA9-1FA9-4767-8694-D9C4E64D6E11}" type="presParOf" srcId="{442BFDE0-2E14-4E63-AB60-120E9C7FF3DF}" destId="{E18BF7FA-F3AD-4C93-BF71-33F5B4E98C17}" srcOrd="1" destOrd="0" presId="urn:microsoft.com/office/officeart/2005/8/layout/orgChart1"/>
-    <dgm:cxn modelId="{F79BB050-D6EA-4F9E-9FB5-4C07FCF5BE8B}" type="presParOf" srcId="{442BFDE0-2E14-4E63-AB60-120E9C7FF3DF}" destId="{214F8899-1BCD-47E5-A07A-44C98BA8AB96}" srcOrd="2" destOrd="0" presId="urn:microsoft.com/office/officeart/2005/8/layout/orgChart1"/>
-    <dgm:cxn modelId="{CEBD56F2-84FF-4A4B-B5A4-93B38B7967C1}" type="presParOf" srcId="{62E8F37F-05D6-4A12-86EE-82F86FD13AEE}" destId="{FA1C85F5-EB77-4684-8A8B-A31BFC407067}" srcOrd="4" destOrd="0" presId="urn:microsoft.com/office/officeart/2005/8/layout/orgChart1"/>
-    <dgm:cxn modelId="{2854A8B0-1C02-4015-B26D-50A95CAD9FBD}" type="presParOf" srcId="{62E8F37F-05D6-4A12-86EE-82F86FD13AEE}" destId="{627DF487-CE70-4706-A281-8DE22DE7F37A}" srcOrd="5" destOrd="0" presId="urn:microsoft.com/office/officeart/2005/8/layout/orgChart1"/>
-    <dgm:cxn modelId="{056AADDA-171D-4CA9-BE01-E3F10D68EE87}" type="presParOf" srcId="{627DF487-CE70-4706-A281-8DE22DE7F37A}" destId="{952A88E3-1A81-432B-84B5-0BC968351FAA}" srcOrd="0" destOrd="0" presId="urn:microsoft.com/office/officeart/2005/8/layout/orgChart1"/>
-    <dgm:cxn modelId="{562C0622-1BB7-4618-B874-EEC48246DDD7}" type="presParOf" srcId="{952A88E3-1A81-432B-84B5-0BC968351FAA}" destId="{D441324F-5840-4545-95C8-58993D682F03}" srcOrd="0" destOrd="0" presId="urn:microsoft.com/office/officeart/2005/8/layout/orgChart1"/>
-    <dgm:cxn modelId="{AD122A56-650D-4654-908A-7F9CA2E1A000}" type="presParOf" srcId="{952A88E3-1A81-432B-84B5-0BC968351FAA}" destId="{4B05AF45-3B20-4BCF-B0B2-1C0BE009630D}" srcOrd="1" destOrd="0" presId="urn:microsoft.com/office/officeart/2005/8/layout/orgChart1"/>
-    <dgm:cxn modelId="{38A79E17-BC31-4808-A552-2B912B28C614}" type="presParOf" srcId="{627DF487-CE70-4706-A281-8DE22DE7F37A}" destId="{8856E088-F302-4C3E-9752-F76B50804209}" srcOrd="1" destOrd="0" presId="urn:microsoft.com/office/officeart/2005/8/layout/orgChart1"/>
-    <dgm:cxn modelId="{BB32CD7D-7756-4F89-8955-541410472BD2}" type="presParOf" srcId="{627DF487-CE70-4706-A281-8DE22DE7F37A}" destId="{D26B0964-8F93-4E9F-98EA-DB3D6A9717A4}" srcOrd="2" destOrd="0" presId="urn:microsoft.com/office/officeart/2005/8/layout/orgChart1"/>
-    <dgm:cxn modelId="{BED66175-D1D4-496B-9F72-AF56BB942BA5}" type="presParOf" srcId="{8A44FE49-ACCB-4799-BA7F-095F28D4DD3C}" destId="{65D86B59-2D5D-409C-A362-175E15BD0EBE}" srcOrd="2" destOrd="0" presId="urn:microsoft.com/office/officeart/2005/8/layout/orgChart1"/>
-    <dgm:cxn modelId="{085F117F-DF14-4C76-A303-7CB792C8A972}" type="presParOf" srcId="{4604E187-F85D-478C-80E0-9ECA59C8D962}" destId="{DA555904-4FC1-46A1-8E83-ED69E59E57D1}" srcOrd="6" destOrd="0" presId="urn:microsoft.com/office/officeart/2005/8/layout/orgChart1"/>
-    <dgm:cxn modelId="{AA8047EE-5AB7-4F25-AEA9-67224BF59CA8}" type="presParOf" srcId="{4604E187-F85D-478C-80E0-9ECA59C8D962}" destId="{C11BF068-DD04-4674-9A7F-17CD1BA4133C}" srcOrd="7" destOrd="0" presId="urn:microsoft.com/office/officeart/2005/8/layout/orgChart1"/>
-    <dgm:cxn modelId="{27F0E197-3CBB-4F9C-B315-850D4811884B}" type="presParOf" srcId="{C11BF068-DD04-4674-9A7F-17CD1BA4133C}" destId="{5ED46F95-56C8-4AE4-A19A-5F87585226E3}" srcOrd="0" destOrd="0" presId="urn:microsoft.com/office/officeart/2005/8/layout/orgChart1"/>
-    <dgm:cxn modelId="{77C29917-5E98-410D-B29E-5E3442624A20}" type="presParOf" srcId="{5ED46F95-56C8-4AE4-A19A-5F87585226E3}" destId="{16A858B9-E481-47A4-A994-B887C37078F5}" srcOrd="0" destOrd="0" presId="urn:microsoft.com/office/officeart/2005/8/layout/orgChart1"/>
-    <dgm:cxn modelId="{AAB95D46-C994-4FB3-814D-E190C8632CF5}" type="presParOf" srcId="{5ED46F95-56C8-4AE4-A19A-5F87585226E3}" destId="{2094552F-0A68-4D34-89D1-99F4C9D81559}" srcOrd="1" destOrd="0" presId="urn:microsoft.com/office/officeart/2005/8/layout/orgChart1"/>
-    <dgm:cxn modelId="{FE29C2BD-9E72-4AF3-AE2D-2118FAF724B2}" type="presParOf" srcId="{C11BF068-DD04-4674-9A7F-17CD1BA4133C}" destId="{2EE3ECC5-032E-4EC3-BDEC-BC203B324050}" srcOrd="1" destOrd="0" presId="urn:microsoft.com/office/officeart/2005/8/layout/orgChart1"/>
-    <dgm:cxn modelId="{DA829210-0B84-40C8-878D-80EB6CF80827}" type="presParOf" srcId="{2EE3ECC5-032E-4EC3-BDEC-BC203B324050}" destId="{71C01193-494F-4E8F-8F6B-2A092BF6A52A}" srcOrd="0" destOrd="0" presId="urn:microsoft.com/office/officeart/2005/8/layout/orgChart1"/>
-    <dgm:cxn modelId="{7D0F7391-F628-420E-B758-20370F89ABE8}" type="presParOf" srcId="{2EE3ECC5-032E-4EC3-BDEC-BC203B324050}" destId="{C567F2E4-2306-414C-8F10-104D3789768E}" srcOrd="1" destOrd="0" presId="urn:microsoft.com/office/officeart/2005/8/layout/orgChart1"/>
-    <dgm:cxn modelId="{635E94C8-03F0-4C4A-BC55-1CE52F30A38A}" type="presParOf" srcId="{C567F2E4-2306-414C-8F10-104D3789768E}" destId="{ADE5E660-9802-4EBB-9572-A95EB95C9516}" srcOrd="0" destOrd="0" presId="urn:microsoft.com/office/officeart/2005/8/layout/orgChart1"/>
-    <dgm:cxn modelId="{D27FE90E-F058-436D-9D49-42FAB00DC435}" type="presParOf" srcId="{ADE5E660-9802-4EBB-9572-A95EB95C9516}" destId="{13A484D3-7D69-43DA-A929-94F88FBBE4FD}" srcOrd="0" destOrd="0" presId="urn:microsoft.com/office/officeart/2005/8/layout/orgChart1"/>
-    <dgm:cxn modelId="{417AD9AD-1C62-4152-B830-99E1948FCE4A}" type="presParOf" srcId="{ADE5E660-9802-4EBB-9572-A95EB95C9516}" destId="{0C07F64B-E45F-43F5-B234-4C17D121787E}" srcOrd="1" destOrd="0" presId="urn:microsoft.com/office/officeart/2005/8/layout/orgChart1"/>
-    <dgm:cxn modelId="{4C6ABF3A-0640-4E70-A08E-90B8E2B98354}" type="presParOf" srcId="{C567F2E4-2306-414C-8F10-104D3789768E}" destId="{FE662F79-C4D3-4E15-92B5-E11B98F6F7EF}" srcOrd="1" destOrd="0" presId="urn:microsoft.com/office/officeart/2005/8/layout/orgChart1"/>
-    <dgm:cxn modelId="{1E3D1105-99CC-40DF-A39D-A6D3DFE9E434}" type="presParOf" srcId="{C567F2E4-2306-414C-8F10-104D3789768E}" destId="{E7277402-A77C-4672-B4F8-657215B5BF1C}" srcOrd="2" destOrd="0" presId="urn:microsoft.com/office/officeart/2005/8/layout/orgChart1"/>
-    <dgm:cxn modelId="{3A0511EC-9034-4D72-BCD1-090DD8D61EBC}" type="presParOf" srcId="{2EE3ECC5-032E-4EC3-BDEC-BC203B324050}" destId="{5D5F107F-E70D-4FA0-826E-585751096CDC}" srcOrd="2" destOrd="0" presId="urn:microsoft.com/office/officeart/2005/8/layout/orgChart1"/>
-    <dgm:cxn modelId="{93B73047-A519-40E6-93A8-1AAB2091AEB1}" type="presParOf" srcId="{2EE3ECC5-032E-4EC3-BDEC-BC203B324050}" destId="{5329E8EA-F74C-4CAB-A6AA-1B898308B3A8}" srcOrd="3" destOrd="0" presId="urn:microsoft.com/office/officeart/2005/8/layout/orgChart1"/>
-    <dgm:cxn modelId="{E1BEF76B-0A7E-4231-AEBE-430F7519CF3C}" type="presParOf" srcId="{5329E8EA-F74C-4CAB-A6AA-1B898308B3A8}" destId="{F17457A2-8BA6-436A-B365-AD336AC1D72A}" srcOrd="0" destOrd="0" presId="urn:microsoft.com/office/officeart/2005/8/layout/orgChart1"/>
-    <dgm:cxn modelId="{69400C4D-6272-434D-9F79-9B250EC07850}" type="presParOf" srcId="{F17457A2-8BA6-436A-B365-AD336AC1D72A}" destId="{A541300C-4EA0-4F2F-A86D-61A27E02B787}" srcOrd="0" destOrd="0" presId="urn:microsoft.com/office/officeart/2005/8/layout/orgChart1"/>
-    <dgm:cxn modelId="{7C4898A7-8994-4FBA-B6FB-B4BC8D4B8382}" type="presParOf" srcId="{F17457A2-8BA6-436A-B365-AD336AC1D72A}" destId="{CFF27639-2EAA-4E02-8133-52CB55E04712}" srcOrd="1" destOrd="0" presId="urn:microsoft.com/office/officeart/2005/8/layout/orgChart1"/>
-    <dgm:cxn modelId="{11A653E9-3C8C-4C55-A02D-B184CE7C2137}" type="presParOf" srcId="{5329E8EA-F74C-4CAB-A6AA-1B898308B3A8}" destId="{15ACB54C-2748-46F9-95CF-E655985BFACB}" srcOrd="1" destOrd="0" presId="urn:microsoft.com/office/officeart/2005/8/layout/orgChart1"/>
-    <dgm:cxn modelId="{8A183B00-0737-452E-8D1D-92F029F2BECB}" type="presParOf" srcId="{5329E8EA-F74C-4CAB-A6AA-1B898308B3A8}" destId="{7EDBF25C-4307-428E-8778-7B10CE86AE58}" srcOrd="2" destOrd="0" presId="urn:microsoft.com/office/officeart/2005/8/layout/orgChart1"/>
-    <dgm:cxn modelId="{D45FE72D-F6E1-4FDC-BA30-8EB902242254}" type="presParOf" srcId="{C11BF068-DD04-4674-9A7F-17CD1BA4133C}" destId="{278C60CD-FD00-4CA7-9D49-CB1F6E333D23}" srcOrd="2" destOrd="0" presId="urn:microsoft.com/office/officeart/2005/8/layout/orgChart1"/>
-    <dgm:cxn modelId="{95C87760-73B5-4742-ADF5-4F03710D713D}" type="presParOf" srcId="{6ADC3425-90B0-4EC6-B7C7-444EF76F3F21}" destId="{112D33FD-4EF8-4F76-99AE-43AA9337356C}" srcOrd="2" destOrd="0" presId="urn:microsoft.com/office/officeart/2005/8/layout/orgChart1"/>
-    <dgm:cxn modelId="{CAC6D940-31F2-443A-B4AF-06B9312BFD91}" type="presParOf" srcId="{45FC5C96-3820-4EDB-A39B-DA49F664CAB4}" destId="{F34F51E5-9A98-4CF1-A078-8BA3D575C345}" srcOrd="2" destOrd="0" presId="urn:microsoft.com/office/officeart/2005/8/layout/orgChart1"/>
+    <dgm:cxn modelId="{CC055F5F-35D1-46FF-9C68-D12D99A47319}" type="presOf" srcId="{918282B8-17D7-4E07-986D-BDC37D84C030}" destId="{3DEBF5CE-5AAD-47A7-BA08-04DF2AC62CDD}" srcOrd="0" destOrd="0" presId="urn:microsoft.com/office/officeart/2005/8/layout/orgChart1"/>
+    <dgm:cxn modelId="{A6B4D01C-88A3-4D0E-A805-60FDBAA8DA18}" type="presOf" srcId="{3A48E1CA-AC4A-45C6-81B0-46F7E75476EE}" destId="{581E77F2-6530-4657-B911-9D5FCFEFE76E}" srcOrd="1" destOrd="0" presId="urn:microsoft.com/office/officeart/2005/8/layout/orgChart1"/>
+    <dgm:cxn modelId="{3551619E-2033-492A-8D1F-A0D1BB20B322}" type="presOf" srcId="{A57537C8-D3B4-4574-A41F-A2E2552D7B2A}" destId="{82F11D74-D82B-4C81-BA30-AF919B5FCD5E}" srcOrd="1" destOrd="0" presId="urn:microsoft.com/office/officeart/2005/8/layout/orgChart1"/>
+    <dgm:cxn modelId="{B6159E79-05BD-4215-9FD9-A833A3E784E0}" type="presParOf" srcId="{D89C1994-7969-4A61-8D72-015E632E69B6}" destId="{E0FB9F7B-D07A-4183-8E19-E90532DF3239}" srcOrd="0" destOrd="0" presId="urn:microsoft.com/office/officeart/2005/8/layout/orgChart1"/>
+    <dgm:cxn modelId="{971ED0E9-00F5-469C-9CA9-18E51C6B97F1}" type="presParOf" srcId="{E0FB9F7B-D07A-4183-8E19-E90532DF3239}" destId="{C45317AE-21F8-4219-8EF7-1599C7C0F83D}" srcOrd="0" destOrd="0" presId="urn:microsoft.com/office/officeart/2005/8/layout/orgChart1"/>
+    <dgm:cxn modelId="{86C291B1-8EC2-4BED-9732-633A65D1440B}" type="presParOf" srcId="{C45317AE-21F8-4219-8EF7-1599C7C0F83D}" destId="{532291A3-CE2C-4956-8F9A-F356C2FAD7C5}" srcOrd="0" destOrd="0" presId="urn:microsoft.com/office/officeart/2005/8/layout/orgChart1"/>
+    <dgm:cxn modelId="{DF6B64BC-4462-489B-A36C-2C9DC2188F40}" type="presParOf" srcId="{C45317AE-21F8-4219-8EF7-1599C7C0F83D}" destId="{EEE307F5-4BD0-4E87-998D-FB1B3D611070}" srcOrd="1" destOrd="0" presId="urn:microsoft.com/office/officeart/2005/8/layout/orgChart1"/>
+    <dgm:cxn modelId="{BFB9EC16-8BDF-4EBF-BCDB-9D2D5B0AB508}" type="presParOf" srcId="{E0FB9F7B-D07A-4183-8E19-E90532DF3239}" destId="{6895D479-E0EB-4BD0-9A8F-ACD83BFAA4C5}" srcOrd="1" destOrd="0" presId="urn:microsoft.com/office/officeart/2005/8/layout/orgChart1"/>
+    <dgm:cxn modelId="{7C02FE8E-1905-49BF-92A9-3B3D4F7591DA}" type="presParOf" srcId="{6895D479-E0EB-4BD0-9A8F-ACD83BFAA4C5}" destId="{A8BE3D33-202F-4B78-BACF-C4CB91985458}" srcOrd="0" destOrd="0" presId="urn:microsoft.com/office/officeart/2005/8/layout/orgChart1"/>
+    <dgm:cxn modelId="{2D1762F0-523B-42A1-81FB-9E733FFE5BC6}" type="presParOf" srcId="{6895D479-E0EB-4BD0-9A8F-ACD83BFAA4C5}" destId="{4C4D929F-5D13-41AE-B75B-085D747A90EB}" srcOrd="1" destOrd="0" presId="urn:microsoft.com/office/officeart/2005/8/layout/orgChart1"/>
+    <dgm:cxn modelId="{B896CF00-056F-4EAB-A788-3B2AFCED2D41}" type="presParOf" srcId="{4C4D929F-5D13-41AE-B75B-085D747A90EB}" destId="{A919E05D-E479-4D57-8C82-BF074BE1CB02}" srcOrd="0" destOrd="0" presId="urn:microsoft.com/office/officeart/2005/8/layout/orgChart1"/>
+    <dgm:cxn modelId="{060A7E1E-6D23-4CE5-B278-1554394FFFBE}" type="presParOf" srcId="{A919E05D-E479-4D57-8C82-BF074BE1CB02}" destId="{3FC867EC-DC01-4D6E-9B84-7B383587A504}" srcOrd="0" destOrd="0" presId="urn:microsoft.com/office/officeart/2005/8/layout/orgChart1"/>
+    <dgm:cxn modelId="{0617207D-E8B1-4B3B-9847-1B044A901E21}" type="presParOf" srcId="{A919E05D-E479-4D57-8C82-BF074BE1CB02}" destId="{5C7F4BF0-E6A3-4F37-B2A7-B5EA6F899DB3}" srcOrd="1" destOrd="0" presId="urn:microsoft.com/office/officeart/2005/8/layout/orgChart1"/>
+    <dgm:cxn modelId="{58F5520D-AA52-46C6-94D7-B0D51656C17E}" type="presParOf" srcId="{4C4D929F-5D13-41AE-B75B-085D747A90EB}" destId="{3479C8E6-F94D-48FD-BA05-EBBAFBFF651A}" srcOrd="1" destOrd="0" presId="urn:microsoft.com/office/officeart/2005/8/layout/orgChart1"/>
+    <dgm:cxn modelId="{27E9C805-4FCC-4BE9-AC95-B906287E393A}" type="presParOf" srcId="{3479C8E6-F94D-48FD-BA05-EBBAFBFF651A}" destId="{12C09BAD-4169-4A5B-A324-4C3841F7A0F6}" srcOrd="0" destOrd="0" presId="urn:microsoft.com/office/officeart/2005/8/layout/orgChart1"/>
+    <dgm:cxn modelId="{3CFE2B72-B0E2-45C3-8F0C-9760D0ABA6A9}" type="presParOf" srcId="{3479C8E6-F94D-48FD-BA05-EBBAFBFF651A}" destId="{0CFFE965-A37E-49FD-8213-204B301501DE}" srcOrd="1" destOrd="0" presId="urn:microsoft.com/office/officeart/2005/8/layout/orgChart1"/>
+    <dgm:cxn modelId="{A294CA0B-9343-46C0-9085-C84D1D102236}" type="presParOf" srcId="{0CFFE965-A37E-49FD-8213-204B301501DE}" destId="{2B97B5C5-A91C-4F53-9136-C4AE5A7B03E8}" srcOrd="0" destOrd="0" presId="urn:microsoft.com/office/officeart/2005/8/layout/orgChart1"/>
+    <dgm:cxn modelId="{5DE43708-1882-450F-9A14-D6F4FC3E40B5}" type="presParOf" srcId="{2B97B5C5-A91C-4F53-9136-C4AE5A7B03E8}" destId="{FA45CC20-69B4-4564-A9F3-FECEBCB041D1}" srcOrd="0" destOrd="0" presId="urn:microsoft.com/office/officeart/2005/8/layout/orgChart1"/>
+    <dgm:cxn modelId="{15BBA9D5-77C2-4BE8-9506-0CB814EA833F}" type="presParOf" srcId="{2B97B5C5-A91C-4F53-9136-C4AE5A7B03E8}" destId="{581E77F2-6530-4657-B911-9D5FCFEFE76E}" srcOrd="1" destOrd="0" presId="urn:microsoft.com/office/officeart/2005/8/layout/orgChart1"/>
+    <dgm:cxn modelId="{7AE7FDB3-7303-40F6-8BDF-D649B47DAF3A}" type="presParOf" srcId="{0CFFE965-A37E-49FD-8213-204B301501DE}" destId="{039BDAB1-EA0E-485A-9CCB-B100530A9852}" srcOrd="1" destOrd="0" presId="urn:microsoft.com/office/officeart/2005/8/layout/orgChart1"/>
+    <dgm:cxn modelId="{FA542889-7A9D-4450-93C9-9091DE1DEADB}" type="presParOf" srcId="{0CFFE965-A37E-49FD-8213-204B301501DE}" destId="{341F8022-7485-4A09-AF84-7D09BBC92CC6}" srcOrd="2" destOrd="0" presId="urn:microsoft.com/office/officeart/2005/8/layout/orgChart1"/>
+    <dgm:cxn modelId="{1210DD01-546D-47F2-A3E1-C64BE73DAC5E}" type="presParOf" srcId="{3479C8E6-F94D-48FD-BA05-EBBAFBFF651A}" destId="{6CF77085-0E58-4071-A531-5CE91F8DA348}" srcOrd="2" destOrd="0" presId="urn:microsoft.com/office/officeart/2005/8/layout/orgChart1"/>
+    <dgm:cxn modelId="{35FCDD5F-E8B3-4A09-BB57-6ED000163886}" type="presParOf" srcId="{3479C8E6-F94D-48FD-BA05-EBBAFBFF651A}" destId="{3AFE36BC-E5D2-4DC4-9057-C41D8BE1D2EE}" srcOrd="3" destOrd="0" presId="urn:microsoft.com/office/officeart/2005/8/layout/orgChart1"/>
+    <dgm:cxn modelId="{30365583-3520-45AD-9D55-7B1B5E6B31F0}" type="presParOf" srcId="{3AFE36BC-E5D2-4DC4-9057-C41D8BE1D2EE}" destId="{A3C18658-A4D6-4658-AE61-03D56E0989EE}" srcOrd="0" destOrd="0" presId="urn:microsoft.com/office/officeart/2005/8/layout/orgChart1"/>
+    <dgm:cxn modelId="{64237DBD-890F-4B92-955F-107BEE94A875}" type="presParOf" srcId="{A3C18658-A4D6-4658-AE61-03D56E0989EE}" destId="{E29314CE-9117-4D7E-8A9F-C2C3B4D6D154}" srcOrd="0" destOrd="0" presId="urn:microsoft.com/office/officeart/2005/8/layout/orgChart1"/>
+    <dgm:cxn modelId="{60B7071E-BC10-4E32-B5B4-2C2ECFA82204}" type="presParOf" srcId="{A3C18658-A4D6-4658-AE61-03D56E0989EE}" destId="{C3400AA3-CE18-4619-AAFF-ABBA4687A208}" srcOrd="1" destOrd="0" presId="urn:microsoft.com/office/officeart/2005/8/layout/orgChart1"/>
+    <dgm:cxn modelId="{11B106F0-82E2-49C1-98FA-BC1A817A8367}" type="presParOf" srcId="{3AFE36BC-E5D2-4DC4-9057-C41D8BE1D2EE}" destId="{911092F3-2351-4678-B32A-9FA821E5E3BF}" srcOrd="1" destOrd="0" presId="urn:microsoft.com/office/officeart/2005/8/layout/orgChart1"/>
+    <dgm:cxn modelId="{03294284-3319-40B7-AE67-7163E363A49A}" type="presParOf" srcId="{3AFE36BC-E5D2-4DC4-9057-C41D8BE1D2EE}" destId="{CCD27205-4357-4C14-854A-B57E2AAB5361}" srcOrd="2" destOrd="0" presId="urn:microsoft.com/office/officeart/2005/8/layout/orgChart1"/>
+    <dgm:cxn modelId="{2FEB0A0E-72BA-4957-8A9F-779485B001E6}" type="presParOf" srcId="{4C4D929F-5D13-41AE-B75B-085D747A90EB}" destId="{31B9F6A1-A13E-4A6A-B192-FE1982538CDA}" srcOrd="2" destOrd="0" presId="urn:microsoft.com/office/officeart/2005/8/layout/orgChart1"/>
+    <dgm:cxn modelId="{3C1B02C9-C243-4757-87FB-2634E7B29CAE}" type="presParOf" srcId="{6895D479-E0EB-4BD0-9A8F-ACD83BFAA4C5}" destId="{3ADED271-00FF-4B63-A289-DD03469DE526}" srcOrd="2" destOrd="0" presId="urn:microsoft.com/office/officeart/2005/8/layout/orgChart1"/>
+    <dgm:cxn modelId="{A964911F-63AF-4240-9063-295E9662E320}" type="presParOf" srcId="{6895D479-E0EB-4BD0-9A8F-ACD83BFAA4C5}" destId="{E13D3675-6E18-413E-A9A8-8D4FE128560F}" srcOrd="3" destOrd="0" presId="urn:microsoft.com/office/officeart/2005/8/layout/orgChart1"/>
+    <dgm:cxn modelId="{87417189-E448-442E-9D06-67DDBE056679}" type="presParOf" srcId="{E13D3675-6E18-413E-A9A8-8D4FE128560F}" destId="{B9425050-43F8-4CC3-A0A2-43006CD80138}" srcOrd="0" destOrd="0" presId="urn:microsoft.com/office/officeart/2005/8/layout/orgChart1"/>
+    <dgm:cxn modelId="{C2D8658A-A01F-4ABA-8F39-F1F01B2688BF}" type="presParOf" srcId="{B9425050-43F8-4CC3-A0A2-43006CD80138}" destId="{26D8BFE9-A2A3-4C05-B39A-E34277ED0470}" srcOrd="0" destOrd="0" presId="urn:microsoft.com/office/officeart/2005/8/layout/orgChart1"/>
+    <dgm:cxn modelId="{17010BD5-F440-46F6-A19D-7B6795E09684}" type="presParOf" srcId="{B9425050-43F8-4CC3-A0A2-43006CD80138}" destId="{56FC41C9-994A-4EF6-91C4-1F041955A636}" srcOrd="1" destOrd="0" presId="urn:microsoft.com/office/officeart/2005/8/layout/orgChart1"/>
+    <dgm:cxn modelId="{7EC9193D-741F-4382-BECB-80023DEC793D}" type="presParOf" srcId="{E13D3675-6E18-413E-A9A8-8D4FE128560F}" destId="{A4DEE2B2-809B-4A22-B0E3-91C324A7D237}" srcOrd="1" destOrd="0" presId="urn:microsoft.com/office/officeart/2005/8/layout/orgChart1"/>
+    <dgm:cxn modelId="{87ABA4B9-759E-413E-8D5A-A2EBAFE64144}" type="presParOf" srcId="{A4DEE2B2-809B-4A22-B0E3-91C324A7D237}" destId="{CF3C7871-4303-48A3-BB4A-7A86D6B4721D}" srcOrd="0" destOrd="0" presId="urn:microsoft.com/office/officeart/2005/8/layout/orgChart1"/>
+    <dgm:cxn modelId="{FBD8137D-043A-4D7B-BE22-B8895BAAF46D}" type="presParOf" srcId="{A4DEE2B2-809B-4A22-B0E3-91C324A7D237}" destId="{86E69363-49AF-4656-94E0-9142FB8A9778}" srcOrd="1" destOrd="0" presId="urn:microsoft.com/office/officeart/2005/8/layout/orgChart1"/>
+    <dgm:cxn modelId="{5B95C738-DD80-45CB-B473-A3DC0DF236AE}" type="presParOf" srcId="{86E69363-49AF-4656-94E0-9142FB8A9778}" destId="{F49B24C9-77F1-4DED-A9A6-7527FC680ACA}" srcOrd="0" destOrd="0" presId="urn:microsoft.com/office/officeart/2005/8/layout/orgChart1"/>
+    <dgm:cxn modelId="{0E46886F-8242-44BD-A0A1-E94F5BED7639}" type="presParOf" srcId="{F49B24C9-77F1-4DED-A9A6-7527FC680ACA}" destId="{1A858DA5-A289-4A22-B794-D6D770901C98}" srcOrd="0" destOrd="0" presId="urn:microsoft.com/office/officeart/2005/8/layout/orgChart1"/>
+    <dgm:cxn modelId="{1756E8C1-F322-4FD0-94DB-E0C5F1AB98B0}" type="presParOf" srcId="{F49B24C9-77F1-4DED-A9A6-7527FC680ACA}" destId="{AEA55E03-C54A-4EA4-9BDB-2776081E2FA7}" srcOrd="1" destOrd="0" presId="urn:microsoft.com/office/officeart/2005/8/layout/orgChart1"/>
+    <dgm:cxn modelId="{62914181-7076-436E-BAD0-CB4A3929236E}" type="presParOf" srcId="{86E69363-49AF-4656-94E0-9142FB8A9778}" destId="{81C06704-D56E-4057-AC93-D02403E5D45F}" srcOrd="1" destOrd="0" presId="urn:microsoft.com/office/officeart/2005/8/layout/orgChart1"/>
+    <dgm:cxn modelId="{F01EE799-0AF8-4042-975F-6FD349552DE0}" type="presParOf" srcId="{86E69363-49AF-4656-94E0-9142FB8A9778}" destId="{E6FAABCC-3362-4945-AFF5-3E5A27E84D1B}" srcOrd="2" destOrd="0" presId="urn:microsoft.com/office/officeart/2005/8/layout/orgChart1"/>
+    <dgm:cxn modelId="{C2168782-EA93-4EC4-9E43-807484BDA59C}" type="presParOf" srcId="{A4DEE2B2-809B-4A22-B0E3-91C324A7D237}" destId="{3DEBF5CE-5AAD-47A7-BA08-04DF2AC62CDD}" srcOrd="2" destOrd="0" presId="urn:microsoft.com/office/officeart/2005/8/layout/orgChart1"/>
+    <dgm:cxn modelId="{53EC9F80-A880-4A69-814E-A853651FB415}" type="presParOf" srcId="{A4DEE2B2-809B-4A22-B0E3-91C324A7D237}" destId="{8AE3AA51-D770-4D6B-A618-5E7F3E7BFCA0}" srcOrd="3" destOrd="0" presId="urn:microsoft.com/office/officeart/2005/8/layout/orgChart1"/>
+    <dgm:cxn modelId="{CFE43A5E-8659-47CC-BFBB-822BA15F1F9B}" type="presParOf" srcId="{8AE3AA51-D770-4D6B-A618-5E7F3E7BFCA0}" destId="{07A7044B-7BB9-4709-93AA-2898E88F15F2}" srcOrd="0" destOrd="0" presId="urn:microsoft.com/office/officeart/2005/8/layout/orgChart1"/>
+    <dgm:cxn modelId="{9757F2AB-F19D-4630-9FB2-EDE033EB9679}" type="presParOf" srcId="{07A7044B-7BB9-4709-93AA-2898E88F15F2}" destId="{43564767-2DAF-4E04-9A8E-DD1E3F8D8AE9}" srcOrd="0" destOrd="0" presId="urn:microsoft.com/office/officeart/2005/8/layout/orgChart1"/>
+    <dgm:cxn modelId="{A60F904A-4032-4CD6-93C7-98022D3CF35D}" type="presParOf" srcId="{07A7044B-7BB9-4709-93AA-2898E88F15F2}" destId="{EEE5D1A4-30A3-479F-8F91-9D27C0765055}" srcOrd="1" destOrd="0" presId="urn:microsoft.com/office/officeart/2005/8/layout/orgChart1"/>
+    <dgm:cxn modelId="{E264035A-603E-4E4E-AD12-FD5DCD16F912}" type="presParOf" srcId="{8AE3AA51-D770-4D6B-A618-5E7F3E7BFCA0}" destId="{2830EAA0-37E2-48B5-9F71-378C3D6EB2D9}" srcOrd="1" destOrd="0" presId="urn:microsoft.com/office/officeart/2005/8/layout/orgChart1"/>
+    <dgm:cxn modelId="{29C7D9D0-14C2-468D-A883-777F5F42A32B}" type="presParOf" srcId="{8AE3AA51-D770-4D6B-A618-5E7F3E7BFCA0}" destId="{15EC4DDF-429A-42D6-81E7-6B62F7B8244F}" srcOrd="2" destOrd="0" presId="urn:microsoft.com/office/officeart/2005/8/layout/orgChart1"/>
+    <dgm:cxn modelId="{584A3FFD-D6F8-42FE-A4DB-48300F9AEF4B}" type="presParOf" srcId="{A4DEE2B2-809B-4A22-B0E3-91C324A7D237}" destId="{AEE27075-2A19-4E8B-B9FC-003EACF0E2C9}" srcOrd="4" destOrd="0" presId="urn:microsoft.com/office/officeart/2005/8/layout/orgChart1"/>
+    <dgm:cxn modelId="{48DC2A1B-D534-4C44-9B1E-C510F12A7CB3}" type="presParOf" srcId="{A4DEE2B2-809B-4A22-B0E3-91C324A7D237}" destId="{D8096E8D-CE6C-472D-9C3A-1FE7755CA72B}" srcOrd="5" destOrd="0" presId="urn:microsoft.com/office/officeart/2005/8/layout/orgChart1"/>
+    <dgm:cxn modelId="{BFEEC23A-9106-4F93-B348-3EFA78C54D16}" type="presParOf" srcId="{D8096E8D-CE6C-472D-9C3A-1FE7755CA72B}" destId="{11D5EB2F-B0E9-46EF-9B2D-E399DF18B0DC}" srcOrd="0" destOrd="0" presId="urn:microsoft.com/office/officeart/2005/8/layout/orgChart1"/>
+    <dgm:cxn modelId="{56FACABB-622F-4C1B-A8D6-8C9D6CA897E8}" type="presParOf" srcId="{11D5EB2F-B0E9-46EF-9B2D-E399DF18B0DC}" destId="{AE0F1FAB-E4F7-460E-B74D-9734E7275AB6}" srcOrd="0" destOrd="0" presId="urn:microsoft.com/office/officeart/2005/8/layout/orgChart1"/>
+    <dgm:cxn modelId="{DD419A9A-D6F5-495A-AD33-57F372653738}" type="presParOf" srcId="{11D5EB2F-B0E9-46EF-9B2D-E399DF18B0DC}" destId="{E1E4BAA3-2C9C-4F78-9729-B712AC892362}" srcOrd="1" destOrd="0" presId="urn:microsoft.com/office/officeart/2005/8/layout/orgChart1"/>
+    <dgm:cxn modelId="{580071F9-68A1-42BA-A960-EBD0209570E1}" type="presParOf" srcId="{D8096E8D-CE6C-472D-9C3A-1FE7755CA72B}" destId="{ACD5D241-3067-4F0D-955C-3C731EEA71D9}" srcOrd="1" destOrd="0" presId="urn:microsoft.com/office/officeart/2005/8/layout/orgChart1"/>
+    <dgm:cxn modelId="{FCDC7511-D1C6-4B7C-BF81-2C4B5621F19C}" type="presParOf" srcId="{D8096E8D-CE6C-472D-9C3A-1FE7755CA72B}" destId="{1EA75AB3-98BF-4FC2-9237-0265724B3E38}" srcOrd="2" destOrd="0" presId="urn:microsoft.com/office/officeart/2005/8/layout/orgChart1"/>
+    <dgm:cxn modelId="{5E351C46-1766-4633-BE7E-78C19B07B408}" type="presParOf" srcId="{A4DEE2B2-809B-4A22-B0E3-91C324A7D237}" destId="{71C08850-6C20-40D7-86A2-D9FD0A3CCF87}" srcOrd="6" destOrd="0" presId="urn:microsoft.com/office/officeart/2005/8/layout/orgChart1"/>
+    <dgm:cxn modelId="{45870FFF-F9E5-4A88-9180-052C2A677607}" type="presParOf" srcId="{A4DEE2B2-809B-4A22-B0E3-91C324A7D237}" destId="{32F8E0D1-70BA-4BAD-BB34-B68502503B63}" srcOrd="7" destOrd="0" presId="urn:microsoft.com/office/officeart/2005/8/layout/orgChart1"/>
+    <dgm:cxn modelId="{A26F4E46-DB22-4492-A93B-8F7904F88BAC}" type="presParOf" srcId="{32F8E0D1-70BA-4BAD-BB34-B68502503B63}" destId="{672FCB2D-B48E-4ECD-BBAA-E8654308DE5F}" srcOrd="0" destOrd="0" presId="urn:microsoft.com/office/officeart/2005/8/layout/orgChart1"/>
+    <dgm:cxn modelId="{15721AF5-8138-43A9-81C4-F15C71446E11}" type="presParOf" srcId="{672FCB2D-B48E-4ECD-BBAA-E8654308DE5F}" destId="{52565F71-66FC-45DF-AB63-8158775C40A3}" srcOrd="0" destOrd="0" presId="urn:microsoft.com/office/officeart/2005/8/layout/orgChart1"/>
+    <dgm:cxn modelId="{970EA245-0930-4FBE-8256-D6A292317DE8}" type="presParOf" srcId="{672FCB2D-B48E-4ECD-BBAA-E8654308DE5F}" destId="{82F11D74-D82B-4C81-BA30-AF919B5FCD5E}" srcOrd="1" destOrd="0" presId="urn:microsoft.com/office/officeart/2005/8/layout/orgChart1"/>
+    <dgm:cxn modelId="{3ADB5BEE-67D2-4E45-B6B1-C145F7270606}" type="presParOf" srcId="{32F8E0D1-70BA-4BAD-BB34-B68502503B63}" destId="{1484AB92-89A6-4C28-86E0-AEAC74D83864}" srcOrd="1" destOrd="0" presId="urn:microsoft.com/office/officeart/2005/8/layout/orgChart1"/>
+    <dgm:cxn modelId="{C2A40498-EBDE-4F0B-9D52-BC0A3171B497}" type="presParOf" srcId="{32F8E0D1-70BA-4BAD-BB34-B68502503B63}" destId="{8AB38205-0312-4CC5-B03B-76654113F688}" srcOrd="2" destOrd="0" presId="urn:microsoft.com/office/officeart/2005/8/layout/orgChart1"/>
+    <dgm:cxn modelId="{A4707C56-7536-4758-A526-BCF60721A099}" type="presParOf" srcId="{E13D3675-6E18-413E-A9A8-8D4FE128560F}" destId="{1E2212AC-838E-45B6-9673-DBD1AD5FBA8D}" srcOrd="2" destOrd="0" presId="urn:microsoft.com/office/officeart/2005/8/layout/orgChart1"/>
+    <dgm:cxn modelId="{5C0139FE-1C8C-44DB-B736-DEDB5B24FB97}" type="presParOf" srcId="{6895D479-E0EB-4BD0-9A8F-ACD83BFAA4C5}" destId="{06C39927-640E-4F06-9A9C-9EDA030074EE}" srcOrd="4" destOrd="0" presId="urn:microsoft.com/office/officeart/2005/8/layout/orgChart1"/>
+    <dgm:cxn modelId="{55F03B64-5CFE-47BC-AC18-681686D60432}" type="presParOf" srcId="{6895D479-E0EB-4BD0-9A8F-ACD83BFAA4C5}" destId="{8A44FE49-ACCB-4799-BA7F-095F28D4DD3C}" srcOrd="5" destOrd="0" presId="urn:microsoft.com/office/officeart/2005/8/layout/orgChart1"/>
+    <dgm:cxn modelId="{CA426F2A-C7C9-4B82-8FD9-DFEE3ECE68B8}" type="presParOf" srcId="{8A44FE49-ACCB-4799-BA7F-095F28D4DD3C}" destId="{B6C9187E-5427-4D3A-9D26-51738810365F}" srcOrd="0" destOrd="0" presId="urn:microsoft.com/office/officeart/2005/8/layout/orgChart1"/>
+    <dgm:cxn modelId="{EFC4874E-9E0F-429E-8205-F0C5059417D8}" type="presParOf" srcId="{B6C9187E-5427-4D3A-9D26-51738810365F}" destId="{D3292D10-A68A-4ED9-A3C7-E3AF8D05334B}" srcOrd="0" destOrd="0" presId="urn:microsoft.com/office/officeart/2005/8/layout/orgChart1"/>
+    <dgm:cxn modelId="{F276A2B3-67FF-4CDE-9CFC-A6C925A3B711}" type="presParOf" srcId="{B6C9187E-5427-4D3A-9D26-51738810365F}" destId="{21889749-E84D-45E7-B2D5-FFE07A040AC9}" srcOrd="1" destOrd="0" presId="urn:microsoft.com/office/officeart/2005/8/layout/orgChart1"/>
+    <dgm:cxn modelId="{D796BE55-725F-4B4D-A9DB-9051C98990B4}" type="presParOf" srcId="{8A44FE49-ACCB-4799-BA7F-095F28D4DD3C}" destId="{62E8F37F-05D6-4A12-86EE-82F86FD13AEE}" srcOrd="1" destOrd="0" presId="urn:microsoft.com/office/officeart/2005/8/layout/orgChart1"/>
+    <dgm:cxn modelId="{9822E8E9-A923-4513-97DC-E5B4C27E56A3}" type="presParOf" srcId="{62E8F37F-05D6-4A12-86EE-82F86FD13AEE}" destId="{4FC84424-77B3-4BAD-A376-197D931F1926}" srcOrd="0" destOrd="0" presId="urn:microsoft.com/office/officeart/2005/8/layout/orgChart1"/>
+    <dgm:cxn modelId="{9F3F2C41-8785-45D3-AEE8-1729771D460C}" type="presParOf" srcId="{62E8F37F-05D6-4A12-86EE-82F86FD13AEE}" destId="{6888FF10-8BFE-4480-AFEA-EBBDDE3C7658}" srcOrd="1" destOrd="0" presId="urn:microsoft.com/office/officeart/2005/8/layout/orgChart1"/>
+    <dgm:cxn modelId="{361AA4D9-5774-4722-A2F0-1AB7BD14F60B}" type="presParOf" srcId="{6888FF10-8BFE-4480-AFEA-EBBDDE3C7658}" destId="{8C02771C-0BC4-4A48-9CFD-C48A6942D511}" srcOrd="0" destOrd="0" presId="urn:microsoft.com/office/officeart/2005/8/layout/orgChart1"/>
+    <dgm:cxn modelId="{FA2F251B-867D-4172-8A17-1B4258B33BC2}" type="presParOf" srcId="{8C02771C-0BC4-4A48-9CFD-C48A6942D511}" destId="{A2C33C9F-E20E-4D1E-BBFD-28AA5D38E75F}" srcOrd="0" destOrd="0" presId="urn:microsoft.com/office/officeart/2005/8/layout/orgChart1"/>
+    <dgm:cxn modelId="{B3095092-8EF7-4D19-B3B4-2F82D2A5891E}" type="presParOf" srcId="{8C02771C-0BC4-4A48-9CFD-C48A6942D511}" destId="{62B8E97A-45F3-49CB-8798-FCFDBA6EB4CE}" srcOrd="1" destOrd="0" presId="urn:microsoft.com/office/officeart/2005/8/layout/orgChart1"/>
+    <dgm:cxn modelId="{AD4054E2-DE41-4E82-A052-318C9B10185D}" type="presParOf" srcId="{6888FF10-8BFE-4480-AFEA-EBBDDE3C7658}" destId="{D50725E9-9A3A-4A06-8E90-C3B34AEEB6B8}" srcOrd="1" destOrd="0" presId="urn:microsoft.com/office/officeart/2005/8/layout/orgChart1"/>
+    <dgm:cxn modelId="{12D8754F-C689-44BE-85E2-75C4617ABCFE}" type="presParOf" srcId="{6888FF10-8BFE-4480-AFEA-EBBDDE3C7658}" destId="{E81D918F-EBD6-4509-B7C2-D0AD7E0D832A}" srcOrd="2" destOrd="0" presId="urn:microsoft.com/office/officeart/2005/8/layout/orgChart1"/>
+    <dgm:cxn modelId="{76E55AD9-D371-43AC-B040-DD7D37F099E3}" type="presParOf" srcId="{62E8F37F-05D6-4A12-86EE-82F86FD13AEE}" destId="{15A61DF0-AC49-4E69-9546-90778A86DEB3}" srcOrd="2" destOrd="0" presId="urn:microsoft.com/office/officeart/2005/8/layout/orgChart1"/>
+    <dgm:cxn modelId="{848669E0-A043-41C8-BD1F-DF2EA7AFBAC9}" type="presParOf" srcId="{62E8F37F-05D6-4A12-86EE-82F86FD13AEE}" destId="{442BFDE0-2E14-4E63-AB60-120E9C7FF3DF}" srcOrd="3" destOrd="0" presId="urn:microsoft.com/office/officeart/2005/8/layout/orgChart1"/>
+    <dgm:cxn modelId="{6256E22F-15F6-4C24-BB65-6EC281339566}" type="presParOf" srcId="{442BFDE0-2E14-4E63-AB60-120E9C7FF3DF}" destId="{798211C7-BF75-46BF-B6B6-80ED60181BF1}" srcOrd="0" destOrd="0" presId="urn:microsoft.com/office/officeart/2005/8/layout/orgChart1"/>
+    <dgm:cxn modelId="{437CC00E-B00D-43D8-9EAE-B62BA6CC916C}" type="presParOf" srcId="{798211C7-BF75-46BF-B6B6-80ED60181BF1}" destId="{BEB8562A-B0BC-4237-ADB8-FF4D03EEE094}" srcOrd="0" destOrd="0" presId="urn:microsoft.com/office/officeart/2005/8/layout/orgChart1"/>
+    <dgm:cxn modelId="{FA1BBDDD-BDE0-4AB7-A88C-DB0B3D6A99F0}" type="presParOf" srcId="{798211C7-BF75-46BF-B6B6-80ED60181BF1}" destId="{853316CE-83C9-44FB-9CD1-461AD4922901}" srcOrd="1" destOrd="0" presId="urn:microsoft.com/office/officeart/2005/8/layout/orgChart1"/>
+    <dgm:cxn modelId="{77379929-1907-4E62-994E-DAC3B0928003}" type="presParOf" srcId="{442BFDE0-2E14-4E63-AB60-120E9C7FF3DF}" destId="{E18BF7FA-F3AD-4C93-BF71-33F5B4E98C17}" srcOrd="1" destOrd="0" presId="urn:microsoft.com/office/officeart/2005/8/layout/orgChart1"/>
+    <dgm:cxn modelId="{169C0CC8-0BCE-4584-9C88-F10B021F79DF}" type="presParOf" srcId="{442BFDE0-2E14-4E63-AB60-120E9C7FF3DF}" destId="{214F8899-1BCD-47E5-A07A-44C98BA8AB96}" srcOrd="2" destOrd="0" presId="urn:microsoft.com/office/officeart/2005/8/layout/orgChart1"/>
+    <dgm:cxn modelId="{214895A6-6404-4B35-8721-0F4C7FF8FA4C}" type="presParOf" srcId="{62E8F37F-05D6-4A12-86EE-82F86FD13AEE}" destId="{FA1C85F5-EB77-4684-8A8B-A31BFC407067}" srcOrd="4" destOrd="0" presId="urn:microsoft.com/office/officeart/2005/8/layout/orgChart1"/>
+    <dgm:cxn modelId="{4781DCE9-5F48-477E-9299-C92368F974E4}" type="presParOf" srcId="{62E8F37F-05D6-4A12-86EE-82F86FD13AEE}" destId="{627DF487-CE70-4706-A281-8DE22DE7F37A}" srcOrd="5" destOrd="0" presId="urn:microsoft.com/office/officeart/2005/8/layout/orgChart1"/>
+    <dgm:cxn modelId="{D9499625-94B4-4068-8D17-B5E9D8F3EF96}" type="presParOf" srcId="{627DF487-CE70-4706-A281-8DE22DE7F37A}" destId="{952A88E3-1A81-432B-84B5-0BC968351FAA}" srcOrd="0" destOrd="0" presId="urn:microsoft.com/office/officeart/2005/8/layout/orgChart1"/>
+    <dgm:cxn modelId="{55BC5667-1342-4F6A-9797-5D94A2DB858F}" type="presParOf" srcId="{952A88E3-1A81-432B-84B5-0BC968351FAA}" destId="{D441324F-5840-4545-95C8-58993D682F03}" srcOrd="0" destOrd="0" presId="urn:microsoft.com/office/officeart/2005/8/layout/orgChart1"/>
+    <dgm:cxn modelId="{BA7A455C-D030-43B0-8B87-6891CB8EB08E}" type="presParOf" srcId="{952A88E3-1A81-432B-84B5-0BC968351FAA}" destId="{4B05AF45-3B20-4BCF-B0B2-1C0BE009630D}" srcOrd="1" destOrd="0" presId="urn:microsoft.com/office/officeart/2005/8/layout/orgChart1"/>
+    <dgm:cxn modelId="{257D242E-A591-46C6-B8E4-B96899433C4E}" type="presParOf" srcId="{627DF487-CE70-4706-A281-8DE22DE7F37A}" destId="{8856E088-F302-4C3E-9752-F76B50804209}" srcOrd="1" destOrd="0" presId="urn:microsoft.com/office/officeart/2005/8/layout/orgChart1"/>
+    <dgm:cxn modelId="{4A914B51-26B9-4772-B86C-A21A9A8312AC}" type="presParOf" srcId="{627DF487-CE70-4706-A281-8DE22DE7F37A}" destId="{D26B0964-8F93-4E9F-98EA-DB3D6A9717A4}" srcOrd="2" destOrd="0" presId="urn:microsoft.com/office/officeart/2005/8/layout/orgChart1"/>
+    <dgm:cxn modelId="{3EAA8657-E71D-4FFA-9533-B8CAB3CB5094}" type="presParOf" srcId="{8A44FE49-ACCB-4799-BA7F-095F28D4DD3C}" destId="{65D86B59-2D5D-409C-A362-175E15BD0EBE}" srcOrd="2" destOrd="0" presId="urn:microsoft.com/office/officeart/2005/8/layout/orgChart1"/>
+    <dgm:cxn modelId="{BE997331-165C-4CF0-AA65-4EF12FCED07F}" type="presParOf" srcId="{6895D479-E0EB-4BD0-9A8F-ACD83BFAA4C5}" destId="{DA555904-4FC1-46A1-8E83-ED69E59E57D1}" srcOrd="6" destOrd="0" presId="urn:microsoft.com/office/officeart/2005/8/layout/orgChart1"/>
+    <dgm:cxn modelId="{5C50E931-3EDC-4705-8720-83A378DEAE18}" type="presParOf" srcId="{6895D479-E0EB-4BD0-9A8F-ACD83BFAA4C5}" destId="{C11BF068-DD04-4674-9A7F-17CD1BA4133C}" srcOrd="7" destOrd="0" presId="urn:microsoft.com/office/officeart/2005/8/layout/orgChart1"/>
+    <dgm:cxn modelId="{C8D45C5C-619F-4608-9EFA-1C6904AF2477}" type="presParOf" srcId="{C11BF068-DD04-4674-9A7F-17CD1BA4133C}" destId="{5ED46F95-56C8-4AE4-A19A-5F87585226E3}" srcOrd="0" destOrd="0" presId="urn:microsoft.com/office/officeart/2005/8/layout/orgChart1"/>
+    <dgm:cxn modelId="{D717F79A-B176-41F8-8BFA-F83742229717}" type="presParOf" srcId="{5ED46F95-56C8-4AE4-A19A-5F87585226E3}" destId="{16A858B9-E481-47A4-A994-B887C37078F5}" srcOrd="0" destOrd="0" presId="urn:microsoft.com/office/officeart/2005/8/layout/orgChart1"/>
+    <dgm:cxn modelId="{6311186E-95F7-47C4-88ED-CFE4B1B3C67E}" type="presParOf" srcId="{5ED46F95-56C8-4AE4-A19A-5F87585226E3}" destId="{2094552F-0A68-4D34-89D1-99F4C9D81559}" srcOrd="1" destOrd="0" presId="urn:microsoft.com/office/officeart/2005/8/layout/orgChart1"/>
+    <dgm:cxn modelId="{8C5BD3BD-AC5B-4ADB-AE61-DD8B39A1BACE}" type="presParOf" srcId="{C11BF068-DD04-4674-9A7F-17CD1BA4133C}" destId="{2EE3ECC5-032E-4EC3-BDEC-BC203B324050}" srcOrd="1" destOrd="0" presId="urn:microsoft.com/office/officeart/2005/8/layout/orgChart1"/>
+    <dgm:cxn modelId="{2796000E-D1A5-4CF6-A94A-EAEA8D886D47}" type="presParOf" srcId="{2EE3ECC5-032E-4EC3-BDEC-BC203B324050}" destId="{71C01193-494F-4E8F-8F6B-2A092BF6A52A}" srcOrd="0" destOrd="0" presId="urn:microsoft.com/office/officeart/2005/8/layout/orgChart1"/>
+    <dgm:cxn modelId="{73385906-5C40-4C86-A335-611138AB9D2B}" type="presParOf" srcId="{2EE3ECC5-032E-4EC3-BDEC-BC203B324050}" destId="{C567F2E4-2306-414C-8F10-104D3789768E}" srcOrd="1" destOrd="0" presId="urn:microsoft.com/office/officeart/2005/8/layout/orgChart1"/>
+    <dgm:cxn modelId="{F51D1891-8C42-4892-9541-1297852BB10F}" type="presParOf" srcId="{C567F2E4-2306-414C-8F10-104D3789768E}" destId="{ADE5E660-9802-4EBB-9572-A95EB95C9516}" srcOrd="0" destOrd="0" presId="urn:microsoft.com/office/officeart/2005/8/layout/orgChart1"/>
+    <dgm:cxn modelId="{27CD90CD-25F2-42E2-9F46-D4103570560C}" type="presParOf" srcId="{ADE5E660-9802-4EBB-9572-A95EB95C9516}" destId="{13A484D3-7D69-43DA-A929-94F88FBBE4FD}" srcOrd="0" destOrd="0" presId="urn:microsoft.com/office/officeart/2005/8/layout/orgChart1"/>
+    <dgm:cxn modelId="{8B5F9CA9-E0A0-4519-B1BE-24D5F1FEA898}" type="presParOf" srcId="{ADE5E660-9802-4EBB-9572-A95EB95C9516}" destId="{0C07F64B-E45F-43F5-B234-4C17D121787E}" srcOrd="1" destOrd="0" presId="urn:microsoft.com/office/officeart/2005/8/layout/orgChart1"/>
+    <dgm:cxn modelId="{E9BF88AD-F372-4F66-9EBD-32822FB3B613}" type="presParOf" srcId="{C567F2E4-2306-414C-8F10-104D3789768E}" destId="{FE662F79-C4D3-4E15-92B5-E11B98F6F7EF}" srcOrd="1" destOrd="0" presId="urn:microsoft.com/office/officeart/2005/8/layout/orgChart1"/>
+    <dgm:cxn modelId="{63D20D62-2803-42ED-8B8C-47F8D7C58996}" type="presParOf" srcId="{C567F2E4-2306-414C-8F10-104D3789768E}" destId="{E7277402-A77C-4672-B4F8-657215B5BF1C}" srcOrd="2" destOrd="0" presId="urn:microsoft.com/office/officeart/2005/8/layout/orgChart1"/>
+    <dgm:cxn modelId="{7C254D63-5116-4504-AAFC-D3C4D5647A99}" type="presParOf" srcId="{2EE3ECC5-032E-4EC3-BDEC-BC203B324050}" destId="{5D5F107F-E70D-4FA0-826E-585751096CDC}" srcOrd="2" destOrd="0" presId="urn:microsoft.com/office/officeart/2005/8/layout/orgChart1"/>
+    <dgm:cxn modelId="{4587B484-AA2A-4FA6-A849-686C41A2EC31}" type="presParOf" srcId="{2EE3ECC5-032E-4EC3-BDEC-BC203B324050}" destId="{5329E8EA-F74C-4CAB-A6AA-1B898308B3A8}" srcOrd="3" destOrd="0" presId="urn:microsoft.com/office/officeart/2005/8/layout/orgChart1"/>
+    <dgm:cxn modelId="{66169451-CAFF-4797-9CE7-F86B1307A3D7}" type="presParOf" srcId="{5329E8EA-F74C-4CAB-A6AA-1B898308B3A8}" destId="{F17457A2-8BA6-436A-B365-AD336AC1D72A}" srcOrd="0" destOrd="0" presId="urn:microsoft.com/office/officeart/2005/8/layout/orgChart1"/>
+    <dgm:cxn modelId="{ACC78CF7-8992-4D66-8238-6F6C70687960}" type="presParOf" srcId="{F17457A2-8BA6-436A-B365-AD336AC1D72A}" destId="{A541300C-4EA0-4F2F-A86D-61A27E02B787}" srcOrd="0" destOrd="0" presId="urn:microsoft.com/office/officeart/2005/8/layout/orgChart1"/>
+    <dgm:cxn modelId="{0B1C0DB1-D1DF-4106-93E3-34C130B81158}" type="presParOf" srcId="{F17457A2-8BA6-436A-B365-AD336AC1D72A}" destId="{CFF27639-2EAA-4E02-8133-52CB55E04712}" srcOrd="1" destOrd="0" presId="urn:microsoft.com/office/officeart/2005/8/layout/orgChart1"/>
+    <dgm:cxn modelId="{39DA0A25-8398-4B9C-B2A4-DAD691370722}" type="presParOf" srcId="{5329E8EA-F74C-4CAB-A6AA-1B898308B3A8}" destId="{15ACB54C-2748-46F9-95CF-E655985BFACB}" srcOrd="1" destOrd="0" presId="urn:microsoft.com/office/officeart/2005/8/layout/orgChart1"/>
+    <dgm:cxn modelId="{EAE37E1A-8AD5-4921-B529-1389A8CB8535}" type="presParOf" srcId="{5329E8EA-F74C-4CAB-A6AA-1B898308B3A8}" destId="{7EDBF25C-4307-428E-8778-7B10CE86AE58}" srcOrd="2" destOrd="0" presId="urn:microsoft.com/office/officeart/2005/8/layout/orgChart1"/>
+    <dgm:cxn modelId="{DC329A22-C3A1-427A-A9D7-00F8F62AF526}" type="presParOf" srcId="{C11BF068-DD04-4674-9A7F-17CD1BA4133C}" destId="{278C60CD-FD00-4CA7-9D49-CB1F6E333D23}" srcOrd="2" destOrd="0" presId="urn:microsoft.com/office/officeart/2005/8/layout/orgChart1"/>
+    <dgm:cxn modelId="{2A243019-00EE-476B-9EB5-95FF719D0227}" type="presParOf" srcId="{E0FB9F7B-D07A-4183-8E19-E90532DF3239}" destId="{837501E2-DD97-4F78-91EA-784C9006BBAF}" srcOrd="2" destOrd="0" presId="urn:microsoft.com/office/officeart/2005/8/layout/orgChart1"/>
   </dgm:cxnLst>
   <dgm:bg/>
   <dgm:whole/>
@@ -2728,8 +2624,8 @@
       </dsp:nvSpPr>
       <dsp:spPr>
         <a:xfrm>
-          <a:off x="6429486" y="2766640"/>
-          <a:ext cx="215986" cy="1684697"/>
+          <a:off x="6753466" y="2050786"/>
+          <a:ext cx="253658" cy="1978539"/>
         </a:xfrm>
         <a:custGeom>
           <a:avLst/>
@@ -2743,129 +2639,10 @@
                 <a:pt x="0" y="0"/>
               </a:moveTo>
               <a:lnTo>
-                <a:pt x="0" y="1684697"/>
+                <a:pt x="0" y="1978539"/>
               </a:lnTo>
               <a:lnTo>
-                <a:pt x="215986" y="1684697"/>
-              </a:lnTo>
-            </a:path>
-          </a:pathLst>
-        </a:custGeom>
-        <a:noFill/>
-        <a:ln w="12700" cap="flat" cmpd="sng" algn="ctr">
-          <a:solidFill>
-            <a:schemeClr val="accent6">
-              <a:hueOff val="0"/>
-              <a:satOff val="0"/>
-              <a:lumOff val="0"/>
-              <a:alphaOff val="0"/>
-            </a:schemeClr>
-          </a:solidFill>
-          <a:prstDash val="solid"/>
-          <a:miter lim="800000"/>
-        </a:ln>
-        <a:effectLst/>
-      </dsp:spPr>
-      <dsp:style>
-        <a:lnRef idx="2">
-          <a:scrgbClr r="0" g="0" b="0"/>
-        </a:lnRef>
-        <a:fillRef idx="0">
-          <a:scrgbClr r="0" g="0" b="0"/>
-        </a:fillRef>
-        <a:effectRef idx="0">
-          <a:scrgbClr r="0" g="0" b="0"/>
-        </a:effectRef>
-        <a:fontRef idx="minor"/>
-      </dsp:style>
-    </dsp:sp>
-    <dsp:sp modelId="{71C01193-494F-4E8F-8F6B-2A092BF6A52A}">
-      <dsp:nvSpPr>
-        <dsp:cNvPr id="0" name=""/>
-        <dsp:cNvSpPr/>
-      </dsp:nvSpPr>
-      <dsp:spPr>
-        <a:xfrm>
-          <a:off x="6429486" y="2766640"/>
-          <a:ext cx="215986" cy="662359"/>
-        </a:xfrm>
-        <a:custGeom>
-          <a:avLst/>
-          <a:gdLst/>
-          <a:ahLst/>
-          <a:cxnLst/>
-          <a:rect l="0" t="0" r="0" b="0"/>
-          <a:pathLst>
-            <a:path>
-              <a:moveTo>
-                <a:pt x="0" y="0"/>
-              </a:moveTo>
-              <a:lnTo>
-                <a:pt x="0" y="662359"/>
-              </a:lnTo>
-              <a:lnTo>
-                <a:pt x="215986" y="662359"/>
-              </a:lnTo>
-            </a:path>
-          </a:pathLst>
-        </a:custGeom>
-        <a:noFill/>
-        <a:ln w="12700" cap="flat" cmpd="sng" algn="ctr">
-          <a:solidFill>
-            <a:schemeClr val="accent6">
-              <a:hueOff val="0"/>
-              <a:satOff val="0"/>
-              <a:lumOff val="0"/>
-              <a:alphaOff val="0"/>
-            </a:schemeClr>
-          </a:solidFill>
-          <a:prstDash val="solid"/>
-          <a:miter lim="800000"/>
-        </a:ln>
-        <a:effectLst/>
-      </dsp:spPr>
-      <dsp:style>
-        <a:lnRef idx="2">
-          <a:scrgbClr r="0" g="0" b="0"/>
-        </a:lnRef>
-        <a:fillRef idx="0">
-          <a:scrgbClr r="0" g="0" b="0"/>
-        </a:fillRef>
-        <a:effectRef idx="0">
-          <a:scrgbClr r="0" g="0" b="0"/>
-        </a:effectRef>
-        <a:fontRef idx="minor"/>
-      </dsp:style>
-    </dsp:sp>
-    <dsp:sp modelId="{DA555904-4FC1-46A1-8E83-ED69E59E57D1}">
-      <dsp:nvSpPr>
-        <dsp:cNvPr id="0" name=""/>
-        <dsp:cNvSpPr/>
-      </dsp:nvSpPr>
-      <dsp:spPr>
-        <a:xfrm>
-          <a:off x="4392010" y="1744303"/>
-          <a:ext cx="2613440" cy="302381"/>
-        </a:xfrm>
-        <a:custGeom>
-          <a:avLst/>
-          <a:gdLst/>
-          <a:ahLst/>
-          <a:cxnLst/>
-          <a:rect l="0" t="0" r="0" b="0"/>
-          <a:pathLst>
-            <a:path>
-              <a:moveTo>
-                <a:pt x="0" y="0"/>
-              </a:moveTo>
-              <a:lnTo>
-                <a:pt x="0" y="151190"/>
-              </a:lnTo>
-              <a:lnTo>
-                <a:pt x="2613440" y="151190"/>
-              </a:lnTo>
-              <a:lnTo>
-                <a:pt x="2613440" y="302381"/>
+                <a:pt x="253658" y="1978539"/>
               </a:lnTo>
             </a:path>
           </a:pathLst>
@@ -2898,15 +2675,15 @@
         <a:fontRef idx="minor"/>
       </dsp:style>
     </dsp:sp>
-    <dsp:sp modelId="{FA1C85F5-EB77-4684-8A8B-A31BFC407067}">
+    <dsp:sp modelId="{71C01193-494F-4E8F-8F6B-2A092BF6A52A}">
       <dsp:nvSpPr>
         <dsp:cNvPr id="0" name=""/>
         <dsp:cNvSpPr/>
       </dsp:nvSpPr>
       <dsp:spPr>
         <a:xfrm>
-          <a:off x="4687192" y="2766640"/>
-          <a:ext cx="215986" cy="2707034"/>
+          <a:off x="6753466" y="2050786"/>
+          <a:ext cx="253658" cy="777887"/>
         </a:xfrm>
         <a:custGeom>
           <a:avLst/>
@@ -2920,187 +2697,10 @@
                 <a:pt x="0" y="0"/>
               </a:moveTo>
               <a:lnTo>
-                <a:pt x="0" y="2707034"/>
+                <a:pt x="0" y="777887"/>
               </a:lnTo>
               <a:lnTo>
-                <a:pt x="215986" y="2707034"/>
-              </a:lnTo>
-            </a:path>
-          </a:pathLst>
-        </a:custGeom>
-        <a:noFill/>
-        <a:ln w="12700" cap="flat" cmpd="sng" algn="ctr">
-          <a:solidFill>
-            <a:schemeClr val="accent6">
-              <a:hueOff val="0"/>
-              <a:satOff val="0"/>
-              <a:lumOff val="0"/>
-              <a:alphaOff val="0"/>
-            </a:schemeClr>
-          </a:solidFill>
-          <a:prstDash val="solid"/>
-          <a:miter lim="800000"/>
-        </a:ln>
-        <a:effectLst/>
-      </dsp:spPr>
-      <dsp:style>
-        <a:lnRef idx="2">
-          <a:scrgbClr r="0" g="0" b="0"/>
-        </a:lnRef>
-        <a:fillRef idx="0">
-          <a:scrgbClr r="0" g="0" b="0"/>
-        </a:fillRef>
-        <a:effectRef idx="0">
-          <a:scrgbClr r="0" g="0" b="0"/>
-        </a:effectRef>
-        <a:fontRef idx="minor"/>
-      </dsp:style>
-    </dsp:sp>
-    <dsp:sp modelId="{15A61DF0-AC49-4E69-9546-90778A86DEB3}">
-      <dsp:nvSpPr>
-        <dsp:cNvPr id="0" name=""/>
-        <dsp:cNvSpPr/>
-      </dsp:nvSpPr>
-      <dsp:spPr>
-        <a:xfrm>
-          <a:off x="4687192" y="2766640"/>
-          <a:ext cx="215986" cy="1684697"/>
-        </a:xfrm>
-        <a:custGeom>
-          <a:avLst/>
-          <a:gdLst/>
-          <a:ahLst/>
-          <a:cxnLst/>
-          <a:rect l="0" t="0" r="0" b="0"/>
-          <a:pathLst>
-            <a:path>
-              <a:moveTo>
-                <a:pt x="0" y="0"/>
-              </a:moveTo>
-              <a:lnTo>
-                <a:pt x="0" y="1684697"/>
-              </a:lnTo>
-              <a:lnTo>
-                <a:pt x="215986" y="1684697"/>
-              </a:lnTo>
-            </a:path>
-          </a:pathLst>
-        </a:custGeom>
-        <a:noFill/>
-        <a:ln w="12700" cap="flat" cmpd="sng" algn="ctr">
-          <a:solidFill>
-            <a:schemeClr val="accent6">
-              <a:hueOff val="0"/>
-              <a:satOff val="0"/>
-              <a:lumOff val="0"/>
-              <a:alphaOff val="0"/>
-            </a:schemeClr>
-          </a:solidFill>
-          <a:prstDash val="solid"/>
-          <a:miter lim="800000"/>
-        </a:ln>
-        <a:effectLst/>
-      </dsp:spPr>
-      <dsp:style>
-        <a:lnRef idx="2">
-          <a:scrgbClr r="0" g="0" b="0"/>
-        </a:lnRef>
-        <a:fillRef idx="0">
-          <a:scrgbClr r="0" g="0" b="0"/>
-        </a:fillRef>
-        <a:effectRef idx="0">
-          <a:scrgbClr r="0" g="0" b="0"/>
-        </a:effectRef>
-        <a:fontRef idx="minor"/>
-      </dsp:style>
-    </dsp:sp>
-    <dsp:sp modelId="{4FC84424-77B3-4BAD-A376-197D931F1926}">
-      <dsp:nvSpPr>
-        <dsp:cNvPr id="0" name=""/>
-        <dsp:cNvSpPr/>
-      </dsp:nvSpPr>
-      <dsp:spPr>
-        <a:xfrm>
-          <a:off x="4687192" y="2766640"/>
-          <a:ext cx="215986" cy="662359"/>
-        </a:xfrm>
-        <a:custGeom>
-          <a:avLst/>
-          <a:gdLst/>
-          <a:ahLst/>
-          <a:cxnLst/>
-          <a:rect l="0" t="0" r="0" b="0"/>
-          <a:pathLst>
-            <a:path>
-              <a:moveTo>
-                <a:pt x="0" y="0"/>
-              </a:moveTo>
-              <a:lnTo>
-                <a:pt x="0" y="662359"/>
-              </a:lnTo>
-              <a:lnTo>
-                <a:pt x="215986" y="662359"/>
-              </a:lnTo>
-            </a:path>
-          </a:pathLst>
-        </a:custGeom>
-        <a:noFill/>
-        <a:ln w="12700" cap="flat" cmpd="sng" algn="ctr">
-          <a:solidFill>
-            <a:schemeClr val="accent6">
-              <a:hueOff val="0"/>
-              <a:satOff val="0"/>
-              <a:lumOff val="0"/>
-              <a:alphaOff val="0"/>
-            </a:schemeClr>
-          </a:solidFill>
-          <a:prstDash val="solid"/>
-          <a:miter lim="800000"/>
-        </a:ln>
-        <a:effectLst/>
-      </dsp:spPr>
-      <dsp:style>
-        <a:lnRef idx="2">
-          <a:scrgbClr r="0" g="0" b="0"/>
-        </a:lnRef>
-        <a:fillRef idx="0">
-          <a:scrgbClr r="0" g="0" b="0"/>
-        </a:fillRef>
-        <a:effectRef idx="0">
-          <a:scrgbClr r="0" g="0" b="0"/>
-        </a:effectRef>
-        <a:fontRef idx="minor"/>
-      </dsp:style>
-    </dsp:sp>
-    <dsp:sp modelId="{06C39927-640E-4F06-9A9C-9EDA030074EE}">
-      <dsp:nvSpPr>
-        <dsp:cNvPr id="0" name=""/>
-        <dsp:cNvSpPr/>
-      </dsp:nvSpPr>
-      <dsp:spPr>
-        <a:xfrm>
-          <a:off x="4392010" y="1744303"/>
-          <a:ext cx="871146" cy="302381"/>
-        </a:xfrm>
-        <a:custGeom>
-          <a:avLst/>
-          <a:gdLst/>
-          <a:ahLst/>
-          <a:cxnLst/>
-          <a:rect l="0" t="0" r="0" b="0"/>
-          <a:pathLst>
-            <a:path>
-              <a:moveTo>
-                <a:pt x="0" y="0"/>
-              </a:moveTo>
-              <a:lnTo>
-                <a:pt x="0" y="151190"/>
-              </a:lnTo>
-              <a:lnTo>
-                <a:pt x="871146" y="151190"/>
-              </a:lnTo>
-              <a:lnTo>
-                <a:pt x="871146" y="302381"/>
+                <a:pt x="253658" y="777887"/>
               </a:lnTo>
             </a:path>
           </a:pathLst>
@@ -3133,15 +2733,15 @@
         <a:fontRef idx="minor"/>
       </dsp:style>
     </dsp:sp>
-    <dsp:sp modelId="{71C08850-6C20-40D7-86A2-D9FD0A3CCF87}">
+    <dsp:sp modelId="{DA555904-4FC1-46A1-8E83-ED69E59E57D1}">
       <dsp:nvSpPr>
         <dsp:cNvPr id="0" name=""/>
         <dsp:cNvSpPr/>
       </dsp:nvSpPr>
       <dsp:spPr>
         <a:xfrm>
-          <a:off x="2944899" y="2766640"/>
-          <a:ext cx="215986" cy="3729372"/>
+          <a:off x="4360617" y="850134"/>
+          <a:ext cx="3069273" cy="355122"/>
         </a:xfrm>
         <a:custGeom>
           <a:avLst/>
@@ -3155,10 +2755,13 @@
                 <a:pt x="0" y="0"/>
               </a:moveTo>
               <a:lnTo>
-                <a:pt x="0" y="3729372"/>
+                <a:pt x="0" y="177561"/>
               </a:lnTo>
               <a:lnTo>
-                <a:pt x="215986" y="3729372"/>
+                <a:pt x="3069273" y="177561"/>
+              </a:lnTo>
+              <a:lnTo>
+                <a:pt x="3069273" y="355122"/>
               </a:lnTo>
             </a:path>
           </a:pathLst>
@@ -3166,7 +2769,7 @@
         <a:noFill/>
         <a:ln w="12700" cap="flat" cmpd="sng" algn="ctr">
           <a:solidFill>
-            <a:schemeClr val="accent6">
+            <a:schemeClr val="accent4">
               <a:hueOff val="0"/>
               <a:satOff val="0"/>
               <a:lumOff val="0"/>
@@ -3191,15 +2794,15 @@
         <a:fontRef idx="minor"/>
       </dsp:style>
     </dsp:sp>
-    <dsp:sp modelId="{AEE27075-2A19-4E8B-B9FC-003EACF0E2C9}">
+    <dsp:sp modelId="{FA1C85F5-EB77-4684-8A8B-A31BFC407067}">
       <dsp:nvSpPr>
         <dsp:cNvPr id="0" name=""/>
         <dsp:cNvSpPr/>
       </dsp:nvSpPr>
       <dsp:spPr>
         <a:xfrm>
-          <a:off x="2944899" y="2766640"/>
-          <a:ext cx="215986" cy="2707034"/>
+          <a:off x="4707284" y="2050786"/>
+          <a:ext cx="253658" cy="3179191"/>
         </a:xfrm>
         <a:custGeom>
           <a:avLst/>
@@ -3213,187 +2816,10 @@
                 <a:pt x="0" y="0"/>
               </a:moveTo>
               <a:lnTo>
-                <a:pt x="0" y="2707034"/>
+                <a:pt x="0" y="3179191"/>
               </a:lnTo>
               <a:lnTo>
-                <a:pt x="215986" y="2707034"/>
-              </a:lnTo>
-            </a:path>
-          </a:pathLst>
-        </a:custGeom>
-        <a:noFill/>
-        <a:ln w="12700" cap="flat" cmpd="sng" algn="ctr">
-          <a:solidFill>
-            <a:schemeClr val="accent6">
-              <a:hueOff val="0"/>
-              <a:satOff val="0"/>
-              <a:lumOff val="0"/>
-              <a:alphaOff val="0"/>
-            </a:schemeClr>
-          </a:solidFill>
-          <a:prstDash val="solid"/>
-          <a:miter lim="800000"/>
-        </a:ln>
-        <a:effectLst/>
-      </dsp:spPr>
-      <dsp:style>
-        <a:lnRef idx="2">
-          <a:scrgbClr r="0" g="0" b="0"/>
-        </a:lnRef>
-        <a:fillRef idx="0">
-          <a:scrgbClr r="0" g="0" b="0"/>
-        </a:fillRef>
-        <a:effectRef idx="0">
-          <a:scrgbClr r="0" g="0" b="0"/>
-        </a:effectRef>
-        <a:fontRef idx="minor"/>
-      </dsp:style>
-    </dsp:sp>
-    <dsp:sp modelId="{3DEBF5CE-5AAD-47A7-BA08-04DF2AC62CDD}">
-      <dsp:nvSpPr>
-        <dsp:cNvPr id="0" name=""/>
-        <dsp:cNvSpPr/>
-      </dsp:nvSpPr>
-      <dsp:spPr>
-        <a:xfrm>
-          <a:off x="2944899" y="2766640"/>
-          <a:ext cx="215986" cy="1684697"/>
-        </a:xfrm>
-        <a:custGeom>
-          <a:avLst/>
-          <a:gdLst/>
-          <a:ahLst/>
-          <a:cxnLst/>
-          <a:rect l="0" t="0" r="0" b="0"/>
-          <a:pathLst>
-            <a:path>
-              <a:moveTo>
-                <a:pt x="0" y="0"/>
-              </a:moveTo>
-              <a:lnTo>
-                <a:pt x="0" y="1684697"/>
-              </a:lnTo>
-              <a:lnTo>
-                <a:pt x="215986" y="1684697"/>
-              </a:lnTo>
-            </a:path>
-          </a:pathLst>
-        </a:custGeom>
-        <a:noFill/>
-        <a:ln w="12700" cap="flat" cmpd="sng" algn="ctr">
-          <a:solidFill>
-            <a:schemeClr val="accent6">
-              <a:hueOff val="0"/>
-              <a:satOff val="0"/>
-              <a:lumOff val="0"/>
-              <a:alphaOff val="0"/>
-            </a:schemeClr>
-          </a:solidFill>
-          <a:prstDash val="solid"/>
-          <a:miter lim="800000"/>
-        </a:ln>
-        <a:effectLst/>
-      </dsp:spPr>
-      <dsp:style>
-        <a:lnRef idx="2">
-          <a:scrgbClr r="0" g="0" b="0"/>
-        </a:lnRef>
-        <a:fillRef idx="0">
-          <a:scrgbClr r="0" g="0" b="0"/>
-        </a:fillRef>
-        <a:effectRef idx="0">
-          <a:scrgbClr r="0" g="0" b="0"/>
-        </a:effectRef>
-        <a:fontRef idx="minor"/>
-      </dsp:style>
-    </dsp:sp>
-    <dsp:sp modelId="{CF3C7871-4303-48A3-BB4A-7A86D6B4721D}">
-      <dsp:nvSpPr>
-        <dsp:cNvPr id="0" name=""/>
-        <dsp:cNvSpPr/>
-      </dsp:nvSpPr>
-      <dsp:spPr>
-        <a:xfrm>
-          <a:off x="2944899" y="2766640"/>
-          <a:ext cx="215986" cy="662359"/>
-        </a:xfrm>
-        <a:custGeom>
-          <a:avLst/>
-          <a:gdLst/>
-          <a:ahLst/>
-          <a:cxnLst/>
-          <a:rect l="0" t="0" r="0" b="0"/>
-          <a:pathLst>
-            <a:path>
-              <a:moveTo>
-                <a:pt x="0" y="0"/>
-              </a:moveTo>
-              <a:lnTo>
-                <a:pt x="0" y="662359"/>
-              </a:lnTo>
-              <a:lnTo>
-                <a:pt x="215986" y="662359"/>
-              </a:lnTo>
-            </a:path>
-          </a:pathLst>
-        </a:custGeom>
-        <a:noFill/>
-        <a:ln w="12700" cap="flat" cmpd="sng" algn="ctr">
-          <a:solidFill>
-            <a:schemeClr val="accent6">
-              <a:hueOff val="0"/>
-              <a:satOff val="0"/>
-              <a:lumOff val="0"/>
-              <a:alphaOff val="0"/>
-            </a:schemeClr>
-          </a:solidFill>
-          <a:prstDash val="solid"/>
-          <a:miter lim="800000"/>
-        </a:ln>
-        <a:effectLst/>
-      </dsp:spPr>
-      <dsp:style>
-        <a:lnRef idx="2">
-          <a:scrgbClr r="0" g="0" b="0"/>
-        </a:lnRef>
-        <a:fillRef idx="0">
-          <a:scrgbClr r="0" g="0" b="0"/>
-        </a:fillRef>
-        <a:effectRef idx="0">
-          <a:scrgbClr r="0" g="0" b="0"/>
-        </a:effectRef>
-        <a:fontRef idx="minor"/>
-      </dsp:style>
-    </dsp:sp>
-    <dsp:sp modelId="{3ADED271-00FF-4B63-A289-DD03469DE526}">
-      <dsp:nvSpPr>
-        <dsp:cNvPr id="0" name=""/>
-        <dsp:cNvSpPr/>
-      </dsp:nvSpPr>
-      <dsp:spPr>
-        <a:xfrm>
-          <a:off x="3520864" y="1744303"/>
-          <a:ext cx="871146" cy="302381"/>
-        </a:xfrm>
-        <a:custGeom>
-          <a:avLst/>
-          <a:gdLst/>
-          <a:ahLst/>
-          <a:cxnLst/>
-          <a:rect l="0" t="0" r="0" b="0"/>
-          <a:pathLst>
-            <a:path>
-              <a:moveTo>
-                <a:pt x="871146" y="0"/>
-              </a:moveTo>
-              <a:lnTo>
-                <a:pt x="871146" y="151190"/>
-              </a:lnTo>
-              <a:lnTo>
-                <a:pt x="0" y="151190"/>
-              </a:lnTo>
-              <a:lnTo>
-                <a:pt x="0" y="302381"/>
+                <a:pt x="253658" y="3179191"/>
               </a:lnTo>
             </a:path>
           </a:pathLst>
@@ -3426,15 +2852,15 @@
         <a:fontRef idx="minor"/>
       </dsp:style>
     </dsp:sp>
-    <dsp:sp modelId="{6CF77085-0E58-4071-A531-5CE91F8DA348}">
+    <dsp:sp modelId="{15A61DF0-AC49-4E69-9546-90778A86DEB3}">
       <dsp:nvSpPr>
         <dsp:cNvPr id="0" name=""/>
         <dsp:cNvSpPr/>
       </dsp:nvSpPr>
       <dsp:spPr>
         <a:xfrm>
-          <a:off x="1202605" y="2766640"/>
-          <a:ext cx="215986" cy="1684697"/>
+          <a:off x="4707284" y="2050786"/>
+          <a:ext cx="253658" cy="1978539"/>
         </a:xfrm>
         <a:custGeom>
           <a:avLst/>
@@ -3448,129 +2874,10 @@
                 <a:pt x="0" y="0"/>
               </a:moveTo>
               <a:lnTo>
-                <a:pt x="0" y="1684697"/>
+                <a:pt x="0" y="1978539"/>
               </a:lnTo>
               <a:lnTo>
-                <a:pt x="215986" y="1684697"/>
-              </a:lnTo>
-            </a:path>
-          </a:pathLst>
-        </a:custGeom>
-        <a:noFill/>
-        <a:ln w="12700" cap="flat" cmpd="sng" algn="ctr">
-          <a:solidFill>
-            <a:schemeClr val="accent6">
-              <a:hueOff val="0"/>
-              <a:satOff val="0"/>
-              <a:lumOff val="0"/>
-              <a:alphaOff val="0"/>
-            </a:schemeClr>
-          </a:solidFill>
-          <a:prstDash val="solid"/>
-          <a:miter lim="800000"/>
-        </a:ln>
-        <a:effectLst/>
-      </dsp:spPr>
-      <dsp:style>
-        <a:lnRef idx="2">
-          <a:scrgbClr r="0" g="0" b="0"/>
-        </a:lnRef>
-        <a:fillRef idx="0">
-          <a:scrgbClr r="0" g="0" b="0"/>
-        </a:fillRef>
-        <a:effectRef idx="0">
-          <a:scrgbClr r="0" g="0" b="0"/>
-        </a:effectRef>
-        <a:fontRef idx="minor"/>
-      </dsp:style>
-    </dsp:sp>
-    <dsp:sp modelId="{12C09BAD-4169-4A5B-A324-4C3841F7A0F6}">
-      <dsp:nvSpPr>
-        <dsp:cNvPr id="0" name=""/>
-        <dsp:cNvSpPr/>
-      </dsp:nvSpPr>
-      <dsp:spPr>
-        <a:xfrm>
-          <a:off x="1202605" y="2766640"/>
-          <a:ext cx="215986" cy="662359"/>
-        </a:xfrm>
-        <a:custGeom>
-          <a:avLst/>
-          <a:gdLst/>
-          <a:ahLst/>
-          <a:cxnLst/>
-          <a:rect l="0" t="0" r="0" b="0"/>
-          <a:pathLst>
-            <a:path>
-              <a:moveTo>
-                <a:pt x="0" y="0"/>
-              </a:moveTo>
-              <a:lnTo>
-                <a:pt x="0" y="662359"/>
-              </a:lnTo>
-              <a:lnTo>
-                <a:pt x="215986" y="662359"/>
-              </a:lnTo>
-            </a:path>
-          </a:pathLst>
-        </a:custGeom>
-        <a:noFill/>
-        <a:ln w="12700" cap="flat" cmpd="sng" algn="ctr">
-          <a:solidFill>
-            <a:schemeClr val="accent6">
-              <a:hueOff val="0"/>
-              <a:satOff val="0"/>
-              <a:lumOff val="0"/>
-              <a:alphaOff val="0"/>
-            </a:schemeClr>
-          </a:solidFill>
-          <a:prstDash val="solid"/>
-          <a:miter lim="800000"/>
-        </a:ln>
-        <a:effectLst/>
-      </dsp:spPr>
-      <dsp:style>
-        <a:lnRef idx="2">
-          <a:scrgbClr r="0" g="0" b="0"/>
-        </a:lnRef>
-        <a:fillRef idx="0">
-          <a:scrgbClr r="0" g="0" b="0"/>
-        </a:fillRef>
-        <a:effectRef idx="0">
-          <a:scrgbClr r="0" g="0" b="0"/>
-        </a:effectRef>
-        <a:fontRef idx="minor"/>
-      </dsp:style>
-    </dsp:sp>
-    <dsp:sp modelId="{A8BE3D33-202F-4B78-BACF-C4CB91985458}">
-      <dsp:nvSpPr>
-        <dsp:cNvPr id="0" name=""/>
-        <dsp:cNvSpPr/>
-      </dsp:nvSpPr>
-      <dsp:spPr>
-        <a:xfrm>
-          <a:off x="1778570" y="1744303"/>
-          <a:ext cx="2613440" cy="302381"/>
-        </a:xfrm>
-        <a:custGeom>
-          <a:avLst/>
-          <a:gdLst/>
-          <a:ahLst/>
-          <a:cxnLst/>
-          <a:rect l="0" t="0" r="0" b="0"/>
-          <a:pathLst>
-            <a:path>
-              <a:moveTo>
-                <a:pt x="2613440" y="0"/>
-              </a:moveTo>
-              <a:lnTo>
-                <a:pt x="2613440" y="151190"/>
-              </a:lnTo>
-              <a:lnTo>
-                <a:pt x="0" y="151190"/>
-              </a:lnTo>
-              <a:lnTo>
-                <a:pt x="0" y="302381"/>
+                <a:pt x="253658" y="1978539"/>
               </a:lnTo>
             </a:path>
           </a:pathLst>
@@ -3603,15 +2910,15 @@
         <a:fontRef idx="minor"/>
       </dsp:style>
     </dsp:sp>
-    <dsp:sp modelId="{C7A0E339-BFBB-45CC-9DFE-88B68E9EA7A1}">
+    <dsp:sp modelId="{4FC84424-77B3-4BAD-A376-197D931F1926}">
       <dsp:nvSpPr>
         <dsp:cNvPr id="0" name=""/>
         <dsp:cNvSpPr/>
       </dsp:nvSpPr>
       <dsp:spPr>
         <a:xfrm>
-          <a:off x="4346290" y="721965"/>
-          <a:ext cx="91440" cy="302381"/>
+          <a:off x="4707284" y="2050786"/>
+          <a:ext cx="253658" cy="777887"/>
         </a:xfrm>
         <a:custGeom>
           <a:avLst/>
@@ -3622,10 +2929,74 @@
           <a:pathLst>
             <a:path>
               <a:moveTo>
-                <a:pt x="45720" y="0"/>
+                <a:pt x="0" y="0"/>
               </a:moveTo>
               <a:lnTo>
-                <a:pt x="45720" y="302381"/>
+                <a:pt x="0" y="777887"/>
+              </a:lnTo>
+              <a:lnTo>
+                <a:pt x="253658" y="777887"/>
+              </a:lnTo>
+            </a:path>
+          </a:pathLst>
+        </a:custGeom>
+        <a:noFill/>
+        <a:ln w="12700" cap="flat" cmpd="sng" algn="ctr">
+          <a:solidFill>
+            <a:schemeClr val="accent5">
+              <a:hueOff val="0"/>
+              <a:satOff val="0"/>
+              <a:lumOff val="0"/>
+              <a:alphaOff val="0"/>
+            </a:schemeClr>
+          </a:solidFill>
+          <a:prstDash val="solid"/>
+          <a:miter lim="800000"/>
+        </a:ln>
+        <a:effectLst/>
+      </dsp:spPr>
+      <dsp:style>
+        <a:lnRef idx="2">
+          <a:scrgbClr r="0" g="0" b="0"/>
+        </a:lnRef>
+        <a:fillRef idx="0">
+          <a:scrgbClr r="0" g="0" b="0"/>
+        </a:fillRef>
+        <a:effectRef idx="0">
+          <a:scrgbClr r="0" g="0" b="0"/>
+        </a:effectRef>
+        <a:fontRef idx="minor"/>
+      </dsp:style>
+    </dsp:sp>
+    <dsp:sp modelId="{06C39927-640E-4F06-9A9C-9EDA030074EE}">
+      <dsp:nvSpPr>
+        <dsp:cNvPr id="0" name=""/>
+        <dsp:cNvSpPr/>
+      </dsp:nvSpPr>
+      <dsp:spPr>
+        <a:xfrm>
+          <a:off x="4360617" y="850134"/>
+          <a:ext cx="1023091" cy="355122"/>
+        </a:xfrm>
+        <a:custGeom>
+          <a:avLst/>
+          <a:gdLst/>
+          <a:ahLst/>
+          <a:cxnLst/>
+          <a:rect l="0" t="0" r="0" b="0"/>
+          <a:pathLst>
+            <a:path>
+              <a:moveTo>
+                <a:pt x="0" y="0"/>
+              </a:moveTo>
+              <a:lnTo>
+                <a:pt x="0" y="177561"/>
+              </a:lnTo>
+              <a:lnTo>
+                <a:pt x="1023091" y="177561"/>
+              </a:lnTo>
+              <a:lnTo>
+                <a:pt x="1023091" y="355122"/>
               </a:lnTo>
             </a:path>
           </a:pathLst>
@@ -3658,15 +3029,485 @@
         <a:fontRef idx="minor"/>
       </dsp:style>
     </dsp:sp>
-    <dsp:sp modelId="{DA920640-8B72-4913-BA55-9259E051A12B}">
+    <dsp:sp modelId="{71C08850-6C20-40D7-86A2-D9FD0A3CCF87}">
       <dsp:nvSpPr>
         <dsp:cNvPr id="0" name=""/>
         <dsp:cNvSpPr/>
       </dsp:nvSpPr>
       <dsp:spPr>
         <a:xfrm>
-          <a:off x="3672054" y="2009"/>
-          <a:ext cx="1439912" cy="719956"/>
+          <a:off x="2661102" y="2050786"/>
+          <a:ext cx="253658" cy="4379844"/>
+        </a:xfrm>
+        <a:custGeom>
+          <a:avLst/>
+          <a:gdLst/>
+          <a:ahLst/>
+          <a:cxnLst/>
+          <a:rect l="0" t="0" r="0" b="0"/>
+          <a:pathLst>
+            <a:path>
+              <a:moveTo>
+                <a:pt x="0" y="0"/>
+              </a:moveTo>
+              <a:lnTo>
+                <a:pt x="0" y="4379844"/>
+              </a:lnTo>
+              <a:lnTo>
+                <a:pt x="253658" y="4379844"/>
+              </a:lnTo>
+            </a:path>
+          </a:pathLst>
+        </a:custGeom>
+        <a:noFill/>
+        <a:ln w="12700" cap="flat" cmpd="sng" algn="ctr">
+          <a:solidFill>
+            <a:schemeClr val="accent5">
+              <a:hueOff val="0"/>
+              <a:satOff val="0"/>
+              <a:lumOff val="0"/>
+              <a:alphaOff val="0"/>
+            </a:schemeClr>
+          </a:solidFill>
+          <a:prstDash val="solid"/>
+          <a:miter lim="800000"/>
+        </a:ln>
+        <a:effectLst/>
+      </dsp:spPr>
+      <dsp:style>
+        <a:lnRef idx="2">
+          <a:scrgbClr r="0" g="0" b="0"/>
+        </a:lnRef>
+        <a:fillRef idx="0">
+          <a:scrgbClr r="0" g="0" b="0"/>
+        </a:fillRef>
+        <a:effectRef idx="0">
+          <a:scrgbClr r="0" g="0" b="0"/>
+        </a:effectRef>
+        <a:fontRef idx="minor"/>
+      </dsp:style>
+    </dsp:sp>
+    <dsp:sp modelId="{AEE27075-2A19-4E8B-B9FC-003EACF0E2C9}">
+      <dsp:nvSpPr>
+        <dsp:cNvPr id="0" name=""/>
+        <dsp:cNvSpPr/>
+      </dsp:nvSpPr>
+      <dsp:spPr>
+        <a:xfrm>
+          <a:off x="2661102" y="2050786"/>
+          <a:ext cx="253658" cy="3179191"/>
+        </a:xfrm>
+        <a:custGeom>
+          <a:avLst/>
+          <a:gdLst/>
+          <a:ahLst/>
+          <a:cxnLst/>
+          <a:rect l="0" t="0" r="0" b="0"/>
+          <a:pathLst>
+            <a:path>
+              <a:moveTo>
+                <a:pt x="0" y="0"/>
+              </a:moveTo>
+              <a:lnTo>
+                <a:pt x="0" y="3179191"/>
+              </a:lnTo>
+              <a:lnTo>
+                <a:pt x="253658" y="3179191"/>
+              </a:lnTo>
+            </a:path>
+          </a:pathLst>
+        </a:custGeom>
+        <a:noFill/>
+        <a:ln w="12700" cap="flat" cmpd="sng" algn="ctr">
+          <a:solidFill>
+            <a:schemeClr val="accent5">
+              <a:hueOff val="0"/>
+              <a:satOff val="0"/>
+              <a:lumOff val="0"/>
+              <a:alphaOff val="0"/>
+            </a:schemeClr>
+          </a:solidFill>
+          <a:prstDash val="solid"/>
+          <a:miter lim="800000"/>
+        </a:ln>
+        <a:effectLst/>
+      </dsp:spPr>
+      <dsp:style>
+        <a:lnRef idx="2">
+          <a:scrgbClr r="0" g="0" b="0"/>
+        </a:lnRef>
+        <a:fillRef idx="0">
+          <a:scrgbClr r="0" g="0" b="0"/>
+        </a:fillRef>
+        <a:effectRef idx="0">
+          <a:scrgbClr r="0" g="0" b="0"/>
+        </a:effectRef>
+        <a:fontRef idx="minor"/>
+      </dsp:style>
+    </dsp:sp>
+    <dsp:sp modelId="{3DEBF5CE-5AAD-47A7-BA08-04DF2AC62CDD}">
+      <dsp:nvSpPr>
+        <dsp:cNvPr id="0" name=""/>
+        <dsp:cNvSpPr/>
+      </dsp:nvSpPr>
+      <dsp:spPr>
+        <a:xfrm>
+          <a:off x="2661102" y="2050786"/>
+          <a:ext cx="253658" cy="1978539"/>
+        </a:xfrm>
+        <a:custGeom>
+          <a:avLst/>
+          <a:gdLst/>
+          <a:ahLst/>
+          <a:cxnLst/>
+          <a:rect l="0" t="0" r="0" b="0"/>
+          <a:pathLst>
+            <a:path>
+              <a:moveTo>
+                <a:pt x="0" y="0"/>
+              </a:moveTo>
+              <a:lnTo>
+                <a:pt x="0" y="1978539"/>
+              </a:lnTo>
+              <a:lnTo>
+                <a:pt x="253658" y="1978539"/>
+              </a:lnTo>
+            </a:path>
+          </a:pathLst>
+        </a:custGeom>
+        <a:noFill/>
+        <a:ln w="12700" cap="flat" cmpd="sng" algn="ctr">
+          <a:solidFill>
+            <a:schemeClr val="accent5">
+              <a:hueOff val="0"/>
+              <a:satOff val="0"/>
+              <a:lumOff val="0"/>
+              <a:alphaOff val="0"/>
+            </a:schemeClr>
+          </a:solidFill>
+          <a:prstDash val="solid"/>
+          <a:miter lim="800000"/>
+        </a:ln>
+        <a:effectLst/>
+      </dsp:spPr>
+      <dsp:style>
+        <a:lnRef idx="2">
+          <a:scrgbClr r="0" g="0" b="0"/>
+        </a:lnRef>
+        <a:fillRef idx="0">
+          <a:scrgbClr r="0" g="0" b="0"/>
+        </a:fillRef>
+        <a:effectRef idx="0">
+          <a:scrgbClr r="0" g="0" b="0"/>
+        </a:effectRef>
+        <a:fontRef idx="minor"/>
+      </dsp:style>
+    </dsp:sp>
+    <dsp:sp modelId="{CF3C7871-4303-48A3-BB4A-7A86D6B4721D}">
+      <dsp:nvSpPr>
+        <dsp:cNvPr id="0" name=""/>
+        <dsp:cNvSpPr/>
+      </dsp:nvSpPr>
+      <dsp:spPr>
+        <a:xfrm>
+          <a:off x="2661102" y="2050786"/>
+          <a:ext cx="253658" cy="777887"/>
+        </a:xfrm>
+        <a:custGeom>
+          <a:avLst/>
+          <a:gdLst/>
+          <a:ahLst/>
+          <a:cxnLst/>
+          <a:rect l="0" t="0" r="0" b="0"/>
+          <a:pathLst>
+            <a:path>
+              <a:moveTo>
+                <a:pt x="0" y="0"/>
+              </a:moveTo>
+              <a:lnTo>
+                <a:pt x="0" y="777887"/>
+              </a:lnTo>
+              <a:lnTo>
+                <a:pt x="253658" y="777887"/>
+              </a:lnTo>
+            </a:path>
+          </a:pathLst>
+        </a:custGeom>
+        <a:noFill/>
+        <a:ln w="12700" cap="flat" cmpd="sng" algn="ctr">
+          <a:solidFill>
+            <a:schemeClr val="accent5">
+              <a:hueOff val="0"/>
+              <a:satOff val="0"/>
+              <a:lumOff val="0"/>
+              <a:alphaOff val="0"/>
+            </a:schemeClr>
+          </a:solidFill>
+          <a:prstDash val="solid"/>
+          <a:miter lim="800000"/>
+        </a:ln>
+        <a:effectLst/>
+      </dsp:spPr>
+      <dsp:style>
+        <a:lnRef idx="2">
+          <a:scrgbClr r="0" g="0" b="0"/>
+        </a:lnRef>
+        <a:fillRef idx="0">
+          <a:scrgbClr r="0" g="0" b="0"/>
+        </a:fillRef>
+        <a:effectRef idx="0">
+          <a:scrgbClr r="0" g="0" b="0"/>
+        </a:effectRef>
+        <a:fontRef idx="minor"/>
+      </dsp:style>
+    </dsp:sp>
+    <dsp:sp modelId="{3ADED271-00FF-4B63-A289-DD03469DE526}">
+      <dsp:nvSpPr>
+        <dsp:cNvPr id="0" name=""/>
+        <dsp:cNvSpPr/>
+      </dsp:nvSpPr>
+      <dsp:spPr>
+        <a:xfrm>
+          <a:off x="3337526" y="850134"/>
+          <a:ext cx="1023091" cy="355122"/>
+        </a:xfrm>
+        <a:custGeom>
+          <a:avLst/>
+          <a:gdLst/>
+          <a:ahLst/>
+          <a:cxnLst/>
+          <a:rect l="0" t="0" r="0" b="0"/>
+          <a:pathLst>
+            <a:path>
+              <a:moveTo>
+                <a:pt x="1023091" y="0"/>
+              </a:moveTo>
+              <a:lnTo>
+                <a:pt x="1023091" y="177561"/>
+              </a:lnTo>
+              <a:lnTo>
+                <a:pt x="0" y="177561"/>
+              </a:lnTo>
+              <a:lnTo>
+                <a:pt x="0" y="355122"/>
+              </a:lnTo>
+            </a:path>
+          </a:pathLst>
+        </a:custGeom>
+        <a:noFill/>
+        <a:ln w="12700" cap="flat" cmpd="sng" algn="ctr">
+          <a:solidFill>
+            <a:schemeClr val="accent4">
+              <a:hueOff val="0"/>
+              <a:satOff val="0"/>
+              <a:lumOff val="0"/>
+              <a:alphaOff val="0"/>
+            </a:schemeClr>
+          </a:solidFill>
+          <a:prstDash val="solid"/>
+          <a:miter lim="800000"/>
+        </a:ln>
+        <a:effectLst/>
+      </dsp:spPr>
+      <dsp:style>
+        <a:lnRef idx="2">
+          <a:scrgbClr r="0" g="0" b="0"/>
+        </a:lnRef>
+        <a:fillRef idx="0">
+          <a:scrgbClr r="0" g="0" b="0"/>
+        </a:fillRef>
+        <a:effectRef idx="0">
+          <a:scrgbClr r="0" g="0" b="0"/>
+        </a:effectRef>
+        <a:fontRef idx="minor"/>
+      </dsp:style>
+    </dsp:sp>
+    <dsp:sp modelId="{6CF77085-0E58-4071-A531-5CE91F8DA348}">
+      <dsp:nvSpPr>
+        <dsp:cNvPr id="0" name=""/>
+        <dsp:cNvSpPr/>
+      </dsp:nvSpPr>
+      <dsp:spPr>
+        <a:xfrm>
+          <a:off x="614920" y="2050786"/>
+          <a:ext cx="253658" cy="1978539"/>
+        </a:xfrm>
+        <a:custGeom>
+          <a:avLst/>
+          <a:gdLst/>
+          <a:ahLst/>
+          <a:cxnLst/>
+          <a:rect l="0" t="0" r="0" b="0"/>
+          <a:pathLst>
+            <a:path>
+              <a:moveTo>
+                <a:pt x="0" y="0"/>
+              </a:moveTo>
+              <a:lnTo>
+                <a:pt x="0" y="1978539"/>
+              </a:lnTo>
+              <a:lnTo>
+                <a:pt x="253658" y="1978539"/>
+              </a:lnTo>
+            </a:path>
+          </a:pathLst>
+        </a:custGeom>
+        <a:noFill/>
+        <a:ln w="12700" cap="flat" cmpd="sng" algn="ctr">
+          <a:solidFill>
+            <a:schemeClr val="accent5">
+              <a:hueOff val="0"/>
+              <a:satOff val="0"/>
+              <a:lumOff val="0"/>
+              <a:alphaOff val="0"/>
+            </a:schemeClr>
+          </a:solidFill>
+          <a:prstDash val="solid"/>
+          <a:miter lim="800000"/>
+        </a:ln>
+        <a:effectLst/>
+      </dsp:spPr>
+      <dsp:style>
+        <a:lnRef idx="2">
+          <a:scrgbClr r="0" g="0" b="0"/>
+        </a:lnRef>
+        <a:fillRef idx="0">
+          <a:scrgbClr r="0" g="0" b="0"/>
+        </a:fillRef>
+        <a:effectRef idx="0">
+          <a:scrgbClr r="0" g="0" b="0"/>
+        </a:effectRef>
+        <a:fontRef idx="minor"/>
+      </dsp:style>
+    </dsp:sp>
+    <dsp:sp modelId="{12C09BAD-4169-4A5B-A324-4C3841F7A0F6}">
+      <dsp:nvSpPr>
+        <dsp:cNvPr id="0" name=""/>
+        <dsp:cNvSpPr/>
+      </dsp:nvSpPr>
+      <dsp:spPr>
+        <a:xfrm>
+          <a:off x="614920" y="2050786"/>
+          <a:ext cx="253658" cy="777887"/>
+        </a:xfrm>
+        <a:custGeom>
+          <a:avLst/>
+          <a:gdLst/>
+          <a:ahLst/>
+          <a:cxnLst/>
+          <a:rect l="0" t="0" r="0" b="0"/>
+          <a:pathLst>
+            <a:path>
+              <a:moveTo>
+                <a:pt x="0" y="0"/>
+              </a:moveTo>
+              <a:lnTo>
+                <a:pt x="0" y="777887"/>
+              </a:lnTo>
+              <a:lnTo>
+                <a:pt x="253658" y="777887"/>
+              </a:lnTo>
+            </a:path>
+          </a:pathLst>
+        </a:custGeom>
+        <a:noFill/>
+        <a:ln w="12700" cap="flat" cmpd="sng" algn="ctr">
+          <a:solidFill>
+            <a:schemeClr val="accent5">
+              <a:hueOff val="0"/>
+              <a:satOff val="0"/>
+              <a:lumOff val="0"/>
+              <a:alphaOff val="0"/>
+            </a:schemeClr>
+          </a:solidFill>
+          <a:prstDash val="solid"/>
+          <a:miter lim="800000"/>
+        </a:ln>
+        <a:effectLst/>
+      </dsp:spPr>
+      <dsp:style>
+        <a:lnRef idx="2">
+          <a:scrgbClr r="0" g="0" b="0"/>
+        </a:lnRef>
+        <a:fillRef idx="0">
+          <a:scrgbClr r="0" g="0" b="0"/>
+        </a:fillRef>
+        <a:effectRef idx="0">
+          <a:scrgbClr r="0" g="0" b="0"/>
+        </a:effectRef>
+        <a:fontRef idx="minor"/>
+      </dsp:style>
+    </dsp:sp>
+    <dsp:sp modelId="{A8BE3D33-202F-4B78-BACF-C4CB91985458}">
+      <dsp:nvSpPr>
+        <dsp:cNvPr id="0" name=""/>
+        <dsp:cNvSpPr/>
+      </dsp:nvSpPr>
+      <dsp:spPr>
+        <a:xfrm>
+          <a:off x="1291344" y="850134"/>
+          <a:ext cx="3069273" cy="355122"/>
+        </a:xfrm>
+        <a:custGeom>
+          <a:avLst/>
+          <a:gdLst/>
+          <a:ahLst/>
+          <a:cxnLst/>
+          <a:rect l="0" t="0" r="0" b="0"/>
+          <a:pathLst>
+            <a:path>
+              <a:moveTo>
+                <a:pt x="3069273" y="0"/>
+              </a:moveTo>
+              <a:lnTo>
+                <a:pt x="3069273" y="177561"/>
+              </a:lnTo>
+              <a:lnTo>
+                <a:pt x="0" y="177561"/>
+              </a:lnTo>
+              <a:lnTo>
+                <a:pt x="0" y="355122"/>
+              </a:lnTo>
+            </a:path>
+          </a:pathLst>
+        </a:custGeom>
+        <a:noFill/>
+        <a:ln w="12700" cap="flat" cmpd="sng" algn="ctr">
+          <a:solidFill>
+            <a:schemeClr val="accent4">
+              <a:hueOff val="0"/>
+              <a:satOff val="0"/>
+              <a:lumOff val="0"/>
+              <a:alphaOff val="0"/>
+            </a:schemeClr>
+          </a:solidFill>
+          <a:prstDash val="solid"/>
+          <a:miter lim="800000"/>
+        </a:ln>
+        <a:effectLst/>
+      </dsp:spPr>
+      <dsp:style>
+        <a:lnRef idx="2">
+          <a:scrgbClr r="0" g="0" b="0"/>
+        </a:lnRef>
+        <a:fillRef idx="0">
+          <a:scrgbClr r="0" g="0" b="0"/>
+        </a:fillRef>
+        <a:effectRef idx="0">
+          <a:scrgbClr r="0" g="0" b="0"/>
+        </a:effectRef>
+        <a:fontRef idx="minor"/>
+      </dsp:style>
+    </dsp:sp>
+    <dsp:sp modelId="{532291A3-CE2C-4956-8F9A-F356C2FAD7C5}">
+      <dsp:nvSpPr>
+        <dsp:cNvPr id="0" name=""/>
+        <dsp:cNvSpPr/>
+      </dsp:nvSpPr>
+      <dsp:spPr>
+        <a:xfrm>
+          <a:off x="3515087" y="4604"/>
+          <a:ext cx="1691059" cy="845529"/>
         </a:xfrm>
         <a:prstGeom prst="rect">
           <a:avLst/>
@@ -3708,12 +3549,12 @@
         </a:fontRef>
       </dsp:style>
       <dsp:txBody>
-        <a:bodyPr spcFirstLastPara="0" vert="horz" wrap="square" lIns="7620" tIns="7620" rIns="7620" bIns="7620" numCol="1" spcCol="1270" anchor="ctr" anchorCtr="0">
+        <a:bodyPr spcFirstLastPara="0" vert="horz" wrap="square" lIns="8890" tIns="8890" rIns="8890" bIns="8890" numCol="1" spcCol="1270" anchor="ctr" anchorCtr="0">
           <a:noAutofit/>
         </a:bodyPr>
         <a:lstStyle/>
         <a:p>
-          <a:pPr lvl="0" algn="ctr" defTabSz="533400">
+          <a:pPr lvl="0" algn="ctr" defTabSz="622300">
             <a:lnSpc>
               <a:spcPct val="90000"/>
             </a:lnSpc>
@@ -3725,25 +3566,25 @@
             </a:spcAft>
           </a:pPr>
           <a:r>
-            <a:rPr lang="en-US" sz="1200" kern="1200"/>
-            <a:t>Semi-annual rebalancing between developed and emerging markets</a:t>
+            <a:rPr lang="en-US" sz="1400" kern="1200"/>
+            <a:t>Monthly rebalancing at country level within developed and emerging markets</a:t>
           </a:r>
         </a:p>
       </dsp:txBody>
       <dsp:txXfrm>
-        <a:off x="3672054" y="2009"/>
-        <a:ext cx="1439912" cy="719956"/>
+        <a:off x="3515087" y="4604"/>
+        <a:ext cx="1691059" cy="845529"/>
       </dsp:txXfrm>
     </dsp:sp>
-    <dsp:sp modelId="{186C055C-21B4-48A8-BC26-65AAD2880EBF}">
+    <dsp:sp modelId="{3FC867EC-DC01-4D6E-9B84-7B383587A504}">
       <dsp:nvSpPr>
         <dsp:cNvPr id="0" name=""/>
         <dsp:cNvSpPr/>
       </dsp:nvSpPr>
       <dsp:spPr>
         <a:xfrm>
-          <a:off x="3672054" y="1024347"/>
-          <a:ext cx="1439912" cy="719956"/>
+          <a:off x="445814" y="1205257"/>
+          <a:ext cx="1691059" cy="845529"/>
         </a:xfrm>
         <a:prstGeom prst="rect">
           <a:avLst/>
@@ -3785,12 +3626,12 @@
         </a:fontRef>
       </dsp:style>
       <dsp:txBody>
-        <a:bodyPr spcFirstLastPara="0" vert="horz" wrap="square" lIns="7620" tIns="7620" rIns="7620" bIns="7620" numCol="1" spcCol="1270" anchor="ctr" anchorCtr="0">
+        <a:bodyPr spcFirstLastPara="0" vert="horz" wrap="square" lIns="8890" tIns="8890" rIns="8890" bIns="8890" numCol="1" spcCol="1270" anchor="ctr" anchorCtr="0">
           <a:noAutofit/>
         </a:bodyPr>
         <a:lstStyle/>
         <a:p>
-          <a:pPr lvl="0" algn="ctr" defTabSz="533400">
+          <a:pPr lvl="0" algn="ctr" defTabSz="622300">
             <a:lnSpc>
               <a:spcPct val="90000"/>
             </a:lnSpc>
@@ -3802,25 +3643,25 @@
             </a:spcAft>
           </a:pPr>
           <a:r>
-            <a:rPr lang="en-US" sz="1200" kern="1200"/>
-            <a:t>Monthly rebalancing at country level within developed and emerging markets</a:t>
+            <a:rPr lang="en-US" sz="1400" kern="1200" dirty="0"/>
+            <a:t>Technical score</a:t>
           </a:r>
         </a:p>
       </dsp:txBody>
       <dsp:txXfrm>
-        <a:off x="3672054" y="1024347"/>
-        <a:ext cx="1439912" cy="719956"/>
+        <a:off x="445814" y="1205257"/>
+        <a:ext cx="1691059" cy="845529"/>
       </dsp:txXfrm>
     </dsp:sp>
-    <dsp:sp modelId="{3FC867EC-DC01-4D6E-9B84-7B383587A504}">
+    <dsp:sp modelId="{FA45CC20-69B4-4564-A9F3-FECEBCB041D1}">
       <dsp:nvSpPr>
         <dsp:cNvPr id="0" name=""/>
         <dsp:cNvSpPr/>
       </dsp:nvSpPr>
       <dsp:spPr>
         <a:xfrm>
-          <a:off x="1058614" y="2046684"/>
-          <a:ext cx="1439912" cy="719956"/>
+          <a:off x="868579" y="2405909"/>
+          <a:ext cx="1691059" cy="845529"/>
         </a:xfrm>
         <a:prstGeom prst="rect">
           <a:avLst/>
@@ -3862,12 +3703,12 @@
         </a:fontRef>
       </dsp:style>
       <dsp:txBody>
-        <a:bodyPr spcFirstLastPara="0" vert="horz" wrap="square" lIns="7620" tIns="7620" rIns="7620" bIns="7620" numCol="1" spcCol="1270" anchor="ctr" anchorCtr="0">
+        <a:bodyPr spcFirstLastPara="0" vert="horz" wrap="square" lIns="8890" tIns="8890" rIns="8890" bIns="8890" numCol="1" spcCol="1270" anchor="ctr" anchorCtr="0">
           <a:noAutofit/>
         </a:bodyPr>
         <a:lstStyle/>
         <a:p>
-          <a:pPr lvl="0" algn="ctr" defTabSz="533400">
+          <a:pPr lvl="0" algn="ctr" defTabSz="622300">
             <a:lnSpc>
               <a:spcPct val="90000"/>
             </a:lnSpc>
@@ -3879,91 +3720,14 @@
             </a:spcAft>
           </a:pPr>
           <a:r>
-            <a:rPr lang="en-US" sz="1200" kern="1200" dirty="0"/>
-            <a:t>Technical score</a:t>
+            <a:rPr lang="en-US" sz="1400" kern="1200"/>
+            <a:t>Momentum</a:t>
           </a:r>
         </a:p>
       </dsp:txBody>
       <dsp:txXfrm>
-        <a:off x="1058614" y="2046684"/>
-        <a:ext cx="1439912" cy="719956"/>
-      </dsp:txXfrm>
-    </dsp:sp>
-    <dsp:sp modelId="{FA45CC20-69B4-4564-A9F3-FECEBCB041D1}">
-      <dsp:nvSpPr>
-        <dsp:cNvPr id="0" name=""/>
-        <dsp:cNvSpPr/>
-      </dsp:nvSpPr>
-      <dsp:spPr>
-        <a:xfrm>
-          <a:off x="1418592" y="3069022"/>
-          <a:ext cx="1439912" cy="719956"/>
-        </a:xfrm>
-        <a:prstGeom prst="rect">
-          <a:avLst/>
-        </a:prstGeom>
-        <a:solidFill>
-          <a:schemeClr val="accent6">
-            <a:hueOff val="0"/>
-            <a:satOff val="0"/>
-            <a:lumOff val="0"/>
-            <a:alphaOff val="0"/>
-          </a:schemeClr>
-        </a:solidFill>
-        <a:ln w="12700" cap="flat" cmpd="sng" algn="ctr">
-          <a:solidFill>
-            <a:schemeClr val="lt1">
-              <a:hueOff val="0"/>
-              <a:satOff val="0"/>
-              <a:lumOff val="0"/>
-              <a:alphaOff val="0"/>
-            </a:schemeClr>
-          </a:solidFill>
-          <a:prstDash val="solid"/>
-          <a:miter lim="800000"/>
-        </a:ln>
-        <a:effectLst/>
-      </dsp:spPr>
-      <dsp:style>
-        <a:lnRef idx="2">
-          <a:scrgbClr r="0" g="0" b="0"/>
-        </a:lnRef>
-        <a:fillRef idx="1">
-          <a:scrgbClr r="0" g="0" b="0"/>
-        </a:fillRef>
-        <a:effectRef idx="0">
-          <a:scrgbClr r="0" g="0" b="0"/>
-        </a:effectRef>
-        <a:fontRef idx="minor">
-          <a:schemeClr val="lt1"/>
-        </a:fontRef>
-      </dsp:style>
-      <dsp:txBody>
-        <a:bodyPr spcFirstLastPara="0" vert="horz" wrap="square" lIns="7620" tIns="7620" rIns="7620" bIns="7620" numCol="1" spcCol="1270" anchor="ctr" anchorCtr="0">
-          <a:noAutofit/>
-        </a:bodyPr>
-        <a:lstStyle/>
-        <a:p>
-          <a:pPr lvl="0" algn="ctr" defTabSz="533400">
-            <a:lnSpc>
-              <a:spcPct val="90000"/>
-            </a:lnSpc>
-            <a:spcBef>
-              <a:spcPct val="0"/>
-            </a:spcBef>
-            <a:spcAft>
-              <a:spcPct val="35000"/>
-            </a:spcAft>
-          </a:pPr>
-          <a:r>
-            <a:rPr lang="en-US" sz="1200" kern="1200"/>
-            <a:t>Momentum</a:t>
-          </a:r>
-        </a:p>
-      </dsp:txBody>
-      <dsp:txXfrm>
-        <a:off x="1418592" y="3069022"/>
-        <a:ext cx="1439912" cy="719956"/>
+        <a:off x="868579" y="2405909"/>
+        <a:ext cx="1691059" cy="845529"/>
       </dsp:txXfrm>
     </dsp:sp>
     <dsp:sp modelId="{E29314CE-9117-4D7E-8A9F-C2C3B4D6D154}">
@@ -3973,85 +3737,8 @@
       </dsp:nvSpPr>
       <dsp:spPr>
         <a:xfrm>
-          <a:off x="1418592" y="4091360"/>
-          <a:ext cx="1439912" cy="719956"/>
-        </a:xfrm>
-        <a:prstGeom prst="rect">
-          <a:avLst/>
-        </a:prstGeom>
-        <a:solidFill>
-          <a:schemeClr val="accent6">
-            <a:hueOff val="0"/>
-            <a:satOff val="0"/>
-            <a:lumOff val="0"/>
-            <a:alphaOff val="0"/>
-          </a:schemeClr>
-        </a:solidFill>
-        <a:ln w="12700" cap="flat" cmpd="sng" algn="ctr">
-          <a:solidFill>
-            <a:schemeClr val="lt1">
-              <a:hueOff val="0"/>
-              <a:satOff val="0"/>
-              <a:lumOff val="0"/>
-              <a:alphaOff val="0"/>
-            </a:schemeClr>
-          </a:solidFill>
-          <a:prstDash val="solid"/>
-          <a:miter lim="800000"/>
-        </a:ln>
-        <a:effectLst/>
-      </dsp:spPr>
-      <dsp:style>
-        <a:lnRef idx="2">
-          <a:scrgbClr r="0" g="0" b="0"/>
-        </a:lnRef>
-        <a:fillRef idx="1">
-          <a:scrgbClr r="0" g="0" b="0"/>
-        </a:fillRef>
-        <a:effectRef idx="0">
-          <a:scrgbClr r="0" g="0" b="0"/>
-        </a:effectRef>
-        <a:fontRef idx="minor">
-          <a:schemeClr val="lt1"/>
-        </a:fontRef>
-      </dsp:style>
-      <dsp:txBody>
-        <a:bodyPr spcFirstLastPara="0" vert="horz" wrap="square" lIns="7620" tIns="7620" rIns="7620" bIns="7620" numCol="1" spcCol="1270" anchor="ctr" anchorCtr="0">
-          <a:noAutofit/>
-        </a:bodyPr>
-        <a:lstStyle/>
-        <a:p>
-          <a:pPr lvl="0" algn="ctr" defTabSz="533400">
-            <a:lnSpc>
-              <a:spcPct val="90000"/>
-            </a:lnSpc>
-            <a:spcBef>
-              <a:spcPct val="0"/>
-            </a:spcBef>
-            <a:spcAft>
-              <a:spcPct val="35000"/>
-            </a:spcAft>
-          </a:pPr>
-          <a:r>
-            <a:rPr lang="en-US" sz="1200" kern="1200"/>
-            <a:t>Mean-Reversion</a:t>
-          </a:r>
-        </a:p>
-      </dsp:txBody>
-      <dsp:txXfrm>
-        <a:off x="1418592" y="4091360"/>
-        <a:ext cx="1439912" cy="719956"/>
-      </dsp:txXfrm>
-    </dsp:sp>
-    <dsp:sp modelId="{26D8BFE9-A2A3-4C05-B39A-E34277ED0470}">
-      <dsp:nvSpPr>
-        <dsp:cNvPr id="0" name=""/>
-        <dsp:cNvSpPr/>
-      </dsp:nvSpPr>
-      <dsp:spPr>
-        <a:xfrm>
-          <a:off x="2800908" y="2046684"/>
-          <a:ext cx="1439912" cy="719956"/>
+          <a:off x="868579" y="3606561"/>
+          <a:ext cx="1691059" cy="845529"/>
         </a:xfrm>
         <a:prstGeom prst="rect">
           <a:avLst/>
@@ -4093,12 +3780,12 @@
         </a:fontRef>
       </dsp:style>
       <dsp:txBody>
-        <a:bodyPr spcFirstLastPara="0" vert="horz" wrap="square" lIns="7620" tIns="7620" rIns="7620" bIns="7620" numCol="1" spcCol="1270" anchor="ctr" anchorCtr="0">
+        <a:bodyPr spcFirstLastPara="0" vert="horz" wrap="square" lIns="8890" tIns="8890" rIns="8890" bIns="8890" numCol="1" spcCol="1270" anchor="ctr" anchorCtr="0">
           <a:noAutofit/>
         </a:bodyPr>
         <a:lstStyle/>
         <a:p>
-          <a:pPr lvl="0" algn="ctr" defTabSz="533400">
+          <a:pPr lvl="0" algn="ctr" defTabSz="622300">
             <a:lnSpc>
               <a:spcPct val="90000"/>
             </a:lnSpc>
@@ -4110,31 +3797,31 @@
             </a:spcAft>
           </a:pPr>
           <a:r>
-            <a:rPr lang="en-US" sz="1200" kern="1200"/>
-            <a:t>Fundamental score</a:t>
+            <a:rPr lang="en-US" sz="1400" kern="1200"/>
+            <a:t>Mean-Reversion</a:t>
           </a:r>
         </a:p>
       </dsp:txBody>
       <dsp:txXfrm>
-        <a:off x="2800908" y="2046684"/>
-        <a:ext cx="1439912" cy="719956"/>
+        <a:off x="868579" y="3606561"/>
+        <a:ext cx="1691059" cy="845529"/>
       </dsp:txXfrm>
     </dsp:sp>
-    <dsp:sp modelId="{1A858DA5-A289-4A22-B794-D6D770901C98}">
+    <dsp:sp modelId="{26D8BFE9-A2A3-4C05-B39A-E34277ED0470}">
       <dsp:nvSpPr>
         <dsp:cNvPr id="0" name=""/>
         <dsp:cNvSpPr/>
       </dsp:nvSpPr>
       <dsp:spPr>
         <a:xfrm>
-          <a:off x="3160886" y="3069022"/>
-          <a:ext cx="1439912" cy="719956"/>
+          <a:off x="2491996" y="1205257"/>
+          <a:ext cx="1691059" cy="845529"/>
         </a:xfrm>
         <a:prstGeom prst="rect">
           <a:avLst/>
         </a:prstGeom>
         <a:solidFill>
-          <a:schemeClr val="accent6">
+          <a:schemeClr val="accent4">
             <a:hueOff val="0"/>
             <a:satOff val="0"/>
             <a:lumOff val="0"/>
@@ -4170,12 +3857,12 @@
         </a:fontRef>
       </dsp:style>
       <dsp:txBody>
-        <a:bodyPr spcFirstLastPara="0" vert="horz" wrap="square" lIns="7620" tIns="7620" rIns="7620" bIns="7620" numCol="1" spcCol="1270" anchor="ctr" anchorCtr="0">
+        <a:bodyPr spcFirstLastPara="0" vert="horz" wrap="square" lIns="8890" tIns="8890" rIns="8890" bIns="8890" numCol="1" spcCol="1270" anchor="ctr" anchorCtr="0">
           <a:noAutofit/>
         </a:bodyPr>
         <a:lstStyle/>
         <a:p>
-          <a:pPr lvl="0" algn="ctr" defTabSz="533400">
+          <a:pPr lvl="0" algn="ctr" defTabSz="622300">
             <a:lnSpc>
               <a:spcPct val="90000"/>
             </a:lnSpc>
@@ -4187,256 +3874,25 @@
             </a:spcAft>
           </a:pPr>
           <a:r>
-            <a:rPr lang="en-US" sz="1200" kern="1200"/>
-            <a:t>Dividend yield</a:t>
+            <a:rPr lang="en-US" sz="1400" kern="1200"/>
+            <a:t>Fundamental score</a:t>
           </a:r>
         </a:p>
       </dsp:txBody>
       <dsp:txXfrm>
-        <a:off x="3160886" y="3069022"/>
-        <a:ext cx="1439912" cy="719956"/>
+        <a:off x="2491996" y="1205257"/>
+        <a:ext cx="1691059" cy="845529"/>
       </dsp:txXfrm>
     </dsp:sp>
-    <dsp:sp modelId="{43564767-2DAF-4E04-9A8E-DD1E3F8D8AE9}">
+    <dsp:sp modelId="{1A858DA5-A289-4A22-B794-D6D770901C98}">
       <dsp:nvSpPr>
         <dsp:cNvPr id="0" name=""/>
         <dsp:cNvSpPr/>
       </dsp:nvSpPr>
       <dsp:spPr>
         <a:xfrm>
-          <a:off x="3160886" y="4091360"/>
-          <a:ext cx="1439912" cy="719956"/>
-        </a:xfrm>
-        <a:prstGeom prst="rect">
-          <a:avLst/>
-        </a:prstGeom>
-        <a:solidFill>
-          <a:schemeClr val="accent6">
-            <a:hueOff val="0"/>
-            <a:satOff val="0"/>
-            <a:lumOff val="0"/>
-            <a:alphaOff val="0"/>
-          </a:schemeClr>
-        </a:solidFill>
-        <a:ln w="12700" cap="flat" cmpd="sng" algn="ctr">
-          <a:solidFill>
-            <a:schemeClr val="lt1">
-              <a:hueOff val="0"/>
-              <a:satOff val="0"/>
-              <a:lumOff val="0"/>
-              <a:alphaOff val="0"/>
-            </a:schemeClr>
-          </a:solidFill>
-          <a:prstDash val="solid"/>
-          <a:miter lim="800000"/>
-        </a:ln>
-        <a:effectLst/>
-      </dsp:spPr>
-      <dsp:style>
-        <a:lnRef idx="2">
-          <a:scrgbClr r="0" g="0" b="0"/>
-        </a:lnRef>
-        <a:fillRef idx="1">
-          <a:scrgbClr r="0" g="0" b="0"/>
-        </a:fillRef>
-        <a:effectRef idx="0">
-          <a:scrgbClr r="0" g="0" b="0"/>
-        </a:effectRef>
-        <a:fontRef idx="minor">
-          <a:schemeClr val="lt1"/>
-        </a:fontRef>
-      </dsp:style>
-      <dsp:txBody>
-        <a:bodyPr spcFirstLastPara="0" vert="horz" wrap="square" lIns="7620" tIns="7620" rIns="7620" bIns="7620" numCol="1" spcCol="1270" anchor="ctr" anchorCtr="0">
-          <a:noAutofit/>
-        </a:bodyPr>
-        <a:lstStyle/>
-        <a:p>
-          <a:pPr lvl="0" algn="ctr" defTabSz="533400">
-            <a:lnSpc>
-              <a:spcPct val="90000"/>
-            </a:lnSpc>
-            <a:spcBef>
-              <a:spcPct val="0"/>
-            </a:spcBef>
-            <a:spcAft>
-              <a:spcPct val="35000"/>
-            </a:spcAft>
-          </a:pPr>
-          <a:r>
-            <a:rPr lang="en-US" sz="1200" kern="1200"/>
-            <a:t>P/E</a:t>
-          </a:r>
-        </a:p>
-      </dsp:txBody>
-      <dsp:txXfrm>
-        <a:off x="3160886" y="4091360"/>
-        <a:ext cx="1439912" cy="719956"/>
-      </dsp:txXfrm>
-    </dsp:sp>
-    <dsp:sp modelId="{AE0F1FAB-E4F7-460E-B74D-9734E7275AB6}">
-      <dsp:nvSpPr>
-        <dsp:cNvPr id="0" name=""/>
-        <dsp:cNvSpPr/>
-      </dsp:nvSpPr>
-      <dsp:spPr>
-        <a:xfrm>
-          <a:off x="3160886" y="5113697"/>
-          <a:ext cx="1439912" cy="719956"/>
-        </a:xfrm>
-        <a:prstGeom prst="rect">
-          <a:avLst/>
-        </a:prstGeom>
-        <a:solidFill>
-          <a:schemeClr val="accent6">
-            <a:hueOff val="0"/>
-            <a:satOff val="0"/>
-            <a:lumOff val="0"/>
-            <a:alphaOff val="0"/>
-          </a:schemeClr>
-        </a:solidFill>
-        <a:ln w="12700" cap="flat" cmpd="sng" algn="ctr">
-          <a:solidFill>
-            <a:schemeClr val="lt1">
-              <a:hueOff val="0"/>
-              <a:satOff val="0"/>
-              <a:lumOff val="0"/>
-              <a:alphaOff val="0"/>
-            </a:schemeClr>
-          </a:solidFill>
-          <a:prstDash val="solid"/>
-          <a:miter lim="800000"/>
-        </a:ln>
-        <a:effectLst/>
-      </dsp:spPr>
-      <dsp:style>
-        <a:lnRef idx="2">
-          <a:scrgbClr r="0" g="0" b="0"/>
-        </a:lnRef>
-        <a:fillRef idx="1">
-          <a:scrgbClr r="0" g="0" b="0"/>
-        </a:fillRef>
-        <a:effectRef idx="0">
-          <a:scrgbClr r="0" g="0" b="0"/>
-        </a:effectRef>
-        <a:fontRef idx="minor">
-          <a:schemeClr val="lt1"/>
-        </a:fontRef>
-      </dsp:style>
-      <dsp:txBody>
-        <a:bodyPr spcFirstLastPara="0" vert="horz" wrap="square" lIns="7620" tIns="7620" rIns="7620" bIns="7620" numCol="1" spcCol="1270" anchor="ctr" anchorCtr="0">
-          <a:noAutofit/>
-        </a:bodyPr>
-        <a:lstStyle/>
-        <a:p>
-          <a:pPr lvl="0" algn="ctr" defTabSz="533400">
-            <a:lnSpc>
-              <a:spcPct val="90000"/>
-            </a:lnSpc>
-            <a:spcBef>
-              <a:spcPct val="0"/>
-            </a:spcBef>
-            <a:spcAft>
-              <a:spcPct val="35000"/>
-            </a:spcAft>
-          </a:pPr>
-          <a:r>
-            <a:rPr lang="en-US" sz="1200" kern="1200"/>
-            <a:t>P/CF</a:t>
-          </a:r>
-        </a:p>
-      </dsp:txBody>
-      <dsp:txXfrm>
-        <a:off x="3160886" y="5113697"/>
-        <a:ext cx="1439912" cy="719956"/>
-      </dsp:txXfrm>
-    </dsp:sp>
-    <dsp:sp modelId="{52565F71-66FC-45DF-AB63-8158775C40A3}">
-      <dsp:nvSpPr>
-        <dsp:cNvPr id="0" name=""/>
-        <dsp:cNvSpPr/>
-      </dsp:nvSpPr>
-      <dsp:spPr>
-        <a:xfrm>
-          <a:off x="3160886" y="6136035"/>
-          <a:ext cx="1439912" cy="719956"/>
-        </a:xfrm>
-        <a:prstGeom prst="rect">
-          <a:avLst/>
-        </a:prstGeom>
-        <a:solidFill>
-          <a:schemeClr val="accent6">
-            <a:hueOff val="0"/>
-            <a:satOff val="0"/>
-            <a:lumOff val="0"/>
-            <a:alphaOff val="0"/>
-          </a:schemeClr>
-        </a:solidFill>
-        <a:ln w="12700" cap="flat" cmpd="sng" algn="ctr">
-          <a:solidFill>
-            <a:schemeClr val="lt1">
-              <a:hueOff val="0"/>
-              <a:satOff val="0"/>
-              <a:lumOff val="0"/>
-              <a:alphaOff val="0"/>
-            </a:schemeClr>
-          </a:solidFill>
-          <a:prstDash val="solid"/>
-          <a:miter lim="800000"/>
-        </a:ln>
-        <a:effectLst/>
-      </dsp:spPr>
-      <dsp:style>
-        <a:lnRef idx="2">
-          <a:scrgbClr r="0" g="0" b="0"/>
-        </a:lnRef>
-        <a:fillRef idx="1">
-          <a:scrgbClr r="0" g="0" b="0"/>
-        </a:fillRef>
-        <a:effectRef idx="0">
-          <a:scrgbClr r="0" g="0" b="0"/>
-        </a:effectRef>
-        <a:fontRef idx="minor">
-          <a:schemeClr val="lt1"/>
-        </a:fontRef>
-      </dsp:style>
-      <dsp:txBody>
-        <a:bodyPr spcFirstLastPara="0" vert="horz" wrap="square" lIns="7620" tIns="7620" rIns="7620" bIns="7620" numCol="1" spcCol="1270" anchor="ctr" anchorCtr="0">
-          <a:noAutofit/>
-        </a:bodyPr>
-        <a:lstStyle/>
-        <a:p>
-          <a:pPr lvl="0" algn="ctr" defTabSz="533400">
-            <a:lnSpc>
-              <a:spcPct val="90000"/>
-            </a:lnSpc>
-            <a:spcBef>
-              <a:spcPct val="0"/>
-            </a:spcBef>
-            <a:spcAft>
-              <a:spcPct val="35000"/>
-            </a:spcAft>
-          </a:pPr>
-          <a:r>
-            <a:rPr lang="en-US" sz="1200" kern="1200"/>
-            <a:t>P/B</a:t>
-          </a:r>
-        </a:p>
-      </dsp:txBody>
-      <dsp:txXfrm>
-        <a:off x="3160886" y="6136035"/>
-        <a:ext cx="1439912" cy="719956"/>
-      </dsp:txXfrm>
-    </dsp:sp>
-    <dsp:sp modelId="{D3292D10-A68A-4ED9-A3C7-E3AF8D05334B}">
-      <dsp:nvSpPr>
-        <dsp:cNvPr id="0" name=""/>
-        <dsp:cNvSpPr/>
-      </dsp:nvSpPr>
-      <dsp:spPr>
-        <a:xfrm>
-          <a:off x="4543201" y="2046684"/>
-          <a:ext cx="1439912" cy="719956"/>
+          <a:off x="2914761" y="2405909"/>
+          <a:ext cx="1691059" cy="845529"/>
         </a:xfrm>
         <a:prstGeom prst="rect">
           <a:avLst/>
@@ -4478,12 +3934,12 @@
         </a:fontRef>
       </dsp:style>
       <dsp:txBody>
-        <a:bodyPr spcFirstLastPara="0" vert="horz" wrap="square" lIns="7620" tIns="7620" rIns="7620" bIns="7620" numCol="1" spcCol="1270" anchor="ctr" anchorCtr="0">
+        <a:bodyPr spcFirstLastPara="0" vert="horz" wrap="square" lIns="8890" tIns="8890" rIns="8890" bIns="8890" numCol="1" spcCol="1270" anchor="ctr" anchorCtr="0">
           <a:noAutofit/>
         </a:bodyPr>
         <a:lstStyle/>
         <a:p>
-          <a:pPr lvl="0" algn="ctr" defTabSz="533400">
+          <a:pPr lvl="0" algn="ctr" defTabSz="622300">
             <a:lnSpc>
               <a:spcPct val="90000"/>
             </a:lnSpc>
@@ -4495,264 +3951,25 @@
             </a:spcAft>
           </a:pPr>
           <a:r>
-            <a:rPr lang="en-US" sz="1200" kern="1200"/>
-            <a:t>Economic score</a:t>
+            <a:rPr lang="en-US" sz="1400" kern="1200"/>
+            <a:t>Dividend yield</a:t>
           </a:r>
         </a:p>
       </dsp:txBody>
       <dsp:txXfrm>
-        <a:off x="4543201" y="2046684"/>
-        <a:ext cx="1439912" cy="719956"/>
+        <a:off x="2914761" y="2405909"/>
+        <a:ext cx="1691059" cy="845529"/>
       </dsp:txXfrm>
     </dsp:sp>
-    <dsp:sp modelId="{A2C33C9F-E20E-4D1E-BBFD-28AA5D38E75F}">
+    <dsp:sp modelId="{43564767-2DAF-4E04-9A8E-DD1E3F8D8AE9}">
       <dsp:nvSpPr>
         <dsp:cNvPr id="0" name=""/>
         <dsp:cNvSpPr/>
       </dsp:nvSpPr>
       <dsp:spPr>
         <a:xfrm>
-          <a:off x="4903179" y="3069022"/>
-          <a:ext cx="1439912" cy="719956"/>
-        </a:xfrm>
-        <a:prstGeom prst="rect">
-          <a:avLst/>
-        </a:prstGeom>
-        <a:solidFill>
-          <a:schemeClr val="accent6">
-            <a:hueOff val="0"/>
-            <a:satOff val="0"/>
-            <a:lumOff val="0"/>
-            <a:alphaOff val="0"/>
-          </a:schemeClr>
-        </a:solidFill>
-        <a:ln w="12700" cap="flat" cmpd="sng" algn="ctr">
-          <a:solidFill>
-            <a:schemeClr val="lt1">
-              <a:hueOff val="0"/>
-              <a:satOff val="0"/>
-              <a:lumOff val="0"/>
-              <a:alphaOff val="0"/>
-            </a:schemeClr>
-          </a:solidFill>
-          <a:prstDash val="solid"/>
-          <a:miter lim="800000"/>
-        </a:ln>
-        <a:effectLst/>
-      </dsp:spPr>
-      <dsp:style>
-        <a:lnRef idx="2">
-          <a:scrgbClr r="0" g="0" b="0"/>
-        </a:lnRef>
-        <a:fillRef idx="1">
-          <a:scrgbClr r="0" g="0" b="0"/>
-        </a:fillRef>
-        <a:effectRef idx="0">
-          <a:scrgbClr r="0" g="0" b="0"/>
-        </a:effectRef>
-        <a:fontRef idx="minor">
-          <a:schemeClr val="lt1"/>
-        </a:fontRef>
-      </dsp:style>
-      <dsp:txBody>
-        <a:bodyPr spcFirstLastPara="0" vert="horz" wrap="square" lIns="7620" tIns="7620" rIns="7620" bIns="7620" numCol="1" spcCol="1270" anchor="ctr" anchorCtr="0">
-          <a:noAutofit/>
-        </a:bodyPr>
-        <a:lstStyle/>
-        <a:p>
-          <a:pPr lvl="0" algn="ctr" defTabSz="533400">
-            <a:lnSpc>
-              <a:spcPct val="90000"/>
-            </a:lnSpc>
-            <a:spcBef>
-              <a:spcPct val="0"/>
-            </a:spcBef>
-            <a:spcAft>
-              <a:spcPct val="35000"/>
-            </a:spcAft>
-          </a:pPr>
-          <a:r>
-            <a:rPr lang="en-US" sz="1200" kern="1200" dirty="0" err="1" smtClean="0"/>
-            <a:t>QoQ</a:t>
-          </a:r>
-          <a:r>
-            <a:rPr lang="en-US" sz="1200" kern="1200" dirty="0" smtClean="0"/>
-            <a:t> </a:t>
-          </a:r>
-          <a:r>
-            <a:rPr lang="en-US" sz="1200" kern="1200" dirty="0"/>
-            <a:t>GDP Growth</a:t>
-          </a:r>
-        </a:p>
-      </dsp:txBody>
-      <dsp:txXfrm>
-        <a:off x="4903179" y="3069022"/>
-        <a:ext cx="1439912" cy="719956"/>
-      </dsp:txXfrm>
-    </dsp:sp>
-    <dsp:sp modelId="{BEB8562A-B0BC-4237-ADB8-FF4D03EEE094}">
-      <dsp:nvSpPr>
-        <dsp:cNvPr id="0" name=""/>
-        <dsp:cNvSpPr/>
-      </dsp:nvSpPr>
-      <dsp:spPr>
-        <a:xfrm>
-          <a:off x="4903179" y="4091360"/>
-          <a:ext cx="1439912" cy="719956"/>
-        </a:xfrm>
-        <a:prstGeom prst="rect">
-          <a:avLst/>
-        </a:prstGeom>
-        <a:solidFill>
-          <a:schemeClr val="accent6">
-            <a:hueOff val="0"/>
-            <a:satOff val="0"/>
-            <a:lumOff val="0"/>
-            <a:alphaOff val="0"/>
-          </a:schemeClr>
-        </a:solidFill>
-        <a:ln w="12700" cap="flat" cmpd="sng" algn="ctr">
-          <a:solidFill>
-            <a:schemeClr val="lt1">
-              <a:hueOff val="0"/>
-              <a:satOff val="0"/>
-              <a:lumOff val="0"/>
-              <a:alphaOff val="0"/>
-            </a:schemeClr>
-          </a:solidFill>
-          <a:prstDash val="solid"/>
-          <a:miter lim="800000"/>
-        </a:ln>
-        <a:effectLst/>
-      </dsp:spPr>
-      <dsp:style>
-        <a:lnRef idx="2">
-          <a:scrgbClr r="0" g="0" b="0"/>
-        </a:lnRef>
-        <a:fillRef idx="1">
-          <a:scrgbClr r="0" g="0" b="0"/>
-        </a:fillRef>
-        <a:effectRef idx="0">
-          <a:scrgbClr r="0" g="0" b="0"/>
-        </a:effectRef>
-        <a:fontRef idx="minor">
-          <a:schemeClr val="lt1"/>
-        </a:fontRef>
-      </dsp:style>
-      <dsp:txBody>
-        <a:bodyPr spcFirstLastPara="0" vert="horz" wrap="square" lIns="7620" tIns="7620" rIns="7620" bIns="7620" numCol="1" spcCol="1270" anchor="ctr" anchorCtr="0">
-          <a:noAutofit/>
-        </a:bodyPr>
-        <a:lstStyle/>
-        <a:p>
-          <a:pPr lvl="0" algn="ctr" defTabSz="533400">
-            <a:lnSpc>
-              <a:spcPct val="90000"/>
-            </a:lnSpc>
-            <a:spcBef>
-              <a:spcPct val="0"/>
-            </a:spcBef>
-            <a:spcAft>
-              <a:spcPct val="35000"/>
-            </a:spcAft>
-          </a:pPr>
-          <a:r>
-            <a:rPr lang="en-US" sz="1200" kern="1200"/>
-            <a:t>Debt/GDP</a:t>
-          </a:r>
-        </a:p>
-      </dsp:txBody>
-      <dsp:txXfrm>
-        <a:off x="4903179" y="4091360"/>
-        <a:ext cx="1439912" cy="719956"/>
-      </dsp:txXfrm>
-    </dsp:sp>
-    <dsp:sp modelId="{D441324F-5840-4545-95C8-58993D682F03}">
-      <dsp:nvSpPr>
-        <dsp:cNvPr id="0" name=""/>
-        <dsp:cNvSpPr/>
-      </dsp:nvSpPr>
-      <dsp:spPr>
-        <a:xfrm>
-          <a:off x="4903179" y="5113697"/>
-          <a:ext cx="1439912" cy="719956"/>
-        </a:xfrm>
-        <a:prstGeom prst="rect">
-          <a:avLst/>
-        </a:prstGeom>
-        <a:solidFill>
-          <a:schemeClr val="accent6">
-            <a:hueOff val="0"/>
-            <a:satOff val="0"/>
-            <a:lumOff val="0"/>
-            <a:alphaOff val="0"/>
-          </a:schemeClr>
-        </a:solidFill>
-        <a:ln w="12700" cap="flat" cmpd="sng" algn="ctr">
-          <a:solidFill>
-            <a:schemeClr val="lt1">
-              <a:hueOff val="0"/>
-              <a:satOff val="0"/>
-              <a:lumOff val="0"/>
-              <a:alphaOff val="0"/>
-            </a:schemeClr>
-          </a:solidFill>
-          <a:prstDash val="solid"/>
-          <a:miter lim="800000"/>
-        </a:ln>
-        <a:effectLst/>
-      </dsp:spPr>
-      <dsp:style>
-        <a:lnRef idx="2">
-          <a:scrgbClr r="0" g="0" b="0"/>
-        </a:lnRef>
-        <a:fillRef idx="1">
-          <a:scrgbClr r="0" g="0" b="0"/>
-        </a:fillRef>
-        <a:effectRef idx="0">
-          <a:scrgbClr r="0" g="0" b="0"/>
-        </a:effectRef>
-        <a:fontRef idx="minor">
-          <a:schemeClr val="lt1"/>
-        </a:fontRef>
-      </dsp:style>
-      <dsp:txBody>
-        <a:bodyPr spcFirstLastPara="0" vert="horz" wrap="square" lIns="7620" tIns="7620" rIns="7620" bIns="7620" numCol="1" spcCol="1270" anchor="ctr" anchorCtr="0">
-          <a:noAutofit/>
-        </a:bodyPr>
-        <a:lstStyle/>
-        <a:p>
-          <a:pPr lvl="0" algn="ctr" defTabSz="533400">
-            <a:lnSpc>
-              <a:spcPct val="90000"/>
-            </a:lnSpc>
-            <a:spcBef>
-              <a:spcPct val="0"/>
-            </a:spcBef>
-            <a:spcAft>
-              <a:spcPct val="35000"/>
-            </a:spcAft>
-          </a:pPr>
-          <a:r>
-            <a:rPr lang="en-US" sz="1200" kern="1200"/>
-            <a:t>REER</a:t>
-          </a:r>
-        </a:p>
-      </dsp:txBody>
-      <dsp:txXfrm>
-        <a:off x="4903179" y="5113697"/>
-        <a:ext cx="1439912" cy="719956"/>
-      </dsp:txXfrm>
-    </dsp:sp>
-    <dsp:sp modelId="{16A858B9-E481-47A4-A994-B887C37078F5}">
-      <dsp:nvSpPr>
-        <dsp:cNvPr id="0" name=""/>
-        <dsp:cNvSpPr/>
-      </dsp:nvSpPr>
-      <dsp:spPr>
-        <a:xfrm>
-          <a:off x="6285495" y="2046684"/>
-          <a:ext cx="1439912" cy="719956"/>
+          <a:off x="2914761" y="3606561"/>
+          <a:ext cx="1691059" cy="845529"/>
         </a:xfrm>
         <a:prstGeom prst="rect">
           <a:avLst/>
@@ -4794,12 +4011,12 @@
         </a:fontRef>
       </dsp:style>
       <dsp:txBody>
-        <a:bodyPr spcFirstLastPara="0" vert="horz" wrap="square" lIns="7620" tIns="7620" rIns="7620" bIns="7620" numCol="1" spcCol="1270" anchor="ctr" anchorCtr="0">
+        <a:bodyPr spcFirstLastPara="0" vert="horz" wrap="square" lIns="8890" tIns="8890" rIns="8890" bIns="8890" numCol="1" spcCol="1270" anchor="ctr" anchorCtr="0">
           <a:noAutofit/>
         </a:bodyPr>
         <a:lstStyle/>
         <a:p>
-          <a:pPr lvl="0" algn="ctr" defTabSz="533400">
+          <a:pPr lvl="0" algn="ctr" defTabSz="622300">
             <a:lnSpc>
               <a:spcPct val="90000"/>
             </a:lnSpc>
@@ -4811,39 +4028,31 @@
             </a:spcAft>
           </a:pPr>
           <a:r>
-            <a:rPr lang="en-US" sz="1200" kern="1200" dirty="0"/>
-            <a:t>Market </a:t>
-          </a:r>
-          <a:r>
-            <a:rPr lang="en-US" sz="1200" kern="1200" dirty="0" smtClean="0"/>
-            <a:t>sentimental </a:t>
-          </a:r>
-          <a:r>
-            <a:rPr lang="en-US" sz="1200" kern="1200" dirty="0"/>
-            <a:t>and alternative score</a:t>
+            <a:rPr lang="en-US" sz="1400" kern="1200"/>
+            <a:t>P/E</a:t>
           </a:r>
         </a:p>
       </dsp:txBody>
       <dsp:txXfrm>
-        <a:off x="6285495" y="2046684"/>
-        <a:ext cx="1439912" cy="719956"/>
+        <a:off x="2914761" y="3606561"/>
+        <a:ext cx="1691059" cy="845529"/>
       </dsp:txXfrm>
     </dsp:sp>
-    <dsp:sp modelId="{13A484D3-7D69-43DA-A929-94F88FBBE4FD}">
+    <dsp:sp modelId="{AE0F1FAB-E4F7-460E-B74D-9734E7275AB6}">
       <dsp:nvSpPr>
         <dsp:cNvPr id="0" name=""/>
         <dsp:cNvSpPr/>
       </dsp:nvSpPr>
       <dsp:spPr>
         <a:xfrm>
-          <a:off x="6645473" y="3069022"/>
-          <a:ext cx="1439912" cy="719956"/>
+          <a:off x="2914761" y="4807214"/>
+          <a:ext cx="1691059" cy="845529"/>
         </a:xfrm>
         <a:prstGeom prst="rect">
           <a:avLst/>
         </a:prstGeom>
         <a:solidFill>
-          <a:schemeClr val="accent6">
+          <a:schemeClr val="accent5">
             <a:hueOff val="0"/>
             <a:satOff val="0"/>
             <a:lumOff val="0"/>
@@ -4879,12 +4088,12 @@
         </a:fontRef>
       </dsp:style>
       <dsp:txBody>
-        <a:bodyPr spcFirstLastPara="0" vert="horz" wrap="square" lIns="7620" tIns="7620" rIns="7620" bIns="7620" numCol="1" spcCol="1270" anchor="ctr" anchorCtr="0">
+        <a:bodyPr spcFirstLastPara="0" vert="horz" wrap="square" lIns="8890" tIns="8890" rIns="8890" bIns="8890" numCol="1" spcCol="1270" anchor="ctr" anchorCtr="0">
           <a:noAutofit/>
         </a:bodyPr>
         <a:lstStyle/>
         <a:p>
-          <a:pPr lvl="0" algn="ctr" defTabSz="533400">
+          <a:pPr lvl="0" algn="ctr" defTabSz="622300">
             <a:lnSpc>
               <a:spcPct val="90000"/>
             </a:lnSpc>
@@ -4896,31 +4105,31 @@
             </a:spcAft>
           </a:pPr>
           <a:r>
-            <a:rPr lang="en-US" sz="1200" kern="1200"/>
-            <a:t>Put/Call ratio</a:t>
+            <a:rPr lang="en-US" sz="1400" kern="1200"/>
+            <a:t>P/CF</a:t>
           </a:r>
         </a:p>
       </dsp:txBody>
       <dsp:txXfrm>
-        <a:off x="6645473" y="3069022"/>
-        <a:ext cx="1439912" cy="719956"/>
+        <a:off x="2914761" y="4807214"/>
+        <a:ext cx="1691059" cy="845529"/>
       </dsp:txXfrm>
     </dsp:sp>
-    <dsp:sp modelId="{A541300C-4EA0-4F2F-A86D-61A27E02B787}">
+    <dsp:sp modelId="{52565F71-66FC-45DF-AB63-8158775C40A3}">
       <dsp:nvSpPr>
         <dsp:cNvPr id="0" name=""/>
         <dsp:cNvSpPr/>
       </dsp:nvSpPr>
       <dsp:spPr>
         <a:xfrm>
-          <a:off x="6645473" y="4091360"/>
-          <a:ext cx="1439912" cy="719956"/>
+          <a:off x="2914761" y="6007866"/>
+          <a:ext cx="1691059" cy="845529"/>
         </a:xfrm>
         <a:prstGeom prst="rect">
           <a:avLst/>
         </a:prstGeom>
         <a:solidFill>
-          <a:schemeClr val="accent6">
+          <a:schemeClr val="accent5">
             <a:hueOff val="0"/>
             <a:satOff val="0"/>
             <a:lumOff val="0"/>
@@ -4956,12 +4165,12 @@
         </a:fontRef>
       </dsp:style>
       <dsp:txBody>
-        <a:bodyPr spcFirstLastPara="0" vert="horz" wrap="square" lIns="7620" tIns="7620" rIns="7620" bIns="7620" numCol="1" spcCol="1270" anchor="ctr" anchorCtr="0">
+        <a:bodyPr spcFirstLastPara="0" vert="horz" wrap="square" lIns="8890" tIns="8890" rIns="8890" bIns="8890" numCol="1" spcCol="1270" anchor="ctr" anchorCtr="0">
           <a:noAutofit/>
         </a:bodyPr>
         <a:lstStyle/>
         <a:p>
-          <a:pPr lvl="0" algn="ctr" defTabSz="533400">
+          <a:pPr lvl="0" algn="ctr" defTabSz="622300">
             <a:lnSpc>
               <a:spcPct val="90000"/>
             </a:lnSpc>
@@ -4973,14 +4182,569 @@
             </a:spcAft>
           </a:pPr>
           <a:r>
-            <a:rPr lang="en-US" sz="1200" kern="1200"/>
+            <a:rPr lang="en-US" sz="1400" kern="1200"/>
+            <a:t>P/B</a:t>
+          </a:r>
+        </a:p>
+      </dsp:txBody>
+      <dsp:txXfrm>
+        <a:off x="2914761" y="6007866"/>
+        <a:ext cx="1691059" cy="845529"/>
+      </dsp:txXfrm>
+    </dsp:sp>
+    <dsp:sp modelId="{D3292D10-A68A-4ED9-A3C7-E3AF8D05334B}">
+      <dsp:nvSpPr>
+        <dsp:cNvPr id="0" name=""/>
+        <dsp:cNvSpPr/>
+      </dsp:nvSpPr>
+      <dsp:spPr>
+        <a:xfrm>
+          <a:off x="4538178" y="1205257"/>
+          <a:ext cx="1691059" cy="845529"/>
+        </a:xfrm>
+        <a:prstGeom prst="rect">
+          <a:avLst/>
+        </a:prstGeom>
+        <a:solidFill>
+          <a:schemeClr val="accent4">
+            <a:hueOff val="0"/>
+            <a:satOff val="0"/>
+            <a:lumOff val="0"/>
+            <a:alphaOff val="0"/>
+          </a:schemeClr>
+        </a:solidFill>
+        <a:ln w="12700" cap="flat" cmpd="sng" algn="ctr">
+          <a:solidFill>
+            <a:schemeClr val="lt1">
+              <a:hueOff val="0"/>
+              <a:satOff val="0"/>
+              <a:lumOff val="0"/>
+              <a:alphaOff val="0"/>
+            </a:schemeClr>
+          </a:solidFill>
+          <a:prstDash val="solid"/>
+          <a:miter lim="800000"/>
+        </a:ln>
+        <a:effectLst/>
+      </dsp:spPr>
+      <dsp:style>
+        <a:lnRef idx="2">
+          <a:scrgbClr r="0" g="0" b="0"/>
+        </a:lnRef>
+        <a:fillRef idx="1">
+          <a:scrgbClr r="0" g="0" b="0"/>
+        </a:fillRef>
+        <a:effectRef idx="0">
+          <a:scrgbClr r="0" g="0" b="0"/>
+        </a:effectRef>
+        <a:fontRef idx="minor">
+          <a:schemeClr val="lt1"/>
+        </a:fontRef>
+      </dsp:style>
+      <dsp:txBody>
+        <a:bodyPr spcFirstLastPara="0" vert="horz" wrap="square" lIns="8890" tIns="8890" rIns="8890" bIns="8890" numCol="1" spcCol="1270" anchor="ctr" anchorCtr="0">
+          <a:noAutofit/>
+        </a:bodyPr>
+        <a:lstStyle/>
+        <a:p>
+          <a:pPr lvl="0" algn="ctr" defTabSz="622300">
+            <a:lnSpc>
+              <a:spcPct val="90000"/>
+            </a:lnSpc>
+            <a:spcBef>
+              <a:spcPct val="0"/>
+            </a:spcBef>
+            <a:spcAft>
+              <a:spcPct val="35000"/>
+            </a:spcAft>
+          </a:pPr>
+          <a:r>
+            <a:rPr lang="en-US" sz="1400" kern="1200"/>
+            <a:t>Economic score</a:t>
+          </a:r>
+        </a:p>
+      </dsp:txBody>
+      <dsp:txXfrm>
+        <a:off x="4538178" y="1205257"/>
+        <a:ext cx="1691059" cy="845529"/>
+      </dsp:txXfrm>
+    </dsp:sp>
+    <dsp:sp modelId="{A2C33C9F-E20E-4D1E-BBFD-28AA5D38E75F}">
+      <dsp:nvSpPr>
+        <dsp:cNvPr id="0" name=""/>
+        <dsp:cNvSpPr/>
+      </dsp:nvSpPr>
+      <dsp:spPr>
+        <a:xfrm>
+          <a:off x="4960943" y="2405909"/>
+          <a:ext cx="1691059" cy="845529"/>
+        </a:xfrm>
+        <a:prstGeom prst="rect">
+          <a:avLst/>
+        </a:prstGeom>
+        <a:solidFill>
+          <a:schemeClr val="accent5">
+            <a:hueOff val="0"/>
+            <a:satOff val="0"/>
+            <a:lumOff val="0"/>
+            <a:alphaOff val="0"/>
+          </a:schemeClr>
+        </a:solidFill>
+        <a:ln w="12700" cap="flat" cmpd="sng" algn="ctr">
+          <a:solidFill>
+            <a:schemeClr val="lt1">
+              <a:hueOff val="0"/>
+              <a:satOff val="0"/>
+              <a:lumOff val="0"/>
+              <a:alphaOff val="0"/>
+            </a:schemeClr>
+          </a:solidFill>
+          <a:prstDash val="solid"/>
+          <a:miter lim="800000"/>
+        </a:ln>
+        <a:effectLst/>
+      </dsp:spPr>
+      <dsp:style>
+        <a:lnRef idx="2">
+          <a:scrgbClr r="0" g="0" b="0"/>
+        </a:lnRef>
+        <a:fillRef idx="1">
+          <a:scrgbClr r="0" g="0" b="0"/>
+        </a:fillRef>
+        <a:effectRef idx="0">
+          <a:scrgbClr r="0" g="0" b="0"/>
+        </a:effectRef>
+        <a:fontRef idx="minor">
+          <a:schemeClr val="lt1"/>
+        </a:fontRef>
+      </dsp:style>
+      <dsp:txBody>
+        <a:bodyPr spcFirstLastPara="0" vert="horz" wrap="square" lIns="8890" tIns="8890" rIns="8890" bIns="8890" numCol="1" spcCol="1270" anchor="ctr" anchorCtr="0">
+          <a:noAutofit/>
+        </a:bodyPr>
+        <a:lstStyle/>
+        <a:p>
+          <a:pPr lvl="0" algn="ctr" defTabSz="622300">
+            <a:lnSpc>
+              <a:spcPct val="90000"/>
+            </a:lnSpc>
+            <a:spcBef>
+              <a:spcPct val="0"/>
+            </a:spcBef>
+            <a:spcAft>
+              <a:spcPct val="35000"/>
+            </a:spcAft>
+          </a:pPr>
+          <a:r>
+            <a:rPr lang="en-US" sz="1400" kern="1200" dirty="0" err="1" smtClean="0"/>
+            <a:t>QoQ</a:t>
+          </a:r>
+          <a:r>
+            <a:rPr lang="en-US" sz="1400" kern="1200" dirty="0" smtClean="0"/>
+            <a:t> </a:t>
+          </a:r>
+          <a:r>
+            <a:rPr lang="en-US" sz="1400" kern="1200" dirty="0"/>
+            <a:t>GDP Growth</a:t>
+          </a:r>
+        </a:p>
+      </dsp:txBody>
+      <dsp:txXfrm>
+        <a:off x="4960943" y="2405909"/>
+        <a:ext cx="1691059" cy="845529"/>
+      </dsp:txXfrm>
+    </dsp:sp>
+    <dsp:sp modelId="{BEB8562A-B0BC-4237-ADB8-FF4D03EEE094}">
+      <dsp:nvSpPr>
+        <dsp:cNvPr id="0" name=""/>
+        <dsp:cNvSpPr/>
+      </dsp:nvSpPr>
+      <dsp:spPr>
+        <a:xfrm>
+          <a:off x="4960943" y="3606561"/>
+          <a:ext cx="1691059" cy="845529"/>
+        </a:xfrm>
+        <a:prstGeom prst="rect">
+          <a:avLst/>
+        </a:prstGeom>
+        <a:solidFill>
+          <a:schemeClr val="accent5">
+            <a:hueOff val="0"/>
+            <a:satOff val="0"/>
+            <a:lumOff val="0"/>
+            <a:alphaOff val="0"/>
+          </a:schemeClr>
+        </a:solidFill>
+        <a:ln w="12700" cap="flat" cmpd="sng" algn="ctr">
+          <a:solidFill>
+            <a:schemeClr val="lt1">
+              <a:hueOff val="0"/>
+              <a:satOff val="0"/>
+              <a:lumOff val="0"/>
+              <a:alphaOff val="0"/>
+            </a:schemeClr>
+          </a:solidFill>
+          <a:prstDash val="solid"/>
+          <a:miter lim="800000"/>
+        </a:ln>
+        <a:effectLst/>
+      </dsp:spPr>
+      <dsp:style>
+        <a:lnRef idx="2">
+          <a:scrgbClr r="0" g="0" b="0"/>
+        </a:lnRef>
+        <a:fillRef idx="1">
+          <a:scrgbClr r="0" g="0" b="0"/>
+        </a:fillRef>
+        <a:effectRef idx="0">
+          <a:scrgbClr r="0" g="0" b="0"/>
+        </a:effectRef>
+        <a:fontRef idx="minor">
+          <a:schemeClr val="lt1"/>
+        </a:fontRef>
+      </dsp:style>
+      <dsp:txBody>
+        <a:bodyPr spcFirstLastPara="0" vert="horz" wrap="square" lIns="8890" tIns="8890" rIns="8890" bIns="8890" numCol="1" spcCol="1270" anchor="ctr" anchorCtr="0">
+          <a:noAutofit/>
+        </a:bodyPr>
+        <a:lstStyle/>
+        <a:p>
+          <a:pPr lvl="0" algn="ctr" defTabSz="622300">
+            <a:lnSpc>
+              <a:spcPct val="90000"/>
+            </a:lnSpc>
+            <a:spcBef>
+              <a:spcPct val="0"/>
+            </a:spcBef>
+            <a:spcAft>
+              <a:spcPct val="35000"/>
+            </a:spcAft>
+          </a:pPr>
+          <a:r>
+            <a:rPr lang="en-US" sz="1400" kern="1200"/>
+            <a:t>Debt/GDP</a:t>
+          </a:r>
+        </a:p>
+      </dsp:txBody>
+      <dsp:txXfrm>
+        <a:off x="4960943" y="3606561"/>
+        <a:ext cx="1691059" cy="845529"/>
+      </dsp:txXfrm>
+    </dsp:sp>
+    <dsp:sp modelId="{D441324F-5840-4545-95C8-58993D682F03}">
+      <dsp:nvSpPr>
+        <dsp:cNvPr id="0" name=""/>
+        <dsp:cNvSpPr/>
+      </dsp:nvSpPr>
+      <dsp:spPr>
+        <a:xfrm>
+          <a:off x="4960943" y="4807214"/>
+          <a:ext cx="1691059" cy="845529"/>
+        </a:xfrm>
+        <a:prstGeom prst="rect">
+          <a:avLst/>
+        </a:prstGeom>
+        <a:solidFill>
+          <a:schemeClr val="accent5">
+            <a:hueOff val="0"/>
+            <a:satOff val="0"/>
+            <a:lumOff val="0"/>
+            <a:alphaOff val="0"/>
+          </a:schemeClr>
+        </a:solidFill>
+        <a:ln w="12700" cap="flat" cmpd="sng" algn="ctr">
+          <a:solidFill>
+            <a:schemeClr val="lt1">
+              <a:hueOff val="0"/>
+              <a:satOff val="0"/>
+              <a:lumOff val="0"/>
+              <a:alphaOff val="0"/>
+            </a:schemeClr>
+          </a:solidFill>
+          <a:prstDash val="solid"/>
+          <a:miter lim="800000"/>
+        </a:ln>
+        <a:effectLst/>
+      </dsp:spPr>
+      <dsp:style>
+        <a:lnRef idx="2">
+          <a:scrgbClr r="0" g="0" b="0"/>
+        </a:lnRef>
+        <a:fillRef idx="1">
+          <a:scrgbClr r="0" g="0" b="0"/>
+        </a:fillRef>
+        <a:effectRef idx="0">
+          <a:scrgbClr r="0" g="0" b="0"/>
+        </a:effectRef>
+        <a:fontRef idx="minor">
+          <a:schemeClr val="lt1"/>
+        </a:fontRef>
+      </dsp:style>
+      <dsp:txBody>
+        <a:bodyPr spcFirstLastPara="0" vert="horz" wrap="square" lIns="8890" tIns="8890" rIns="8890" bIns="8890" numCol="1" spcCol="1270" anchor="ctr" anchorCtr="0">
+          <a:noAutofit/>
+        </a:bodyPr>
+        <a:lstStyle/>
+        <a:p>
+          <a:pPr lvl="0" algn="ctr" defTabSz="622300">
+            <a:lnSpc>
+              <a:spcPct val="90000"/>
+            </a:lnSpc>
+            <a:spcBef>
+              <a:spcPct val="0"/>
+            </a:spcBef>
+            <a:spcAft>
+              <a:spcPct val="35000"/>
+            </a:spcAft>
+          </a:pPr>
+          <a:r>
+            <a:rPr lang="en-US" sz="1400" kern="1200"/>
+            <a:t>REER</a:t>
+          </a:r>
+        </a:p>
+      </dsp:txBody>
+      <dsp:txXfrm>
+        <a:off x="4960943" y="4807214"/>
+        <a:ext cx="1691059" cy="845529"/>
+      </dsp:txXfrm>
+    </dsp:sp>
+    <dsp:sp modelId="{16A858B9-E481-47A4-A994-B887C37078F5}">
+      <dsp:nvSpPr>
+        <dsp:cNvPr id="0" name=""/>
+        <dsp:cNvSpPr/>
+      </dsp:nvSpPr>
+      <dsp:spPr>
+        <a:xfrm>
+          <a:off x="6584360" y="1205257"/>
+          <a:ext cx="1691059" cy="845529"/>
+        </a:xfrm>
+        <a:prstGeom prst="rect">
+          <a:avLst/>
+        </a:prstGeom>
+        <a:solidFill>
+          <a:schemeClr val="accent4">
+            <a:hueOff val="0"/>
+            <a:satOff val="0"/>
+            <a:lumOff val="0"/>
+            <a:alphaOff val="0"/>
+          </a:schemeClr>
+        </a:solidFill>
+        <a:ln w="12700" cap="flat" cmpd="sng" algn="ctr">
+          <a:solidFill>
+            <a:schemeClr val="lt1">
+              <a:hueOff val="0"/>
+              <a:satOff val="0"/>
+              <a:lumOff val="0"/>
+              <a:alphaOff val="0"/>
+            </a:schemeClr>
+          </a:solidFill>
+          <a:prstDash val="solid"/>
+          <a:miter lim="800000"/>
+        </a:ln>
+        <a:effectLst/>
+      </dsp:spPr>
+      <dsp:style>
+        <a:lnRef idx="2">
+          <a:scrgbClr r="0" g="0" b="0"/>
+        </a:lnRef>
+        <a:fillRef idx="1">
+          <a:scrgbClr r="0" g="0" b="0"/>
+        </a:fillRef>
+        <a:effectRef idx="0">
+          <a:scrgbClr r="0" g="0" b="0"/>
+        </a:effectRef>
+        <a:fontRef idx="minor">
+          <a:schemeClr val="lt1"/>
+        </a:fontRef>
+      </dsp:style>
+      <dsp:txBody>
+        <a:bodyPr spcFirstLastPara="0" vert="horz" wrap="square" lIns="8890" tIns="8890" rIns="8890" bIns="8890" numCol="1" spcCol="1270" anchor="ctr" anchorCtr="0">
+          <a:noAutofit/>
+        </a:bodyPr>
+        <a:lstStyle/>
+        <a:p>
+          <a:pPr lvl="0" algn="ctr" defTabSz="622300">
+            <a:lnSpc>
+              <a:spcPct val="90000"/>
+            </a:lnSpc>
+            <a:spcBef>
+              <a:spcPct val="0"/>
+            </a:spcBef>
+            <a:spcAft>
+              <a:spcPct val="35000"/>
+            </a:spcAft>
+          </a:pPr>
+          <a:r>
+            <a:rPr lang="en-US" sz="1400" kern="1200" dirty="0"/>
+            <a:t>Market </a:t>
+          </a:r>
+          <a:r>
+            <a:rPr lang="en-US" sz="1400" kern="1200" dirty="0" smtClean="0"/>
+            <a:t>sentimental </a:t>
+          </a:r>
+          <a:r>
+            <a:rPr lang="en-US" sz="1400" kern="1200" dirty="0"/>
+            <a:t>and alternative score</a:t>
+          </a:r>
+        </a:p>
+      </dsp:txBody>
+      <dsp:txXfrm>
+        <a:off x="6584360" y="1205257"/>
+        <a:ext cx="1691059" cy="845529"/>
+      </dsp:txXfrm>
+    </dsp:sp>
+    <dsp:sp modelId="{13A484D3-7D69-43DA-A929-94F88FBBE4FD}">
+      <dsp:nvSpPr>
+        <dsp:cNvPr id="0" name=""/>
+        <dsp:cNvSpPr/>
+      </dsp:nvSpPr>
+      <dsp:spPr>
+        <a:xfrm>
+          <a:off x="7007125" y="2405909"/>
+          <a:ext cx="1691059" cy="845529"/>
+        </a:xfrm>
+        <a:prstGeom prst="rect">
+          <a:avLst/>
+        </a:prstGeom>
+        <a:solidFill>
+          <a:schemeClr val="accent5">
+            <a:hueOff val="0"/>
+            <a:satOff val="0"/>
+            <a:lumOff val="0"/>
+            <a:alphaOff val="0"/>
+          </a:schemeClr>
+        </a:solidFill>
+        <a:ln w="12700" cap="flat" cmpd="sng" algn="ctr">
+          <a:solidFill>
+            <a:schemeClr val="lt1">
+              <a:hueOff val="0"/>
+              <a:satOff val="0"/>
+              <a:lumOff val="0"/>
+              <a:alphaOff val="0"/>
+            </a:schemeClr>
+          </a:solidFill>
+          <a:prstDash val="solid"/>
+          <a:miter lim="800000"/>
+        </a:ln>
+        <a:effectLst/>
+      </dsp:spPr>
+      <dsp:style>
+        <a:lnRef idx="2">
+          <a:scrgbClr r="0" g="0" b="0"/>
+        </a:lnRef>
+        <a:fillRef idx="1">
+          <a:scrgbClr r="0" g="0" b="0"/>
+        </a:fillRef>
+        <a:effectRef idx="0">
+          <a:scrgbClr r="0" g="0" b="0"/>
+        </a:effectRef>
+        <a:fontRef idx="minor">
+          <a:schemeClr val="lt1"/>
+        </a:fontRef>
+      </dsp:style>
+      <dsp:txBody>
+        <a:bodyPr spcFirstLastPara="0" vert="horz" wrap="square" lIns="8890" tIns="8890" rIns="8890" bIns="8890" numCol="1" spcCol="1270" anchor="ctr" anchorCtr="0">
+          <a:noAutofit/>
+        </a:bodyPr>
+        <a:lstStyle/>
+        <a:p>
+          <a:pPr lvl="0" algn="ctr" defTabSz="622300">
+            <a:lnSpc>
+              <a:spcPct val="90000"/>
+            </a:lnSpc>
+            <a:spcBef>
+              <a:spcPct val="0"/>
+            </a:spcBef>
+            <a:spcAft>
+              <a:spcPct val="35000"/>
+            </a:spcAft>
+          </a:pPr>
+          <a:r>
+            <a:rPr lang="en-US" sz="1400" kern="1200"/>
+            <a:t>Put/Call ratio</a:t>
+          </a:r>
+        </a:p>
+      </dsp:txBody>
+      <dsp:txXfrm>
+        <a:off x="7007125" y="2405909"/>
+        <a:ext cx="1691059" cy="845529"/>
+      </dsp:txXfrm>
+    </dsp:sp>
+    <dsp:sp modelId="{A541300C-4EA0-4F2F-A86D-61A27E02B787}">
+      <dsp:nvSpPr>
+        <dsp:cNvPr id="0" name=""/>
+        <dsp:cNvSpPr/>
+      </dsp:nvSpPr>
+      <dsp:spPr>
+        <a:xfrm>
+          <a:off x="7007125" y="3606561"/>
+          <a:ext cx="1691059" cy="845529"/>
+        </a:xfrm>
+        <a:prstGeom prst="rect">
+          <a:avLst/>
+        </a:prstGeom>
+        <a:solidFill>
+          <a:schemeClr val="accent5">
+            <a:hueOff val="0"/>
+            <a:satOff val="0"/>
+            <a:lumOff val="0"/>
+            <a:alphaOff val="0"/>
+          </a:schemeClr>
+        </a:solidFill>
+        <a:ln w="12700" cap="flat" cmpd="sng" algn="ctr">
+          <a:solidFill>
+            <a:schemeClr val="lt1">
+              <a:hueOff val="0"/>
+              <a:satOff val="0"/>
+              <a:lumOff val="0"/>
+              <a:alphaOff val="0"/>
+            </a:schemeClr>
+          </a:solidFill>
+          <a:prstDash val="solid"/>
+          <a:miter lim="800000"/>
+        </a:ln>
+        <a:effectLst/>
+      </dsp:spPr>
+      <dsp:style>
+        <a:lnRef idx="2">
+          <a:scrgbClr r="0" g="0" b="0"/>
+        </a:lnRef>
+        <a:fillRef idx="1">
+          <a:scrgbClr r="0" g="0" b="0"/>
+        </a:fillRef>
+        <a:effectRef idx="0">
+          <a:scrgbClr r="0" g="0" b="0"/>
+        </a:effectRef>
+        <a:fontRef idx="minor">
+          <a:schemeClr val="lt1"/>
+        </a:fontRef>
+      </dsp:style>
+      <dsp:txBody>
+        <a:bodyPr spcFirstLastPara="0" vert="horz" wrap="square" lIns="8890" tIns="8890" rIns="8890" bIns="8890" numCol="1" spcCol="1270" anchor="ctr" anchorCtr="0">
+          <a:noAutofit/>
+        </a:bodyPr>
+        <a:lstStyle/>
+        <a:p>
+          <a:pPr lvl="0" algn="ctr" defTabSz="622300">
+            <a:lnSpc>
+              <a:spcPct val="90000"/>
+            </a:lnSpc>
+            <a:spcBef>
+              <a:spcPct val="0"/>
+            </a:spcBef>
+            <a:spcAft>
+              <a:spcPct val="35000"/>
+            </a:spcAft>
+          </a:pPr>
+          <a:r>
+            <a:rPr lang="en-US" sz="1400" kern="1200"/>
             <a:t>Short interests</a:t>
           </a:r>
         </a:p>
       </dsp:txBody>
       <dsp:txXfrm>
-        <a:off x="6645473" y="4091360"/>
-        <a:ext cx="1439912" cy="719956"/>
+        <a:off x="7007125" y="3606561"/>
+        <a:ext cx="1691059" cy="845529"/>
       </dsp:txXfrm>
     </dsp:sp>
   </dsp:spTree>
@@ -7298,7 +7062,7 @@
           <a:p>
             <a:fld id="{AC0CE3CB-4D8B-4774-9D8B-EEB29A0BAFB7}" type="datetimeFigureOut">
               <a:rPr lang="en-US" smtClean="0"/>
-              <a:t>3/23/2020</a:t>
+              <a:t>3/25/2020</a:t>
             </a:fld>
             <a:endParaRPr lang="en-US"/>
           </a:p>
@@ -7468,7 +7232,7 @@
           <a:p>
             <a:fld id="{AC0CE3CB-4D8B-4774-9D8B-EEB29A0BAFB7}" type="datetimeFigureOut">
               <a:rPr lang="en-US" smtClean="0"/>
-              <a:t>3/23/2020</a:t>
+              <a:t>3/25/2020</a:t>
             </a:fld>
             <a:endParaRPr lang="en-US"/>
           </a:p>
@@ -7648,7 +7412,7 @@
           <a:p>
             <a:fld id="{AC0CE3CB-4D8B-4774-9D8B-EEB29A0BAFB7}" type="datetimeFigureOut">
               <a:rPr lang="en-US" smtClean="0"/>
-              <a:t>3/23/2020</a:t>
+              <a:t>3/25/2020</a:t>
             </a:fld>
             <a:endParaRPr lang="en-US"/>
           </a:p>
@@ -7818,7 +7582,7 @@
           <a:p>
             <a:fld id="{AC0CE3CB-4D8B-4774-9D8B-EEB29A0BAFB7}" type="datetimeFigureOut">
               <a:rPr lang="en-US" smtClean="0"/>
-              <a:t>3/23/2020</a:t>
+              <a:t>3/25/2020</a:t>
             </a:fld>
             <a:endParaRPr lang="en-US"/>
           </a:p>
@@ -8062,7 +7826,7 @@
           <a:p>
             <a:fld id="{AC0CE3CB-4D8B-4774-9D8B-EEB29A0BAFB7}" type="datetimeFigureOut">
               <a:rPr lang="en-US" smtClean="0"/>
-              <a:t>3/23/2020</a:t>
+              <a:t>3/25/2020</a:t>
             </a:fld>
             <a:endParaRPr lang="en-US"/>
           </a:p>
@@ -8294,7 +8058,7 @@
           <a:p>
             <a:fld id="{AC0CE3CB-4D8B-4774-9D8B-EEB29A0BAFB7}" type="datetimeFigureOut">
               <a:rPr lang="en-US" smtClean="0"/>
-              <a:t>3/23/2020</a:t>
+              <a:t>3/25/2020</a:t>
             </a:fld>
             <a:endParaRPr lang="en-US"/>
           </a:p>
@@ -8661,7 +8425,7 @@
           <a:p>
             <a:fld id="{AC0CE3CB-4D8B-4774-9D8B-EEB29A0BAFB7}" type="datetimeFigureOut">
               <a:rPr lang="en-US" smtClean="0"/>
-              <a:t>3/23/2020</a:t>
+              <a:t>3/25/2020</a:t>
             </a:fld>
             <a:endParaRPr lang="en-US"/>
           </a:p>
@@ -8779,7 +8543,7 @@
           <a:p>
             <a:fld id="{AC0CE3CB-4D8B-4774-9D8B-EEB29A0BAFB7}" type="datetimeFigureOut">
               <a:rPr lang="en-US" smtClean="0"/>
-              <a:t>3/23/2020</a:t>
+              <a:t>3/25/2020</a:t>
             </a:fld>
             <a:endParaRPr lang="en-US"/>
           </a:p>
@@ -8874,7 +8638,7 @@
           <a:p>
             <a:fld id="{AC0CE3CB-4D8B-4774-9D8B-EEB29A0BAFB7}" type="datetimeFigureOut">
               <a:rPr lang="en-US" smtClean="0"/>
-              <a:t>3/23/2020</a:t>
+              <a:t>3/25/2020</a:t>
             </a:fld>
             <a:endParaRPr lang="en-US"/>
           </a:p>
@@ -9151,7 +8915,7 @@
           <a:p>
             <a:fld id="{AC0CE3CB-4D8B-4774-9D8B-EEB29A0BAFB7}" type="datetimeFigureOut">
               <a:rPr lang="en-US" smtClean="0"/>
-              <a:t>3/23/2020</a:t>
+              <a:t>3/25/2020</a:t>
             </a:fld>
             <a:endParaRPr lang="en-US"/>
           </a:p>
@@ -9408,7 +9172,7 @@
           <a:p>
             <a:fld id="{AC0CE3CB-4D8B-4774-9D8B-EEB29A0BAFB7}" type="datetimeFigureOut">
               <a:rPr lang="en-US" smtClean="0"/>
-              <a:t>3/23/2020</a:t>
+              <a:t>3/25/2020</a:t>
             </a:fld>
             <a:endParaRPr lang="en-US"/>
           </a:p>
@@ -9621,7 +9385,7 @@
           <a:p>
             <a:fld id="{AC0CE3CB-4D8B-4774-9D8B-EEB29A0BAFB7}" type="datetimeFigureOut">
               <a:rPr lang="en-US" smtClean="0"/>
-              <a:t>3/23/2020</a:t>
+              <a:t>3/25/2020</a:t>
             </a:fld>
             <a:endParaRPr lang="en-US"/>
           </a:p>
@@ -10031,7 +9795,7 @@
           <p:cNvPr id="7" name="Diagram 6">
             <a:extLst>
               <a:ext uri="{FF2B5EF4-FFF2-40B4-BE49-F238E27FC236}">
-                <a16:creationId xmlns="" xmlns:a16="http://schemas.microsoft.com/office/drawing/2014/main" id="{C13B09F0-C816-467D-ABDE-89599B29D4E9}"/>
+                <a16:creationId xmlns:a16="http://schemas.microsoft.com/office/drawing/2014/main" xmlns="" id="{C13B09F0-C816-467D-ABDE-89599B29D4E9}"/>
               </a:ext>
             </a:extLst>
           </p:cNvPr>
@@ -10039,7 +9803,7 @@
           <p:nvPr>
             <p:extLst>
               <p:ext uri="{D42A27DB-BD31-4B8C-83A1-F6EECF244321}">
-                <p14:modId xmlns:p14="http://schemas.microsoft.com/office/powerpoint/2010/main" val="4008982540"/>
+                <p14:modId xmlns:p14="http://schemas.microsoft.com/office/powerpoint/2010/main" val="955900077"/>
               </p:ext>
             </p:extLst>
           </p:nvPr>
@@ -10322,7 +10086,7 @@
   <a:extraClrSchemeLst/>
   <a:extLst>
     <a:ext uri="{05A4C25C-085E-4340-85A3-A5531E510DB2}">
-      <thm15:themeFamily xmlns="" xmlns:thm15="http://schemas.microsoft.com/office/thememl/2012/main" name="Office Theme" id="{62F939B6-93AF-4DB8-9C6B-D6C7DFDC589F}" vid="{4A3C46E8-61CC-4603-A589-7422A47A8E4A}"/>
+      <thm15:themeFamily xmlns:thm15="http://schemas.microsoft.com/office/thememl/2012/main" xmlns="" name="Office Theme" id="{62F939B6-93AF-4DB8-9C6B-D6C7DFDC589F}" vid="{4A3C46E8-61CC-4603-A589-7422A47A8E4A}"/>
     </a:ext>
   </a:extLst>
 </a:theme>
